--- a/projekt/Our website (1).pptx
+++ b/projekt/Our website (1).pptx
@@ -922,7 +922,7 @@
       <dgm:spPr/>
     </dgm:pt>
     <dgm:pt modelId="{14E50365-0BD5-42C8-BBD0-364183448D9E}" type="pres">
-      <dgm:prSet presAssocID="{8AA3DD0B-8526-46D6-93F6-55A860567803}" presName="pictRect" presStyleLbl="node1" presStyleIdx="0" presStyleCnt="1" custScaleX="119812" custScaleY="108456" custLinFactNeighborX="23870" custLinFactNeighborY="-30903"/>
+      <dgm:prSet presAssocID="{8AA3DD0B-8526-46D6-93F6-55A860567803}" presName="pictRect" presStyleLbl="node1" presStyleIdx="0" presStyleCnt="1" custScaleX="119812" custScaleY="108456" custLinFactNeighborX="34965" custLinFactNeighborY="72508"/>
       <dgm:spPr>
         <a:blipFill>
           <a:blip xmlns:r="http://schemas.openxmlformats.org/officeDocument/2006/relationships" r:embed="rId1"/>
@@ -975,7 +975,7 @@
       </dsp:nvSpPr>
       <dsp:spPr>
         <a:xfrm>
-          <a:off x="1356406" y="0"/>
+          <a:off x="1437612" y="915246"/>
           <a:ext cx="3200341" cy="1996038"/>
         </a:xfrm>
         <a:prstGeom prst="roundRect">
@@ -2756,7 +2756,7 @@
           <a:noFill/>
           <a:extLst>
             <a:ext uri="{909E8E84-426E-40dd-AFC4-6F175D3DCCD1}">
-              <a14:hiddenFill xmlns="" xmlns:a14="http://schemas.microsoft.com/office/drawing/2010/main">
+              <a14:hiddenFill xmlns:a14="http://schemas.microsoft.com/office/drawing/2010/main" xmlns="">
                 <a:solidFill>
                   <a:srgbClr val="FFFFFF"/>
                 </a:solidFill>
@@ -2816,7 +2816,7 @@
             </a:ln>
             <a:extLst>
               <a:ext uri="{91240B29-F687-4f45-9708-019B960494DF}">
-                <a14:hiddenLine xmlns="" xmlns:a14="http://schemas.microsoft.com/office/drawing/2010/main" w="9525">
+                <a14:hiddenLine xmlns:a14="http://schemas.microsoft.com/office/drawing/2010/main" xmlns="" w="9525">
                   <a:solidFill>
                     <a:srgbClr val="000000"/>
                   </a:solidFill>
@@ -2906,7 +2906,7 @@
             </a:ln>
             <a:extLst>
               <a:ext uri="{91240B29-F687-4f45-9708-019B960494DF}">
-                <a14:hiddenLine xmlns="" xmlns:a14="http://schemas.microsoft.com/office/drawing/2010/main" w="9525">
+                <a14:hiddenLine xmlns:a14="http://schemas.microsoft.com/office/drawing/2010/main" xmlns="" w="9525">
                   <a:solidFill>
                     <a:srgbClr val="000000"/>
                   </a:solidFill>
@@ -2996,7 +2996,7 @@
             </a:ln>
             <a:extLst>
               <a:ext uri="{91240B29-F687-4f45-9708-019B960494DF}">
-                <a14:hiddenLine xmlns="" xmlns:a14="http://schemas.microsoft.com/office/drawing/2010/main" w="9525">
+                <a14:hiddenLine xmlns:a14="http://schemas.microsoft.com/office/drawing/2010/main" xmlns="" w="9525">
                   <a:solidFill>
                     <a:srgbClr val="000000"/>
                   </a:solidFill>
@@ -3030,7 +3030,7 @@
             </a:ln>
             <a:extLst>
               <a:ext uri="{91240B29-F687-4f45-9708-019B960494DF}">
-                <a14:hiddenLine xmlns="" xmlns:a14="http://schemas.microsoft.com/office/drawing/2010/main" w="9525">
+                <a14:hiddenLine xmlns:a14="http://schemas.microsoft.com/office/drawing/2010/main" xmlns="" w="9525">
                   <a:solidFill>
                     <a:srgbClr val="000000"/>
                   </a:solidFill>
@@ -3120,7 +3120,7 @@
             </a:ln>
             <a:extLst>
               <a:ext uri="{91240B29-F687-4f45-9708-019B960494DF}">
-                <a14:hiddenLine xmlns="" xmlns:a14="http://schemas.microsoft.com/office/drawing/2010/main" w="9525">
+                <a14:hiddenLine xmlns:a14="http://schemas.microsoft.com/office/drawing/2010/main" xmlns="" w="9525">
                   <a:solidFill>
                     <a:srgbClr val="000000"/>
                   </a:solidFill>
@@ -3182,7 +3182,7 @@
             </a:ln>
             <a:extLst>
               <a:ext uri="{91240B29-F687-4f45-9708-019B960494DF}">
-                <a14:hiddenLine xmlns="" xmlns:a14="http://schemas.microsoft.com/office/drawing/2010/main" w="9525">
+                <a14:hiddenLine xmlns:a14="http://schemas.microsoft.com/office/drawing/2010/main" xmlns="" w="9525">
                   <a:solidFill>
                     <a:srgbClr val="000000"/>
                   </a:solidFill>
@@ -3244,7 +3244,7 @@
             </a:ln>
             <a:extLst>
               <a:ext uri="{91240B29-F687-4f45-9708-019B960494DF}">
-                <a14:hiddenLine xmlns="" xmlns:a14="http://schemas.microsoft.com/office/drawing/2010/main" w="9525">
+                <a14:hiddenLine xmlns:a14="http://schemas.microsoft.com/office/drawing/2010/main" xmlns="" w="9525">
                   <a:solidFill>
                     <a:srgbClr val="000000"/>
                   </a:solidFill>
@@ -3334,7 +3334,7 @@
             </a:ln>
             <a:extLst>
               <a:ext uri="{91240B29-F687-4f45-9708-019B960494DF}">
-                <a14:hiddenLine xmlns="" xmlns:a14="http://schemas.microsoft.com/office/drawing/2010/main" w="9525">
+                <a14:hiddenLine xmlns:a14="http://schemas.microsoft.com/office/drawing/2010/main" xmlns="" w="9525">
                   <a:solidFill>
                     <a:srgbClr val="000000"/>
                   </a:solidFill>
@@ -3396,7 +3396,7 @@
             </a:ln>
             <a:extLst>
               <a:ext uri="{91240B29-F687-4f45-9708-019B960494DF}">
-                <a14:hiddenLine xmlns="" xmlns:a14="http://schemas.microsoft.com/office/drawing/2010/main" w="9525">
+                <a14:hiddenLine xmlns:a14="http://schemas.microsoft.com/office/drawing/2010/main" xmlns="" w="9525">
                   <a:solidFill>
                     <a:srgbClr val="000000"/>
                   </a:solidFill>
@@ -3458,7 +3458,7 @@
             </a:ln>
             <a:extLst>
               <a:ext uri="{91240B29-F687-4f45-9708-019B960494DF}">
-                <a14:hiddenLine xmlns="" xmlns:a14="http://schemas.microsoft.com/office/drawing/2010/main" w="9525">
+                <a14:hiddenLine xmlns:a14="http://schemas.microsoft.com/office/drawing/2010/main" xmlns="" w="9525">
                   <a:solidFill>
                     <a:srgbClr val="000000"/>
                   </a:solidFill>
@@ -3548,7 +3548,7 @@
             </a:ln>
             <a:extLst>
               <a:ext uri="{91240B29-F687-4f45-9708-019B960494DF}">
-                <a14:hiddenLine xmlns="" xmlns:a14="http://schemas.microsoft.com/office/drawing/2010/main" w="9525">
+                <a14:hiddenLine xmlns:a14="http://schemas.microsoft.com/office/drawing/2010/main" xmlns="" w="9525">
                   <a:solidFill>
                     <a:srgbClr val="000000"/>
                   </a:solidFill>
@@ -3638,7 +3638,7 @@
             </a:ln>
             <a:extLst>
               <a:ext uri="{91240B29-F687-4f45-9708-019B960494DF}">
-                <a14:hiddenLine xmlns="" xmlns:a14="http://schemas.microsoft.com/office/drawing/2010/main" w="9525">
+                <a14:hiddenLine xmlns:a14="http://schemas.microsoft.com/office/drawing/2010/main" xmlns="" w="9525">
                   <a:solidFill>
                     <a:srgbClr val="000000"/>
                   </a:solidFill>
@@ -3700,7 +3700,7 @@
             </a:ln>
             <a:extLst>
               <a:ext uri="{91240B29-F687-4f45-9708-019B960494DF}">
-                <a14:hiddenLine xmlns="" xmlns:a14="http://schemas.microsoft.com/office/drawing/2010/main" w="9525">
+                <a14:hiddenLine xmlns:a14="http://schemas.microsoft.com/office/drawing/2010/main" xmlns="" w="9525">
                   <a:solidFill>
                     <a:srgbClr val="000000"/>
                   </a:solidFill>
@@ -3810,7 +3810,7 @@
             </a:ln>
             <a:extLst>
               <a:ext uri="{91240B29-F687-4f45-9708-019B960494DF}">
-                <a14:hiddenLine xmlns="" xmlns:a14="http://schemas.microsoft.com/office/drawing/2010/main" w="9525">
+                <a14:hiddenLine xmlns:a14="http://schemas.microsoft.com/office/drawing/2010/main" xmlns="" w="9525">
                   <a:solidFill>
                     <a:srgbClr val="000000"/>
                   </a:solidFill>
@@ -3872,7 +3872,7 @@
             </a:ln>
             <a:extLst>
               <a:ext uri="{91240B29-F687-4f45-9708-019B960494DF}">
-                <a14:hiddenLine xmlns="" xmlns:a14="http://schemas.microsoft.com/office/drawing/2010/main" w="9525">
+                <a14:hiddenLine xmlns:a14="http://schemas.microsoft.com/office/drawing/2010/main" xmlns="" w="9525">
                   <a:solidFill>
                     <a:srgbClr val="000000"/>
                   </a:solidFill>
@@ -3962,7 +3962,7 @@
             </a:ln>
             <a:extLst>
               <a:ext uri="{91240B29-F687-4f45-9708-019B960494DF}">
-                <a14:hiddenLine xmlns="" xmlns:a14="http://schemas.microsoft.com/office/drawing/2010/main" w="9525">
+                <a14:hiddenLine xmlns:a14="http://schemas.microsoft.com/office/drawing/2010/main" xmlns="" w="9525">
                   <a:solidFill>
                     <a:srgbClr val="000000"/>
                   </a:solidFill>
@@ -4052,7 +4052,7 @@
             </a:ln>
             <a:extLst>
               <a:ext uri="{91240B29-F687-4f45-9708-019B960494DF}">
-                <a14:hiddenLine xmlns="" xmlns:a14="http://schemas.microsoft.com/office/drawing/2010/main" w="9525">
+                <a14:hiddenLine xmlns:a14="http://schemas.microsoft.com/office/drawing/2010/main" xmlns="" w="9525">
                   <a:solidFill>
                     <a:srgbClr val="000000"/>
                   </a:solidFill>
@@ -4114,7 +4114,7 @@
             </a:ln>
             <a:extLst>
               <a:ext uri="{91240B29-F687-4f45-9708-019B960494DF}">
-                <a14:hiddenLine xmlns="" xmlns:a14="http://schemas.microsoft.com/office/drawing/2010/main" w="9525">
+                <a14:hiddenLine xmlns:a14="http://schemas.microsoft.com/office/drawing/2010/main" xmlns="" w="9525">
                   <a:solidFill>
                     <a:srgbClr val="000000"/>
                   </a:solidFill>
@@ -4204,7 +4204,7 @@
             </a:ln>
             <a:extLst>
               <a:ext uri="{91240B29-F687-4f45-9708-019B960494DF}">
-                <a14:hiddenLine xmlns="" xmlns:a14="http://schemas.microsoft.com/office/drawing/2010/main" w="9525">
+                <a14:hiddenLine xmlns:a14="http://schemas.microsoft.com/office/drawing/2010/main" xmlns="" w="9525">
                   <a:solidFill>
                     <a:srgbClr val="000000"/>
                   </a:solidFill>
@@ -4294,7 +4294,7 @@
             </a:ln>
             <a:extLst>
               <a:ext uri="{91240B29-F687-4f45-9708-019B960494DF}">
-                <a14:hiddenLine xmlns="" xmlns:a14="http://schemas.microsoft.com/office/drawing/2010/main" w="9525">
+                <a14:hiddenLine xmlns:a14="http://schemas.microsoft.com/office/drawing/2010/main" xmlns="" w="9525">
                   <a:solidFill>
                     <a:srgbClr val="000000"/>
                   </a:solidFill>
@@ -4350,7 +4350,7 @@
             </a:ln>
             <a:extLst>
               <a:ext uri="{91240B29-F687-4f45-9708-019B960494DF}">
-                <a14:hiddenLine xmlns="" xmlns:a14="http://schemas.microsoft.com/office/drawing/2010/main" w="9525">
+                <a14:hiddenLine xmlns:a14="http://schemas.microsoft.com/office/drawing/2010/main" xmlns="" w="9525">
                   <a:solidFill>
                     <a:srgbClr val="000000"/>
                   </a:solidFill>
@@ -4440,7 +4440,7 @@
             </a:ln>
             <a:extLst>
               <a:ext uri="{91240B29-F687-4f45-9708-019B960494DF}">
-                <a14:hiddenLine xmlns="" xmlns:a14="http://schemas.microsoft.com/office/drawing/2010/main" w="9525">
+                <a14:hiddenLine xmlns:a14="http://schemas.microsoft.com/office/drawing/2010/main" xmlns="" w="9525">
                   <a:solidFill>
                     <a:srgbClr val="000000"/>
                   </a:solidFill>
@@ -4496,7 +4496,7 @@
             </a:ln>
             <a:extLst>
               <a:ext uri="{91240B29-F687-4f45-9708-019B960494DF}">
-                <a14:hiddenLine xmlns="" xmlns:a14="http://schemas.microsoft.com/office/drawing/2010/main" w="9525">
+                <a14:hiddenLine xmlns:a14="http://schemas.microsoft.com/office/drawing/2010/main" xmlns="" w="9525">
                   <a:solidFill>
                     <a:srgbClr val="000000"/>
                   </a:solidFill>
@@ -4586,7 +4586,7 @@
             </a:ln>
             <a:extLst>
               <a:ext uri="{91240B29-F687-4f45-9708-019B960494DF}">
-                <a14:hiddenLine xmlns="" xmlns:a14="http://schemas.microsoft.com/office/drawing/2010/main" w="9525">
+                <a14:hiddenLine xmlns:a14="http://schemas.microsoft.com/office/drawing/2010/main" xmlns="" w="9525">
                   <a:solidFill>
                     <a:srgbClr val="000000"/>
                   </a:solidFill>
@@ -4654,7 +4654,7 @@
             </a:ln>
             <a:extLst>
               <a:ext uri="{91240B29-F687-4f45-9708-019B960494DF}">
-                <a14:hiddenLine xmlns="" xmlns:a14="http://schemas.microsoft.com/office/drawing/2010/main" w="9525">
+                <a14:hiddenLine xmlns:a14="http://schemas.microsoft.com/office/drawing/2010/main" xmlns="" w="9525">
                   <a:solidFill>
                     <a:srgbClr val="000000"/>
                   </a:solidFill>
@@ -4744,7 +4744,7 @@
             </a:ln>
             <a:extLst>
               <a:ext uri="{91240B29-F687-4f45-9708-019B960494DF}">
-                <a14:hiddenLine xmlns="" xmlns:a14="http://schemas.microsoft.com/office/drawing/2010/main" w="9525">
+                <a14:hiddenLine xmlns:a14="http://schemas.microsoft.com/office/drawing/2010/main" xmlns="" w="9525">
                   <a:solidFill>
                     <a:srgbClr val="000000"/>
                   </a:solidFill>
@@ -4812,7 +4812,7 @@
             </a:ln>
             <a:extLst>
               <a:ext uri="{91240B29-F687-4f45-9708-019B960494DF}">
-                <a14:hiddenLine xmlns="" xmlns:a14="http://schemas.microsoft.com/office/drawing/2010/main" w="9525">
+                <a14:hiddenLine xmlns:a14="http://schemas.microsoft.com/office/drawing/2010/main" xmlns="" w="9525">
                   <a:solidFill>
                     <a:srgbClr val="000000"/>
                   </a:solidFill>
@@ -4902,7 +4902,7 @@
             </a:ln>
             <a:extLst>
               <a:ext uri="{91240B29-F687-4f45-9708-019B960494DF}">
-                <a14:hiddenLine xmlns="" xmlns:a14="http://schemas.microsoft.com/office/drawing/2010/main" w="9525">
+                <a14:hiddenLine xmlns:a14="http://schemas.microsoft.com/office/drawing/2010/main" xmlns="" w="9525">
                   <a:solidFill>
                     <a:srgbClr val="000000"/>
                   </a:solidFill>
@@ -4936,7 +4936,7 @@
             </a:ln>
             <a:extLst>
               <a:ext uri="{91240B29-F687-4f45-9708-019B960494DF}">
-                <a14:hiddenLine xmlns="" xmlns:a14="http://schemas.microsoft.com/office/drawing/2010/main" w="9525">
+                <a14:hiddenLine xmlns:a14="http://schemas.microsoft.com/office/drawing/2010/main" xmlns="" w="9525">
                   <a:solidFill>
                     <a:srgbClr val="000000"/>
                   </a:solidFill>
@@ -5026,7 +5026,7 @@
             </a:ln>
             <a:extLst>
               <a:ext uri="{91240B29-F687-4f45-9708-019B960494DF}">
-                <a14:hiddenLine xmlns="" xmlns:a14="http://schemas.microsoft.com/office/drawing/2010/main" w="9525">
+                <a14:hiddenLine xmlns:a14="http://schemas.microsoft.com/office/drawing/2010/main" xmlns="" w="9525">
                   <a:solidFill>
                     <a:srgbClr val="000000"/>
                   </a:solidFill>
@@ -5088,7 +5088,7 @@
             </a:ln>
             <a:extLst>
               <a:ext uri="{91240B29-F687-4f45-9708-019B960494DF}">
-                <a14:hiddenLine xmlns="" xmlns:a14="http://schemas.microsoft.com/office/drawing/2010/main" w="9525">
+                <a14:hiddenLine xmlns:a14="http://schemas.microsoft.com/office/drawing/2010/main" xmlns="" w="9525">
                   <a:solidFill>
                     <a:srgbClr val="000000"/>
                   </a:solidFill>
@@ -5150,7 +5150,7 @@
             </a:ln>
             <a:extLst>
               <a:ext uri="{91240B29-F687-4f45-9708-019B960494DF}">
-                <a14:hiddenLine xmlns="" xmlns:a14="http://schemas.microsoft.com/office/drawing/2010/main" w="9525">
+                <a14:hiddenLine xmlns:a14="http://schemas.microsoft.com/office/drawing/2010/main" xmlns="" w="9525">
                   <a:solidFill>
                     <a:srgbClr val="000000"/>
                   </a:solidFill>
@@ -5240,7 +5240,7 @@
             </a:ln>
             <a:extLst>
               <a:ext uri="{91240B29-F687-4f45-9708-019B960494DF}">
-                <a14:hiddenLine xmlns="" xmlns:a14="http://schemas.microsoft.com/office/drawing/2010/main" w="9525">
+                <a14:hiddenLine xmlns:a14="http://schemas.microsoft.com/office/drawing/2010/main" xmlns="" w="9525">
                   <a:solidFill>
                     <a:srgbClr val="000000"/>
                   </a:solidFill>
@@ -5308,7 +5308,7 @@
             </a:ln>
             <a:extLst>
               <a:ext uri="{91240B29-F687-4f45-9708-019B960494DF}">
-                <a14:hiddenLine xmlns="" xmlns:a14="http://schemas.microsoft.com/office/drawing/2010/main" w="9525">
+                <a14:hiddenLine xmlns:a14="http://schemas.microsoft.com/office/drawing/2010/main" xmlns="" w="9525">
                   <a:solidFill>
                     <a:srgbClr val="000000"/>
                   </a:solidFill>
@@ -5370,7 +5370,7 @@
             </a:ln>
             <a:extLst>
               <a:ext uri="{91240B29-F687-4f45-9708-019B960494DF}">
-                <a14:hiddenLine xmlns="" xmlns:a14="http://schemas.microsoft.com/office/drawing/2010/main" w="9525">
+                <a14:hiddenLine xmlns:a14="http://schemas.microsoft.com/office/drawing/2010/main" xmlns="" w="9525">
                   <a:solidFill>
                     <a:srgbClr val="000000"/>
                   </a:solidFill>
@@ -5460,7 +5460,7 @@
             </a:ln>
             <a:extLst>
               <a:ext uri="{91240B29-F687-4f45-9708-019B960494DF}">
-                <a14:hiddenLine xmlns="" xmlns:a14="http://schemas.microsoft.com/office/drawing/2010/main" w="9525">
+                <a14:hiddenLine xmlns:a14="http://schemas.microsoft.com/office/drawing/2010/main" xmlns="" w="9525">
                   <a:solidFill>
                     <a:srgbClr val="000000"/>
                   </a:solidFill>
@@ -5522,7 +5522,7 @@
             </a:ln>
             <a:extLst>
               <a:ext uri="{91240B29-F687-4f45-9708-019B960494DF}">
-                <a14:hiddenLine xmlns="" xmlns:a14="http://schemas.microsoft.com/office/drawing/2010/main" w="9525">
+                <a14:hiddenLine xmlns:a14="http://schemas.microsoft.com/office/drawing/2010/main" xmlns="" w="9525">
                   <a:solidFill>
                     <a:srgbClr val="000000"/>
                   </a:solidFill>
@@ -5612,7 +5612,7 @@
             </a:ln>
             <a:extLst>
               <a:ext uri="{91240B29-F687-4f45-9708-019B960494DF}">
-                <a14:hiddenLine xmlns="" xmlns:a14="http://schemas.microsoft.com/office/drawing/2010/main" w="9525">
+                <a14:hiddenLine xmlns:a14="http://schemas.microsoft.com/office/drawing/2010/main" xmlns="" w="9525">
                   <a:solidFill>
                     <a:srgbClr val="000000"/>
                   </a:solidFill>
@@ -5674,7 +5674,7 @@
             </a:ln>
             <a:extLst>
               <a:ext uri="{91240B29-F687-4f45-9708-019B960494DF}">
-                <a14:hiddenLine xmlns="" xmlns:a14="http://schemas.microsoft.com/office/drawing/2010/main" w="9525">
+                <a14:hiddenLine xmlns:a14="http://schemas.microsoft.com/office/drawing/2010/main" xmlns="" w="9525">
                   <a:solidFill>
                     <a:srgbClr val="000000"/>
                   </a:solidFill>
@@ -5764,7 +5764,7 @@
             </a:ln>
             <a:extLst>
               <a:ext uri="{91240B29-F687-4f45-9708-019B960494DF}">
-                <a14:hiddenLine xmlns="" xmlns:a14="http://schemas.microsoft.com/office/drawing/2010/main" w="9525">
+                <a14:hiddenLine xmlns:a14="http://schemas.microsoft.com/office/drawing/2010/main" xmlns="" w="9525">
                   <a:solidFill>
                     <a:srgbClr val="000000"/>
                   </a:solidFill>
@@ -5798,7 +5798,7 @@
             </a:ln>
             <a:extLst>
               <a:ext uri="{91240B29-F687-4f45-9708-019B960494DF}">
-                <a14:hiddenLine xmlns="" xmlns:a14="http://schemas.microsoft.com/office/drawing/2010/main" w="9525">
+                <a14:hiddenLine xmlns:a14="http://schemas.microsoft.com/office/drawing/2010/main" xmlns="" w="9525">
                   <a:solidFill>
                     <a:srgbClr val="000000"/>
                   </a:solidFill>
@@ -5863,7 +5863,7 @@
             </a:ln>
             <a:extLst>
               <a:ext uri="{91240B29-F687-4f45-9708-019B960494DF}">
-                <a14:hiddenLine xmlns="" xmlns:a14="http://schemas.microsoft.com/office/drawing/2010/main" w="9525">
+                <a14:hiddenLine xmlns:a14="http://schemas.microsoft.com/office/drawing/2010/main" xmlns="" w="9525">
                   <a:solidFill>
                     <a:srgbClr val="000000"/>
                   </a:solidFill>
@@ -5953,7 +5953,7 @@
             </a:ln>
             <a:extLst>
               <a:ext uri="{91240B29-F687-4f45-9708-019B960494DF}">
-                <a14:hiddenLine xmlns="" xmlns:a14="http://schemas.microsoft.com/office/drawing/2010/main" w="9525">
+                <a14:hiddenLine xmlns:a14="http://schemas.microsoft.com/office/drawing/2010/main" xmlns="" w="9525">
                   <a:solidFill>
                     <a:srgbClr val="000000"/>
                   </a:solidFill>
@@ -6015,7 +6015,7 @@
             </a:ln>
             <a:extLst>
               <a:ext uri="{91240B29-F687-4f45-9708-019B960494DF}">
-                <a14:hiddenLine xmlns="" xmlns:a14="http://schemas.microsoft.com/office/drawing/2010/main" w="9525">
+                <a14:hiddenLine xmlns:a14="http://schemas.microsoft.com/office/drawing/2010/main" xmlns="" w="9525">
                   <a:solidFill>
                     <a:srgbClr val="000000"/>
                   </a:solidFill>
@@ -6105,7 +6105,7 @@
             </a:ln>
             <a:extLst>
               <a:ext uri="{91240B29-F687-4f45-9708-019B960494DF}">
-                <a14:hiddenLine xmlns="" xmlns:a14="http://schemas.microsoft.com/office/drawing/2010/main" w="9525">
+                <a14:hiddenLine xmlns:a14="http://schemas.microsoft.com/office/drawing/2010/main" xmlns="" w="9525">
                   <a:solidFill>
                     <a:srgbClr val="000000"/>
                   </a:solidFill>
@@ -6195,7 +6195,7 @@
             </a:ln>
             <a:extLst>
               <a:ext uri="{91240B29-F687-4f45-9708-019B960494DF}">
-                <a14:hiddenLine xmlns="" xmlns:a14="http://schemas.microsoft.com/office/drawing/2010/main" w="9525">
+                <a14:hiddenLine xmlns:a14="http://schemas.microsoft.com/office/drawing/2010/main" xmlns="" w="9525">
                   <a:solidFill>
                     <a:srgbClr val="000000"/>
                   </a:solidFill>
@@ -6260,7 +6260,7 @@
             </a:ln>
             <a:extLst>
               <a:ext uri="{91240B29-F687-4f45-9708-019B960494DF}">
-                <a14:hiddenLine xmlns="" xmlns:a14="http://schemas.microsoft.com/office/drawing/2010/main" w="9525">
+                <a14:hiddenLine xmlns:a14="http://schemas.microsoft.com/office/drawing/2010/main" xmlns="" w="9525">
                   <a:solidFill>
                     <a:srgbClr val="000000"/>
                   </a:solidFill>
@@ -6322,7 +6322,7 @@
             </a:ln>
             <a:extLst>
               <a:ext uri="{91240B29-F687-4f45-9708-019B960494DF}">
-                <a14:hiddenLine xmlns="" xmlns:a14="http://schemas.microsoft.com/office/drawing/2010/main" w="9525">
+                <a14:hiddenLine xmlns:a14="http://schemas.microsoft.com/office/drawing/2010/main" xmlns="" w="9525">
                   <a:solidFill>
                     <a:srgbClr val="000000"/>
                   </a:solidFill>
@@ -6412,7 +6412,7 @@
             </a:ln>
             <a:extLst>
               <a:ext uri="{91240B29-F687-4f45-9708-019B960494DF}">
-                <a14:hiddenLine xmlns="" xmlns:a14="http://schemas.microsoft.com/office/drawing/2010/main" w="9525">
+                <a14:hiddenLine xmlns:a14="http://schemas.microsoft.com/office/drawing/2010/main" xmlns="" w="9525">
                   <a:solidFill>
                     <a:srgbClr val="000000"/>
                   </a:solidFill>
@@ -6502,7 +6502,7 @@
             </a:ln>
             <a:extLst>
               <a:ext uri="{91240B29-F687-4f45-9708-019B960494DF}">
-                <a14:hiddenLine xmlns="" xmlns:a14="http://schemas.microsoft.com/office/drawing/2010/main" w="9525">
+                <a14:hiddenLine xmlns:a14="http://schemas.microsoft.com/office/drawing/2010/main" xmlns="" w="9525">
                   <a:solidFill>
                     <a:srgbClr val="000000"/>
                   </a:solidFill>
@@ -6564,7 +6564,7 @@
             </a:ln>
             <a:extLst>
               <a:ext uri="{91240B29-F687-4f45-9708-019B960494DF}">
-                <a14:hiddenLine xmlns="" xmlns:a14="http://schemas.microsoft.com/office/drawing/2010/main" w="9525">
+                <a14:hiddenLine xmlns:a14="http://schemas.microsoft.com/office/drawing/2010/main" xmlns="" w="9525">
                   <a:solidFill>
                     <a:srgbClr val="000000"/>
                   </a:solidFill>
@@ -6684,7 +6684,7 @@
             </a:ln>
             <a:extLst>
               <a:ext uri="{91240B29-F687-4f45-9708-019B960494DF}">
-                <a14:hiddenLine xmlns="" xmlns:a14="http://schemas.microsoft.com/office/drawing/2010/main" w="9525">
+                <a14:hiddenLine xmlns:a14="http://schemas.microsoft.com/office/drawing/2010/main" xmlns="" w="9525">
                   <a:solidFill>
                     <a:srgbClr val="000000"/>
                   </a:solidFill>
@@ -6752,7 +6752,7 @@
             </a:ln>
             <a:extLst>
               <a:ext uri="{91240B29-F687-4f45-9708-019B960494DF}">
-                <a14:hiddenLine xmlns="" xmlns:a14="http://schemas.microsoft.com/office/drawing/2010/main" w="9525">
+                <a14:hiddenLine xmlns:a14="http://schemas.microsoft.com/office/drawing/2010/main" xmlns="" w="9525">
                   <a:solidFill>
                     <a:srgbClr val="000000"/>
                   </a:solidFill>
@@ -6842,7 +6842,7 @@
             </a:ln>
             <a:extLst>
               <a:ext uri="{91240B29-F687-4f45-9708-019B960494DF}">
-                <a14:hiddenLine xmlns="" xmlns:a14="http://schemas.microsoft.com/office/drawing/2010/main" w="9525">
+                <a14:hiddenLine xmlns:a14="http://schemas.microsoft.com/office/drawing/2010/main" xmlns="" w="9525">
                   <a:solidFill>
                     <a:srgbClr val="000000"/>
                   </a:solidFill>
@@ -11649,7 +11649,7 @@
           <a:noFill/>
           <a:extLst>
             <a:ext uri="{909E8E84-426E-40dd-AFC4-6F175D3DCCD1}">
-              <a14:hiddenFill xmlns="" xmlns:a14="http://schemas.microsoft.com/office/drawing/2010/main">
+              <a14:hiddenFill xmlns:a14="http://schemas.microsoft.com/office/drawing/2010/main" xmlns="">
                 <a:solidFill>
                   <a:srgbClr val="FFFFFF"/>
                 </a:solidFill>
@@ -11723,7 +11723,7 @@
               </a:ln>
               <a:extLst>
                 <a:ext uri="{91240B29-F687-4f45-9708-019B960494DF}">
-                  <a14:hiddenLine xmlns="" xmlns:a14="http://schemas.microsoft.com/office/drawing/2010/main" w="9525">
+                  <a14:hiddenLine xmlns:a14="http://schemas.microsoft.com/office/drawing/2010/main" xmlns="" w="9525">
                     <a:solidFill>
                       <a:srgbClr val="000000"/>
                     </a:solidFill>
@@ -11813,7 +11813,7 @@
               </a:ln>
               <a:extLst>
                 <a:ext uri="{91240B29-F687-4f45-9708-019B960494DF}">
-                  <a14:hiddenLine xmlns="" xmlns:a14="http://schemas.microsoft.com/office/drawing/2010/main" w="9525">
+                  <a14:hiddenLine xmlns:a14="http://schemas.microsoft.com/office/drawing/2010/main" xmlns="" w="9525">
                     <a:solidFill>
                       <a:srgbClr val="000000"/>
                     </a:solidFill>
@@ -11903,7 +11903,7 @@
               </a:ln>
               <a:extLst>
                 <a:ext uri="{91240B29-F687-4f45-9708-019B960494DF}">
-                  <a14:hiddenLine xmlns="" xmlns:a14="http://schemas.microsoft.com/office/drawing/2010/main" w="9525">
+                  <a14:hiddenLine xmlns:a14="http://schemas.microsoft.com/office/drawing/2010/main" xmlns="" w="9525">
                     <a:solidFill>
                       <a:srgbClr val="000000"/>
                     </a:solidFill>
@@ -11965,7 +11965,7 @@
               </a:ln>
               <a:extLst>
                 <a:ext uri="{91240B29-F687-4f45-9708-019B960494DF}">
-                  <a14:hiddenLine xmlns="" xmlns:a14="http://schemas.microsoft.com/office/drawing/2010/main" w="9525">
+                  <a14:hiddenLine xmlns:a14="http://schemas.microsoft.com/office/drawing/2010/main" xmlns="" w="9525">
                     <a:solidFill>
                       <a:srgbClr val="000000"/>
                     </a:solidFill>
@@ -12055,7 +12055,7 @@
               </a:ln>
               <a:extLst>
                 <a:ext uri="{91240B29-F687-4f45-9708-019B960494DF}">
-                  <a14:hiddenLine xmlns="" xmlns:a14="http://schemas.microsoft.com/office/drawing/2010/main" w="9525">
+                  <a14:hiddenLine xmlns:a14="http://schemas.microsoft.com/office/drawing/2010/main" xmlns="" w="9525">
                     <a:solidFill>
                       <a:srgbClr val="000000"/>
                     </a:solidFill>
@@ -12117,7 +12117,7 @@
               </a:ln>
               <a:extLst>
                 <a:ext uri="{91240B29-F687-4f45-9708-019B960494DF}">
-                  <a14:hiddenLine xmlns="" xmlns:a14="http://schemas.microsoft.com/office/drawing/2010/main" w="9525">
+                  <a14:hiddenLine xmlns:a14="http://schemas.microsoft.com/office/drawing/2010/main" xmlns="" w="9525">
                     <a:solidFill>
                       <a:srgbClr val="000000"/>
                     </a:solidFill>
@@ -12179,7 +12179,7 @@
               </a:ln>
               <a:extLst>
                 <a:ext uri="{91240B29-F687-4f45-9708-019B960494DF}">
-                  <a14:hiddenLine xmlns="" xmlns:a14="http://schemas.microsoft.com/office/drawing/2010/main" w="9525">
+                  <a14:hiddenLine xmlns:a14="http://schemas.microsoft.com/office/drawing/2010/main" xmlns="" w="9525">
                     <a:solidFill>
                       <a:srgbClr val="000000"/>
                     </a:solidFill>
@@ -12269,7 +12269,7 @@
               </a:ln>
               <a:extLst>
                 <a:ext uri="{91240B29-F687-4f45-9708-019B960494DF}">
-                  <a14:hiddenLine xmlns="" xmlns:a14="http://schemas.microsoft.com/office/drawing/2010/main" w="9525">
+                  <a14:hiddenLine xmlns:a14="http://schemas.microsoft.com/office/drawing/2010/main" xmlns="" w="9525">
                     <a:solidFill>
                       <a:srgbClr val="000000"/>
                     </a:solidFill>
@@ -12359,7 +12359,7 @@
               </a:ln>
               <a:extLst>
                 <a:ext uri="{91240B29-F687-4f45-9708-019B960494DF}">
-                  <a14:hiddenLine xmlns="" xmlns:a14="http://schemas.microsoft.com/office/drawing/2010/main" w="9525">
+                  <a14:hiddenLine xmlns:a14="http://schemas.microsoft.com/office/drawing/2010/main" xmlns="" w="9525">
                     <a:solidFill>
                       <a:srgbClr val="000000"/>
                     </a:solidFill>
@@ -12421,7 +12421,7 @@
               </a:ln>
               <a:extLst>
                 <a:ext uri="{91240B29-F687-4f45-9708-019B960494DF}">
-                  <a14:hiddenLine xmlns="" xmlns:a14="http://schemas.microsoft.com/office/drawing/2010/main" w="9525">
+                  <a14:hiddenLine xmlns:a14="http://schemas.microsoft.com/office/drawing/2010/main" xmlns="" w="9525">
                     <a:solidFill>
                       <a:srgbClr val="000000"/>
                     </a:solidFill>
@@ -12531,7 +12531,7 @@
               </a:ln>
               <a:extLst>
                 <a:ext uri="{91240B29-F687-4f45-9708-019B960494DF}">
-                  <a14:hiddenLine xmlns="" xmlns:a14="http://schemas.microsoft.com/office/drawing/2010/main" w="9525">
+                  <a14:hiddenLine xmlns:a14="http://schemas.microsoft.com/office/drawing/2010/main" xmlns="" w="9525">
                     <a:solidFill>
                       <a:srgbClr val="000000"/>
                     </a:solidFill>
@@ -12615,7 +12615,7 @@
               </a:ln>
               <a:extLst>
                 <a:ext uri="{91240B29-F687-4f45-9708-019B960494DF}">
-                  <a14:hiddenLine xmlns="" xmlns:a14="http://schemas.microsoft.com/office/drawing/2010/main" w="9525">
+                  <a14:hiddenLine xmlns:a14="http://schemas.microsoft.com/office/drawing/2010/main" xmlns="" w="9525">
                     <a:solidFill>
                       <a:srgbClr val="000000"/>
                     </a:solidFill>
@@ -12677,7 +12677,7 @@
               </a:ln>
               <a:extLst>
                 <a:ext uri="{91240B29-F687-4f45-9708-019B960494DF}">
-                  <a14:hiddenLine xmlns="" xmlns:a14="http://schemas.microsoft.com/office/drawing/2010/main" w="9525">
+                  <a14:hiddenLine xmlns:a14="http://schemas.microsoft.com/office/drawing/2010/main" xmlns="" w="9525">
                     <a:solidFill>
                       <a:srgbClr val="000000"/>
                     </a:solidFill>
@@ -12739,7 +12739,7 @@
               </a:ln>
               <a:extLst>
                 <a:ext uri="{91240B29-F687-4f45-9708-019B960494DF}">
-                  <a14:hiddenLine xmlns="" xmlns:a14="http://schemas.microsoft.com/office/drawing/2010/main" w="9525">
+                  <a14:hiddenLine xmlns:a14="http://schemas.microsoft.com/office/drawing/2010/main" xmlns="" w="9525">
                     <a:solidFill>
                       <a:srgbClr val="000000"/>
                     </a:solidFill>
@@ -12829,7 +12829,7 @@
               </a:ln>
               <a:extLst>
                 <a:ext uri="{91240B29-F687-4f45-9708-019B960494DF}">
-                  <a14:hiddenLine xmlns="" xmlns:a14="http://schemas.microsoft.com/office/drawing/2010/main" w="9525">
+                  <a14:hiddenLine xmlns:a14="http://schemas.microsoft.com/office/drawing/2010/main" xmlns="" w="9525">
                     <a:solidFill>
                       <a:srgbClr val="000000"/>
                     </a:solidFill>
@@ -12863,7 +12863,7 @@
               </a:ln>
               <a:extLst>
                 <a:ext uri="{91240B29-F687-4f45-9708-019B960494DF}">
-                  <a14:hiddenLine xmlns="" xmlns:a14="http://schemas.microsoft.com/office/drawing/2010/main" w="9525">
+                  <a14:hiddenLine xmlns:a14="http://schemas.microsoft.com/office/drawing/2010/main" xmlns="" w="9525">
                     <a:solidFill>
                       <a:srgbClr val="000000"/>
                     </a:solidFill>
@@ -12928,7 +12928,7 @@
               </a:ln>
               <a:extLst>
                 <a:ext uri="{91240B29-F687-4f45-9708-019B960494DF}">
-                  <a14:hiddenLine xmlns="" xmlns:a14="http://schemas.microsoft.com/office/drawing/2010/main" w="9525">
+                  <a14:hiddenLine xmlns:a14="http://schemas.microsoft.com/office/drawing/2010/main" xmlns="" w="9525">
                     <a:solidFill>
                       <a:srgbClr val="000000"/>
                     </a:solidFill>
@@ -13018,7 +13018,7 @@
               </a:ln>
               <a:extLst>
                 <a:ext uri="{91240B29-F687-4f45-9708-019B960494DF}">
-                  <a14:hiddenLine xmlns="" xmlns:a14="http://schemas.microsoft.com/office/drawing/2010/main" w="9525">
+                  <a14:hiddenLine xmlns:a14="http://schemas.microsoft.com/office/drawing/2010/main" xmlns="" w="9525">
                     <a:solidFill>
                       <a:srgbClr val="000000"/>
                     </a:solidFill>
@@ -13080,7 +13080,7 @@
               </a:ln>
               <a:extLst>
                 <a:ext uri="{91240B29-F687-4f45-9708-019B960494DF}">
-                  <a14:hiddenLine xmlns="" xmlns:a14="http://schemas.microsoft.com/office/drawing/2010/main" w="9525">
+                  <a14:hiddenLine xmlns:a14="http://schemas.microsoft.com/office/drawing/2010/main" xmlns="" w="9525">
                     <a:solidFill>
                       <a:srgbClr val="000000"/>
                     </a:solidFill>
@@ -13170,7 +13170,7 @@
               </a:ln>
               <a:extLst>
                 <a:ext uri="{91240B29-F687-4f45-9708-019B960494DF}">
-                  <a14:hiddenLine xmlns="" xmlns:a14="http://schemas.microsoft.com/office/drawing/2010/main" w="9525">
+                  <a14:hiddenLine xmlns:a14="http://schemas.microsoft.com/office/drawing/2010/main" xmlns="" w="9525">
                     <a:solidFill>
                       <a:srgbClr val="000000"/>
                     </a:solidFill>
@@ -13235,7 +13235,7 @@
               </a:ln>
               <a:extLst>
                 <a:ext uri="{91240B29-F687-4f45-9708-019B960494DF}">
-                  <a14:hiddenLine xmlns="" xmlns:a14="http://schemas.microsoft.com/office/drawing/2010/main" w="9525">
+                  <a14:hiddenLine xmlns:a14="http://schemas.microsoft.com/office/drawing/2010/main" xmlns="" w="9525">
                     <a:solidFill>
                       <a:srgbClr val="000000"/>
                     </a:solidFill>
@@ -13297,7 +13297,7 @@
               </a:ln>
               <a:extLst>
                 <a:ext uri="{91240B29-F687-4f45-9708-019B960494DF}">
-                  <a14:hiddenLine xmlns="" xmlns:a14="http://schemas.microsoft.com/office/drawing/2010/main" w="9525">
+                  <a14:hiddenLine xmlns:a14="http://schemas.microsoft.com/office/drawing/2010/main" xmlns="" w="9525">
                     <a:solidFill>
                       <a:srgbClr val="000000"/>
                     </a:solidFill>
@@ -13387,7 +13387,7 @@
               </a:ln>
               <a:extLst>
                 <a:ext uri="{91240B29-F687-4f45-9708-019B960494DF}">
-                  <a14:hiddenLine xmlns="" xmlns:a14="http://schemas.microsoft.com/office/drawing/2010/main" w="9525">
+                  <a14:hiddenLine xmlns:a14="http://schemas.microsoft.com/office/drawing/2010/main" xmlns="" w="9525">
                     <a:solidFill>
                       <a:srgbClr val="000000"/>
                     </a:solidFill>
@@ -13477,7 +13477,7 @@
               </a:ln>
               <a:extLst>
                 <a:ext uri="{91240B29-F687-4f45-9708-019B960494DF}">
-                  <a14:hiddenLine xmlns="" xmlns:a14="http://schemas.microsoft.com/office/drawing/2010/main" w="9525">
+                  <a14:hiddenLine xmlns:a14="http://schemas.microsoft.com/office/drawing/2010/main" xmlns="" w="9525">
                     <a:solidFill>
                       <a:srgbClr val="000000"/>
                     </a:solidFill>
@@ -13542,7 +13542,7 @@
               </a:ln>
               <a:extLst>
                 <a:ext uri="{91240B29-F687-4f45-9708-019B960494DF}">
-                  <a14:hiddenLine xmlns="" xmlns:a14="http://schemas.microsoft.com/office/drawing/2010/main" w="9525">
+                  <a14:hiddenLine xmlns:a14="http://schemas.microsoft.com/office/drawing/2010/main" xmlns="" w="9525">
                     <a:solidFill>
                       <a:srgbClr val="000000"/>
                     </a:solidFill>
@@ -13662,7 +13662,7 @@
               </a:ln>
               <a:extLst>
                 <a:ext uri="{91240B29-F687-4f45-9708-019B960494DF}">
-                  <a14:hiddenLine xmlns="" xmlns:a14="http://schemas.microsoft.com/office/drawing/2010/main" w="9525">
+                  <a14:hiddenLine xmlns:a14="http://schemas.microsoft.com/office/drawing/2010/main" xmlns="" w="9525">
                     <a:solidFill>
                       <a:srgbClr val="000000"/>
                     </a:solidFill>
@@ -13760,7 +13760,7 @@
               </a:ln>
               <a:extLst>
                 <a:ext uri="{91240B29-F687-4f45-9708-019B960494DF}">
-                  <a14:hiddenLine xmlns="" xmlns:a14="http://schemas.microsoft.com/office/drawing/2010/main" w="9525">
+                  <a14:hiddenLine xmlns:a14="http://schemas.microsoft.com/office/drawing/2010/main" xmlns="" w="9525">
                     <a:solidFill>
                       <a:srgbClr val="000000"/>
                     </a:solidFill>
@@ -13875,7 +13875,7 @@
               </a:ln>
               <a:extLst>
                 <a:ext uri="{91240B29-F687-4f45-9708-019B960494DF}">
-                  <a14:hiddenLine xmlns="" xmlns:a14="http://schemas.microsoft.com/office/drawing/2010/main" w="9525">
+                  <a14:hiddenLine xmlns:a14="http://schemas.microsoft.com/office/drawing/2010/main" xmlns="" w="9525">
                     <a:solidFill>
                       <a:srgbClr val="000000"/>
                     </a:solidFill>
@@ -13965,7 +13965,7 @@
               </a:ln>
               <a:extLst>
                 <a:ext uri="{91240B29-F687-4f45-9708-019B960494DF}">
-                  <a14:hiddenLine xmlns="" xmlns:a14="http://schemas.microsoft.com/office/drawing/2010/main" w="9525">
+                  <a14:hiddenLine xmlns:a14="http://schemas.microsoft.com/office/drawing/2010/main" xmlns="" w="9525">
                     <a:solidFill>
                       <a:srgbClr val="000000"/>
                     </a:solidFill>
@@ -14030,7 +14030,7 @@
               </a:ln>
               <a:extLst>
                 <a:ext uri="{91240B29-F687-4f45-9708-019B960494DF}">
-                  <a14:hiddenLine xmlns="" xmlns:a14="http://schemas.microsoft.com/office/drawing/2010/main" w="9525">
+                  <a14:hiddenLine xmlns:a14="http://schemas.microsoft.com/office/drawing/2010/main" xmlns="" w="9525">
                     <a:solidFill>
                       <a:srgbClr val="000000"/>
                     </a:solidFill>
@@ -14120,7 +14120,7 @@
               </a:ln>
               <a:extLst>
                 <a:ext uri="{91240B29-F687-4f45-9708-019B960494DF}">
-                  <a14:hiddenLine xmlns="" xmlns:a14="http://schemas.microsoft.com/office/drawing/2010/main" w="9525">
+                  <a14:hiddenLine xmlns:a14="http://schemas.microsoft.com/office/drawing/2010/main" xmlns="" w="9525">
                     <a:solidFill>
                       <a:srgbClr val="000000"/>
                     </a:solidFill>
@@ -14188,7 +14188,7 @@
               </a:ln>
               <a:extLst>
                 <a:ext uri="{91240B29-F687-4f45-9708-019B960494DF}">
-                  <a14:hiddenLine xmlns="" xmlns:a14="http://schemas.microsoft.com/office/drawing/2010/main" w="9525">
+                  <a14:hiddenLine xmlns:a14="http://schemas.microsoft.com/office/drawing/2010/main" xmlns="" w="9525">
                     <a:solidFill>
                       <a:srgbClr val="000000"/>
                     </a:solidFill>
@@ -14278,7 +14278,7 @@
               </a:ln>
               <a:extLst>
                 <a:ext uri="{91240B29-F687-4f45-9708-019B960494DF}">
-                  <a14:hiddenLine xmlns="" xmlns:a14="http://schemas.microsoft.com/office/drawing/2010/main" w="9525">
+                  <a14:hiddenLine xmlns:a14="http://schemas.microsoft.com/office/drawing/2010/main" xmlns="" w="9525">
                     <a:solidFill>
                       <a:srgbClr val="000000"/>
                     </a:solidFill>
@@ -14346,7 +14346,7 @@
               </a:ln>
               <a:extLst>
                 <a:ext uri="{91240B29-F687-4f45-9708-019B960494DF}">
-                  <a14:hiddenLine xmlns="" xmlns:a14="http://schemas.microsoft.com/office/drawing/2010/main" w="9525">
+                  <a14:hiddenLine xmlns:a14="http://schemas.microsoft.com/office/drawing/2010/main" xmlns="" w="9525">
                     <a:solidFill>
                       <a:srgbClr val="000000"/>
                     </a:solidFill>
@@ -14436,7 +14436,7 @@
               </a:ln>
               <a:extLst>
                 <a:ext uri="{91240B29-F687-4f45-9708-019B960494DF}">
-                  <a14:hiddenLine xmlns="" xmlns:a14="http://schemas.microsoft.com/office/drawing/2010/main" w="9525">
+                  <a14:hiddenLine xmlns:a14="http://schemas.microsoft.com/office/drawing/2010/main" xmlns="" w="9525">
                     <a:solidFill>
                       <a:srgbClr val="000000"/>
                     </a:solidFill>
@@ -14470,7 +14470,7 @@
               </a:ln>
               <a:extLst>
                 <a:ext uri="{91240B29-F687-4f45-9708-019B960494DF}">
-                  <a14:hiddenLine xmlns="" xmlns:a14="http://schemas.microsoft.com/office/drawing/2010/main" w="9525">
+                  <a14:hiddenLine xmlns:a14="http://schemas.microsoft.com/office/drawing/2010/main" xmlns="" w="9525">
                     <a:solidFill>
                       <a:srgbClr val="000000"/>
                     </a:solidFill>
@@ -15198,7 +15198,7 @@
             <a:noFill/>
             <a:extLst>
               <a:ext uri="{909E8E84-426E-40dd-AFC4-6F175D3DCCD1}">
-                <a14:hiddenFill xmlns:p14="http://schemas.microsoft.com/office/powerpoint/2010/main" xmlns:a14="http://schemas.microsoft.com/office/drawing/2010/main" xmlns:a16="http://schemas.microsoft.com/office/drawing/2014/main" xmlns="">
+                <a14:hiddenFill xmlns="" xmlns:a16="http://schemas.microsoft.com/office/drawing/2014/main" xmlns:a14="http://schemas.microsoft.com/office/drawing/2010/main" xmlns:p14="http://schemas.microsoft.com/office/powerpoint/2010/main">
                   <a:solidFill>
                     <a:srgbClr val="FFFFFF"/>
                   </a:solidFill>
@@ -17664,7 +17664,7 @@
           <a:noFill/>
           <a:extLst>
             <a:ext uri="{909E8E84-426E-40dd-AFC4-6F175D3DCCD1}">
-              <a14:hiddenFill xmlns:p14="http://schemas.microsoft.com/office/powerpoint/2010/main" xmlns:a14="http://schemas.microsoft.com/office/drawing/2010/main" xmlns:a16="http://schemas.microsoft.com/office/drawing/2014/main" xmlns="">
+              <a14:hiddenFill xmlns="" xmlns:a16="http://schemas.microsoft.com/office/drawing/2014/main" xmlns:a14="http://schemas.microsoft.com/office/drawing/2010/main" xmlns:p14="http://schemas.microsoft.com/office/powerpoint/2010/main">
                 <a:solidFill>
                   <a:srgbClr val="FFFFFF"/>
                 </a:solidFill>
@@ -17756,7 +17756,7 @@
             </a:ln>
             <a:extLst>
               <a:ext uri="{91240B29-F687-4f45-9708-019B960494DF}">
-                <a14:hiddenLine xmlns:p14="http://schemas.microsoft.com/office/powerpoint/2010/main" xmlns:a14="http://schemas.microsoft.com/office/drawing/2010/main" xmlns:a16="http://schemas.microsoft.com/office/drawing/2014/main" xmlns="" w="9525">
+                <a14:hiddenLine xmlns="" xmlns:a16="http://schemas.microsoft.com/office/drawing/2014/main" xmlns:a14="http://schemas.microsoft.com/office/drawing/2010/main" xmlns:p14="http://schemas.microsoft.com/office/powerpoint/2010/main" w="9525">
                   <a:solidFill>
                     <a:srgbClr val="000000"/>
                   </a:solidFill>
@@ -17868,7 +17868,7 @@
             </a:ln>
             <a:extLst>
               <a:ext uri="{91240B29-F687-4f45-9708-019B960494DF}">
-                <a14:hiddenLine xmlns:p14="http://schemas.microsoft.com/office/powerpoint/2010/main" xmlns:a14="http://schemas.microsoft.com/office/drawing/2010/main" xmlns:a16="http://schemas.microsoft.com/office/drawing/2014/main" xmlns="" w="9525">
+                <a14:hiddenLine xmlns="" xmlns:a16="http://schemas.microsoft.com/office/drawing/2014/main" xmlns:a14="http://schemas.microsoft.com/office/drawing/2010/main" xmlns:p14="http://schemas.microsoft.com/office/powerpoint/2010/main" w="9525">
                   <a:solidFill>
                     <a:srgbClr val="000000"/>
                   </a:solidFill>
@@ -17980,7 +17980,7 @@
             </a:ln>
             <a:extLst>
               <a:ext uri="{91240B29-F687-4f45-9708-019B960494DF}">
-                <a14:hiddenLine xmlns:p14="http://schemas.microsoft.com/office/powerpoint/2010/main" xmlns:a14="http://schemas.microsoft.com/office/drawing/2010/main" xmlns:a16="http://schemas.microsoft.com/office/drawing/2014/main" xmlns="" w="9525">
+                <a14:hiddenLine xmlns="" xmlns:a16="http://schemas.microsoft.com/office/drawing/2014/main" xmlns:a14="http://schemas.microsoft.com/office/drawing/2010/main" xmlns:p14="http://schemas.microsoft.com/office/powerpoint/2010/main" w="9525">
                   <a:solidFill>
                     <a:srgbClr val="000000"/>
                   </a:solidFill>
@@ -18036,7 +18036,7 @@
             </a:ln>
             <a:extLst>
               <a:ext uri="{91240B29-F687-4f45-9708-019B960494DF}">
-                <a14:hiddenLine xmlns:p14="http://schemas.microsoft.com/office/powerpoint/2010/main" xmlns:a14="http://schemas.microsoft.com/office/drawing/2010/main" xmlns:a16="http://schemas.microsoft.com/office/drawing/2014/main" xmlns="" w="9525">
+                <a14:hiddenLine xmlns="" xmlns:a16="http://schemas.microsoft.com/office/drawing/2014/main" xmlns:a14="http://schemas.microsoft.com/office/drawing/2010/main" xmlns:p14="http://schemas.microsoft.com/office/powerpoint/2010/main" w="9525">
                   <a:solidFill>
                     <a:srgbClr val="000000"/>
                   </a:solidFill>
@@ -18148,7 +18148,7 @@
             </a:ln>
             <a:extLst>
               <a:ext uri="{91240B29-F687-4f45-9708-019B960494DF}">
-                <a14:hiddenLine xmlns:p14="http://schemas.microsoft.com/office/powerpoint/2010/main" xmlns:a14="http://schemas.microsoft.com/office/drawing/2010/main" xmlns:a16="http://schemas.microsoft.com/office/drawing/2014/main" xmlns="" w="9525">
+                <a14:hiddenLine xmlns="" xmlns:a16="http://schemas.microsoft.com/office/drawing/2014/main" xmlns:a14="http://schemas.microsoft.com/office/drawing/2010/main" xmlns:p14="http://schemas.microsoft.com/office/powerpoint/2010/main" w="9525">
                   <a:solidFill>
                     <a:srgbClr val="000000"/>
                   </a:solidFill>
@@ -18232,7 +18232,7 @@
             </a:ln>
             <a:extLst>
               <a:ext uri="{91240B29-F687-4f45-9708-019B960494DF}">
-                <a14:hiddenLine xmlns:p14="http://schemas.microsoft.com/office/powerpoint/2010/main" xmlns:a14="http://schemas.microsoft.com/office/drawing/2010/main" xmlns:a16="http://schemas.microsoft.com/office/drawing/2014/main" xmlns="" w="9525">
+                <a14:hiddenLine xmlns="" xmlns:a16="http://schemas.microsoft.com/office/drawing/2014/main" xmlns:a14="http://schemas.microsoft.com/office/drawing/2010/main" xmlns:p14="http://schemas.microsoft.com/office/powerpoint/2010/main" w="9525">
                   <a:solidFill>
                     <a:srgbClr val="000000"/>
                   </a:solidFill>
@@ -18316,7 +18316,7 @@
             </a:ln>
             <a:extLst>
               <a:ext uri="{91240B29-F687-4f45-9708-019B960494DF}">
-                <a14:hiddenLine xmlns:p14="http://schemas.microsoft.com/office/powerpoint/2010/main" xmlns:a14="http://schemas.microsoft.com/office/drawing/2010/main" xmlns:a16="http://schemas.microsoft.com/office/drawing/2014/main" xmlns="" w="9525">
+                <a14:hiddenLine xmlns="" xmlns:a16="http://schemas.microsoft.com/office/drawing/2014/main" xmlns:a14="http://schemas.microsoft.com/office/drawing/2010/main" xmlns:p14="http://schemas.microsoft.com/office/powerpoint/2010/main" w="9525">
                   <a:solidFill>
                     <a:srgbClr val="000000"/>
                   </a:solidFill>
@@ -18428,7 +18428,7 @@
             </a:ln>
             <a:extLst>
               <a:ext uri="{91240B29-F687-4f45-9708-019B960494DF}">
-                <a14:hiddenLine xmlns:p14="http://schemas.microsoft.com/office/powerpoint/2010/main" xmlns:a14="http://schemas.microsoft.com/office/drawing/2010/main" xmlns:a16="http://schemas.microsoft.com/office/drawing/2014/main" xmlns="" w="9525">
+                <a14:hiddenLine xmlns="" xmlns:a16="http://schemas.microsoft.com/office/drawing/2014/main" xmlns:a14="http://schemas.microsoft.com/office/drawing/2010/main" xmlns:p14="http://schemas.microsoft.com/office/powerpoint/2010/main" w="9525">
                   <a:solidFill>
                     <a:srgbClr val="000000"/>
                   </a:solidFill>
@@ -18512,7 +18512,7 @@
             </a:ln>
             <a:extLst>
               <a:ext uri="{91240B29-F687-4f45-9708-019B960494DF}">
-                <a14:hiddenLine xmlns:p14="http://schemas.microsoft.com/office/powerpoint/2010/main" xmlns:a14="http://schemas.microsoft.com/office/drawing/2010/main" xmlns:a16="http://schemas.microsoft.com/office/drawing/2014/main" xmlns="" w="9525">
+                <a14:hiddenLine xmlns="" xmlns:a16="http://schemas.microsoft.com/office/drawing/2014/main" xmlns:a14="http://schemas.microsoft.com/office/drawing/2010/main" xmlns:p14="http://schemas.microsoft.com/office/powerpoint/2010/main" w="9525">
                   <a:solidFill>
                     <a:srgbClr val="000000"/>
                   </a:solidFill>
@@ -18596,7 +18596,7 @@
             </a:ln>
             <a:extLst>
               <a:ext uri="{91240B29-F687-4f45-9708-019B960494DF}">
-                <a14:hiddenLine xmlns:p14="http://schemas.microsoft.com/office/powerpoint/2010/main" xmlns:a14="http://schemas.microsoft.com/office/drawing/2010/main" xmlns:a16="http://schemas.microsoft.com/office/drawing/2014/main" xmlns="" w="9525">
+                <a14:hiddenLine xmlns="" xmlns:a16="http://schemas.microsoft.com/office/drawing/2014/main" xmlns:a14="http://schemas.microsoft.com/office/drawing/2010/main" xmlns:p14="http://schemas.microsoft.com/office/powerpoint/2010/main" w="9525">
                   <a:solidFill>
                     <a:srgbClr val="000000"/>
                   </a:solidFill>
@@ -18708,7 +18708,7 @@
             </a:ln>
             <a:extLst>
               <a:ext uri="{91240B29-F687-4f45-9708-019B960494DF}">
-                <a14:hiddenLine xmlns:p14="http://schemas.microsoft.com/office/powerpoint/2010/main" xmlns:a14="http://schemas.microsoft.com/office/drawing/2010/main" xmlns:a16="http://schemas.microsoft.com/office/drawing/2014/main" xmlns="" w="9525">
+                <a14:hiddenLine xmlns="" xmlns:a16="http://schemas.microsoft.com/office/drawing/2014/main" xmlns:a14="http://schemas.microsoft.com/office/drawing/2010/main" xmlns:p14="http://schemas.microsoft.com/office/powerpoint/2010/main" w="9525">
                   <a:solidFill>
                     <a:srgbClr val="000000"/>
                   </a:solidFill>
@@ -18820,7 +18820,7 @@
             </a:ln>
             <a:extLst>
               <a:ext uri="{91240B29-F687-4f45-9708-019B960494DF}">
-                <a14:hiddenLine xmlns:p14="http://schemas.microsoft.com/office/powerpoint/2010/main" xmlns:a14="http://schemas.microsoft.com/office/drawing/2010/main" xmlns:a16="http://schemas.microsoft.com/office/drawing/2014/main" xmlns="" w="9525">
+                <a14:hiddenLine xmlns="" xmlns:a16="http://schemas.microsoft.com/office/drawing/2014/main" xmlns:a14="http://schemas.microsoft.com/office/drawing/2010/main" xmlns:p14="http://schemas.microsoft.com/office/powerpoint/2010/main" w="9525">
                   <a:solidFill>
                     <a:srgbClr val="000000"/>
                   </a:solidFill>
@@ -18904,7 +18904,7 @@
             </a:ln>
             <a:extLst>
               <a:ext uri="{91240B29-F687-4f45-9708-019B960494DF}">
-                <a14:hiddenLine xmlns:p14="http://schemas.microsoft.com/office/powerpoint/2010/main" xmlns:a14="http://schemas.microsoft.com/office/drawing/2010/main" xmlns:a16="http://schemas.microsoft.com/office/drawing/2014/main" xmlns="" w="9525">
+                <a14:hiddenLine xmlns="" xmlns:a16="http://schemas.microsoft.com/office/drawing/2014/main" xmlns:a14="http://schemas.microsoft.com/office/drawing/2010/main" xmlns:p14="http://schemas.microsoft.com/office/powerpoint/2010/main" w="9525">
                   <a:solidFill>
                     <a:srgbClr val="000000"/>
                   </a:solidFill>
@@ -19036,7 +19036,7 @@
             </a:ln>
             <a:extLst>
               <a:ext uri="{91240B29-F687-4f45-9708-019B960494DF}">
-                <a14:hiddenLine xmlns:p14="http://schemas.microsoft.com/office/powerpoint/2010/main" xmlns:a14="http://schemas.microsoft.com/office/drawing/2010/main" xmlns:a16="http://schemas.microsoft.com/office/drawing/2014/main" xmlns="" w="9525">
+                <a14:hiddenLine xmlns="" xmlns:a16="http://schemas.microsoft.com/office/drawing/2014/main" xmlns:a14="http://schemas.microsoft.com/office/drawing/2010/main" xmlns:p14="http://schemas.microsoft.com/office/powerpoint/2010/main" w="9525">
                   <a:solidFill>
                     <a:srgbClr val="000000"/>
                   </a:solidFill>
@@ -19120,7 +19120,7 @@
             </a:ln>
             <a:extLst>
               <a:ext uri="{91240B29-F687-4f45-9708-019B960494DF}">
-                <a14:hiddenLine xmlns:p14="http://schemas.microsoft.com/office/powerpoint/2010/main" xmlns:a14="http://schemas.microsoft.com/office/drawing/2010/main" xmlns:a16="http://schemas.microsoft.com/office/drawing/2014/main" xmlns="" w="9525">
+                <a14:hiddenLine xmlns="" xmlns:a16="http://schemas.microsoft.com/office/drawing/2014/main" xmlns:a14="http://schemas.microsoft.com/office/drawing/2010/main" xmlns:p14="http://schemas.microsoft.com/office/powerpoint/2010/main" w="9525">
                   <a:solidFill>
                     <a:srgbClr val="000000"/>
                   </a:solidFill>
@@ -19232,7 +19232,7 @@
             </a:ln>
             <a:extLst>
               <a:ext uri="{91240B29-F687-4f45-9708-019B960494DF}">
-                <a14:hiddenLine xmlns:p14="http://schemas.microsoft.com/office/powerpoint/2010/main" xmlns:a14="http://schemas.microsoft.com/office/drawing/2010/main" xmlns:a16="http://schemas.microsoft.com/office/drawing/2014/main" xmlns="" w="9525">
+                <a14:hiddenLine xmlns="" xmlns:a16="http://schemas.microsoft.com/office/drawing/2014/main" xmlns:a14="http://schemas.microsoft.com/office/drawing/2010/main" xmlns:p14="http://schemas.microsoft.com/office/powerpoint/2010/main" w="9525">
                   <a:solidFill>
                     <a:srgbClr val="000000"/>
                   </a:solidFill>
@@ -19344,7 +19344,7 @@
             </a:ln>
             <a:extLst>
               <a:ext uri="{91240B29-F687-4f45-9708-019B960494DF}">
-                <a14:hiddenLine xmlns:p14="http://schemas.microsoft.com/office/powerpoint/2010/main" xmlns:a14="http://schemas.microsoft.com/office/drawing/2010/main" xmlns:a16="http://schemas.microsoft.com/office/drawing/2014/main" xmlns="" w="9525">
+                <a14:hiddenLine xmlns="" xmlns:a16="http://schemas.microsoft.com/office/drawing/2014/main" xmlns:a14="http://schemas.microsoft.com/office/drawing/2010/main" xmlns:p14="http://schemas.microsoft.com/office/powerpoint/2010/main" w="9525">
                   <a:solidFill>
                     <a:srgbClr val="000000"/>
                   </a:solidFill>
@@ -19428,7 +19428,7 @@
             </a:ln>
             <a:extLst>
               <a:ext uri="{91240B29-F687-4f45-9708-019B960494DF}">
-                <a14:hiddenLine xmlns:p14="http://schemas.microsoft.com/office/powerpoint/2010/main" xmlns:a14="http://schemas.microsoft.com/office/drawing/2010/main" xmlns:a16="http://schemas.microsoft.com/office/drawing/2014/main" xmlns="" w="9525">
+                <a14:hiddenLine xmlns="" xmlns:a16="http://schemas.microsoft.com/office/drawing/2014/main" xmlns:a14="http://schemas.microsoft.com/office/drawing/2010/main" xmlns:p14="http://schemas.microsoft.com/office/powerpoint/2010/main" w="9525">
                   <a:solidFill>
                     <a:srgbClr val="000000"/>
                   </a:solidFill>
@@ -19540,7 +19540,7 @@
             </a:ln>
             <a:extLst>
               <a:ext uri="{91240B29-F687-4f45-9708-019B960494DF}">
-                <a14:hiddenLine xmlns:p14="http://schemas.microsoft.com/office/powerpoint/2010/main" xmlns:a14="http://schemas.microsoft.com/office/drawing/2010/main" xmlns:a16="http://schemas.microsoft.com/office/drawing/2014/main" xmlns="" w="9525">
+                <a14:hiddenLine xmlns="" xmlns:a16="http://schemas.microsoft.com/office/drawing/2014/main" xmlns:a14="http://schemas.microsoft.com/office/drawing/2010/main" xmlns:p14="http://schemas.microsoft.com/office/powerpoint/2010/main" w="9525">
                   <a:solidFill>
                     <a:srgbClr val="000000"/>
                   </a:solidFill>
@@ -19652,7 +19652,7 @@
             </a:ln>
             <a:extLst>
               <a:ext uri="{91240B29-F687-4f45-9708-019B960494DF}">
-                <a14:hiddenLine xmlns:p14="http://schemas.microsoft.com/office/powerpoint/2010/main" xmlns:a14="http://schemas.microsoft.com/office/drawing/2010/main" xmlns:a16="http://schemas.microsoft.com/office/drawing/2014/main" xmlns="" w="9525">
+                <a14:hiddenLine xmlns="" xmlns:a16="http://schemas.microsoft.com/office/drawing/2014/main" xmlns:a14="http://schemas.microsoft.com/office/drawing/2010/main" xmlns:p14="http://schemas.microsoft.com/office/powerpoint/2010/main" w="9525">
                   <a:solidFill>
                     <a:srgbClr val="000000"/>
                   </a:solidFill>
@@ -19730,7 +19730,7 @@
             </a:ln>
             <a:extLst>
               <a:ext uri="{91240B29-F687-4f45-9708-019B960494DF}">
-                <a14:hiddenLine xmlns:p14="http://schemas.microsoft.com/office/powerpoint/2010/main" xmlns:a14="http://schemas.microsoft.com/office/drawing/2010/main" xmlns:a16="http://schemas.microsoft.com/office/drawing/2014/main" xmlns="" w="9525">
+                <a14:hiddenLine xmlns="" xmlns:a16="http://schemas.microsoft.com/office/drawing/2014/main" xmlns:a14="http://schemas.microsoft.com/office/drawing/2010/main" xmlns:p14="http://schemas.microsoft.com/office/powerpoint/2010/main" w="9525">
                   <a:solidFill>
                     <a:srgbClr val="000000"/>
                   </a:solidFill>
@@ -19842,7 +19842,7 @@
             </a:ln>
             <a:extLst>
               <a:ext uri="{91240B29-F687-4f45-9708-019B960494DF}">
-                <a14:hiddenLine xmlns:p14="http://schemas.microsoft.com/office/powerpoint/2010/main" xmlns:a14="http://schemas.microsoft.com/office/drawing/2010/main" xmlns:a16="http://schemas.microsoft.com/office/drawing/2014/main" xmlns="" w="9525">
+                <a14:hiddenLine xmlns="" xmlns:a16="http://schemas.microsoft.com/office/drawing/2014/main" xmlns:a14="http://schemas.microsoft.com/office/drawing/2010/main" xmlns:p14="http://schemas.microsoft.com/office/powerpoint/2010/main" w="9525">
                   <a:solidFill>
                     <a:srgbClr val="000000"/>
                   </a:solidFill>
@@ -19920,7 +19920,7 @@
             </a:ln>
             <a:extLst>
               <a:ext uri="{91240B29-F687-4f45-9708-019B960494DF}">
-                <a14:hiddenLine xmlns:p14="http://schemas.microsoft.com/office/powerpoint/2010/main" xmlns:a14="http://schemas.microsoft.com/office/drawing/2010/main" xmlns:a16="http://schemas.microsoft.com/office/drawing/2014/main" xmlns="" w="9525">
+                <a14:hiddenLine xmlns="" xmlns:a16="http://schemas.microsoft.com/office/drawing/2014/main" xmlns:a14="http://schemas.microsoft.com/office/drawing/2010/main" xmlns:p14="http://schemas.microsoft.com/office/powerpoint/2010/main" w="9525">
                   <a:solidFill>
                     <a:srgbClr val="000000"/>
                   </a:solidFill>
@@ -20032,7 +20032,7 @@
             </a:ln>
             <a:extLst>
               <a:ext uri="{91240B29-F687-4f45-9708-019B960494DF}">
-                <a14:hiddenLine xmlns:p14="http://schemas.microsoft.com/office/powerpoint/2010/main" xmlns:a14="http://schemas.microsoft.com/office/drawing/2010/main" xmlns:a16="http://schemas.microsoft.com/office/drawing/2014/main" xmlns="" w="9525">
+                <a14:hiddenLine xmlns="" xmlns:a16="http://schemas.microsoft.com/office/drawing/2014/main" xmlns:a14="http://schemas.microsoft.com/office/drawing/2010/main" xmlns:p14="http://schemas.microsoft.com/office/powerpoint/2010/main" w="9525">
                   <a:solidFill>
                     <a:srgbClr val="000000"/>
                   </a:solidFill>
@@ -20122,7 +20122,7 @@
             </a:ln>
             <a:extLst>
               <a:ext uri="{91240B29-F687-4f45-9708-019B960494DF}">
-                <a14:hiddenLine xmlns:p14="http://schemas.microsoft.com/office/powerpoint/2010/main" xmlns:a14="http://schemas.microsoft.com/office/drawing/2010/main" xmlns:a16="http://schemas.microsoft.com/office/drawing/2014/main" xmlns="" w="9525">
+                <a14:hiddenLine xmlns="" xmlns:a16="http://schemas.microsoft.com/office/drawing/2014/main" xmlns:a14="http://schemas.microsoft.com/office/drawing/2010/main" xmlns:p14="http://schemas.microsoft.com/office/powerpoint/2010/main" w="9525">
                   <a:solidFill>
                     <a:srgbClr val="000000"/>
                   </a:solidFill>
@@ -20234,7 +20234,7 @@
             </a:ln>
             <a:extLst>
               <a:ext uri="{91240B29-F687-4f45-9708-019B960494DF}">
-                <a14:hiddenLine xmlns:p14="http://schemas.microsoft.com/office/powerpoint/2010/main" xmlns:a14="http://schemas.microsoft.com/office/drawing/2010/main" xmlns:a16="http://schemas.microsoft.com/office/drawing/2014/main" xmlns="" w="9525">
+                <a14:hiddenLine xmlns="" xmlns:a16="http://schemas.microsoft.com/office/drawing/2014/main" xmlns:a14="http://schemas.microsoft.com/office/drawing/2010/main" xmlns:p14="http://schemas.microsoft.com/office/powerpoint/2010/main" w="9525">
                   <a:solidFill>
                     <a:srgbClr val="000000"/>
                   </a:solidFill>
@@ -20324,7 +20324,7 @@
             </a:ln>
             <a:extLst>
               <a:ext uri="{91240B29-F687-4f45-9708-019B960494DF}">
-                <a14:hiddenLine xmlns:p14="http://schemas.microsoft.com/office/powerpoint/2010/main" xmlns:a14="http://schemas.microsoft.com/office/drawing/2010/main" xmlns:a16="http://schemas.microsoft.com/office/drawing/2014/main" xmlns="" w="9525">
+                <a14:hiddenLine xmlns="" xmlns:a16="http://schemas.microsoft.com/office/drawing/2014/main" xmlns:a14="http://schemas.microsoft.com/office/drawing/2010/main" xmlns:p14="http://schemas.microsoft.com/office/powerpoint/2010/main" w="9525">
                   <a:solidFill>
                     <a:srgbClr val="000000"/>
                   </a:solidFill>
@@ -20436,7 +20436,7 @@
             </a:ln>
             <a:extLst>
               <a:ext uri="{91240B29-F687-4f45-9708-019B960494DF}">
-                <a14:hiddenLine xmlns:p14="http://schemas.microsoft.com/office/powerpoint/2010/main" xmlns:a14="http://schemas.microsoft.com/office/drawing/2010/main" xmlns:a16="http://schemas.microsoft.com/office/drawing/2014/main" xmlns="" w="9525">
+                <a14:hiddenLine xmlns="" xmlns:a16="http://schemas.microsoft.com/office/drawing/2014/main" xmlns:a14="http://schemas.microsoft.com/office/drawing/2010/main" xmlns:p14="http://schemas.microsoft.com/office/powerpoint/2010/main" w="9525">
                   <a:solidFill>
                     <a:srgbClr val="000000"/>
                   </a:solidFill>
@@ -20492,7 +20492,7 @@
             </a:ln>
             <a:extLst>
               <a:ext uri="{91240B29-F687-4f45-9708-019B960494DF}">
-                <a14:hiddenLine xmlns:p14="http://schemas.microsoft.com/office/powerpoint/2010/main" xmlns:a14="http://schemas.microsoft.com/office/drawing/2010/main" xmlns:a16="http://schemas.microsoft.com/office/drawing/2014/main" xmlns="" w="9525">
+                <a14:hiddenLine xmlns="" xmlns:a16="http://schemas.microsoft.com/office/drawing/2014/main" xmlns:a14="http://schemas.microsoft.com/office/drawing/2010/main" xmlns:p14="http://schemas.microsoft.com/office/powerpoint/2010/main" w="9525">
                   <a:solidFill>
                     <a:srgbClr val="000000"/>
                   </a:solidFill>
@@ -20604,7 +20604,7 @@
             </a:ln>
             <a:extLst>
               <a:ext uri="{91240B29-F687-4f45-9708-019B960494DF}">
-                <a14:hiddenLine xmlns:p14="http://schemas.microsoft.com/office/powerpoint/2010/main" xmlns:a14="http://schemas.microsoft.com/office/drawing/2010/main" xmlns:a16="http://schemas.microsoft.com/office/drawing/2014/main" xmlns="" w="9525">
+                <a14:hiddenLine xmlns="" xmlns:a16="http://schemas.microsoft.com/office/drawing/2014/main" xmlns:a14="http://schemas.microsoft.com/office/drawing/2010/main" xmlns:p14="http://schemas.microsoft.com/office/powerpoint/2010/main" w="9525">
                   <a:solidFill>
                     <a:srgbClr val="000000"/>
                   </a:solidFill>
@@ -20688,7 +20688,7 @@
             </a:ln>
             <a:extLst>
               <a:ext uri="{91240B29-F687-4f45-9708-019B960494DF}">
-                <a14:hiddenLine xmlns:p14="http://schemas.microsoft.com/office/powerpoint/2010/main" xmlns:a14="http://schemas.microsoft.com/office/drawing/2010/main" xmlns:a16="http://schemas.microsoft.com/office/drawing/2014/main" xmlns="" w="9525">
+                <a14:hiddenLine xmlns="" xmlns:a16="http://schemas.microsoft.com/office/drawing/2014/main" xmlns:a14="http://schemas.microsoft.com/office/drawing/2010/main" xmlns:p14="http://schemas.microsoft.com/office/powerpoint/2010/main" w="9525">
                   <a:solidFill>
                     <a:srgbClr val="000000"/>
                   </a:solidFill>
@@ -20772,7 +20772,7 @@
             </a:ln>
             <a:extLst>
               <a:ext uri="{91240B29-F687-4f45-9708-019B960494DF}">
-                <a14:hiddenLine xmlns:p14="http://schemas.microsoft.com/office/powerpoint/2010/main" xmlns:a14="http://schemas.microsoft.com/office/drawing/2010/main" xmlns:a16="http://schemas.microsoft.com/office/drawing/2014/main" xmlns="" w="9525">
+                <a14:hiddenLine xmlns="" xmlns:a16="http://schemas.microsoft.com/office/drawing/2014/main" xmlns:a14="http://schemas.microsoft.com/office/drawing/2010/main" xmlns:p14="http://schemas.microsoft.com/office/powerpoint/2010/main" w="9525">
                   <a:solidFill>
                     <a:srgbClr val="000000"/>
                   </a:solidFill>
@@ -20884,7 +20884,7 @@
             </a:ln>
             <a:extLst>
               <a:ext uri="{91240B29-F687-4f45-9708-019B960494DF}">
-                <a14:hiddenLine xmlns:p14="http://schemas.microsoft.com/office/powerpoint/2010/main" xmlns:a14="http://schemas.microsoft.com/office/drawing/2010/main" xmlns:a16="http://schemas.microsoft.com/office/drawing/2014/main" xmlns="" w="9525">
+                <a14:hiddenLine xmlns="" xmlns:a16="http://schemas.microsoft.com/office/drawing/2014/main" xmlns:a14="http://schemas.microsoft.com/office/drawing/2010/main" xmlns:p14="http://schemas.microsoft.com/office/powerpoint/2010/main" w="9525">
                   <a:solidFill>
                     <a:srgbClr val="000000"/>
                   </a:solidFill>
@@ -20974,7 +20974,7 @@
             </a:ln>
             <a:extLst>
               <a:ext uri="{91240B29-F687-4f45-9708-019B960494DF}">
-                <a14:hiddenLine xmlns:p14="http://schemas.microsoft.com/office/powerpoint/2010/main" xmlns:a14="http://schemas.microsoft.com/office/drawing/2010/main" xmlns:a16="http://schemas.microsoft.com/office/drawing/2014/main" xmlns="" w="9525">
+                <a14:hiddenLine xmlns="" xmlns:a16="http://schemas.microsoft.com/office/drawing/2014/main" xmlns:a14="http://schemas.microsoft.com/office/drawing/2010/main" xmlns:p14="http://schemas.microsoft.com/office/powerpoint/2010/main" w="9525">
                   <a:solidFill>
                     <a:srgbClr val="000000"/>
                   </a:solidFill>
@@ -21058,7 +21058,7 @@
             </a:ln>
             <a:extLst>
               <a:ext uri="{91240B29-F687-4f45-9708-019B960494DF}">
-                <a14:hiddenLine xmlns:p14="http://schemas.microsoft.com/office/powerpoint/2010/main" xmlns:a14="http://schemas.microsoft.com/office/drawing/2010/main" xmlns:a16="http://schemas.microsoft.com/office/drawing/2014/main" xmlns="" w="9525">
+                <a14:hiddenLine xmlns="" xmlns:a16="http://schemas.microsoft.com/office/drawing/2014/main" xmlns:a14="http://schemas.microsoft.com/office/drawing/2010/main" xmlns:p14="http://schemas.microsoft.com/office/powerpoint/2010/main" w="9525">
                   <a:solidFill>
                     <a:srgbClr val="000000"/>
                   </a:solidFill>
@@ -21170,7 +21170,7 @@
             </a:ln>
             <a:extLst>
               <a:ext uri="{91240B29-F687-4f45-9708-019B960494DF}">
-                <a14:hiddenLine xmlns:p14="http://schemas.microsoft.com/office/powerpoint/2010/main" xmlns:a14="http://schemas.microsoft.com/office/drawing/2010/main" xmlns:a16="http://schemas.microsoft.com/office/drawing/2014/main" xmlns="" w="9525">
+                <a14:hiddenLine xmlns="" xmlns:a16="http://schemas.microsoft.com/office/drawing/2014/main" xmlns:a14="http://schemas.microsoft.com/office/drawing/2010/main" xmlns:p14="http://schemas.microsoft.com/office/powerpoint/2010/main" w="9525">
                   <a:solidFill>
                     <a:srgbClr val="000000"/>
                   </a:solidFill>
@@ -21254,7 +21254,7 @@
             </a:ln>
             <a:extLst>
               <a:ext uri="{91240B29-F687-4f45-9708-019B960494DF}">
-                <a14:hiddenLine xmlns:p14="http://schemas.microsoft.com/office/powerpoint/2010/main" xmlns:a14="http://schemas.microsoft.com/office/drawing/2010/main" xmlns:a16="http://schemas.microsoft.com/office/drawing/2014/main" xmlns="" w="9525">
+                <a14:hiddenLine xmlns="" xmlns:a16="http://schemas.microsoft.com/office/drawing/2014/main" xmlns:a14="http://schemas.microsoft.com/office/drawing/2010/main" xmlns:p14="http://schemas.microsoft.com/office/powerpoint/2010/main" w="9525">
                   <a:solidFill>
                     <a:srgbClr val="000000"/>
                   </a:solidFill>
@@ -21366,7 +21366,7 @@
             </a:ln>
             <a:extLst>
               <a:ext uri="{91240B29-F687-4f45-9708-019B960494DF}">
-                <a14:hiddenLine xmlns:p14="http://schemas.microsoft.com/office/powerpoint/2010/main" xmlns:a14="http://schemas.microsoft.com/office/drawing/2010/main" xmlns:a16="http://schemas.microsoft.com/office/drawing/2014/main" xmlns="" w="9525">
+                <a14:hiddenLine xmlns="" xmlns:a16="http://schemas.microsoft.com/office/drawing/2014/main" xmlns:a14="http://schemas.microsoft.com/office/drawing/2010/main" xmlns:p14="http://schemas.microsoft.com/office/powerpoint/2010/main" w="9525">
                   <a:solidFill>
                     <a:srgbClr val="000000"/>
                   </a:solidFill>
@@ -21450,7 +21450,7 @@
             </a:ln>
             <a:extLst>
               <a:ext uri="{91240B29-F687-4f45-9708-019B960494DF}">
-                <a14:hiddenLine xmlns:p14="http://schemas.microsoft.com/office/powerpoint/2010/main" xmlns:a14="http://schemas.microsoft.com/office/drawing/2010/main" xmlns:a16="http://schemas.microsoft.com/office/drawing/2014/main" xmlns="" w="9525">
+                <a14:hiddenLine xmlns="" xmlns:a16="http://schemas.microsoft.com/office/drawing/2014/main" xmlns:a14="http://schemas.microsoft.com/office/drawing/2010/main" xmlns:p14="http://schemas.microsoft.com/office/powerpoint/2010/main" w="9525">
                   <a:solidFill>
                     <a:srgbClr val="000000"/>
                   </a:solidFill>
@@ -21562,7 +21562,7 @@
             </a:ln>
             <a:extLst>
               <a:ext uri="{91240B29-F687-4f45-9708-019B960494DF}">
-                <a14:hiddenLine xmlns:p14="http://schemas.microsoft.com/office/powerpoint/2010/main" xmlns:a14="http://schemas.microsoft.com/office/drawing/2010/main" xmlns:a16="http://schemas.microsoft.com/office/drawing/2014/main" xmlns="" w="9525">
+                <a14:hiddenLine xmlns="" xmlns:a16="http://schemas.microsoft.com/office/drawing/2014/main" xmlns:a14="http://schemas.microsoft.com/office/drawing/2010/main" xmlns:p14="http://schemas.microsoft.com/office/powerpoint/2010/main" w="9525">
                   <a:solidFill>
                     <a:srgbClr val="000000"/>
                   </a:solidFill>
@@ -21618,7 +21618,7 @@
             </a:ln>
             <a:extLst>
               <a:ext uri="{91240B29-F687-4f45-9708-019B960494DF}">
-                <a14:hiddenLine xmlns:p14="http://schemas.microsoft.com/office/powerpoint/2010/main" xmlns:a14="http://schemas.microsoft.com/office/drawing/2010/main" xmlns:a16="http://schemas.microsoft.com/office/drawing/2014/main" xmlns="" w="9525">
+                <a14:hiddenLine xmlns="" xmlns:a16="http://schemas.microsoft.com/office/drawing/2014/main" xmlns:a14="http://schemas.microsoft.com/office/drawing/2010/main" xmlns:p14="http://schemas.microsoft.com/office/powerpoint/2010/main" w="9525">
                   <a:solidFill>
                     <a:srgbClr val="000000"/>
                   </a:solidFill>
@@ -21705,7 +21705,7 @@
             </a:ln>
             <a:extLst>
               <a:ext uri="{91240B29-F687-4f45-9708-019B960494DF}">
-                <a14:hiddenLine xmlns:p14="http://schemas.microsoft.com/office/powerpoint/2010/main" xmlns:a14="http://schemas.microsoft.com/office/drawing/2010/main" xmlns:a16="http://schemas.microsoft.com/office/drawing/2014/main" xmlns="" w="9525">
+                <a14:hiddenLine xmlns="" xmlns:a16="http://schemas.microsoft.com/office/drawing/2014/main" xmlns:a14="http://schemas.microsoft.com/office/drawing/2010/main" xmlns:p14="http://schemas.microsoft.com/office/powerpoint/2010/main" w="9525">
                   <a:solidFill>
                     <a:srgbClr val="000000"/>
                   </a:solidFill>
@@ -21817,7 +21817,7 @@
             </a:ln>
             <a:extLst>
               <a:ext uri="{91240B29-F687-4f45-9708-019B960494DF}">
-                <a14:hiddenLine xmlns:p14="http://schemas.microsoft.com/office/powerpoint/2010/main" xmlns:a14="http://schemas.microsoft.com/office/drawing/2010/main" xmlns:a16="http://schemas.microsoft.com/office/drawing/2014/main" xmlns="" w="9525">
+                <a14:hiddenLine xmlns="" xmlns:a16="http://schemas.microsoft.com/office/drawing/2014/main" xmlns:a14="http://schemas.microsoft.com/office/drawing/2010/main" xmlns:p14="http://schemas.microsoft.com/office/powerpoint/2010/main" w="9525">
                   <a:solidFill>
                     <a:srgbClr val="000000"/>
                   </a:solidFill>
@@ -21901,7 +21901,7 @@
             </a:ln>
             <a:extLst>
               <a:ext uri="{91240B29-F687-4f45-9708-019B960494DF}">
-                <a14:hiddenLine xmlns:p14="http://schemas.microsoft.com/office/powerpoint/2010/main" xmlns:a14="http://schemas.microsoft.com/office/drawing/2010/main" xmlns:a16="http://schemas.microsoft.com/office/drawing/2014/main" xmlns="" w="9525">
+                <a14:hiddenLine xmlns="" xmlns:a16="http://schemas.microsoft.com/office/drawing/2014/main" xmlns:a14="http://schemas.microsoft.com/office/drawing/2010/main" xmlns:p14="http://schemas.microsoft.com/office/powerpoint/2010/main" w="9525">
                   <a:solidFill>
                     <a:srgbClr val="000000"/>
                   </a:solidFill>
@@ -22013,7 +22013,7 @@
             </a:ln>
             <a:extLst>
               <a:ext uri="{91240B29-F687-4f45-9708-019B960494DF}">
-                <a14:hiddenLine xmlns:p14="http://schemas.microsoft.com/office/powerpoint/2010/main" xmlns:a14="http://schemas.microsoft.com/office/drawing/2010/main" xmlns:a16="http://schemas.microsoft.com/office/drawing/2014/main" xmlns="" w="9525">
+                <a14:hiddenLine xmlns="" xmlns:a16="http://schemas.microsoft.com/office/drawing/2014/main" xmlns:a14="http://schemas.microsoft.com/office/drawing/2010/main" xmlns:p14="http://schemas.microsoft.com/office/powerpoint/2010/main" w="9525">
                   <a:solidFill>
                     <a:srgbClr val="000000"/>
                   </a:solidFill>
@@ -22125,7 +22125,7 @@
             </a:ln>
             <a:extLst>
               <a:ext uri="{91240B29-F687-4f45-9708-019B960494DF}">
-                <a14:hiddenLine xmlns:p14="http://schemas.microsoft.com/office/powerpoint/2010/main" xmlns:a14="http://schemas.microsoft.com/office/drawing/2010/main" xmlns:a16="http://schemas.microsoft.com/office/drawing/2014/main" xmlns="" w="9525">
+                <a14:hiddenLine xmlns="" xmlns:a16="http://schemas.microsoft.com/office/drawing/2014/main" xmlns:a14="http://schemas.microsoft.com/office/drawing/2010/main" xmlns:p14="http://schemas.microsoft.com/office/powerpoint/2010/main" w="9525">
                   <a:solidFill>
                     <a:srgbClr val="000000"/>
                   </a:solidFill>
@@ -22212,7 +22212,7 @@
             </a:ln>
             <a:extLst>
               <a:ext uri="{91240B29-F687-4f45-9708-019B960494DF}">
-                <a14:hiddenLine xmlns:p14="http://schemas.microsoft.com/office/powerpoint/2010/main" xmlns:a14="http://schemas.microsoft.com/office/drawing/2010/main" xmlns:a16="http://schemas.microsoft.com/office/drawing/2014/main" xmlns="" w="9525">
+                <a14:hiddenLine xmlns="" xmlns:a16="http://schemas.microsoft.com/office/drawing/2014/main" xmlns:a14="http://schemas.microsoft.com/office/drawing/2010/main" xmlns:p14="http://schemas.microsoft.com/office/powerpoint/2010/main" w="9525">
                   <a:solidFill>
                     <a:srgbClr val="000000"/>
                   </a:solidFill>
@@ -22296,7 +22296,7 @@
             </a:ln>
             <a:extLst>
               <a:ext uri="{91240B29-F687-4f45-9708-019B960494DF}">
-                <a14:hiddenLine xmlns:p14="http://schemas.microsoft.com/office/powerpoint/2010/main" xmlns:a14="http://schemas.microsoft.com/office/drawing/2010/main" xmlns:a16="http://schemas.microsoft.com/office/drawing/2014/main" xmlns="" w="9525">
+                <a14:hiddenLine xmlns="" xmlns:a16="http://schemas.microsoft.com/office/drawing/2014/main" xmlns:a14="http://schemas.microsoft.com/office/drawing/2010/main" xmlns:p14="http://schemas.microsoft.com/office/powerpoint/2010/main" w="9525">
                   <a:solidFill>
                     <a:srgbClr val="000000"/>
                   </a:solidFill>
@@ -22408,7 +22408,7 @@
             </a:ln>
             <a:extLst>
               <a:ext uri="{91240B29-F687-4f45-9708-019B960494DF}">
-                <a14:hiddenLine xmlns:p14="http://schemas.microsoft.com/office/powerpoint/2010/main" xmlns:a14="http://schemas.microsoft.com/office/drawing/2010/main" xmlns:a16="http://schemas.microsoft.com/office/drawing/2014/main" xmlns="" w="9525">
+                <a14:hiddenLine xmlns="" xmlns:a16="http://schemas.microsoft.com/office/drawing/2014/main" xmlns:a14="http://schemas.microsoft.com/office/drawing/2010/main" xmlns:p14="http://schemas.microsoft.com/office/powerpoint/2010/main" w="9525">
                   <a:solidFill>
                     <a:srgbClr val="000000"/>
                   </a:solidFill>
@@ -22520,7 +22520,7 @@
             </a:ln>
             <a:extLst>
               <a:ext uri="{91240B29-F687-4f45-9708-019B960494DF}">
-                <a14:hiddenLine xmlns:p14="http://schemas.microsoft.com/office/powerpoint/2010/main" xmlns:a14="http://schemas.microsoft.com/office/drawing/2010/main" xmlns:a16="http://schemas.microsoft.com/office/drawing/2014/main" xmlns="" w="9525">
+                <a14:hiddenLine xmlns="" xmlns:a16="http://schemas.microsoft.com/office/drawing/2014/main" xmlns:a14="http://schemas.microsoft.com/office/drawing/2010/main" xmlns:p14="http://schemas.microsoft.com/office/powerpoint/2010/main" w="9525">
                   <a:solidFill>
                     <a:srgbClr val="000000"/>
                   </a:solidFill>
@@ -22604,7 +22604,7 @@
             </a:ln>
             <a:extLst>
               <a:ext uri="{91240B29-F687-4f45-9708-019B960494DF}">
-                <a14:hiddenLine xmlns:p14="http://schemas.microsoft.com/office/powerpoint/2010/main" xmlns:a14="http://schemas.microsoft.com/office/drawing/2010/main" xmlns:a16="http://schemas.microsoft.com/office/drawing/2014/main" xmlns="" w="9525">
+                <a14:hiddenLine xmlns="" xmlns:a16="http://schemas.microsoft.com/office/drawing/2014/main" xmlns:a14="http://schemas.microsoft.com/office/drawing/2010/main" xmlns:p14="http://schemas.microsoft.com/office/powerpoint/2010/main" w="9525">
                   <a:solidFill>
                     <a:srgbClr val="000000"/>
                   </a:solidFill>
@@ -22746,7 +22746,7 @@
             </a:ln>
             <a:extLst>
               <a:ext uri="{91240B29-F687-4f45-9708-019B960494DF}">
-                <a14:hiddenLine xmlns:p14="http://schemas.microsoft.com/office/powerpoint/2010/main" xmlns:a14="http://schemas.microsoft.com/office/drawing/2010/main" xmlns:a16="http://schemas.microsoft.com/office/drawing/2014/main" xmlns="" w="9525">
+                <a14:hiddenLine xmlns="" xmlns:a16="http://schemas.microsoft.com/office/drawing/2014/main" xmlns:a14="http://schemas.microsoft.com/office/drawing/2010/main" xmlns:p14="http://schemas.microsoft.com/office/powerpoint/2010/main" w="9525">
                   <a:solidFill>
                     <a:srgbClr val="000000"/>
                   </a:solidFill>
@@ -22836,7 +22836,7 @@
             </a:ln>
             <a:extLst>
               <a:ext uri="{91240B29-F687-4f45-9708-019B960494DF}">
-                <a14:hiddenLine xmlns:p14="http://schemas.microsoft.com/office/powerpoint/2010/main" xmlns:a14="http://schemas.microsoft.com/office/drawing/2010/main" xmlns:a16="http://schemas.microsoft.com/office/drawing/2014/main" xmlns="" w="9525">
+                <a14:hiddenLine xmlns="" xmlns:a16="http://schemas.microsoft.com/office/drawing/2014/main" xmlns:a14="http://schemas.microsoft.com/office/drawing/2010/main" xmlns:p14="http://schemas.microsoft.com/office/powerpoint/2010/main" w="9525">
                   <a:solidFill>
                     <a:srgbClr val="000000"/>
                   </a:solidFill>
@@ -22948,7 +22948,7 @@
             </a:ln>
             <a:extLst>
               <a:ext uri="{91240B29-F687-4f45-9708-019B960494DF}">
-                <a14:hiddenLine xmlns:p14="http://schemas.microsoft.com/office/powerpoint/2010/main" xmlns:a14="http://schemas.microsoft.com/office/drawing/2010/main" xmlns:a16="http://schemas.microsoft.com/office/drawing/2014/main" xmlns="" w="9525">
+                <a14:hiddenLine xmlns="" xmlns:a16="http://schemas.microsoft.com/office/drawing/2014/main" xmlns:a14="http://schemas.microsoft.com/office/drawing/2010/main" xmlns:p14="http://schemas.microsoft.com/office/powerpoint/2010/main" w="9525">
                   <a:solidFill>
                     <a:srgbClr val="000000"/>
                   </a:solidFill>
@@ -23112,7 +23112,7 @@
             <a:noFill/>
             <a:extLst>
               <a:ext uri="{909E8E84-426E-40dd-AFC4-6F175D3DCCD1}">
-                <a14:hiddenFill xmlns:p14="http://schemas.microsoft.com/office/powerpoint/2010/main" xmlns:a14="http://schemas.microsoft.com/office/drawing/2010/main" xmlns:a16="http://schemas.microsoft.com/office/drawing/2014/main" xmlns="">
+                <a14:hiddenFill xmlns="" xmlns:a16="http://schemas.microsoft.com/office/drawing/2014/main" xmlns:a14="http://schemas.microsoft.com/office/drawing/2010/main" xmlns:p14="http://schemas.microsoft.com/office/powerpoint/2010/main">
                   <a:solidFill>
                     <a:srgbClr val="FFFFFF"/>
                   </a:solidFill>
@@ -23262,7 +23262,7 @@
             </a:ln>
             <a:extLst>
               <a:ext uri="{91240B29-F687-4f45-9708-019B960494DF}">
-                <a14:hiddenLine xmlns:p14="http://schemas.microsoft.com/office/powerpoint/2010/main" xmlns:a14="http://schemas.microsoft.com/office/drawing/2010/main" xmlns:a16="http://schemas.microsoft.com/office/drawing/2014/main" xmlns="" w="9525">
+                <a14:hiddenLine xmlns="" xmlns:a16="http://schemas.microsoft.com/office/drawing/2014/main" xmlns:a14="http://schemas.microsoft.com/office/drawing/2010/main" xmlns:p14="http://schemas.microsoft.com/office/powerpoint/2010/main" w="9525">
                   <a:solidFill>
                     <a:srgbClr val="000000"/>
                   </a:solidFill>
@@ -23374,7 +23374,7 @@
             </a:ln>
             <a:extLst>
               <a:ext uri="{91240B29-F687-4f45-9708-019B960494DF}">
-                <a14:hiddenLine xmlns:p14="http://schemas.microsoft.com/office/powerpoint/2010/main" xmlns:a14="http://schemas.microsoft.com/office/drawing/2010/main" xmlns:a16="http://schemas.microsoft.com/office/drawing/2014/main" xmlns="" w="9525">
+                <a14:hiddenLine xmlns="" xmlns:a16="http://schemas.microsoft.com/office/drawing/2014/main" xmlns:a14="http://schemas.microsoft.com/office/drawing/2010/main" xmlns:p14="http://schemas.microsoft.com/office/powerpoint/2010/main" w="9525">
                   <a:solidFill>
                     <a:srgbClr val="000000"/>
                   </a:solidFill>
@@ -23486,7 +23486,7 @@
             </a:ln>
             <a:extLst>
               <a:ext uri="{91240B29-F687-4f45-9708-019B960494DF}">
-                <a14:hiddenLine xmlns:p14="http://schemas.microsoft.com/office/powerpoint/2010/main" xmlns:a14="http://schemas.microsoft.com/office/drawing/2010/main" xmlns:a16="http://schemas.microsoft.com/office/drawing/2014/main" xmlns="" w="9525">
+                <a14:hiddenLine xmlns="" xmlns:a16="http://schemas.microsoft.com/office/drawing/2014/main" xmlns:a14="http://schemas.microsoft.com/office/drawing/2010/main" xmlns:p14="http://schemas.microsoft.com/office/powerpoint/2010/main" w="9525">
                   <a:solidFill>
                     <a:srgbClr val="000000"/>
                   </a:solidFill>
@@ -23542,7 +23542,7 @@
             </a:ln>
             <a:extLst>
               <a:ext uri="{91240B29-F687-4f45-9708-019B960494DF}">
-                <a14:hiddenLine xmlns:p14="http://schemas.microsoft.com/office/powerpoint/2010/main" xmlns:a14="http://schemas.microsoft.com/office/drawing/2010/main" xmlns:a16="http://schemas.microsoft.com/office/drawing/2014/main" xmlns="" w="9525">
+                <a14:hiddenLine xmlns="" xmlns:a16="http://schemas.microsoft.com/office/drawing/2014/main" xmlns:a14="http://schemas.microsoft.com/office/drawing/2010/main" xmlns:p14="http://schemas.microsoft.com/office/powerpoint/2010/main" w="9525">
                   <a:solidFill>
                     <a:srgbClr val="000000"/>
                   </a:solidFill>
@@ -23654,7 +23654,7 @@
             </a:ln>
             <a:extLst>
               <a:ext uri="{91240B29-F687-4f45-9708-019B960494DF}">
-                <a14:hiddenLine xmlns:p14="http://schemas.microsoft.com/office/powerpoint/2010/main" xmlns:a14="http://schemas.microsoft.com/office/drawing/2010/main" xmlns:a16="http://schemas.microsoft.com/office/drawing/2014/main" xmlns="" w="9525">
+                <a14:hiddenLine xmlns="" xmlns:a16="http://schemas.microsoft.com/office/drawing/2014/main" xmlns:a14="http://schemas.microsoft.com/office/drawing/2010/main" xmlns:p14="http://schemas.microsoft.com/office/powerpoint/2010/main" w="9525">
                   <a:solidFill>
                     <a:srgbClr val="000000"/>
                   </a:solidFill>
@@ -23738,7 +23738,7 @@
             </a:ln>
             <a:extLst>
               <a:ext uri="{91240B29-F687-4f45-9708-019B960494DF}">
-                <a14:hiddenLine xmlns:p14="http://schemas.microsoft.com/office/powerpoint/2010/main" xmlns:a14="http://schemas.microsoft.com/office/drawing/2010/main" xmlns:a16="http://schemas.microsoft.com/office/drawing/2014/main" xmlns="" w="9525">
+                <a14:hiddenLine xmlns="" xmlns:a16="http://schemas.microsoft.com/office/drawing/2014/main" xmlns:a14="http://schemas.microsoft.com/office/drawing/2010/main" xmlns:p14="http://schemas.microsoft.com/office/powerpoint/2010/main" w="9525">
                   <a:solidFill>
                     <a:srgbClr val="000000"/>
                   </a:solidFill>
@@ -23822,7 +23822,7 @@
             </a:ln>
             <a:extLst>
               <a:ext uri="{91240B29-F687-4f45-9708-019B960494DF}">
-                <a14:hiddenLine xmlns:p14="http://schemas.microsoft.com/office/powerpoint/2010/main" xmlns:a14="http://schemas.microsoft.com/office/drawing/2010/main" xmlns:a16="http://schemas.microsoft.com/office/drawing/2014/main" xmlns="" w="9525">
+                <a14:hiddenLine xmlns="" xmlns:a16="http://schemas.microsoft.com/office/drawing/2014/main" xmlns:a14="http://schemas.microsoft.com/office/drawing/2010/main" xmlns:p14="http://schemas.microsoft.com/office/powerpoint/2010/main" w="9525">
                   <a:solidFill>
                     <a:srgbClr val="000000"/>
                   </a:solidFill>
@@ -23934,7 +23934,7 @@
             </a:ln>
             <a:extLst>
               <a:ext uri="{91240B29-F687-4f45-9708-019B960494DF}">
-                <a14:hiddenLine xmlns:p14="http://schemas.microsoft.com/office/powerpoint/2010/main" xmlns:a14="http://schemas.microsoft.com/office/drawing/2010/main" xmlns:a16="http://schemas.microsoft.com/office/drawing/2014/main" xmlns="" w="9525">
+                <a14:hiddenLine xmlns="" xmlns:a16="http://schemas.microsoft.com/office/drawing/2014/main" xmlns:a14="http://schemas.microsoft.com/office/drawing/2010/main" xmlns:p14="http://schemas.microsoft.com/office/powerpoint/2010/main" w="9525">
                   <a:solidFill>
                     <a:srgbClr val="000000"/>
                   </a:solidFill>
@@ -24018,7 +24018,7 @@
             </a:ln>
             <a:extLst>
               <a:ext uri="{91240B29-F687-4f45-9708-019B960494DF}">
-                <a14:hiddenLine xmlns:p14="http://schemas.microsoft.com/office/powerpoint/2010/main" xmlns:a14="http://schemas.microsoft.com/office/drawing/2010/main" xmlns:a16="http://schemas.microsoft.com/office/drawing/2014/main" xmlns="" w="9525">
+                <a14:hiddenLine xmlns="" xmlns:a16="http://schemas.microsoft.com/office/drawing/2014/main" xmlns:a14="http://schemas.microsoft.com/office/drawing/2010/main" xmlns:p14="http://schemas.microsoft.com/office/powerpoint/2010/main" w="9525">
                   <a:solidFill>
                     <a:srgbClr val="000000"/>
                   </a:solidFill>
@@ -24102,7 +24102,7 @@
             </a:ln>
             <a:extLst>
               <a:ext uri="{91240B29-F687-4f45-9708-019B960494DF}">
-                <a14:hiddenLine xmlns:p14="http://schemas.microsoft.com/office/powerpoint/2010/main" xmlns:a14="http://schemas.microsoft.com/office/drawing/2010/main" xmlns:a16="http://schemas.microsoft.com/office/drawing/2014/main" xmlns="" w="9525">
+                <a14:hiddenLine xmlns="" xmlns:a16="http://schemas.microsoft.com/office/drawing/2014/main" xmlns:a14="http://schemas.microsoft.com/office/drawing/2010/main" xmlns:p14="http://schemas.microsoft.com/office/powerpoint/2010/main" w="9525">
                   <a:solidFill>
                     <a:srgbClr val="000000"/>
                   </a:solidFill>
@@ -24214,7 +24214,7 @@
             </a:ln>
             <a:extLst>
               <a:ext uri="{91240B29-F687-4f45-9708-019B960494DF}">
-                <a14:hiddenLine xmlns:p14="http://schemas.microsoft.com/office/powerpoint/2010/main" xmlns:a14="http://schemas.microsoft.com/office/drawing/2010/main" xmlns:a16="http://schemas.microsoft.com/office/drawing/2014/main" xmlns="" w="9525">
+                <a14:hiddenLine xmlns="" xmlns:a16="http://schemas.microsoft.com/office/drawing/2014/main" xmlns:a14="http://schemas.microsoft.com/office/drawing/2010/main" xmlns:p14="http://schemas.microsoft.com/office/powerpoint/2010/main" w="9525">
                   <a:solidFill>
                     <a:srgbClr val="000000"/>
                   </a:solidFill>
@@ -24326,7 +24326,7 @@
             </a:ln>
             <a:extLst>
               <a:ext uri="{91240B29-F687-4f45-9708-019B960494DF}">
-                <a14:hiddenLine xmlns:p14="http://schemas.microsoft.com/office/powerpoint/2010/main" xmlns:a14="http://schemas.microsoft.com/office/drawing/2010/main" xmlns:a16="http://schemas.microsoft.com/office/drawing/2014/main" xmlns="" w="9525">
+                <a14:hiddenLine xmlns="" xmlns:a16="http://schemas.microsoft.com/office/drawing/2014/main" xmlns:a14="http://schemas.microsoft.com/office/drawing/2010/main" xmlns:p14="http://schemas.microsoft.com/office/powerpoint/2010/main" w="9525">
                   <a:solidFill>
                     <a:srgbClr val="000000"/>
                   </a:solidFill>
@@ -24410,7 +24410,7 @@
             </a:ln>
             <a:extLst>
               <a:ext uri="{91240B29-F687-4f45-9708-019B960494DF}">
-                <a14:hiddenLine xmlns:p14="http://schemas.microsoft.com/office/powerpoint/2010/main" xmlns:a14="http://schemas.microsoft.com/office/drawing/2010/main" xmlns:a16="http://schemas.microsoft.com/office/drawing/2014/main" xmlns="" w="9525">
+                <a14:hiddenLine xmlns="" xmlns:a16="http://schemas.microsoft.com/office/drawing/2014/main" xmlns:a14="http://schemas.microsoft.com/office/drawing/2010/main" xmlns:p14="http://schemas.microsoft.com/office/powerpoint/2010/main" w="9525">
                   <a:solidFill>
                     <a:srgbClr val="000000"/>
                   </a:solidFill>
@@ -24542,7 +24542,7 @@
             </a:ln>
             <a:extLst>
               <a:ext uri="{91240B29-F687-4f45-9708-019B960494DF}">
-                <a14:hiddenLine xmlns:p14="http://schemas.microsoft.com/office/powerpoint/2010/main" xmlns:a14="http://schemas.microsoft.com/office/drawing/2010/main" xmlns:a16="http://schemas.microsoft.com/office/drawing/2014/main" xmlns="" w="9525">
+                <a14:hiddenLine xmlns="" xmlns:a16="http://schemas.microsoft.com/office/drawing/2014/main" xmlns:a14="http://schemas.microsoft.com/office/drawing/2010/main" xmlns:p14="http://schemas.microsoft.com/office/powerpoint/2010/main" w="9525">
                   <a:solidFill>
                     <a:srgbClr val="000000"/>
                   </a:solidFill>
@@ -24626,7 +24626,7 @@
             </a:ln>
             <a:extLst>
               <a:ext uri="{91240B29-F687-4f45-9708-019B960494DF}">
-                <a14:hiddenLine xmlns:p14="http://schemas.microsoft.com/office/powerpoint/2010/main" xmlns:a14="http://schemas.microsoft.com/office/drawing/2010/main" xmlns:a16="http://schemas.microsoft.com/office/drawing/2014/main" xmlns="" w="9525">
+                <a14:hiddenLine xmlns="" xmlns:a16="http://schemas.microsoft.com/office/drawing/2014/main" xmlns:a14="http://schemas.microsoft.com/office/drawing/2010/main" xmlns:p14="http://schemas.microsoft.com/office/powerpoint/2010/main" w="9525">
                   <a:solidFill>
                     <a:srgbClr val="000000"/>
                   </a:solidFill>
@@ -24738,7 +24738,7 @@
             </a:ln>
             <a:extLst>
               <a:ext uri="{91240B29-F687-4f45-9708-019B960494DF}">
-                <a14:hiddenLine xmlns:p14="http://schemas.microsoft.com/office/powerpoint/2010/main" xmlns:a14="http://schemas.microsoft.com/office/drawing/2010/main" xmlns:a16="http://schemas.microsoft.com/office/drawing/2014/main" xmlns="" w="9525">
+                <a14:hiddenLine xmlns="" xmlns:a16="http://schemas.microsoft.com/office/drawing/2014/main" xmlns:a14="http://schemas.microsoft.com/office/drawing/2010/main" xmlns:p14="http://schemas.microsoft.com/office/powerpoint/2010/main" w="9525">
                   <a:solidFill>
                     <a:srgbClr val="000000"/>
                   </a:solidFill>
@@ -24850,7 +24850,7 @@
             </a:ln>
             <a:extLst>
               <a:ext uri="{91240B29-F687-4f45-9708-019B960494DF}">
-                <a14:hiddenLine xmlns:p14="http://schemas.microsoft.com/office/powerpoint/2010/main" xmlns:a14="http://schemas.microsoft.com/office/drawing/2010/main" xmlns:a16="http://schemas.microsoft.com/office/drawing/2014/main" xmlns="" w="9525">
+                <a14:hiddenLine xmlns="" xmlns:a16="http://schemas.microsoft.com/office/drawing/2014/main" xmlns:a14="http://schemas.microsoft.com/office/drawing/2010/main" xmlns:p14="http://schemas.microsoft.com/office/powerpoint/2010/main" w="9525">
                   <a:solidFill>
                     <a:srgbClr val="000000"/>
                   </a:solidFill>
@@ -24934,7 +24934,7 @@
             </a:ln>
             <a:extLst>
               <a:ext uri="{91240B29-F687-4f45-9708-019B960494DF}">
-                <a14:hiddenLine xmlns:p14="http://schemas.microsoft.com/office/powerpoint/2010/main" xmlns:a14="http://schemas.microsoft.com/office/drawing/2010/main" xmlns:a16="http://schemas.microsoft.com/office/drawing/2014/main" xmlns="" w="9525">
+                <a14:hiddenLine xmlns="" xmlns:a16="http://schemas.microsoft.com/office/drawing/2014/main" xmlns:a14="http://schemas.microsoft.com/office/drawing/2010/main" xmlns:p14="http://schemas.microsoft.com/office/powerpoint/2010/main" w="9525">
                   <a:solidFill>
                     <a:srgbClr val="000000"/>
                   </a:solidFill>
@@ -25046,7 +25046,7 @@
             </a:ln>
             <a:extLst>
               <a:ext uri="{91240B29-F687-4f45-9708-019B960494DF}">
-                <a14:hiddenLine xmlns:p14="http://schemas.microsoft.com/office/powerpoint/2010/main" xmlns:a14="http://schemas.microsoft.com/office/drawing/2010/main" xmlns:a16="http://schemas.microsoft.com/office/drawing/2014/main" xmlns="" w="9525">
+                <a14:hiddenLine xmlns="" xmlns:a16="http://schemas.microsoft.com/office/drawing/2014/main" xmlns:a14="http://schemas.microsoft.com/office/drawing/2010/main" xmlns:p14="http://schemas.microsoft.com/office/powerpoint/2010/main" w="9525">
                   <a:solidFill>
                     <a:srgbClr val="000000"/>
                   </a:solidFill>
@@ -25158,7 +25158,7 @@
             </a:ln>
             <a:extLst>
               <a:ext uri="{91240B29-F687-4f45-9708-019B960494DF}">
-                <a14:hiddenLine xmlns:p14="http://schemas.microsoft.com/office/powerpoint/2010/main" xmlns:a14="http://schemas.microsoft.com/office/drawing/2010/main" xmlns:a16="http://schemas.microsoft.com/office/drawing/2014/main" xmlns="" w="9525">
+                <a14:hiddenLine xmlns="" xmlns:a16="http://schemas.microsoft.com/office/drawing/2014/main" xmlns:a14="http://schemas.microsoft.com/office/drawing/2010/main" xmlns:p14="http://schemas.microsoft.com/office/powerpoint/2010/main" w="9525">
                   <a:solidFill>
                     <a:srgbClr val="000000"/>
                   </a:solidFill>
@@ -25236,7 +25236,7 @@
             </a:ln>
             <a:extLst>
               <a:ext uri="{91240B29-F687-4f45-9708-019B960494DF}">
-                <a14:hiddenLine xmlns:p14="http://schemas.microsoft.com/office/powerpoint/2010/main" xmlns:a14="http://schemas.microsoft.com/office/drawing/2010/main" xmlns:a16="http://schemas.microsoft.com/office/drawing/2014/main" xmlns="" w="9525">
+                <a14:hiddenLine xmlns="" xmlns:a16="http://schemas.microsoft.com/office/drawing/2014/main" xmlns:a14="http://schemas.microsoft.com/office/drawing/2010/main" xmlns:p14="http://schemas.microsoft.com/office/powerpoint/2010/main" w="9525">
                   <a:solidFill>
                     <a:srgbClr val="000000"/>
                   </a:solidFill>
@@ -25348,7 +25348,7 @@
             </a:ln>
             <a:extLst>
               <a:ext uri="{91240B29-F687-4f45-9708-019B960494DF}">
-                <a14:hiddenLine xmlns:p14="http://schemas.microsoft.com/office/powerpoint/2010/main" xmlns:a14="http://schemas.microsoft.com/office/drawing/2010/main" xmlns:a16="http://schemas.microsoft.com/office/drawing/2014/main" xmlns="" w="9525">
+                <a14:hiddenLine xmlns="" xmlns:a16="http://schemas.microsoft.com/office/drawing/2014/main" xmlns:a14="http://schemas.microsoft.com/office/drawing/2010/main" xmlns:p14="http://schemas.microsoft.com/office/powerpoint/2010/main" w="9525">
                   <a:solidFill>
                     <a:srgbClr val="000000"/>
                   </a:solidFill>
@@ -25426,7 +25426,7 @@
             </a:ln>
             <a:extLst>
               <a:ext uri="{91240B29-F687-4f45-9708-019B960494DF}">
-                <a14:hiddenLine xmlns:p14="http://schemas.microsoft.com/office/powerpoint/2010/main" xmlns:a14="http://schemas.microsoft.com/office/drawing/2010/main" xmlns:a16="http://schemas.microsoft.com/office/drawing/2014/main" xmlns="" w="9525">
+                <a14:hiddenLine xmlns="" xmlns:a16="http://schemas.microsoft.com/office/drawing/2014/main" xmlns:a14="http://schemas.microsoft.com/office/drawing/2010/main" xmlns:p14="http://schemas.microsoft.com/office/powerpoint/2010/main" w="9525">
                   <a:solidFill>
                     <a:srgbClr val="000000"/>
                   </a:solidFill>
@@ -25538,7 +25538,7 @@
             </a:ln>
             <a:extLst>
               <a:ext uri="{91240B29-F687-4f45-9708-019B960494DF}">
-                <a14:hiddenLine xmlns:p14="http://schemas.microsoft.com/office/powerpoint/2010/main" xmlns:a14="http://schemas.microsoft.com/office/drawing/2010/main" xmlns:a16="http://schemas.microsoft.com/office/drawing/2014/main" xmlns="" w="9525">
+                <a14:hiddenLine xmlns="" xmlns:a16="http://schemas.microsoft.com/office/drawing/2014/main" xmlns:a14="http://schemas.microsoft.com/office/drawing/2010/main" xmlns:p14="http://schemas.microsoft.com/office/powerpoint/2010/main" w="9525">
                   <a:solidFill>
                     <a:srgbClr val="000000"/>
                   </a:solidFill>
@@ -25628,7 +25628,7 @@
             </a:ln>
             <a:extLst>
               <a:ext uri="{91240B29-F687-4f45-9708-019B960494DF}">
-                <a14:hiddenLine xmlns:p14="http://schemas.microsoft.com/office/powerpoint/2010/main" xmlns:a14="http://schemas.microsoft.com/office/drawing/2010/main" xmlns:a16="http://schemas.microsoft.com/office/drawing/2014/main" xmlns="" w="9525">
+                <a14:hiddenLine xmlns="" xmlns:a16="http://schemas.microsoft.com/office/drawing/2014/main" xmlns:a14="http://schemas.microsoft.com/office/drawing/2010/main" xmlns:p14="http://schemas.microsoft.com/office/powerpoint/2010/main" w="9525">
                   <a:solidFill>
                     <a:srgbClr val="000000"/>
                   </a:solidFill>
@@ -25740,7 +25740,7 @@
             </a:ln>
             <a:extLst>
               <a:ext uri="{91240B29-F687-4f45-9708-019B960494DF}">
-                <a14:hiddenLine xmlns:p14="http://schemas.microsoft.com/office/powerpoint/2010/main" xmlns:a14="http://schemas.microsoft.com/office/drawing/2010/main" xmlns:a16="http://schemas.microsoft.com/office/drawing/2014/main" xmlns="" w="9525">
+                <a14:hiddenLine xmlns="" xmlns:a16="http://schemas.microsoft.com/office/drawing/2014/main" xmlns:a14="http://schemas.microsoft.com/office/drawing/2010/main" xmlns:p14="http://schemas.microsoft.com/office/powerpoint/2010/main" w="9525">
                   <a:solidFill>
                     <a:srgbClr val="000000"/>
                   </a:solidFill>
@@ -25830,7 +25830,7 @@
             </a:ln>
             <a:extLst>
               <a:ext uri="{91240B29-F687-4f45-9708-019B960494DF}">
-                <a14:hiddenLine xmlns:p14="http://schemas.microsoft.com/office/powerpoint/2010/main" xmlns:a14="http://schemas.microsoft.com/office/drawing/2010/main" xmlns:a16="http://schemas.microsoft.com/office/drawing/2014/main" xmlns="" w="9525">
+                <a14:hiddenLine xmlns="" xmlns:a16="http://schemas.microsoft.com/office/drawing/2014/main" xmlns:a14="http://schemas.microsoft.com/office/drawing/2010/main" xmlns:p14="http://schemas.microsoft.com/office/powerpoint/2010/main" w="9525">
                   <a:solidFill>
                     <a:srgbClr val="000000"/>
                   </a:solidFill>
@@ -25942,7 +25942,7 @@
             </a:ln>
             <a:extLst>
               <a:ext uri="{91240B29-F687-4f45-9708-019B960494DF}">
-                <a14:hiddenLine xmlns:p14="http://schemas.microsoft.com/office/powerpoint/2010/main" xmlns:a14="http://schemas.microsoft.com/office/drawing/2010/main" xmlns:a16="http://schemas.microsoft.com/office/drawing/2014/main" xmlns="" w="9525">
+                <a14:hiddenLine xmlns="" xmlns:a16="http://schemas.microsoft.com/office/drawing/2014/main" xmlns:a14="http://schemas.microsoft.com/office/drawing/2010/main" xmlns:p14="http://schemas.microsoft.com/office/powerpoint/2010/main" w="9525">
                   <a:solidFill>
                     <a:srgbClr val="000000"/>
                   </a:solidFill>
@@ -25998,7 +25998,7 @@
             </a:ln>
             <a:extLst>
               <a:ext uri="{91240B29-F687-4f45-9708-019B960494DF}">
-                <a14:hiddenLine xmlns:p14="http://schemas.microsoft.com/office/powerpoint/2010/main" xmlns:a14="http://schemas.microsoft.com/office/drawing/2010/main" xmlns:a16="http://schemas.microsoft.com/office/drawing/2014/main" xmlns="" w="9525">
+                <a14:hiddenLine xmlns="" xmlns:a16="http://schemas.microsoft.com/office/drawing/2014/main" xmlns:a14="http://schemas.microsoft.com/office/drawing/2010/main" xmlns:p14="http://schemas.microsoft.com/office/powerpoint/2010/main" w="9525">
                   <a:solidFill>
                     <a:srgbClr val="000000"/>
                   </a:solidFill>
@@ -26110,7 +26110,7 @@
             </a:ln>
             <a:extLst>
               <a:ext uri="{91240B29-F687-4f45-9708-019B960494DF}">
-                <a14:hiddenLine xmlns:p14="http://schemas.microsoft.com/office/powerpoint/2010/main" xmlns:a14="http://schemas.microsoft.com/office/drawing/2010/main" xmlns:a16="http://schemas.microsoft.com/office/drawing/2014/main" xmlns="" w="9525">
+                <a14:hiddenLine xmlns="" xmlns:a16="http://schemas.microsoft.com/office/drawing/2014/main" xmlns:a14="http://schemas.microsoft.com/office/drawing/2010/main" xmlns:p14="http://schemas.microsoft.com/office/powerpoint/2010/main" w="9525">
                   <a:solidFill>
                     <a:srgbClr val="000000"/>
                   </a:solidFill>
@@ -26194,7 +26194,7 @@
             </a:ln>
             <a:extLst>
               <a:ext uri="{91240B29-F687-4f45-9708-019B960494DF}">
-                <a14:hiddenLine xmlns:p14="http://schemas.microsoft.com/office/powerpoint/2010/main" xmlns:a14="http://schemas.microsoft.com/office/drawing/2010/main" xmlns:a16="http://schemas.microsoft.com/office/drawing/2014/main" xmlns="" w="9525">
+                <a14:hiddenLine xmlns="" xmlns:a16="http://schemas.microsoft.com/office/drawing/2014/main" xmlns:a14="http://schemas.microsoft.com/office/drawing/2010/main" xmlns:p14="http://schemas.microsoft.com/office/powerpoint/2010/main" w="9525">
                   <a:solidFill>
                     <a:srgbClr val="000000"/>
                   </a:solidFill>
@@ -26278,7 +26278,7 @@
             </a:ln>
             <a:extLst>
               <a:ext uri="{91240B29-F687-4f45-9708-019B960494DF}">
-                <a14:hiddenLine xmlns:p14="http://schemas.microsoft.com/office/powerpoint/2010/main" xmlns:a14="http://schemas.microsoft.com/office/drawing/2010/main" xmlns:a16="http://schemas.microsoft.com/office/drawing/2014/main" xmlns="" w="9525">
+                <a14:hiddenLine xmlns="" xmlns:a16="http://schemas.microsoft.com/office/drawing/2014/main" xmlns:a14="http://schemas.microsoft.com/office/drawing/2010/main" xmlns:p14="http://schemas.microsoft.com/office/powerpoint/2010/main" w="9525">
                   <a:solidFill>
                     <a:srgbClr val="000000"/>
                   </a:solidFill>
@@ -26390,7 +26390,7 @@
             </a:ln>
             <a:extLst>
               <a:ext uri="{91240B29-F687-4f45-9708-019B960494DF}">
-                <a14:hiddenLine xmlns:p14="http://schemas.microsoft.com/office/powerpoint/2010/main" xmlns:a14="http://schemas.microsoft.com/office/drawing/2010/main" xmlns:a16="http://schemas.microsoft.com/office/drawing/2014/main" xmlns="" w="9525">
+                <a14:hiddenLine xmlns="" xmlns:a16="http://schemas.microsoft.com/office/drawing/2014/main" xmlns:a14="http://schemas.microsoft.com/office/drawing/2010/main" xmlns:p14="http://schemas.microsoft.com/office/powerpoint/2010/main" w="9525">
                   <a:solidFill>
                     <a:srgbClr val="000000"/>
                   </a:solidFill>
@@ -26480,7 +26480,7 @@
             </a:ln>
             <a:extLst>
               <a:ext uri="{91240B29-F687-4f45-9708-019B960494DF}">
-                <a14:hiddenLine xmlns:p14="http://schemas.microsoft.com/office/powerpoint/2010/main" xmlns:a14="http://schemas.microsoft.com/office/drawing/2010/main" xmlns:a16="http://schemas.microsoft.com/office/drawing/2014/main" xmlns="" w="9525">
+                <a14:hiddenLine xmlns="" xmlns:a16="http://schemas.microsoft.com/office/drawing/2014/main" xmlns:a14="http://schemas.microsoft.com/office/drawing/2010/main" xmlns:p14="http://schemas.microsoft.com/office/powerpoint/2010/main" w="9525">
                   <a:solidFill>
                     <a:srgbClr val="000000"/>
                   </a:solidFill>
@@ -26564,7 +26564,7 @@
             </a:ln>
             <a:extLst>
               <a:ext uri="{91240B29-F687-4f45-9708-019B960494DF}">
-                <a14:hiddenLine xmlns:p14="http://schemas.microsoft.com/office/powerpoint/2010/main" xmlns:a14="http://schemas.microsoft.com/office/drawing/2010/main" xmlns:a16="http://schemas.microsoft.com/office/drawing/2014/main" xmlns="" w="9525">
+                <a14:hiddenLine xmlns="" xmlns:a16="http://schemas.microsoft.com/office/drawing/2014/main" xmlns:a14="http://schemas.microsoft.com/office/drawing/2010/main" xmlns:p14="http://schemas.microsoft.com/office/powerpoint/2010/main" w="9525">
                   <a:solidFill>
                     <a:srgbClr val="000000"/>
                   </a:solidFill>
@@ -26676,7 +26676,7 @@
             </a:ln>
             <a:extLst>
               <a:ext uri="{91240B29-F687-4f45-9708-019B960494DF}">
-                <a14:hiddenLine xmlns:p14="http://schemas.microsoft.com/office/powerpoint/2010/main" xmlns:a14="http://schemas.microsoft.com/office/drawing/2010/main" xmlns:a16="http://schemas.microsoft.com/office/drawing/2014/main" xmlns="" w="9525">
+                <a14:hiddenLine xmlns="" xmlns:a16="http://schemas.microsoft.com/office/drawing/2014/main" xmlns:a14="http://schemas.microsoft.com/office/drawing/2010/main" xmlns:p14="http://schemas.microsoft.com/office/powerpoint/2010/main" w="9525">
                   <a:solidFill>
                     <a:srgbClr val="000000"/>
                   </a:solidFill>
@@ -26760,7 +26760,7 @@
             </a:ln>
             <a:extLst>
               <a:ext uri="{91240B29-F687-4f45-9708-019B960494DF}">
-                <a14:hiddenLine xmlns:p14="http://schemas.microsoft.com/office/powerpoint/2010/main" xmlns:a14="http://schemas.microsoft.com/office/drawing/2010/main" xmlns:a16="http://schemas.microsoft.com/office/drawing/2014/main" xmlns="" w="9525">
+                <a14:hiddenLine xmlns="" xmlns:a16="http://schemas.microsoft.com/office/drawing/2014/main" xmlns:a14="http://schemas.microsoft.com/office/drawing/2010/main" xmlns:p14="http://schemas.microsoft.com/office/powerpoint/2010/main" w="9525">
                   <a:solidFill>
                     <a:srgbClr val="000000"/>
                   </a:solidFill>
@@ -26872,7 +26872,7 @@
             </a:ln>
             <a:extLst>
               <a:ext uri="{91240B29-F687-4f45-9708-019B960494DF}">
-                <a14:hiddenLine xmlns:p14="http://schemas.microsoft.com/office/powerpoint/2010/main" xmlns:a14="http://schemas.microsoft.com/office/drawing/2010/main" xmlns:a16="http://schemas.microsoft.com/office/drawing/2014/main" xmlns="" w="9525">
+                <a14:hiddenLine xmlns="" xmlns:a16="http://schemas.microsoft.com/office/drawing/2014/main" xmlns:a14="http://schemas.microsoft.com/office/drawing/2010/main" xmlns:p14="http://schemas.microsoft.com/office/powerpoint/2010/main" w="9525">
                   <a:solidFill>
                     <a:srgbClr val="000000"/>
                   </a:solidFill>
@@ -26956,7 +26956,7 @@
             </a:ln>
             <a:extLst>
               <a:ext uri="{91240B29-F687-4f45-9708-019B960494DF}">
-                <a14:hiddenLine xmlns:p14="http://schemas.microsoft.com/office/powerpoint/2010/main" xmlns:a14="http://schemas.microsoft.com/office/drawing/2010/main" xmlns:a16="http://schemas.microsoft.com/office/drawing/2014/main" xmlns="" w="9525">
+                <a14:hiddenLine xmlns="" xmlns:a16="http://schemas.microsoft.com/office/drawing/2014/main" xmlns:a14="http://schemas.microsoft.com/office/drawing/2010/main" xmlns:p14="http://schemas.microsoft.com/office/powerpoint/2010/main" w="9525">
                   <a:solidFill>
                     <a:srgbClr val="000000"/>
                   </a:solidFill>
@@ -27068,7 +27068,7 @@
             </a:ln>
             <a:extLst>
               <a:ext uri="{91240B29-F687-4f45-9708-019B960494DF}">
-                <a14:hiddenLine xmlns:p14="http://schemas.microsoft.com/office/powerpoint/2010/main" xmlns:a14="http://schemas.microsoft.com/office/drawing/2010/main" xmlns:a16="http://schemas.microsoft.com/office/drawing/2014/main" xmlns="" w="9525">
+                <a14:hiddenLine xmlns="" xmlns:a16="http://schemas.microsoft.com/office/drawing/2014/main" xmlns:a14="http://schemas.microsoft.com/office/drawing/2010/main" xmlns:p14="http://schemas.microsoft.com/office/powerpoint/2010/main" w="9525">
                   <a:solidFill>
                     <a:srgbClr val="000000"/>
                   </a:solidFill>
@@ -27124,7 +27124,7 @@
             </a:ln>
             <a:extLst>
               <a:ext uri="{91240B29-F687-4f45-9708-019B960494DF}">
-                <a14:hiddenLine xmlns:p14="http://schemas.microsoft.com/office/powerpoint/2010/main" xmlns:a14="http://schemas.microsoft.com/office/drawing/2010/main" xmlns:a16="http://schemas.microsoft.com/office/drawing/2014/main" xmlns="" w="9525">
+                <a14:hiddenLine xmlns="" xmlns:a16="http://schemas.microsoft.com/office/drawing/2014/main" xmlns:a14="http://schemas.microsoft.com/office/drawing/2010/main" xmlns:p14="http://schemas.microsoft.com/office/powerpoint/2010/main" w="9525">
                   <a:solidFill>
                     <a:srgbClr val="000000"/>
                   </a:solidFill>
@@ -27211,7 +27211,7 @@
             </a:ln>
             <a:extLst>
               <a:ext uri="{91240B29-F687-4f45-9708-019B960494DF}">
-                <a14:hiddenLine xmlns:p14="http://schemas.microsoft.com/office/powerpoint/2010/main" xmlns:a14="http://schemas.microsoft.com/office/drawing/2010/main" xmlns:a16="http://schemas.microsoft.com/office/drawing/2014/main" xmlns="" w="9525">
+                <a14:hiddenLine xmlns="" xmlns:a16="http://schemas.microsoft.com/office/drawing/2014/main" xmlns:a14="http://schemas.microsoft.com/office/drawing/2010/main" xmlns:p14="http://schemas.microsoft.com/office/powerpoint/2010/main" w="9525">
                   <a:solidFill>
                     <a:srgbClr val="000000"/>
                   </a:solidFill>
@@ -27323,7 +27323,7 @@
             </a:ln>
             <a:extLst>
               <a:ext uri="{91240B29-F687-4f45-9708-019B960494DF}">
-                <a14:hiddenLine xmlns:p14="http://schemas.microsoft.com/office/powerpoint/2010/main" xmlns:a14="http://schemas.microsoft.com/office/drawing/2010/main" xmlns:a16="http://schemas.microsoft.com/office/drawing/2014/main" xmlns="" w="9525">
+                <a14:hiddenLine xmlns="" xmlns:a16="http://schemas.microsoft.com/office/drawing/2014/main" xmlns:a14="http://schemas.microsoft.com/office/drawing/2010/main" xmlns:p14="http://schemas.microsoft.com/office/powerpoint/2010/main" w="9525">
                   <a:solidFill>
                     <a:srgbClr val="000000"/>
                   </a:solidFill>
@@ -27407,7 +27407,7 @@
             </a:ln>
             <a:extLst>
               <a:ext uri="{91240B29-F687-4f45-9708-019B960494DF}">
-                <a14:hiddenLine xmlns:p14="http://schemas.microsoft.com/office/powerpoint/2010/main" xmlns:a14="http://schemas.microsoft.com/office/drawing/2010/main" xmlns:a16="http://schemas.microsoft.com/office/drawing/2014/main" xmlns="" w="9525">
+                <a14:hiddenLine xmlns="" xmlns:a16="http://schemas.microsoft.com/office/drawing/2014/main" xmlns:a14="http://schemas.microsoft.com/office/drawing/2010/main" xmlns:p14="http://schemas.microsoft.com/office/powerpoint/2010/main" w="9525">
                   <a:solidFill>
                     <a:srgbClr val="000000"/>
                   </a:solidFill>
@@ -27519,7 +27519,7 @@
             </a:ln>
             <a:extLst>
               <a:ext uri="{91240B29-F687-4f45-9708-019B960494DF}">
-                <a14:hiddenLine xmlns:p14="http://schemas.microsoft.com/office/powerpoint/2010/main" xmlns:a14="http://schemas.microsoft.com/office/drawing/2010/main" xmlns:a16="http://schemas.microsoft.com/office/drawing/2014/main" xmlns="" w="9525">
+                <a14:hiddenLine xmlns="" xmlns:a16="http://schemas.microsoft.com/office/drawing/2014/main" xmlns:a14="http://schemas.microsoft.com/office/drawing/2010/main" xmlns:p14="http://schemas.microsoft.com/office/powerpoint/2010/main" w="9525">
                   <a:solidFill>
                     <a:srgbClr val="000000"/>
                   </a:solidFill>
@@ -27631,7 +27631,7 @@
             </a:ln>
             <a:extLst>
               <a:ext uri="{91240B29-F687-4f45-9708-019B960494DF}">
-                <a14:hiddenLine xmlns:p14="http://schemas.microsoft.com/office/powerpoint/2010/main" xmlns:a14="http://schemas.microsoft.com/office/drawing/2010/main" xmlns:a16="http://schemas.microsoft.com/office/drawing/2014/main" xmlns="" w="9525">
+                <a14:hiddenLine xmlns="" xmlns:a16="http://schemas.microsoft.com/office/drawing/2014/main" xmlns:a14="http://schemas.microsoft.com/office/drawing/2010/main" xmlns:p14="http://schemas.microsoft.com/office/powerpoint/2010/main" w="9525">
                   <a:solidFill>
                     <a:srgbClr val="000000"/>
                   </a:solidFill>
@@ -27718,7 +27718,7 @@
             </a:ln>
             <a:extLst>
               <a:ext uri="{91240B29-F687-4f45-9708-019B960494DF}">
-                <a14:hiddenLine xmlns:p14="http://schemas.microsoft.com/office/powerpoint/2010/main" xmlns:a14="http://schemas.microsoft.com/office/drawing/2010/main" xmlns:a16="http://schemas.microsoft.com/office/drawing/2014/main" xmlns="" w="9525">
+                <a14:hiddenLine xmlns="" xmlns:a16="http://schemas.microsoft.com/office/drawing/2014/main" xmlns:a14="http://schemas.microsoft.com/office/drawing/2010/main" xmlns:p14="http://schemas.microsoft.com/office/powerpoint/2010/main" w="9525">
                   <a:solidFill>
                     <a:srgbClr val="000000"/>
                   </a:solidFill>
@@ -27802,7 +27802,7 @@
             </a:ln>
             <a:extLst>
               <a:ext uri="{91240B29-F687-4f45-9708-019B960494DF}">
-                <a14:hiddenLine xmlns:p14="http://schemas.microsoft.com/office/powerpoint/2010/main" xmlns:a14="http://schemas.microsoft.com/office/drawing/2010/main" xmlns:a16="http://schemas.microsoft.com/office/drawing/2014/main" xmlns="" w="9525">
+                <a14:hiddenLine xmlns="" xmlns:a16="http://schemas.microsoft.com/office/drawing/2014/main" xmlns:a14="http://schemas.microsoft.com/office/drawing/2010/main" xmlns:p14="http://schemas.microsoft.com/office/powerpoint/2010/main" w="9525">
                   <a:solidFill>
                     <a:srgbClr val="000000"/>
                   </a:solidFill>
@@ -27914,7 +27914,7 @@
             </a:ln>
             <a:extLst>
               <a:ext uri="{91240B29-F687-4f45-9708-019B960494DF}">
-                <a14:hiddenLine xmlns:p14="http://schemas.microsoft.com/office/powerpoint/2010/main" xmlns:a14="http://schemas.microsoft.com/office/drawing/2010/main" xmlns:a16="http://schemas.microsoft.com/office/drawing/2014/main" xmlns="" w="9525">
+                <a14:hiddenLine xmlns="" xmlns:a16="http://schemas.microsoft.com/office/drawing/2014/main" xmlns:a14="http://schemas.microsoft.com/office/drawing/2010/main" xmlns:p14="http://schemas.microsoft.com/office/powerpoint/2010/main" w="9525">
                   <a:solidFill>
                     <a:srgbClr val="000000"/>
                   </a:solidFill>
@@ -28026,7 +28026,7 @@
             </a:ln>
             <a:extLst>
               <a:ext uri="{91240B29-F687-4f45-9708-019B960494DF}">
-                <a14:hiddenLine xmlns:p14="http://schemas.microsoft.com/office/powerpoint/2010/main" xmlns:a14="http://schemas.microsoft.com/office/drawing/2010/main" xmlns:a16="http://schemas.microsoft.com/office/drawing/2014/main" xmlns="" w="9525">
+                <a14:hiddenLine xmlns="" xmlns:a16="http://schemas.microsoft.com/office/drawing/2014/main" xmlns:a14="http://schemas.microsoft.com/office/drawing/2010/main" xmlns:p14="http://schemas.microsoft.com/office/powerpoint/2010/main" w="9525">
                   <a:solidFill>
                     <a:srgbClr val="000000"/>
                   </a:solidFill>
@@ -28110,7 +28110,7 @@
             </a:ln>
             <a:extLst>
               <a:ext uri="{91240B29-F687-4f45-9708-019B960494DF}">
-                <a14:hiddenLine xmlns:p14="http://schemas.microsoft.com/office/powerpoint/2010/main" xmlns:a14="http://schemas.microsoft.com/office/drawing/2010/main" xmlns:a16="http://schemas.microsoft.com/office/drawing/2014/main" xmlns="" w="9525">
+                <a14:hiddenLine xmlns="" xmlns:a16="http://schemas.microsoft.com/office/drawing/2014/main" xmlns:a14="http://schemas.microsoft.com/office/drawing/2010/main" xmlns:p14="http://schemas.microsoft.com/office/powerpoint/2010/main" w="9525">
                   <a:solidFill>
                     <a:srgbClr val="000000"/>
                   </a:solidFill>
@@ -28252,7 +28252,7 @@
             </a:ln>
             <a:extLst>
               <a:ext uri="{91240B29-F687-4f45-9708-019B960494DF}">
-                <a14:hiddenLine xmlns:p14="http://schemas.microsoft.com/office/powerpoint/2010/main" xmlns:a14="http://schemas.microsoft.com/office/drawing/2010/main" xmlns:a16="http://schemas.microsoft.com/office/drawing/2014/main" xmlns="" w="9525">
+                <a14:hiddenLine xmlns="" xmlns:a16="http://schemas.microsoft.com/office/drawing/2014/main" xmlns:a14="http://schemas.microsoft.com/office/drawing/2010/main" xmlns:p14="http://schemas.microsoft.com/office/powerpoint/2010/main" w="9525">
                   <a:solidFill>
                     <a:srgbClr val="000000"/>
                   </a:solidFill>
@@ -28342,7 +28342,7 @@
             </a:ln>
             <a:extLst>
               <a:ext uri="{91240B29-F687-4f45-9708-019B960494DF}">
-                <a14:hiddenLine xmlns:p14="http://schemas.microsoft.com/office/powerpoint/2010/main" xmlns:a14="http://schemas.microsoft.com/office/drawing/2010/main" xmlns:a16="http://schemas.microsoft.com/office/drawing/2014/main" xmlns="" w="9525">
+                <a14:hiddenLine xmlns="" xmlns:a16="http://schemas.microsoft.com/office/drawing/2014/main" xmlns:a14="http://schemas.microsoft.com/office/drawing/2010/main" xmlns:p14="http://schemas.microsoft.com/office/powerpoint/2010/main" w="9525">
                   <a:solidFill>
                     <a:srgbClr val="000000"/>
                   </a:solidFill>
@@ -28454,7 +28454,7 @@
             </a:ln>
             <a:extLst>
               <a:ext uri="{91240B29-F687-4f45-9708-019B960494DF}">
-                <a14:hiddenLine xmlns:p14="http://schemas.microsoft.com/office/powerpoint/2010/main" xmlns:a14="http://schemas.microsoft.com/office/drawing/2010/main" xmlns:a16="http://schemas.microsoft.com/office/drawing/2014/main" xmlns="" w="9525">
+                <a14:hiddenLine xmlns="" xmlns:a16="http://schemas.microsoft.com/office/drawing/2014/main" xmlns:a14="http://schemas.microsoft.com/office/drawing/2010/main" xmlns:p14="http://schemas.microsoft.com/office/powerpoint/2010/main" w="9525">
                   <a:solidFill>
                     <a:srgbClr val="000000"/>
                   </a:solidFill>
@@ -28591,7 +28591,7 @@
             </a:ln>
             <a:extLst>
               <a:ext uri="{91240B29-F687-4f45-9708-019B960494DF}">
-                <a14:hiddenLine xmlns:p14="http://schemas.microsoft.com/office/powerpoint/2010/main" xmlns:a14="http://schemas.microsoft.com/office/drawing/2010/main" xmlns:a16="http://schemas.microsoft.com/office/drawing/2014/main" xmlns="" w="9525">
+                <a14:hiddenLine xmlns="" xmlns:a16="http://schemas.microsoft.com/office/drawing/2014/main" xmlns:a14="http://schemas.microsoft.com/office/drawing/2010/main" xmlns:p14="http://schemas.microsoft.com/office/powerpoint/2010/main" w="9525">
                   <a:solidFill>
                     <a:srgbClr val="000000"/>
                   </a:solidFill>
@@ -28728,7 +28728,7 @@
             </a:ln>
             <a:extLst>
               <a:ext uri="{91240B29-F687-4f45-9708-019B960494DF}">
-                <a14:hiddenLine xmlns:p14="http://schemas.microsoft.com/office/powerpoint/2010/main" xmlns:a14="http://schemas.microsoft.com/office/drawing/2010/main" xmlns:a16="http://schemas.microsoft.com/office/drawing/2014/main" xmlns="" w="9525">
+                <a14:hiddenLine xmlns="" xmlns:a16="http://schemas.microsoft.com/office/drawing/2014/main" xmlns:a14="http://schemas.microsoft.com/office/drawing/2010/main" xmlns:p14="http://schemas.microsoft.com/office/powerpoint/2010/main" w="9525">
                   <a:solidFill>
                     <a:srgbClr val="000000"/>
                   </a:solidFill>
@@ -28840,7 +28840,7 @@
             </a:ln>
             <a:extLst>
               <a:ext uri="{91240B29-F687-4f45-9708-019B960494DF}">
-                <a14:hiddenLine xmlns:p14="http://schemas.microsoft.com/office/powerpoint/2010/main" xmlns:a14="http://schemas.microsoft.com/office/drawing/2010/main" xmlns:a16="http://schemas.microsoft.com/office/drawing/2014/main" xmlns="" w="9525">
+                <a14:hiddenLine xmlns="" xmlns:a16="http://schemas.microsoft.com/office/drawing/2014/main" xmlns:a14="http://schemas.microsoft.com/office/drawing/2010/main" xmlns:p14="http://schemas.microsoft.com/office/powerpoint/2010/main" w="9525">
                   <a:solidFill>
                     <a:srgbClr val="000000"/>
                   </a:solidFill>
@@ -28927,7 +28927,7 @@
             </a:ln>
             <a:extLst>
               <a:ext uri="{91240B29-F687-4f45-9708-019B960494DF}">
-                <a14:hiddenLine xmlns:p14="http://schemas.microsoft.com/office/powerpoint/2010/main" xmlns:a14="http://schemas.microsoft.com/office/drawing/2010/main" xmlns:a16="http://schemas.microsoft.com/office/drawing/2014/main" xmlns="" w="9525">
+                <a14:hiddenLine xmlns="" xmlns:a16="http://schemas.microsoft.com/office/drawing/2014/main" xmlns:a14="http://schemas.microsoft.com/office/drawing/2010/main" xmlns:p14="http://schemas.microsoft.com/office/powerpoint/2010/main" w="9525">
                   <a:solidFill>
                     <a:srgbClr val="000000"/>
                   </a:solidFill>
@@ -29039,7 +29039,7 @@
             </a:ln>
             <a:extLst>
               <a:ext uri="{91240B29-F687-4f45-9708-019B960494DF}">
-                <a14:hiddenLine xmlns:p14="http://schemas.microsoft.com/office/powerpoint/2010/main" xmlns:a14="http://schemas.microsoft.com/office/drawing/2010/main" xmlns:a16="http://schemas.microsoft.com/office/drawing/2014/main" xmlns="" w="9525">
+                <a14:hiddenLine xmlns="" xmlns:a16="http://schemas.microsoft.com/office/drawing/2014/main" xmlns:a14="http://schemas.microsoft.com/office/drawing/2010/main" xmlns:p14="http://schemas.microsoft.com/office/powerpoint/2010/main" w="9525">
                   <a:solidFill>
                     <a:srgbClr val="000000"/>
                   </a:solidFill>
@@ -29129,7 +29129,7 @@
             </a:ln>
             <a:extLst>
               <a:ext uri="{91240B29-F687-4f45-9708-019B960494DF}">
-                <a14:hiddenLine xmlns:p14="http://schemas.microsoft.com/office/powerpoint/2010/main" xmlns:a14="http://schemas.microsoft.com/office/drawing/2010/main" xmlns:a16="http://schemas.microsoft.com/office/drawing/2014/main" xmlns="" w="9525">
+                <a14:hiddenLine xmlns="" xmlns:a16="http://schemas.microsoft.com/office/drawing/2014/main" xmlns:a14="http://schemas.microsoft.com/office/drawing/2010/main" xmlns:p14="http://schemas.microsoft.com/office/powerpoint/2010/main" w="9525">
                   <a:solidFill>
                     <a:srgbClr val="000000"/>
                   </a:solidFill>
@@ -29241,7 +29241,7 @@
             </a:ln>
             <a:extLst>
               <a:ext uri="{91240B29-F687-4f45-9708-019B960494DF}">
-                <a14:hiddenLine xmlns:p14="http://schemas.microsoft.com/office/powerpoint/2010/main" xmlns:a14="http://schemas.microsoft.com/office/drawing/2010/main" xmlns:a16="http://schemas.microsoft.com/office/drawing/2014/main" xmlns="" w="9525">
+                <a14:hiddenLine xmlns="" xmlns:a16="http://schemas.microsoft.com/office/drawing/2014/main" xmlns:a14="http://schemas.microsoft.com/office/drawing/2010/main" xmlns:p14="http://schemas.microsoft.com/office/powerpoint/2010/main" w="9525">
                   <a:solidFill>
                     <a:srgbClr val="000000"/>
                   </a:solidFill>
@@ -29331,7 +29331,7 @@
             </a:ln>
             <a:extLst>
               <a:ext uri="{91240B29-F687-4f45-9708-019B960494DF}">
-                <a14:hiddenLine xmlns:p14="http://schemas.microsoft.com/office/powerpoint/2010/main" xmlns:a14="http://schemas.microsoft.com/office/drawing/2010/main" xmlns:a16="http://schemas.microsoft.com/office/drawing/2014/main" xmlns="" w="9525">
+                <a14:hiddenLine xmlns="" xmlns:a16="http://schemas.microsoft.com/office/drawing/2014/main" xmlns:a14="http://schemas.microsoft.com/office/drawing/2010/main" xmlns:p14="http://schemas.microsoft.com/office/powerpoint/2010/main" w="9525">
                   <a:solidFill>
                     <a:srgbClr val="000000"/>
                   </a:solidFill>
@@ -29443,7 +29443,7 @@
             </a:ln>
             <a:extLst>
               <a:ext uri="{91240B29-F687-4f45-9708-019B960494DF}">
-                <a14:hiddenLine xmlns:p14="http://schemas.microsoft.com/office/powerpoint/2010/main" xmlns:a14="http://schemas.microsoft.com/office/drawing/2010/main" xmlns:a16="http://schemas.microsoft.com/office/drawing/2014/main" xmlns="" w="9525">
+                <a14:hiddenLine xmlns="" xmlns:a16="http://schemas.microsoft.com/office/drawing/2014/main" xmlns:a14="http://schemas.microsoft.com/office/drawing/2010/main" xmlns:p14="http://schemas.microsoft.com/office/powerpoint/2010/main" w="9525">
                   <a:solidFill>
                     <a:srgbClr val="000000"/>
                   </a:solidFill>
@@ -29499,7 +29499,7 @@
             </a:ln>
             <a:extLst>
               <a:ext uri="{91240B29-F687-4f45-9708-019B960494DF}">
-                <a14:hiddenLine xmlns:p14="http://schemas.microsoft.com/office/powerpoint/2010/main" xmlns:a14="http://schemas.microsoft.com/office/drawing/2010/main" xmlns:a16="http://schemas.microsoft.com/office/drawing/2014/main" xmlns="" w="9525">
+                <a14:hiddenLine xmlns="" xmlns:a16="http://schemas.microsoft.com/office/drawing/2014/main" xmlns:a14="http://schemas.microsoft.com/office/drawing/2010/main" xmlns:p14="http://schemas.microsoft.com/office/powerpoint/2010/main" w="9525">
                   <a:solidFill>
                     <a:srgbClr val="000000"/>
                   </a:solidFill>
@@ -29870,7 +29870,7 @@
             </a:ln>
             <a:extLst>
               <a:ext uri="{91240B29-F687-4f45-9708-019B960494DF}">
-                <a14:hiddenLine xmlns:a14="http://schemas.microsoft.com/office/drawing/2010/main" xmlns:p14="http://schemas.microsoft.com/office/powerpoint/2010/main" xmlns:a16="http://schemas.microsoft.com/office/drawing/2014/main" xmlns="" w="9525">
+                <a14:hiddenLine xmlns="" xmlns:a16="http://schemas.microsoft.com/office/drawing/2014/main" xmlns:p14="http://schemas.microsoft.com/office/powerpoint/2010/main" xmlns:a14="http://schemas.microsoft.com/office/drawing/2010/main" w="9525">
                   <a:solidFill>
                     <a:srgbClr val="000000"/>
                   </a:solidFill>
@@ -29982,7 +29982,7 @@
             </a:ln>
             <a:extLst>
               <a:ext uri="{91240B29-F687-4f45-9708-019B960494DF}">
-                <a14:hiddenLine xmlns:a14="http://schemas.microsoft.com/office/drawing/2010/main" xmlns:p14="http://schemas.microsoft.com/office/powerpoint/2010/main" xmlns:a16="http://schemas.microsoft.com/office/drawing/2014/main" xmlns="" w="9525">
+                <a14:hiddenLine xmlns="" xmlns:a16="http://schemas.microsoft.com/office/drawing/2014/main" xmlns:p14="http://schemas.microsoft.com/office/powerpoint/2010/main" xmlns:a14="http://schemas.microsoft.com/office/drawing/2010/main" w="9525">
                   <a:solidFill>
                     <a:srgbClr val="000000"/>
                   </a:solidFill>
@@ -30094,7 +30094,7 @@
             </a:ln>
             <a:extLst>
               <a:ext uri="{91240B29-F687-4f45-9708-019B960494DF}">
-                <a14:hiddenLine xmlns:a14="http://schemas.microsoft.com/office/drawing/2010/main" xmlns:p14="http://schemas.microsoft.com/office/powerpoint/2010/main" xmlns:a16="http://schemas.microsoft.com/office/drawing/2014/main" xmlns="" w="9525">
+                <a14:hiddenLine xmlns="" xmlns:a16="http://schemas.microsoft.com/office/drawing/2014/main" xmlns:p14="http://schemas.microsoft.com/office/powerpoint/2010/main" xmlns:a14="http://schemas.microsoft.com/office/drawing/2010/main" w="9525">
                   <a:solidFill>
                     <a:srgbClr val="000000"/>
                   </a:solidFill>
@@ -30178,7 +30178,7 @@
             </a:ln>
             <a:extLst>
               <a:ext uri="{91240B29-F687-4f45-9708-019B960494DF}">
-                <a14:hiddenLine xmlns:a14="http://schemas.microsoft.com/office/drawing/2010/main" xmlns:p14="http://schemas.microsoft.com/office/powerpoint/2010/main" xmlns:a16="http://schemas.microsoft.com/office/drawing/2014/main" xmlns="" w="9525">
+                <a14:hiddenLine xmlns="" xmlns:a16="http://schemas.microsoft.com/office/drawing/2014/main" xmlns:p14="http://schemas.microsoft.com/office/powerpoint/2010/main" xmlns:a14="http://schemas.microsoft.com/office/drawing/2010/main" w="9525">
                   <a:solidFill>
                     <a:srgbClr val="000000"/>
                   </a:solidFill>
@@ -30290,7 +30290,7 @@
             </a:ln>
             <a:extLst>
               <a:ext uri="{91240B29-F687-4f45-9708-019B960494DF}">
-                <a14:hiddenLine xmlns:a14="http://schemas.microsoft.com/office/drawing/2010/main" xmlns:p14="http://schemas.microsoft.com/office/powerpoint/2010/main" xmlns:a16="http://schemas.microsoft.com/office/drawing/2014/main" xmlns="" w="9525">
+                <a14:hiddenLine xmlns="" xmlns:a16="http://schemas.microsoft.com/office/drawing/2014/main" xmlns:p14="http://schemas.microsoft.com/office/powerpoint/2010/main" xmlns:a14="http://schemas.microsoft.com/office/drawing/2010/main" w="9525">
                   <a:solidFill>
                     <a:srgbClr val="000000"/>
                   </a:solidFill>
@@ -30374,7 +30374,7 @@
             </a:ln>
             <a:extLst>
               <a:ext uri="{91240B29-F687-4f45-9708-019B960494DF}">
-                <a14:hiddenLine xmlns:a14="http://schemas.microsoft.com/office/drawing/2010/main" xmlns:p14="http://schemas.microsoft.com/office/powerpoint/2010/main" xmlns:a16="http://schemas.microsoft.com/office/drawing/2014/main" xmlns="" w="9525">
+                <a14:hiddenLine xmlns="" xmlns:a16="http://schemas.microsoft.com/office/drawing/2014/main" xmlns:p14="http://schemas.microsoft.com/office/powerpoint/2010/main" xmlns:a14="http://schemas.microsoft.com/office/drawing/2010/main" w="9525">
                   <a:solidFill>
                     <a:srgbClr val="000000"/>
                   </a:solidFill>
@@ -30458,7 +30458,7 @@
             </a:ln>
             <a:extLst>
               <a:ext uri="{91240B29-F687-4f45-9708-019B960494DF}">
-                <a14:hiddenLine xmlns:a14="http://schemas.microsoft.com/office/drawing/2010/main" xmlns:p14="http://schemas.microsoft.com/office/powerpoint/2010/main" xmlns:a16="http://schemas.microsoft.com/office/drawing/2014/main" xmlns="" w="9525">
+                <a14:hiddenLine xmlns="" xmlns:a16="http://schemas.microsoft.com/office/drawing/2014/main" xmlns:p14="http://schemas.microsoft.com/office/powerpoint/2010/main" xmlns:a14="http://schemas.microsoft.com/office/drawing/2010/main" w="9525">
                   <a:solidFill>
                     <a:srgbClr val="000000"/>
                   </a:solidFill>
@@ -30570,7 +30570,7 @@
             </a:ln>
             <a:extLst>
               <a:ext uri="{91240B29-F687-4f45-9708-019B960494DF}">
-                <a14:hiddenLine xmlns:a14="http://schemas.microsoft.com/office/drawing/2010/main" xmlns:p14="http://schemas.microsoft.com/office/powerpoint/2010/main" xmlns:a16="http://schemas.microsoft.com/office/drawing/2014/main" xmlns="" w="9525">
+                <a14:hiddenLine xmlns="" xmlns:a16="http://schemas.microsoft.com/office/drawing/2014/main" xmlns:p14="http://schemas.microsoft.com/office/powerpoint/2010/main" xmlns:a14="http://schemas.microsoft.com/office/drawing/2010/main" w="9525">
                   <a:solidFill>
                     <a:srgbClr val="000000"/>
                   </a:solidFill>
@@ -30682,7 +30682,7 @@
             </a:ln>
             <a:extLst>
               <a:ext uri="{91240B29-F687-4f45-9708-019B960494DF}">
-                <a14:hiddenLine xmlns:a14="http://schemas.microsoft.com/office/drawing/2010/main" xmlns:p14="http://schemas.microsoft.com/office/powerpoint/2010/main" xmlns:a16="http://schemas.microsoft.com/office/drawing/2014/main" xmlns="" w="9525">
+                <a14:hiddenLine xmlns="" xmlns:a16="http://schemas.microsoft.com/office/drawing/2014/main" xmlns:p14="http://schemas.microsoft.com/office/powerpoint/2010/main" xmlns:a14="http://schemas.microsoft.com/office/drawing/2010/main" w="9525">
                   <a:solidFill>
                     <a:srgbClr val="000000"/>
                   </a:solidFill>
@@ -30766,7 +30766,7 @@
             </a:ln>
             <a:extLst>
               <a:ext uri="{91240B29-F687-4f45-9708-019B960494DF}">
-                <a14:hiddenLine xmlns:a14="http://schemas.microsoft.com/office/drawing/2010/main" xmlns:p14="http://schemas.microsoft.com/office/powerpoint/2010/main" xmlns:a16="http://schemas.microsoft.com/office/drawing/2014/main" xmlns="" w="9525">
+                <a14:hiddenLine xmlns="" xmlns:a16="http://schemas.microsoft.com/office/drawing/2014/main" xmlns:p14="http://schemas.microsoft.com/office/powerpoint/2010/main" xmlns:a14="http://schemas.microsoft.com/office/drawing/2010/main" w="9525">
                   <a:solidFill>
                     <a:srgbClr val="000000"/>
                   </a:solidFill>
@@ -30898,7 +30898,7 @@
             </a:ln>
             <a:extLst>
               <a:ext uri="{91240B29-F687-4f45-9708-019B960494DF}">
-                <a14:hiddenLine xmlns:a14="http://schemas.microsoft.com/office/drawing/2010/main" xmlns:p14="http://schemas.microsoft.com/office/powerpoint/2010/main" xmlns:a16="http://schemas.microsoft.com/office/drawing/2014/main" xmlns="" w="9525">
+                <a14:hiddenLine xmlns="" xmlns:a16="http://schemas.microsoft.com/office/drawing/2014/main" xmlns:p14="http://schemas.microsoft.com/office/powerpoint/2010/main" xmlns:a14="http://schemas.microsoft.com/office/drawing/2010/main" w="9525">
                   <a:solidFill>
                     <a:srgbClr val="000000"/>
                   </a:solidFill>
@@ -31026,7 +31026,7 @@
             </a:ln>
             <a:extLst>
               <a:ext uri="{91240B29-F687-4f45-9708-019B960494DF}">
-                <a14:hiddenLine xmlns:a14="http://schemas.microsoft.com/office/drawing/2010/main" xmlns:p14="http://schemas.microsoft.com/office/powerpoint/2010/main" xmlns:a16="http://schemas.microsoft.com/office/drawing/2014/main" xmlns="" w="9525">
+                <a14:hiddenLine xmlns="" xmlns:a16="http://schemas.microsoft.com/office/drawing/2014/main" xmlns:p14="http://schemas.microsoft.com/office/powerpoint/2010/main" xmlns:a14="http://schemas.microsoft.com/office/drawing/2010/main" w="9525">
                   <a:solidFill>
                     <a:srgbClr val="000000"/>
                   </a:solidFill>
@@ -31110,7 +31110,7 @@
             </a:ln>
             <a:extLst>
               <a:ext uri="{91240B29-F687-4f45-9708-019B960494DF}">
-                <a14:hiddenLine xmlns:a14="http://schemas.microsoft.com/office/drawing/2010/main" xmlns:p14="http://schemas.microsoft.com/office/powerpoint/2010/main" xmlns:a16="http://schemas.microsoft.com/office/drawing/2014/main" xmlns="" w="9525">
+                <a14:hiddenLine xmlns="" xmlns:a16="http://schemas.microsoft.com/office/drawing/2014/main" xmlns:p14="http://schemas.microsoft.com/office/powerpoint/2010/main" xmlns:a14="http://schemas.microsoft.com/office/drawing/2010/main" w="9525">
                   <a:solidFill>
                     <a:srgbClr val="000000"/>
                   </a:solidFill>
@@ -31194,7 +31194,7 @@
             </a:ln>
             <a:extLst>
               <a:ext uri="{91240B29-F687-4f45-9708-019B960494DF}">
-                <a14:hiddenLine xmlns:a14="http://schemas.microsoft.com/office/drawing/2010/main" xmlns:p14="http://schemas.microsoft.com/office/powerpoint/2010/main" xmlns:a16="http://schemas.microsoft.com/office/drawing/2014/main" xmlns="" w="9525">
+                <a14:hiddenLine xmlns="" xmlns:a16="http://schemas.microsoft.com/office/drawing/2014/main" xmlns:p14="http://schemas.microsoft.com/office/powerpoint/2010/main" xmlns:a14="http://schemas.microsoft.com/office/drawing/2010/main" w="9525">
                   <a:solidFill>
                     <a:srgbClr val="000000"/>
                   </a:solidFill>
@@ -31306,7 +31306,7 @@
             </a:ln>
             <a:extLst>
               <a:ext uri="{91240B29-F687-4f45-9708-019B960494DF}">
-                <a14:hiddenLine xmlns:a14="http://schemas.microsoft.com/office/drawing/2010/main" xmlns:p14="http://schemas.microsoft.com/office/powerpoint/2010/main" xmlns:a16="http://schemas.microsoft.com/office/drawing/2014/main" xmlns="" w="9525">
+                <a14:hiddenLine xmlns="" xmlns:a16="http://schemas.microsoft.com/office/drawing/2014/main" xmlns:p14="http://schemas.microsoft.com/office/powerpoint/2010/main" xmlns:a14="http://schemas.microsoft.com/office/drawing/2010/main" w="9525">
                   <a:solidFill>
                     <a:srgbClr val="000000"/>
                   </a:solidFill>
@@ -31362,7 +31362,7 @@
             </a:ln>
             <a:extLst>
               <a:ext uri="{91240B29-F687-4f45-9708-019B960494DF}">
-                <a14:hiddenLine xmlns:a14="http://schemas.microsoft.com/office/drawing/2010/main" xmlns:p14="http://schemas.microsoft.com/office/powerpoint/2010/main" xmlns:a16="http://schemas.microsoft.com/office/drawing/2014/main" xmlns="" w="9525">
+                <a14:hiddenLine xmlns="" xmlns:a16="http://schemas.microsoft.com/office/drawing/2014/main" xmlns:p14="http://schemas.microsoft.com/office/powerpoint/2010/main" xmlns:a14="http://schemas.microsoft.com/office/drawing/2010/main" w="9525">
                   <a:solidFill>
                     <a:srgbClr val="000000"/>
                   </a:solidFill>
@@ -31449,7 +31449,7 @@
             </a:ln>
             <a:extLst>
               <a:ext uri="{91240B29-F687-4f45-9708-019B960494DF}">
-                <a14:hiddenLine xmlns:a14="http://schemas.microsoft.com/office/drawing/2010/main" xmlns:p14="http://schemas.microsoft.com/office/powerpoint/2010/main" xmlns:a16="http://schemas.microsoft.com/office/drawing/2014/main" xmlns="" w="9525">
+                <a14:hiddenLine xmlns="" xmlns:a16="http://schemas.microsoft.com/office/drawing/2014/main" xmlns:p14="http://schemas.microsoft.com/office/powerpoint/2010/main" xmlns:a14="http://schemas.microsoft.com/office/drawing/2010/main" w="9525">
                   <a:solidFill>
                     <a:srgbClr val="000000"/>
                   </a:solidFill>
@@ -31561,7 +31561,7 @@
             </a:ln>
             <a:extLst>
               <a:ext uri="{91240B29-F687-4f45-9708-019B960494DF}">
-                <a14:hiddenLine xmlns:a14="http://schemas.microsoft.com/office/drawing/2010/main" xmlns:p14="http://schemas.microsoft.com/office/powerpoint/2010/main" xmlns:a16="http://schemas.microsoft.com/office/drawing/2014/main" xmlns="" w="9525">
+                <a14:hiddenLine xmlns="" xmlns:a16="http://schemas.microsoft.com/office/drawing/2014/main" xmlns:p14="http://schemas.microsoft.com/office/powerpoint/2010/main" xmlns:a14="http://schemas.microsoft.com/office/drawing/2010/main" w="9525">
                   <a:solidFill>
                     <a:srgbClr val="000000"/>
                   </a:solidFill>
@@ -31645,7 +31645,7 @@
             </a:ln>
             <a:extLst>
               <a:ext uri="{91240B29-F687-4f45-9708-019B960494DF}">
-                <a14:hiddenLine xmlns:a14="http://schemas.microsoft.com/office/drawing/2010/main" xmlns:p14="http://schemas.microsoft.com/office/powerpoint/2010/main" xmlns:a16="http://schemas.microsoft.com/office/drawing/2014/main" xmlns="" w="9525">
+                <a14:hiddenLine xmlns="" xmlns:a16="http://schemas.microsoft.com/office/drawing/2014/main" xmlns:p14="http://schemas.microsoft.com/office/powerpoint/2010/main" xmlns:a14="http://schemas.microsoft.com/office/drawing/2010/main" w="9525">
                   <a:solidFill>
                     <a:srgbClr val="000000"/>
                   </a:solidFill>
@@ -31757,7 +31757,7 @@
             </a:ln>
             <a:extLst>
               <a:ext uri="{91240B29-F687-4f45-9708-019B960494DF}">
-                <a14:hiddenLine xmlns:a14="http://schemas.microsoft.com/office/drawing/2010/main" xmlns:p14="http://schemas.microsoft.com/office/powerpoint/2010/main" xmlns:a16="http://schemas.microsoft.com/office/drawing/2014/main" xmlns="" w="9525">
+                <a14:hiddenLine xmlns="" xmlns:a16="http://schemas.microsoft.com/office/drawing/2014/main" xmlns:p14="http://schemas.microsoft.com/office/powerpoint/2010/main" xmlns:a14="http://schemas.microsoft.com/office/drawing/2010/main" w="9525">
                   <a:solidFill>
                     <a:srgbClr val="000000"/>
                   </a:solidFill>
@@ -31844,7 +31844,7 @@
             </a:ln>
             <a:extLst>
               <a:ext uri="{91240B29-F687-4f45-9708-019B960494DF}">
-                <a14:hiddenLine xmlns:a14="http://schemas.microsoft.com/office/drawing/2010/main" xmlns:p14="http://schemas.microsoft.com/office/powerpoint/2010/main" xmlns:a16="http://schemas.microsoft.com/office/drawing/2014/main" xmlns="" w="9525">
+                <a14:hiddenLine xmlns="" xmlns:a16="http://schemas.microsoft.com/office/drawing/2014/main" xmlns:p14="http://schemas.microsoft.com/office/powerpoint/2010/main" xmlns:a14="http://schemas.microsoft.com/office/drawing/2010/main" w="9525">
                   <a:solidFill>
                     <a:srgbClr val="000000"/>
                   </a:solidFill>
@@ -31928,7 +31928,7 @@
             </a:ln>
             <a:extLst>
               <a:ext uri="{91240B29-F687-4f45-9708-019B960494DF}">
-                <a14:hiddenLine xmlns:a14="http://schemas.microsoft.com/office/drawing/2010/main" xmlns:p14="http://schemas.microsoft.com/office/powerpoint/2010/main" xmlns:a16="http://schemas.microsoft.com/office/drawing/2014/main" xmlns="" w="9525">
+                <a14:hiddenLine xmlns="" xmlns:a16="http://schemas.microsoft.com/office/drawing/2014/main" xmlns:p14="http://schemas.microsoft.com/office/powerpoint/2010/main" xmlns:a14="http://schemas.microsoft.com/office/drawing/2010/main" w="9525">
                   <a:solidFill>
                     <a:srgbClr val="000000"/>
                   </a:solidFill>
@@ -32040,7 +32040,7 @@
             </a:ln>
             <a:extLst>
               <a:ext uri="{91240B29-F687-4f45-9708-019B960494DF}">
-                <a14:hiddenLine xmlns:a14="http://schemas.microsoft.com/office/drawing/2010/main" xmlns:p14="http://schemas.microsoft.com/office/powerpoint/2010/main" xmlns:a16="http://schemas.microsoft.com/office/drawing/2014/main" xmlns="" w="9525">
+                <a14:hiddenLine xmlns="" xmlns:a16="http://schemas.microsoft.com/office/drawing/2014/main" xmlns:p14="http://schemas.microsoft.com/office/powerpoint/2010/main" xmlns:a14="http://schemas.microsoft.com/office/drawing/2010/main" w="9525">
                   <a:solidFill>
                     <a:srgbClr val="000000"/>
                   </a:solidFill>
@@ -32152,7 +32152,7 @@
             </a:ln>
             <a:extLst>
               <a:ext uri="{91240B29-F687-4f45-9708-019B960494DF}">
-                <a14:hiddenLine xmlns:a14="http://schemas.microsoft.com/office/drawing/2010/main" xmlns:p14="http://schemas.microsoft.com/office/powerpoint/2010/main" xmlns:a16="http://schemas.microsoft.com/office/drawing/2014/main" xmlns="" w="9525">
+                <a14:hiddenLine xmlns="" xmlns:a16="http://schemas.microsoft.com/office/drawing/2014/main" xmlns:p14="http://schemas.microsoft.com/office/powerpoint/2010/main" xmlns:a14="http://schemas.microsoft.com/office/drawing/2010/main" w="9525">
                   <a:solidFill>
                     <a:srgbClr val="000000"/>
                   </a:solidFill>
@@ -32239,7 +32239,7 @@
             </a:ln>
             <a:extLst>
               <a:ext uri="{91240B29-F687-4f45-9708-019B960494DF}">
-                <a14:hiddenLine xmlns:a14="http://schemas.microsoft.com/office/drawing/2010/main" xmlns:p14="http://schemas.microsoft.com/office/powerpoint/2010/main" xmlns:a16="http://schemas.microsoft.com/office/drawing/2014/main" xmlns="" w="9525">
+                <a14:hiddenLine xmlns="" xmlns:a16="http://schemas.microsoft.com/office/drawing/2014/main" xmlns:p14="http://schemas.microsoft.com/office/powerpoint/2010/main" xmlns:a14="http://schemas.microsoft.com/office/drawing/2010/main" w="9525">
                   <a:solidFill>
                     <a:srgbClr val="000000"/>
                   </a:solidFill>
@@ -32381,7 +32381,7 @@
             </a:ln>
             <a:extLst>
               <a:ext uri="{91240B29-F687-4f45-9708-019B960494DF}">
-                <a14:hiddenLine xmlns:a14="http://schemas.microsoft.com/office/drawing/2010/main" xmlns:p14="http://schemas.microsoft.com/office/powerpoint/2010/main" xmlns:a16="http://schemas.microsoft.com/office/drawing/2014/main" xmlns="" w="9525">
+                <a14:hiddenLine xmlns="" xmlns:a16="http://schemas.microsoft.com/office/drawing/2014/main" xmlns:p14="http://schemas.microsoft.com/office/powerpoint/2010/main" xmlns:a14="http://schemas.microsoft.com/office/drawing/2010/main" w="9525">
                   <a:solidFill>
                     <a:srgbClr val="000000"/>
                   </a:solidFill>
@@ -32735,7 +32735,7 @@
             </a:ln>
             <a:extLst>
               <a:ext uri="{91240B29-F687-4f45-9708-019B960494DF}">
-                <a14:hiddenLine xmlns:a14="http://schemas.microsoft.com/office/drawing/2010/main" xmlns:p14="http://schemas.microsoft.com/office/powerpoint/2010/main" xmlns:a16="http://schemas.microsoft.com/office/drawing/2014/main" xmlns="" w="9525">
+                <a14:hiddenLine xmlns="" xmlns:a16="http://schemas.microsoft.com/office/drawing/2014/main" xmlns:p14="http://schemas.microsoft.com/office/powerpoint/2010/main" xmlns:a14="http://schemas.microsoft.com/office/drawing/2010/main" w="9525">
                   <a:solidFill>
                     <a:srgbClr val="000000"/>
                   </a:solidFill>
@@ -32847,7 +32847,7 @@
             </a:ln>
             <a:extLst>
               <a:ext uri="{91240B29-F687-4f45-9708-019B960494DF}">
-                <a14:hiddenLine xmlns:a14="http://schemas.microsoft.com/office/drawing/2010/main" xmlns:p14="http://schemas.microsoft.com/office/powerpoint/2010/main" xmlns:a16="http://schemas.microsoft.com/office/drawing/2014/main" xmlns="" w="9525">
+                <a14:hiddenLine xmlns="" xmlns:a16="http://schemas.microsoft.com/office/drawing/2014/main" xmlns:p14="http://schemas.microsoft.com/office/powerpoint/2010/main" xmlns:a14="http://schemas.microsoft.com/office/drawing/2010/main" w="9525">
                   <a:solidFill>
                     <a:srgbClr val="000000"/>
                   </a:solidFill>
@@ -32959,7 +32959,7 @@
             </a:ln>
             <a:extLst>
               <a:ext uri="{91240B29-F687-4f45-9708-019B960494DF}">
-                <a14:hiddenLine xmlns:a14="http://schemas.microsoft.com/office/drawing/2010/main" xmlns:p14="http://schemas.microsoft.com/office/powerpoint/2010/main" xmlns:a16="http://schemas.microsoft.com/office/drawing/2014/main" xmlns="" w="9525">
+                <a14:hiddenLine xmlns="" xmlns:a16="http://schemas.microsoft.com/office/drawing/2014/main" xmlns:p14="http://schemas.microsoft.com/office/powerpoint/2010/main" xmlns:a14="http://schemas.microsoft.com/office/drawing/2010/main" w="9525">
                   <a:solidFill>
                     <a:srgbClr val="000000"/>
                   </a:solidFill>
@@ -33043,7 +33043,7 @@
             </a:ln>
             <a:extLst>
               <a:ext uri="{91240B29-F687-4f45-9708-019B960494DF}">
-                <a14:hiddenLine xmlns:a14="http://schemas.microsoft.com/office/drawing/2010/main" xmlns:p14="http://schemas.microsoft.com/office/powerpoint/2010/main" xmlns:a16="http://schemas.microsoft.com/office/drawing/2014/main" xmlns="" w="9525">
+                <a14:hiddenLine xmlns="" xmlns:a16="http://schemas.microsoft.com/office/drawing/2014/main" xmlns:p14="http://schemas.microsoft.com/office/powerpoint/2010/main" xmlns:a14="http://schemas.microsoft.com/office/drawing/2010/main" w="9525">
                   <a:solidFill>
                     <a:srgbClr val="000000"/>
                   </a:solidFill>
@@ -33155,7 +33155,7 @@
             </a:ln>
             <a:extLst>
               <a:ext uri="{91240B29-F687-4f45-9708-019B960494DF}">
-                <a14:hiddenLine xmlns:a14="http://schemas.microsoft.com/office/drawing/2010/main" xmlns:p14="http://schemas.microsoft.com/office/powerpoint/2010/main" xmlns:a16="http://schemas.microsoft.com/office/drawing/2014/main" xmlns="" w="9525">
+                <a14:hiddenLine xmlns="" xmlns:a16="http://schemas.microsoft.com/office/drawing/2014/main" xmlns:p14="http://schemas.microsoft.com/office/powerpoint/2010/main" xmlns:a14="http://schemas.microsoft.com/office/drawing/2010/main" w="9525">
                   <a:solidFill>
                     <a:srgbClr val="000000"/>
                   </a:solidFill>
@@ -33239,7 +33239,7 @@
             </a:ln>
             <a:extLst>
               <a:ext uri="{91240B29-F687-4f45-9708-019B960494DF}">
-                <a14:hiddenLine xmlns:a14="http://schemas.microsoft.com/office/drawing/2010/main" xmlns:p14="http://schemas.microsoft.com/office/powerpoint/2010/main" xmlns:a16="http://schemas.microsoft.com/office/drawing/2014/main" xmlns="" w="9525">
+                <a14:hiddenLine xmlns="" xmlns:a16="http://schemas.microsoft.com/office/drawing/2014/main" xmlns:p14="http://schemas.microsoft.com/office/powerpoint/2010/main" xmlns:a14="http://schemas.microsoft.com/office/drawing/2010/main" w="9525">
                   <a:solidFill>
                     <a:srgbClr val="000000"/>
                   </a:solidFill>
@@ -33323,7 +33323,7 @@
             </a:ln>
             <a:extLst>
               <a:ext uri="{91240B29-F687-4f45-9708-019B960494DF}">
-                <a14:hiddenLine xmlns:a14="http://schemas.microsoft.com/office/drawing/2010/main" xmlns:p14="http://schemas.microsoft.com/office/powerpoint/2010/main" xmlns:a16="http://schemas.microsoft.com/office/drawing/2014/main" xmlns="" w="9525">
+                <a14:hiddenLine xmlns="" xmlns:a16="http://schemas.microsoft.com/office/drawing/2014/main" xmlns:p14="http://schemas.microsoft.com/office/powerpoint/2010/main" xmlns:a14="http://schemas.microsoft.com/office/drawing/2010/main" w="9525">
                   <a:solidFill>
                     <a:srgbClr val="000000"/>
                   </a:solidFill>
@@ -33435,7 +33435,7 @@
             </a:ln>
             <a:extLst>
               <a:ext uri="{91240B29-F687-4f45-9708-019B960494DF}">
-                <a14:hiddenLine xmlns:a14="http://schemas.microsoft.com/office/drawing/2010/main" xmlns:p14="http://schemas.microsoft.com/office/powerpoint/2010/main" xmlns:a16="http://schemas.microsoft.com/office/drawing/2014/main" xmlns="" w="9525">
+                <a14:hiddenLine xmlns="" xmlns:a16="http://schemas.microsoft.com/office/drawing/2014/main" xmlns:p14="http://schemas.microsoft.com/office/powerpoint/2010/main" xmlns:a14="http://schemas.microsoft.com/office/drawing/2010/main" w="9525">
                   <a:solidFill>
                     <a:srgbClr val="000000"/>
                   </a:solidFill>
@@ -33547,7 +33547,7 @@
             </a:ln>
             <a:extLst>
               <a:ext uri="{91240B29-F687-4f45-9708-019B960494DF}">
-                <a14:hiddenLine xmlns:a14="http://schemas.microsoft.com/office/drawing/2010/main" xmlns:p14="http://schemas.microsoft.com/office/powerpoint/2010/main" xmlns:a16="http://schemas.microsoft.com/office/drawing/2014/main" xmlns="" w="9525">
+                <a14:hiddenLine xmlns="" xmlns:a16="http://schemas.microsoft.com/office/drawing/2014/main" xmlns:p14="http://schemas.microsoft.com/office/powerpoint/2010/main" xmlns:a14="http://schemas.microsoft.com/office/drawing/2010/main" w="9525">
                   <a:solidFill>
                     <a:srgbClr val="000000"/>
                   </a:solidFill>
@@ -33631,7 +33631,7 @@
             </a:ln>
             <a:extLst>
               <a:ext uri="{91240B29-F687-4f45-9708-019B960494DF}">
-                <a14:hiddenLine xmlns:a14="http://schemas.microsoft.com/office/drawing/2010/main" xmlns:p14="http://schemas.microsoft.com/office/powerpoint/2010/main" xmlns:a16="http://schemas.microsoft.com/office/drawing/2014/main" xmlns="" w="9525">
+                <a14:hiddenLine xmlns="" xmlns:a16="http://schemas.microsoft.com/office/drawing/2014/main" xmlns:p14="http://schemas.microsoft.com/office/powerpoint/2010/main" xmlns:a14="http://schemas.microsoft.com/office/drawing/2010/main" w="9525">
                   <a:solidFill>
                     <a:srgbClr val="000000"/>
                   </a:solidFill>
@@ -33763,7 +33763,7 @@
             </a:ln>
             <a:extLst>
               <a:ext uri="{91240B29-F687-4f45-9708-019B960494DF}">
-                <a14:hiddenLine xmlns:a14="http://schemas.microsoft.com/office/drawing/2010/main" xmlns:p14="http://schemas.microsoft.com/office/powerpoint/2010/main" xmlns:a16="http://schemas.microsoft.com/office/drawing/2014/main" xmlns="" w="9525">
+                <a14:hiddenLine xmlns="" xmlns:a16="http://schemas.microsoft.com/office/drawing/2014/main" xmlns:p14="http://schemas.microsoft.com/office/powerpoint/2010/main" xmlns:a14="http://schemas.microsoft.com/office/drawing/2010/main" w="9525">
                   <a:solidFill>
                     <a:srgbClr val="000000"/>
                   </a:solidFill>
@@ -33891,7 +33891,7 @@
             </a:ln>
             <a:extLst>
               <a:ext uri="{91240B29-F687-4f45-9708-019B960494DF}">
-                <a14:hiddenLine xmlns:a14="http://schemas.microsoft.com/office/drawing/2010/main" xmlns:p14="http://schemas.microsoft.com/office/powerpoint/2010/main" xmlns:a16="http://schemas.microsoft.com/office/drawing/2014/main" xmlns="" w="9525">
+                <a14:hiddenLine xmlns="" xmlns:a16="http://schemas.microsoft.com/office/drawing/2014/main" xmlns:p14="http://schemas.microsoft.com/office/powerpoint/2010/main" xmlns:a14="http://schemas.microsoft.com/office/drawing/2010/main" w="9525">
                   <a:solidFill>
                     <a:srgbClr val="000000"/>
                   </a:solidFill>
@@ -33975,7 +33975,7 @@
             </a:ln>
             <a:extLst>
               <a:ext uri="{91240B29-F687-4f45-9708-019B960494DF}">
-                <a14:hiddenLine xmlns:a14="http://schemas.microsoft.com/office/drawing/2010/main" xmlns:p14="http://schemas.microsoft.com/office/powerpoint/2010/main" xmlns:a16="http://schemas.microsoft.com/office/drawing/2014/main" xmlns="" w="9525">
+                <a14:hiddenLine xmlns="" xmlns:a16="http://schemas.microsoft.com/office/drawing/2014/main" xmlns:p14="http://schemas.microsoft.com/office/powerpoint/2010/main" xmlns:a14="http://schemas.microsoft.com/office/drawing/2010/main" w="9525">
                   <a:solidFill>
                     <a:srgbClr val="000000"/>
                   </a:solidFill>
@@ -34059,7 +34059,7 @@
             </a:ln>
             <a:extLst>
               <a:ext uri="{91240B29-F687-4f45-9708-019B960494DF}">
-                <a14:hiddenLine xmlns:a14="http://schemas.microsoft.com/office/drawing/2010/main" xmlns:p14="http://schemas.microsoft.com/office/powerpoint/2010/main" xmlns:a16="http://schemas.microsoft.com/office/drawing/2014/main" xmlns="" w="9525">
+                <a14:hiddenLine xmlns="" xmlns:a16="http://schemas.microsoft.com/office/drawing/2014/main" xmlns:p14="http://schemas.microsoft.com/office/powerpoint/2010/main" xmlns:a14="http://schemas.microsoft.com/office/drawing/2010/main" w="9525">
                   <a:solidFill>
                     <a:srgbClr val="000000"/>
                   </a:solidFill>
@@ -34171,7 +34171,7 @@
             </a:ln>
             <a:extLst>
               <a:ext uri="{91240B29-F687-4f45-9708-019B960494DF}">
-                <a14:hiddenLine xmlns:a14="http://schemas.microsoft.com/office/drawing/2010/main" xmlns:p14="http://schemas.microsoft.com/office/powerpoint/2010/main" xmlns:a16="http://schemas.microsoft.com/office/drawing/2014/main" xmlns="" w="9525">
+                <a14:hiddenLine xmlns="" xmlns:a16="http://schemas.microsoft.com/office/drawing/2014/main" xmlns:p14="http://schemas.microsoft.com/office/powerpoint/2010/main" xmlns:a14="http://schemas.microsoft.com/office/drawing/2010/main" w="9525">
                   <a:solidFill>
                     <a:srgbClr val="000000"/>
                   </a:solidFill>
@@ -34227,7 +34227,7 @@
             </a:ln>
             <a:extLst>
               <a:ext uri="{91240B29-F687-4f45-9708-019B960494DF}">
-                <a14:hiddenLine xmlns:a14="http://schemas.microsoft.com/office/drawing/2010/main" xmlns:p14="http://schemas.microsoft.com/office/powerpoint/2010/main" xmlns:a16="http://schemas.microsoft.com/office/drawing/2014/main" xmlns="" w="9525">
+                <a14:hiddenLine xmlns="" xmlns:a16="http://schemas.microsoft.com/office/drawing/2014/main" xmlns:p14="http://schemas.microsoft.com/office/powerpoint/2010/main" xmlns:a14="http://schemas.microsoft.com/office/drawing/2010/main" w="9525">
                   <a:solidFill>
                     <a:srgbClr val="000000"/>
                   </a:solidFill>
@@ -34314,7 +34314,7 @@
             </a:ln>
             <a:extLst>
               <a:ext uri="{91240B29-F687-4f45-9708-019B960494DF}">
-                <a14:hiddenLine xmlns:a14="http://schemas.microsoft.com/office/drawing/2010/main" xmlns:p14="http://schemas.microsoft.com/office/powerpoint/2010/main" xmlns:a16="http://schemas.microsoft.com/office/drawing/2014/main" xmlns="" w="9525">
+                <a14:hiddenLine xmlns="" xmlns:a16="http://schemas.microsoft.com/office/drawing/2014/main" xmlns:p14="http://schemas.microsoft.com/office/powerpoint/2010/main" xmlns:a14="http://schemas.microsoft.com/office/drawing/2010/main" w="9525">
                   <a:solidFill>
                     <a:srgbClr val="000000"/>
                   </a:solidFill>
@@ -34426,7 +34426,7 @@
             </a:ln>
             <a:extLst>
               <a:ext uri="{91240B29-F687-4f45-9708-019B960494DF}">
-                <a14:hiddenLine xmlns:a14="http://schemas.microsoft.com/office/drawing/2010/main" xmlns:p14="http://schemas.microsoft.com/office/powerpoint/2010/main" xmlns:a16="http://schemas.microsoft.com/office/drawing/2014/main" xmlns="" w="9525">
+                <a14:hiddenLine xmlns="" xmlns:a16="http://schemas.microsoft.com/office/drawing/2014/main" xmlns:p14="http://schemas.microsoft.com/office/powerpoint/2010/main" xmlns:a14="http://schemas.microsoft.com/office/drawing/2010/main" w="9525">
                   <a:solidFill>
                     <a:srgbClr val="000000"/>
                   </a:solidFill>
@@ -34510,7 +34510,7 @@
             </a:ln>
             <a:extLst>
               <a:ext uri="{91240B29-F687-4f45-9708-019B960494DF}">
-                <a14:hiddenLine xmlns:a14="http://schemas.microsoft.com/office/drawing/2010/main" xmlns:p14="http://schemas.microsoft.com/office/powerpoint/2010/main" xmlns:a16="http://schemas.microsoft.com/office/drawing/2014/main" xmlns="" w="9525">
+                <a14:hiddenLine xmlns="" xmlns:a16="http://schemas.microsoft.com/office/drawing/2014/main" xmlns:p14="http://schemas.microsoft.com/office/powerpoint/2010/main" xmlns:a14="http://schemas.microsoft.com/office/drawing/2010/main" w="9525">
                   <a:solidFill>
                     <a:srgbClr val="000000"/>
                   </a:solidFill>
@@ -34622,7 +34622,7 @@
             </a:ln>
             <a:extLst>
               <a:ext uri="{91240B29-F687-4f45-9708-019B960494DF}">
-                <a14:hiddenLine xmlns:a14="http://schemas.microsoft.com/office/drawing/2010/main" xmlns:p14="http://schemas.microsoft.com/office/powerpoint/2010/main" xmlns:a16="http://schemas.microsoft.com/office/drawing/2014/main" xmlns="" w="9525">
+                <a14:hiddenLine xmlns="" xmlns:a16="http://schemas.microsoft.com/office/drawing/2014/main" xmlns:p14="http://schemas.microsoft.com/office/powerpoint/2010/main" xmlns:a14="http://schemas.microsoft.com/office/drawing/2010/main" w="9525">
                   <a:solidFill>
                     <a:srgbClr val="000000"/>
                   </a:solidFill>
@@ -34709,7 +34709,7 @@
             </a:ln>
             <a:extLst>
               <a:ext uri="{91240B29-F687-4f45-9708-019B960494DF}">
-                <a14:hiddenLine xmlns:a14="http://schemas.microsoft.com/office/drawing/2010/main" xmlns:p14="http://schemas.microsoft.com/office/powerpoint/2010/main" xmlns:a16="http://schemas.microsoft.com/office/drawing/2014/main" xmlns="" w="9525">
+                <a14:hiddenLine xmlns="" xmlns:a16="http://schemas.microsoft.com/office/drawing/2014/main" xmlns:p14="http://schemas.microsoft.com/office/powerpoint/2010/main" xmlns:a14="http://schemas.microsoft.com/office/drawing/2010/main" w="9525">
                   <a:solidFill>
                     <a:srgbClr val="000000"/>
                   </a:solidFill>
@@ -34793,7 +34793,7 @@
             </a:ln>
             <a:extLst>
               <a:ext uri="{91240B29-F687-4f45-9708-019B960494DF}">
-                <a14:hiddenLine xmlns:a14="http://schemas.microsoft.com/office/drawing/2010/main" xmlns:p14="http://schemas.microsoft.com/office/powerpoint/2010/main" xmlns:a16="http://schemas.microsoft.com/office/drawing/2014/main" xmlns="" w="9525">
+                <a14:hiddenLine xmlns="" xmlns:a16="http://schemas.microsoft.com/office/drawing/2014/main" xmlns:p14="http://schemas.microsoft.com/office/powerpoint/2010/main" xmlns:a14="http://schemas.microsoft.com/office/drawing/2010/main" w="9525">
                   <a:solidFill>
                     <a:srgbClr val="000000"/>
                   </a:solidFill>
@@ -34905,7 +34905,7 @@
             </a:ln>
             <a:extLst>
               <a:ext uri="{91240B29-F687-4f45-9708-019B960494DF}">
-                <a14:hiddenLine xmlns:a14="http://schemas.microsoft.com/office/drawing/2010/main" xmlns:p14="http://schemas.microsoft.com/office/powerpoint/2010/main" xmlns:a16="http://schemas.microsoft.com/office/drawing/2014/main" xmlns="" w="9525">
+                <a14:hiddenLine xmlns="" xmlns:a16="http://schemas.microsoft.com/office/drawing/2014/main" xmlns:p14="http://schemas.microsoft.com/office/powerpoint/2010/main" xmlns:a14="http://schemas.microsoft.com/office/drawing/2010/main" w="9525">
                   <a:solidFill>
                     <a:srgbClr val="000000"/>
                   </a:solidFill>
@@ -35017,7 +35017,7 @@
             </a:ln>
             <a:extLst>
               <a:ext uri="{91240B29-F687-4f45-9708-019B960494DF}">
-                <a14:hiddenLine xmlns:a14="http://schemas.microsoft.com/office/drawing/2010/main" xmlns:p14="http://schemas.microsoft.com/office/powerpoint/2010/main" xmlns:a16="http://schemas.microsoft.com/office/drawing/2014/main" xmlns="" w="9525">
+                <a14:hiddenLine xmlns="" xmlns:a16="http://schemas.microsoft.com/office/drawing/2014/main" xmlns:p14="http://schemas.microsoft.com/office/powerpoint/2010/main" xmlns:a14="http://schemas.microsoft.com/office/drawing/2010/main" w="9525">
                   <a:solidFill>
                     <a:srgbClr val="000000"/>
                   </a:solidFill>
@@ -35104,7 +35104,7 @@
             </a:ln>
             <a:extLst>
               <a:ext uri="{91240B29-F687-4f45-9708-019B960494DF}">
-                <a14:hiddenLine xmlns:a14="http://schemas.microsoft.com/office/drawing/2010/main" xmlns:p14="http://schemas.microsoft.com/office/powerpoint/2010/main" xmlns:a16="http://schemas.microsoft.com/office/drawing/2014/main" xmlns="" w="9525">
+                <a14:hiddenLine xmlns="" xmlns:a16="http://schemas.microsoft.com/office/drawing/2014/main" xmlns:p14="http://schemas.microsoft.com/office/powerpoint/2010/main" xmlns:a14="http://schemas.microsoft.com/office/drawing/2010/main" w="9525">
                   <a:solidFill>
                     <a:srgbClr val="000000"/>
                   </a:solidFill>
@@ -35246,7 +35246,7 @@
             </a:ln>
             <a:extLst>
               <a:ext uri="{91240B29-F687-4f45-9708-019B960494DF}">
-                <a14:hiddenLine xmlns:a14="http://schemas.microsoft.com/office/drawing/2010/main" xmlns:p14="http://schemas.microsoft.com/office/powerpoint/2010/main" xmlns:a16="http://schemas.microsoft.com/office/drawing/2014/main" xmlns="" w="9525">
+                <a14:hiddenLine xmlns="" xmlns:a16="http://schemas.microsoft.com/office/drawing/2014/main" xmlns:p14="http://schemas.microsoft.com/office/powerpoint/2010/main" xmlns:a14="http://schemas.microsoft.com/office/drawing/2010/main" w="9525">
                   <a:solidFill>
                     <a:srgbClr val="000000"/>
                   </a:solidFill>
@@ -35396,6 +35396,18 @@
             <a:pPr marL="0" indent="0">
               <a:buNone/>
             </a:pPr>
+            <a:endParaRPr lang="hu-HU" sz="1600" dirty="0"/>
+          </a:p>
+          <a:p>
+            <a:pPr marL="0" indent="0">
+              <a:buNone/>
+            </a:pPr>
+            <a:endParaRPr lang="hu-HU" sz="1600" dirty="0"/>
+          </a:p>
+          <a:p>
+            <a:pPr marL="0" indent="0">
+              <a:buNone/>
+            </a:pPr>
             <a:r>
               <a:rPr lang="hu-HU" sz="1600" dirty="0"/>
               <a:t>A végleges kinézetét az oldal elég későn kapta meg mivel sok munka volt vele. A W3 </a:t>
@@ -35431,6 +35443,24 @@
             <a:pPr marL="0" indent="0">
               <a:buNone/>
             </a:pPr>
+            <a:endParaRPr lang="hu-HU" sz="1600" dirty="0"/>
+          </a:p>
+          <a:p>
+            <a:pPr marL="0" indent="0">
+              <a:buNone/>
+            </a:pPr>
+            <a:endParaRPr lang="hu-HU" sz="1600" dirty="0"/>
+          </a:p>
+          <a:p>
+            <a:pPr marL="0" indent="0">
+              <a:buNone/>
+            </a:pPr>
+            <a:r>
+              <a:rPr lang="hu-HU" sz="1600" dirty="0"/>
+              <a:t>Főoldal információk:</a:t>
+            </a:r>
+          </a:p>
+          <a:p>
             <a:r>
               <a:rPr lang="hu-HU" sz="1600" dirty="0"/>
               <a:t>Az autók képeit </a:t>
@@ -35442,6 +35472,20 @@
             <a:r>
               <a:rPr lang="hu-HU" sz="1600" dirty="0"/>
               <a:t> és használt autókereskedések oldalairól vettem. A leírásuk pedig egy átlagot ír, nem biztos hogy valósak.</a:t>
+            </a:r>
+          </a:p>
+          <a:p>
+            <a:r>
+              <a:rPr lang="hu-HU" sz="1600" dirty="0"/>
+              <a:t>Sok .</a:t>
+            </a:r>
+            <a:r>
+              <a:rPr lang="hu-HU" sz="1600" dirty="0" err="1"/>
+              <a:t>class</a:t>
+            </a:r>
+            <a:r>
+              <a:rPr lang="hu-HU" sz="1600" dirty="0"/>
+              <a:t> és sok div</a:t>
             </a:r>
           </a:p>
           <a:p>
@@ -35460,19 +35504,19 @@
             <a:pPr marL="0" indent="0">
               <a:buNone/>
             </a:pPr>
-            <a:r>
-              <a:rPr lang="hu-HU" sz="1600" dirty="0"/>
-              <a:t>A végén  a </a:t>
-            </a:r>
-            <a:r>
-              <a:rPr lang="hu-HU" sz="1600" dirty="0" err="1"/>
-              <a:t>ChatGPT</a:t>
-            </a:r>
-            <a:r>
-              <a:rPr lang="hu-HU" sz="1600" dirty="0"/>
-              <a:t>-vel le is ellenőriztettem.</a:t>
-            </a:r>
-            <a:endParaRPr lang="LID4096" sz="1600" dirty="0"/>
+            <a:endParaRPr lang="hu-HU" sz="1600" dirty="0"/>
+          </a:p>
+          <a:p>
+            <a:pPr marL="0" indent="0">
+              <a:buNone/>
+            </a:pPr>
+            <a:endParaRPr lang="hu-HU" sz="1600" dirty="0"/>
+          </a:p>
+          <a:p>
+            <a:pPr marL="0" indent="0">
+              <a:buNone/>
+            </a:pPr>
+            <a:endParaRPr lang="hu-HU" sz="1600" dirty="0"/>
           </a:p>
         </p:txBody>
       </p:sp>
@@ -35489,13 +35533,13 @@
           <p:nvPr>
             <p:extLst>
               <p:ext uri="{D42A27DB-BD31-4B8C-83A1-F6EECF244321}">
-                <p14:modId xmlns:p14="http://schemas.microsoft.com/office/powerpoint/2010/main" val="4062792220"/>
+                <p14:modId xmlns:p14="http://schemas.microsoft.com/office/powerpoint/2010/main" val="447381022"/>
               </p:ext>
             </p:extLst>
           </p:nvPr>
         </p:nvGraphicFramePr>
         <p:xfrm>
-          <a:off x="3689130" y="110966"/>
+          <a:off x="3694809" y="3549650"/>
           <a:ext cx="4637954" cy="2911285"/>
         </p:xfrm>
         <a:graphic>
@@ -35526,40 +35570,10 @@
         </p:blipFill>
         <p:spPr>
           <a:xfrm>
-            <a:off x="3975101" y="847955"/>
+            <a:off x="5009259" y="-13549"/>
             <a:ext cx="1603342" cy="4570523"/>
           </a:xfrm>
           <a:prstGeom prst="ellipse">
-            <a:avLst/>
-          </a:prstGeom>
-        </p:spPr>
-      </p:pic>
-      <p:pic>
-        <p:nvPicPr>
-          <p:cNvPr id="40" name="Kép 39">
-            <a:extLst>
-              <a:ext uri="{FF2B5EF4-FFF2-40B4-BE49-F238E27FC236}">
-                <a16:creationId xmlns:a16="http://schemas.microsoft.com/office/drawing/2014/main" id="{100F11B7-1B92-A01F-DDF9-9F09AAB26179}"/>
-              </a:ext>
-            </a:extLst>
-          </p:cNvPr>
-          <p:cNvPicPr>
-            <a:picLocks noChangeAspect="1"/>
-          </p:cNvPicPr>
-          <p:nvPr/>
-        </p:nvPicPr>
-        <p:blipFill>
-          <a:blip r:embed="rId8"/>
-          <a:stretch>
-            <a:fillRect/>
-          </a:stretch>
-        </p:blipFill>
-        <p:spPr>
-          <a:xfrm>
-            <a:off x="5452338" y="3932274"/>
-            <a:ext cx="2164292" cy="2911439"/>
-          </a:xfrm>
-          <a:prstGeom prst="rect">
             <a:avLst/>
           </a:prstGeom>
         </p:spPr>
@@ -35743,7 +35757,7 @@
             </a:ln>
             <a:extLst>
               <a:ext uri="{91240B29-F687-4f45-9708-019B960494DF}">
-                <a14:hiddenLine xmlns:a14="http://schemas.microsoft.com/office/drawing/2010/main" xmlns:p14="http://schemas.microsoft.com/office/powerpoint/2010/main" xmlns:a16="http://schemas.microsoft.com/office/drawing/2014/main" xmlns="" w="9525">
+                <a14:hiddenLine xmlns="" xmlns:a16="http://schemas.microsoft.com/office/drawing/2014/main" xmlns:p14="http://schemas.microsoft.com/office/powerpoint/2010/main" xmlns:a14="http://schemas.microsoft.com/office/drawing/2010/main" w="9525">
                   <a:solidFill>
                     <a:srgbClr val="000000"/>
                   </a:solidFill>
@@ -35855,7 +35869,7 @@
             </a:ln>
             <a:extLst>
               <a:ext uri="{91240B29-F687-4f45-9708-019B960494DF}">
-                <a14:hiddenLine xmlns:a14="http://schemas.microsoft.com/office/drawing/2010/main" xmlns:p14="http://schemas.microsoft.com/office/powerpoint/2010/main" xmlns:a16="http://schemas.microsoft.com/office/drawing/2014/main" xmlns="" w="9525">
+                <a14:hiddenLine xmlns="" xmlns:a16="http://schemas.microsoft.com/office/drawing/2014/main" xmlns:p14="http://schemas.microsoft.com/office/powerpoint/2010/main" xmlns:a14="http://schemas.microsoft.com/office/drawing/2010/main" w="9525">
                   <a:solidFill>
                     <a:srgbClr val="000000"/>
                   </a:solidFill>
@@ -35967,7 +35981,7 @@
             </a:ln>
             <a:extLst>
               <a:ext uri="{91240B29-F687-4f45-9708-019B960494DF}">
-                <a14:hiddenLine xmlns:a14="http://schemas.microsoft.com/office/drawing/2010/main" xmlns:p14="http://schemas.microsoft.com/office/powerpoint/2010/main" xmlns:a16="http://schemas.microsoft.com/office/drawing/2014/main" xmlns="" w="9525">
+                <a14:hiddenLine xmlns="" xmlns:a16="http://schemas.microsoft.com/office/drawing/2014/main" xmlns:p14="http://schemas.microsoft.com/office/powerpoint/2010/main" xmlns:a14="http://schemas.microsoft.com/office/drawing/2010/main" w="9525">
                   <a:solidFill>
                     <a:srgbClr val="000000"/>
                   </a:solidFill>
@@ -36051,7 +36065,7 @@
             </a:ln>
             <a:extLst>
               <a:ext uri="{91240B29-F687-4f45-9708-019B960494DF}">
-                <a14:hiddenLine xmlns:a14="http://schemas.microsoft.com/office/drawing/2010/main" xmlns:p14="http://schemas.microsoft.com/office/powerpoint/2010/main" xmlns:a16="http://schemas.microsoft.com/office/drawing/2014/main" xmlns="" w="9525">
+                <a14:hiddenLine xmlns="" xmlns:a16="http://schemas.microsoft.com/office/drawing/2014/main" xmlns:p14="http://schemas.microsoft.com/office/powerpoint/2010/main" xmlns:a14="http://schemas.microsoft.com/office/drawing/2010/main" w="9525">
                   <a:solidFill>
                     <a:srgbClr val="000000"/>
                   </a:solidFill>
@@ -36163,7 +36177,7 @@
             </a:ln>
             <a:extLst>
               <a:ext uri="{91240B29-F687-4f45-9708-019B960494DF}">
-                <a14:hiddenLine xmlns:a14="http://schemas.microsoft.com/office/drawing/2010/main" xmlns:p14="http://schemas.microsoft.com/office/powerpoint/2010/main" xmlns:a16="http://schemas.microsoft.com/office/drawing/2014/main" xmlns="" w="9525">
+                <a14:hiddenLine xmlns="" xmlns:a16="http://schemas.microsoft.com/office/drawing/2014/main" xmlns:p14="http://schemas.microsoft.com/office/powerpoint/2010/main" xmlns:a14="http://schemas.microsoft.com/office/drawing/2010/main" w="9525">
                   <a:solidFill>
                     <a:srgbClr val="000000"/>
                   </a:solidFill>
@@ -36247,7 +36261,7 @@
             </a:ln>
             <a:extLst>
               <a:ext uri="{91240B29-F687-4f45-9708-019B960494DF}">
-                <a14:hiddenLine xmlns:a14="http://schemas.microsoft.com/office/drawing/2010/main" xmlns:p14="http://schemas.microsoft.com/office/powerpoint/2010/main" xmlns:a16="http://schemas.microsoft.com/office/drawing/2014/main" xmlns="" w="9525">
+                <a14:hiddenLine xmlns="" xmlns:a16="http://schemas.microsoft.com/office/drawing/2014/main" xmlns:p14="http://schemas.microsoft.com/office/powerpoint/2010/main" xmlns:a14="http://schemas.microsoft.com/office/drawing/2010/main" w="9525">
                   <a:solidFill>
                     <a:srgbClr val="000000"/>
                   </a:solidFill>
@@ -36331,7 +36345,7 @@
             </a:ln>
             <a:extLst>
               <a:ext uri="{91240B29-F687-4f45-9708-019B960494DF}">
-                <a14:hiddenLine xmlns:a14="http://schemas.microsoft.com/office/drawing/2010/main" xmlns:p14="http://schemas.microsoft.com/office/powerpoint/2010/main" xmlns:a16="http://schemas.microsoft.com/office/drawing/2014/main" xmlns="" w="9525">
+                <a14:hiddenLine xmlns="" xmlns:a16="http://schemas.microsoft.com/office/drawing/2014/main" xmlns:p14="http://schemas.microsoft.com/office/powerpoint/2010/main" xmlns:a14="http://schemas.microsoft.com/office/drawing/2010/main" w="9525">
                   <a:solidFill>
                     <a:srgbClr val="000000"/>
                   </a:solidFill>
@@ -36443,7 +36457,7 @@
             </a:ln>
             <a:extLst>
               <a:ext uri="{91240B29-F687-4f45-9708-019B960494DF}">
-                <a14:hiddenLine xmlns:a14="http://schemas.microsoft.com/office/drawing/2010/main" xmlns:p14="http://schemas.microsoft.com/office/powerpoint/2010/main" xmlns:a16="http://schemas.microsoft.com/office/drawing/2014/main" xmlns="" w="9525">
+                <a14:hiddenLine xmlns="" xmlns:a16="http://schemas.microsoft.com/office/drawing/2014/main" xmlns:p14="http://schemas.microsoft.com/office/powerpoint/2010/main" xmlns:a14="http://schemas.microsoft.com/office/drawing/2010/main" w="9525">
                   <a:solidFill>
                     <a:srgbClr val="000000"/>
                   </a:solidFill>
@@ -36555,7 +36569,7 @@
             </a:ln>
             <a:extLst>
               <a:ext uri="{91240B29-F687-4f45-9708-019B960494DF}">
-                <a14:hiddenLine xmlns:a14="http://schemas.microsoft.com/office/drawing/2010/main" xmlns:p14="http://schemas.microsoft.com/office/powerpoint/2010/main" xmlns:a16="http://schemas.microsoft.com/office/drawing/2014/main" xmlns="" w="9525">
+                <a14:hiddenLine xmlns="" xmlns:a16="http://schemas.microsoft.com/office/drawing/2014/main" xmlns:p14="http://schemas.microsoft.com/office/powerpoint/2010/main" xmlns:a14="http://schemas.microsoft.com/office/drawing/2010/main" w="9525">
                   <a:solidFill>
                     <a:srgbClr val="000000"/>
                   </a:solidFill>
@@ -36639,7 +36653,7 @@
             </a:ln>
             <a:extLst>
               <a:ext uri="{91240B29-F687-4f45-9708-019B960494DF}">
-                <a14:hiddenLine xmlns:a14="http://schemas.microsoft.com/office/drawing/2010/main" xmlns:p14="http://schemas.microsoft.com/office/powerpoint/2010/main" xmlns:a16="http://schemas.microsoft.com/office/drawing/2014/main" xmlns="" w="9525">
+                <a14:hiddenLine xmlns="" xmlns:a16="http://schemas.microsoft.com/office/drawing/2014/main" xmlns:p14="http://schemas.microsoft.com/office/powerpoint/2010/main" xmlns:a14="http://schemas.microsoft.com/office/drawing/2010/main" w="9525">
                   <a:solidFill>
                     <a:srgbClr val="000000"/>
                   </a:solidFill>
@@ -36771,7 +36785,7 @@
             </a:ln>
             <a:extLst>
               <a:ext uri="{91240B29-F687-4f45-9708-019B960494DF}">
-                <a14:hiddenLine xmlns:a14="http://schemas.microsoft.com/office/drawing/2010/main" xmlns:p14="http://schemas.microsoft.com/office/powerpoint/2010/main" xmlns:a16="http://schemas.microsoft.com/office/drawing/2014/main" xmlns="" w="9525">
+                <a14:hiddenLine xmlns="" xmlns:a16="http://schemas.microsoft.com/office/drawing/2014/main" xmlns:p14="http://schemas.microsoft.com/office/powerpoint/2010/main" xmlns:a14="http://schemas.microsoft.com/office/drawing/2010/main" w="9525">
                   <a:solidFill>
                     <a:srgbClr val="000000"/>
                   </a:solidFill>
@@ -36899,7 +36913,7 @@
             </a:ln>
             <a:extLst>
               <a:ext uri="{91240B29-F687-4f45-9708-019B960494DF}">
-                <a14:hiddenLine xmlns:a14="http://schemas.microsoft.com/office/drawing/2010/main" xmlns:p14="http://schemas.microsoft.com/office/powerpoint/2010/main" xmlns:a16="http://schemas.microsoft.com/office/drawing/2014/main" xmlns="" w="9525">
+                <a14:hiddenLine xmlns="" xmlns:a16="http://schemas.microsoft.com/office/drawing/2014/main" xmlns:p14="http://schemas.microsoft.com/office/powerpoint/2010/main" xmlns:a14="http://schemas.microsoft.com/office/drawing/2010/main" w="9525">
                   <a:solidFill>
                     <a:srgbClr val="000000"/>
                   </a:solidFill>
@@ -36983,7 +36997,7 @@
             </a:ln>
             <a:extLst>
               <a:ext uri="{91240B29-F687-4f45-9708-019B960494DF}">
-                <a14:hiddenLine xmlns:a14="http://schemas.microsoft.com/office/drawing/2010/main" xmlns:p14="http://schemas.microsoft.com/office/powerpoint/2010/main" xmlns:a16="http://schemas.microsoft.com/office/drawing/2014/main" xmlns="" w="9525">
+                <a14:hiddenLine xmlns="" xmlns:a16="http://schemas.microsoft.com/office/drawing/2014/main" xmlns:p14="http://schemas.microsoft.com/office/powerpoint/2010/main" xmlns:a14="http://schemas.microsoft.com/office/drawing/2010/main" w="9525">
                   <a:solidFill>
                     <a:srgbClr val="000000"/>
                   </a:solidFill>
@@ -37067,7 +37081,7 @@
             </a:ln>
             <a:extLst>
               <a:ext uri="{91240B29-F687-4f45-9708-019B960494DF}">
-                <a14:hiddenLine xmlns:a14="http://schemas.microsoft.com/office/drawing/2010/main" xmlns:p14="http://schemas.microsoft.com/office/powerpoint/2010/main" xmlns:a16="http://schemas.microsoft.com/office/drawing/2014/main" xmlns="" w="9525">
+                <a14:hiddenLine xmlns="" xmlns:a16="http://schemas.microsoft.com/office/drawing/2014/main" xmlns:p14="http://schemas.microsoft.com/office/powerpoint/2010/main" xmlns:a14="http://schemas.microsoft.com/office/drawing/2010/main" w="9525">
                   <a:solidFill>
                     <a:srgbClr val="000000"/>
                   </a:solidFill>
@@ -37179,7 +37193,7 @@
             </a:ln>
             <a:extLst>
               <a:ext uri="{91240B29-F687-4f45-9708-019B960494DF}">
-                <a14:hiddenLine xmlns:a14="http://schemas.microsoft.com/office/drawing/2010/main" xmlns:p14="http://schemas.microsoft.com/office/powerpoint/2010/main" xmlns:a16="http://schemas.microsoft.com/office/drawing/2014/main" xmlns="" w="9525">
+                <a14:hiddenLine xmlns="" xmlns:a16="http://schemas.microsoft.com/office/drawing/2014/main" xmlns:p14="http://schemas.microsoft.com/office/powerpoint/2010/main" xmlns:a14="http://schemas.microsoft.com/office/drawing/2010/main" w="9525">
                   <a:solidFill>
                     <a:srgbClr val="000000"/>
                   </a:solidFill>
@@ -37235,7 +37249,7 @@
             </a:ln>
             <a:extLst>
               <a:ext uri="{91240B29-F687-4f45-9708-019B960494DF}">
-                <a14:hiddenLine xmlns:a14="http://schemas.microsoft.com/office/drawing/2010/main" xmlns:p14="http://schemas.microsoft.com/office/powerpoint/2010/main" xmlns:a16="http://schemas.microsoft.com/office/drawing/2014/main" xmlns="" w="9525">
+                <a14:hiddenLine xmlns="" xmlns:a16="http://schemas.microsoft.com/office/drawing/2014/main" xmlns:p14="http://schemas.microsoft.com/office/powerpoint/2010/main" xmlns:a14="http://schemas.microsoft.com/office/drawing/2010/main" w="9525">
                   <a:solidFill>
                     <a:srgbClr val="000000"/>
                   </a:solidFill>
@@ -37322,7 +37336,7 @@
             </a:ln>
             <a:extLst>
               <a:ext uri="{91240B29-F687-4f45-9708-019B960494DF}">
-                <a14:hiddenLine xmlns:a14="http://schemas.microsoft.com/office/drawing/2010/main" xmlns:p14="http://schemas.microsoft.com/office/powerpoint/2010/main" xmlns:a16="http://schemas.microsoft.com/office/drawing/2014/main" xmlns="" w="9525">
+                <a14:hiddenLine xmlns="" xmlns:a16="http://schemas.microsoft.com/office/drawing/2014/main" xmlns:p14="http://schemas.microsoft.com/office/powerpoint/2010/main" xmlns:a14="http://schemas.microsoft.com/office/drawing/2010/main" w="9525">
                   <a:solidFill>
                     <a:srgbClr val="000000"/>
                   </a:solidFill>
@@ -37434,7 +37448,7 @@
             </a:ln>
             <a:extLst>
               <a:ext uri="{91240B29-F687-4f45-9708-019B960494DF}">
-                <a14:hiddenLine xmlns:a14="http://schemas.microsoft.com/office/drawing/2010/main" xmlns:p14="http://schemas.microsoft.com/office/powerpoint/2010/main" xmlns:a16="http://schemas.microsoft.com/office/drawing/2014/main" xmlns="" w="9525">
+                <a14:hiddenLine xmlns="" xmlns:a16="http://schemas.microsoft.com/office/drawing/2014/main" xmlns:p14="http://schemas.microsoft.com/office/powerpoint/2010/main" xmlns:a14="http://schemas.microsoft.com/office/drawing/2010/main" w="9525">
                   <a:solidFill>
                     <a:srgbClr val="000000"/>
                   </a:solidFill>
@@ -37518,7 +37532,7 @@
             </a:ln>
             <a:extLst>
               <a:ext uri="{91240B29-F687-4f45-9708-019B960494DF}">
-                <a14:hiddenLine xmlns:a14="http://schemas.microsoft.com/office/drawing/2010/main" xmlns:p14="http://schemas.microsoft.com/office/powerpoint/2010/main" xmlns:a16="http://schemas.microsoft.com/office/drawing/2014/main" xmlns="" w="9525">
+                <a14:hiddenLine xmlns="" xmlns:a16="http://schemas.microsoft.com/office/drawing/2014/main" xmlns:p14="http://schemas.microsoft.com/office/powerpoint/2010/main" xmlns:a14="http://schemas.microsoft.com/office/drawing/2010/main" w="9525">
                   <a:solidFill>
                     <a:srgbClr val="000000"/>
                   </a:solidFill>
@@ -37630,7 +37644,7 @@
             </a:ln>
             <a:extLst>
               <a:ext uri="{91240B29-F687-4f45-9708-019B960494DF}">
-                <a14:hiddenLine xmlns:a14="http://schemas.microsoft.com/office/drawing/2010/main" xmlns:p14="http://schemas.microsoft.com/office/powerpoint/2010/main" xmlns:a16="http://schemas.microsoft.com/office/drawing/2014/main" xmlns="" w="9525">
+                <a14:hiddenLine xmlns="" xmlns:a16="http://schemas.microsoft.com/office/drawing/2014/main" xmlns:p14="http://schemas.microsoft.com/office/powerpoint/2010/main" xmlns:a14="http://schemas.microsoft.com/office/drawing/2010/main" w="9525">
                   <a:solidFill>
                     <a:srgbClr val="000000"/>
                   </a:solidFill>
@@ -37717,7 +37731,7 @@
             </a:ln>
             <a:extLst>
               <a:ext uri="{91240B29-F687-4f45-9708-019B960494DF}">
-                <a14:hiddenLine xmlns:a14="http://schemas.microsoft.com/office/drawing/2010/main" xmlns:p14="http://schemas.microsoft.com/office/powerpoint/2010/main" xmlns:a16="http://schemas.microsoft.com/office/drawing/2014/main" xmlns="" w="9525">
+                <a14:hiddenLine xmlns="" xmlns:a16="http://schemas.microsoft.com/office/drawing/2014/main" xmlns:p14="http://schemas.microsoft.com/office/powerpoint/2010/main" xmlns:a14="http://schemas.microsoft.com/office/drawing/2010/main" w="9525">
                   <a:solidFill>
                     <a:srgbClr val="000000"/>
                   </a:solidFill>
@@ -37801,7 +37815,7 @@
             </a:ln>
             <a:extLst>
               <a:ext uri="{91240B29-F687-4f45-9708-019B960494DF}">
-                <a14:hiddenLine xmlns:a14="http://schemas.microsoft.com/office/drawing/2010/main" xmlns:p14="http://schemas.microsoft.com/office/powerpoint/2010/main" xmlns:a16="http://schemas.microsoft.com/office/drawing/2014/main" xmlns="" w="9525">
+                <a14:hiddenLine xmlns="" xmlns:a16="http://schemas.microsoft.com/office/drawing/2014/main" xmlns:p14="http://schemas.microsoft.com/office/powerpoint/2010/main" xmlns:a14="http://schemas.microsoft.com/office/drawing/2010/main" w="9525">
                   <a:solidFill>
                     <a:srgbClr val="000000"/>
                   </a:solidFill>
@@ -37913,7 +37927,7 @@
             </a:ln>
             <a:extLst>
               <a:ext uri="{91240B29-F687-4f45-9708-019B960494DF}">
-                <a14:hiddenLine xmlns:a14="http://schemas.microsoft.com/office/drawing/2010/main" xmlns:p14="http://schemas.microsoft.com/office/powerpoint/2010/main" xmlns:a16="http://schemas.microsoft.com/office/drawing/2014/main" xmlns="" w="9525">
+                <a14:hiddenLine xmlns="" xmlns:a16="http://schemas.microsoft.com/office/drawing/2014/main" xmlns:p14="http://schemas.microsoft.com/office/powerpoint/2010/main" xmlns:a14="http://schemas.microsoft.com/office/drawing/2010/main" w="9525">
                   <a:solidFill>
                     <a:srgbClr val="000000"/>
                   </a:solidFill>
@@ -38025,7 +38039,7 @@
             </a:ln>
             <a:extLst>
               <a:ext uri="{91240B29-F687-4f45-9708-019B960494DF}">
-                <a14:hiddenLine xmlns:a14="http://schemas.microsoft.com/office/drawing/2010/main" xmlns:p14="http://schemas.microsoft.com/office/powerpoint/2010/main" xmlns:a16="http://schemas.microsoft.com/office/drawing/2014/main" xmlns="" w="9525">
+                <a14:hiddenLine xmlns="" xmlns:a16="http://schemas.microsoft.com/office/drawing/2014/main" xmlns:p14="http://schemas.microsoft.com/office/powerpoint/2010/main" xmlns:a14="http://schemas.microsoft.com/office/drawing/2010/main" w="9525">
                   <a:solidFill>
                     <a:srgbClr val="000000"/>
                   </a:solidFill>
@@ -38112,7 +38126,7 @@
             </a:ln>
             <a:extLst>
               <a:ext uri="{91240B29-F687-4f45-9708-019B960494DF}">
-                <a14:hiddenLine xmlns:a14="http://schemas.microsoft.com/office/drawing/2010/main" xmlns:p14="http://schemas.microsoft.com/office/powerpoint/2010/main" xmlns:a16="http://schemas.microsoft.com/office/drawing/2014/main" xmlns="" w="9525">
+                <a14:hiddenLine xmlns="" xmlns:a16="http://schemas.microsoft.com/office/drawing/2014/main" xmlns:p14="http://schemas.microsoft.com/office/powerpoint/2010/main" xmlns:a14="http://schemas.microsoft.com/office/drawing/2010/main" w="9525">
                   <a:solidFill>
                     <a:srgbClr val="000000"/>
                   </a:solidFill>
@@ -38254,7 +38268,7 @@
             </a:ln>
             <a:extLst>
               <a:ext uri="{91240B29-F687-4f45-9708-019B960494DF}">
-                <a14:hiddenLine xmlns:a14="http://schemas.microsoft.com/office/drawing/2010/main" xmlns:p14="http://schemas.microsoft.com/office/powerpoint/2010/main" xmlns:a16="http://schemas.microsoft.com/office/drawing/2014/main" xmlns="" w="9525">
+                <a14:hiddenLine xmlns="" xmlns:a16="http://schemas.microsoft.com/office/drawing/2014/main" xmlns:p14="http://schemas.microsoft.com/office/powerpoint/2010/main" xmlns:a14="http://schemas.microsoft.com/office/drawing/2010/main" w="9525">
                   <a:solidFill>
                     <a:srgbClr val="000000"/>
                   </a:solidFill>
@@ -38395,8 +38409,8 @@
         </p:blipFill>
         <p:spPr>
           <a:xfrm>
-            <a:off x="4482209" y="435585"/>
-            <a:ext cx="4332076" cy="2935656"/>
+            <a:off x="4646461" y="1849438"/>
+            <a:ext cx="4781317" cy="3240087"/>
           </a:xfrm>
           <a:prstGeom prst="rect">
             <a:avLst/>
@@ -38425,8 +38439,8 @@
         </p:blipFill>
         <p:spPr>
           <a:xfrm>
-            <a:off x="8983202" y="1382713"/>
-            <a:ext cx="2200582" cy="5401429"/>
+            <a:off x="9418926" y="-9524"/>
+            <a:ext cx="2763643" cy="6867524"/>
           </a:xfrm>
           <a:prstGeom prst="rect">
             <a:avLst/>
@@ -38612,7 +38626,7 @@
             </a:ln>
             <a:extLst>
               <a:ext uri="{91240B29-F687-4f45-9708-019B960494DF}">
-                <a14:hiddenLine xmlns:a14="http://schemas.microsoft.com/office/drawing/2010/main" xmlns:p14="http://schemas.microsoft.com/office/powerpoint/2010/main" xmlns:a16="http://schemas.microsoft.com/office/drawing/2014/main" xmlns="" w="9525">
+                <a14:hiddenLine xmlns="" xmlns:a16="http://schemas.microsoft.com/office/drawing/2014/main" xmlns:p14="http://schemas.microsoft.com/office/powerpoint/2010/main" xmlns:a14="http://schemas.microsoft.com/office/drawing/2010/main" w="9525">
                   <a:solidFill>
                     <a:srgbClr val="000000"/>
                   </a:solidFill>
@@ -38724,7 +38738,7 @@
             </a:ln>
             <a:extLst>
               <a:ext uri="{91240B29-F687-4f45-9708-019B960494DF}">
-                <a14:hiddenLine xmlns:a14="http://schemas.microsoft.com/office/drawing/2010/main" xmlns:p14="http://schemas.microsoft.com/office/powerpoint/2010/main" xmlns:a16="http://schemas.microsoft.com/office/drawing/2014/main" xmlns="" w="9525">
+                <a14:hiddenLine xmlns="" xmlns:a16="http://schemas.microsoft.com/office/drawing/2014/main" xmlns:p14="http://schemas.microsoft.com/office/powerpoint/2010/main" xmlns:a14="http://schemas.microsoft.com/office/drawing/2010/main" w="9525">
                   <a:solidFill>
                     <a:srgbClr val="000000"/>
                   </a:solidFill>
@@ -38836,7 +38850,7 @@
             </a:ln>
             <a:extLst>
               <a:ext uri="{91240B29-F687-4f45-9708-019B960494DF}">
-                <a14:hiddenLine xmlns:a14="http://schemas.microsoft.com/office/drawing/2010/main" xmlns:p14="http://schemas.microsoft.com/office/powerpoint/2010/main" xmlns:a16="http://schemas.microsoft.com/office/drawing/2014/main" xmlns="" w="9525">
+                <a14:hiddenLine xmlns="" xmlns:a16="http://schemas.microsoft.com/office/drawing/2014/main" xmlns:p14="http://schemas.microsoft.com/office/powerpoint/2010/main" xmlns:a14="http://schemas.microsoft.com/office/drawing/2010/main" w="9525">
                   <a:solidFill>
                     <a:srgbClr val="000000"/>
                   </a:solidFill>
@@ -38920,7 +38934,7 @@
             </a:ln>
             <a:extLst>
               <a:ext uri="{91240B29-F687-4f45-9708-019B960494DF}">
-                <a14:hiddenLine xmlns:a14="http://schemas.microsoft.com/office/drawing/2010/main" xmlns:p14="http://schemas.microsoft.com/office/powerpoint/2010/main" xmlns:a16="http://schemas.microsoft.com/office/drawing/2014/main" xmlns="" w="9525">
+                <a14:hiddenLine xmlns="" xmlns:a16="http://schemas.microsoft.com/office/drawing/2014/main" xmlns:p14="http://schemas.microsoft.com/office/powerpoint/2010/main" xmlns:a14="http://schemas.microsoft.com/office/drawing/2010/main" w="9525">
                   <a:solidFill>
                     <a:srgbClr val="000000"/>
                   </a:solidFill>
@@ -39032,7 +39046,7 @@
             </a:ln>
             <a:extLst>
               <a:ext uri="{91240B29-F687-4f45-9708-019B960494DF}">
-                <a14:hiddenLine xmlns:a14="http://schemas.microsoft.com/office/drawing/2010/main" xmlns:p14="http://schemas.microsoft.com/office/powerpoint/2010/main" xmlns:a16="http://schemas.microsoft.com/office/drawing/2014/main" xmlns="" w="9525">
+                <a14:hiddenLine xmlns="" xmlns:a16="http://schemas.microsoft.com/office/drawing/2014/main" xmlns:p14="http://schemas.microsoft.com/office/powerpoint/2010/main" xmlns:a14="http://schemas.microsoft.com/office/drawing/2010/main" w="9525">
                   <a:solidFill>
                     <a:srgbClr val="000000"/>
                   </a:solidFill>
@@ -39116,7 +39130,7 @@
             </a:ln>
             <a:extLst>
               <a:ext uri="{91240B29-F687-4f45-9708-019B960494DF}">
-                <a14:hiddenLine xmlns:a14="http://schemas.microsoft.com/office/drawing/2010/main" xmlns:p14="http://schemas.microsoft.com/office/powerpoint/2010/main" xmlns:a16="http://schemas.microsoft.com/office/drawing/2014/main" xmlns="" w="9525">
+                <a14:hiddenLine xmlns="" xmlns:a16="http://schemas.microsoft.com/office/drawing/2014/main" xmlns:p14="http://schemas.microsoft.com/office/powerpoint/2010/main" xmlns:a14="http://schemas.microsoft.com/office/drawing/2010/main" w="9525">
                   <a:solidFill>
                     <a:srgbClr val="000000"/>
                   </a:solidFill>
@@ -39200,7 +39214,7 @@
             </a:ln>
             <a:extLst>
               <a:ext uri="{91240B29-F687-4f45-9708-019B960494DF}">
-                <a14:hiddenLine xmlns:a14="http://schemas.microsoft.com/office/drawing/2010/main" xmlns:p14="http://schemas.microsoft.com/office/powerpoint/2010/main" xmlns:a16="http://schemas.microsoft.com/office/drawing/2014/main" xmlns="" w="9525">
+                <a14:hiddenLine xmlns="" xmlns:a16="http://schemas.microsoft.com/office/drawing/2014/main" xmlns:p14="http://schemas.microsoft.com/office/powerpoint/2010/main" xmlns:a14="http://schemas.microsoft.com/office/drawing/2010/main" w="9525">
                   <a:solidFill>
                     <a:srgbClr val="000000"/>
                   </a:solidFill>
@@ -39312,7 +39326,7 @@
             </a:ln>
             <a:extLst>
               <a:ext uri="{91240B29-F687-4f45-9708-019B960494DF}">
-                <a14:hiddenLine xmlns:a14="http://schemas.microsoft.com/office/drawing/2010/main" xmlns:p14="http://schemas.microsoft.com/office/powerpoint/2010/main" xmlns:a16="http://schemas.microsoft.com/office/drawing/2014/main" xmlns="" w="9525">
+                <a14:hiddenLine xmlns="" xmlns:a16="http://schemas.microsoft.com/office/drawing/2014/main" xmlns:p14="http://schemas.microsoft.com/office/powerpoint/2010/main" xmlns:a14="http://schemas.microsoft.com/office/drawing/2010/main" w="9525">
                   <a:solidFill>
                     <a:srgbClr val="000000"/>
                   </a:solidFill>
@@ -39424,7 +39438,7 @@
             </a:ln>
             <a:extLst>
               <a:ext uri="{91240B29-F687-4f45-9708-019B960494DF}">
-                <a14:hiddenLine xmlns:a14="http://schemas.microsoft.com/office/drawing/2010/main" xmlns:p14="http://schemas.microsoft.com/office/powerpoint/2010/main" xmlns:a16="http://schemas.microsoft.com/office/drawing/2014/main" xmlns="" w="9525">
+                <a14:hiddenLine xmlns="" xmlns:a16="http://schemas.microsoft.com/office/drawing/2014/main" xmlns:p14="http://schemas.microsoft.com/office/powerpoint/2010/main" xmlns:a14="http://schemas.microsoft.com/office/drawing/2010/main" w="9525">
                   <a:solidFill>
                     <a:srgbClr val="000000"/>
                   </a:solidFill>
@@ -39508,7 +39522,7 @@
             </a:ln>
             <a:extLst>
               <a:ext uri="{91240B29-F687-4f45-9708-019B960494DF}">
-                <a14:hiddenLine xmlns:a14="http://schemas.microsoft.com/office/drawing/2010/main" xmlns:p14="http://schemas.microsoft.com/office/powerpoint/2010/main" xmlns:a16="http://schemas.microsoft.com/office/drawing/2014/main" xmlns="" w="9525">
+                <a14:hiddenLine xmlns="" xmlns:a16="http://schemas.microsoft.com/office/drawing/2014/main" xmlns:p14="http://schemas.microsoft.com/office/powerpoint/2010/main" xmlns:a14="http://schemas.microsoft.com/office/drawing/2010/main" w="9525">
                   <a:solidFill>
                     <a:srgbClr val="000000"/>
                   </a:solidFill>
@@ -39640,7 +39654,7 @@
             </a:ln>
             <a:extLst>
               <a:ext uri="{91240B29-F687-4f45-9708-019B960494DF}">
-                <a14:hiddenLine xmlns:a14="http://schemas.microsoft.com/office/drawing/2010/main" xmlns:p14="http://schemas.microsoft.com/office/powerpoint/2010/main" xmlns:a16="http://schemas.microsoft.com/office/drawing/2014/main" xmlns="" w="9525">
+                <a14:hiddenLine xmlns="" xmlns:a16="http://schemas.microsoft.com/office/drawing/2014/main" xmlns:p14="http://schemas.microsoft.com/office/powerpoint/2010/main" xmlns:a14="http://schemas.microsoft.com/office/drawing/2010/main" w="9525">
                   <a:solidFill>
                     <a:srgbClr val="000000"/>
                   </a:solidFill>
@@ -39768,7 +39782,7 @@
             </a:ln>
             <a:extLst>
               <a:ext uri="{91240B29-F687-4f45-9708-019B960494DF}">
-                <a14:hiddenLine xmlns:a14="http://schemas.microsoft.com/office/drawing/2010/main" xmlns:p14="http://schemas.microsoft.com/office/powerpoint/2010/main" xmlns:a16="http://schemas.microsoft.com/office/drawing/2014/main" xmlns="" w="9525">
+                <a14:hiddenLine xmlns="" xmlns:a16="http://schemas.microsoft.com/office/drawing/2014/main" xmlns:p14="http://schemas.microsoft.com/office/powerpoint/2010/main" xmlns:a14="http://schemas.microsoft.com/office/drawing/2010/main" w="9525">
                   <a:solidFill>
                     <a:srgbClr val="000000"/>
                   </a:solidFill>
@@ -39852,7 +39866,7 @@
             </a:ln>
             <a:extLst>
               <a:ext uri="{91240B29-F687-4f45-9708-019B960494DF}">
-                <a14:hiddenLine xmlns:a14="http://schemas.microsoft.com/office/drawing/2010/main" xmlns:p14="http://schemas.microsoft.com/office/powerpoint/2010/main" xmlns:a16="http://schemas.microsoft.com/office/drawing/2014/main" xmlns="" w="9525">
+                <a14:hiddenLine xmlns="" xmlns:a16="http://schemas.microsoft.com/office/drawing/2014/main" xmlns:p14="http://schemas.microsoft.com/office/powerpoint/2010/main" xmlns:a14="http://schemas.microsoft.com/office/drawing/2010/main" w="9525">
                   <a:solidFill>
                     <a:srgbClr val="000000"/>
                   </a:solidFill>
@@ -39936,7 +39950,7 @@
             </a:ln>
             <a:extLst>
               <a:ext uri="{91240B29-F687-4f45-9708-019B960494DF}">
-                <a14:hiddenLine xmlns:a14="http://schemas.microsoft.com/office/drawing/2010/main" xmlns:p14="http://schemas.microsoft.com/office/powerpoint/2010/main" xmlns:a16="http://schemas.microsoft.com/office/drawing/2014/main" xmlns="" w="9525">
+                <a14:hiddenLine xmlns="" xmlns:a16="http://schemas.microsoft.com/office/drawing/2014/main" xmlns:p14="http://schemas.microsoft.com/office/powerpoint/2010/main" xmlns:a14="http://schemas.microsoft.com/office/drawing/2010/main" w="9525">
                   <a:solidFill>
                     <a:srgbClr val="000000"/>
                   </a:solidFill>
@@ -40048,7 +40062,7 @@
             </a:ln>
             <a:extLst>
               <a:ext uri="{91240B29-F687-4f45-9708-019B960494DF}">
-                <a14:hiddenLine xmlns:a14="http://schemas.microsoft.com/office/drawing/2010/main" xmlns:p14="http://schemas.microsoft.com/office/powerpoint/2010/main" xmlns:a16="http://schemas.microsoft.com/office/drawing/2014/main" xmlns="" w="9525">
+                <a14:hiddenLine xmlns="" xmlns:a16="http://schemas.microsoft.com/office/drawing/2014/main" xmlns:p14="http://schemas.microsoft.com/office/powerpoint/2010/main" xmlns:a14="http://schemas.microsoft.com/office/drawing/2010/main" w="9525">
                   <a:solidFill>
                     <a:srgbClr val="000000"/>
                   </a:solidFill>
@@ -40104,7 +40118,7 @@
             </a:ln>
             <a:extLst>
               <a:ext uri="{91240B29-F687-4f45-9708-019B960494DF}">
-                <a14:hiddenLine xmlns:a14="http://schemas.microsoft.com/office/drawing/2010/main" xmlns:p14="http://schemas.microsoft.com/office/powerpoint/2010/main" xmlns:a16="http://schemas.microsoft.com/office/drawing/2014/main" xmlns="" w="9525">
+                <a14:hiddenLine xmlns="" xmlns:a16="http://schemas.microsoft.com/office/drawing/2014/main" xmlns:p14="http://schemas.microsoft.com/office/powerpoint/2010/main" xmlns:a14="http://schemas.microsoft.com/office/drawing/2010/main" w="9525">
                   <a:solidFill>
                     <a:srgbClr val="000000"/>
                   </a:solidFill>
@@ -40191,7 +40205,7 @@
             </a:ln>
             <a:extLst>
               <a:ext uri="{91240B29-F687-4f45-9708-019B960494DF}">
-                <a14:hiddenLine xmlns:a14="http://schemas.microsoft.com/office/drawing/2010/main" xmlns:p14="http://schemas.microsoft.com/office/powerpoint/2010/main" xmlns:a16="http://schemas.microsoft.com/office/drawing/2014/main" xmlns="" w="9525">
+                <a14:hiddenLine xmlns="" xmlns:a16="http://schemas.microsoft.com/office/drawing/2014/main" xmlns:p14="http://schemas.microsoft.com/office/powerpoint/2010/main" xmlns:a14="http://schemas.microsoft.com/office/drawing/2010/main" w="9525">
                   <a:solidFill>
                     <a:srgbClr val="000000"/>
                   </a:solidFill>
@@ -40303,7 +40317,7 @@
             </a:ln>
             <a:extLst>
               <a:ext uri="{91240B29-F687-4f45-9708-019B960494DF}">
-                <a14:hiddenLine xmlns:a14="http://schemas.microsoft.com/office/drawing/2010/main" xmlns:p14="http://schemas.microsoft.com/office/powerpoint/2010/main" xmlns:a16="http://schemas.microsoft.com/office/drawing/2014/main" xmlns="" w="9525">
+                <a14:hiddenLine xmlns="" xmlns:a16="http://schemas.microsoft.com/office/drawing/2014/main" xmlns:p14="http://schemas.microsoft.com/office/powerpoint/2010/main" xmlns:a14="http://schemas.microsoft.com/office/drawing/2010/main" w="9525">
                   <a:solidFill>
                     <a:srgbClr val="000000"/>
                   </a:solidFill>
@@ -40387,7 +40401,7 @@
             </a:ln>
             <a:extLst>
               <a:ext uri="{91240B29-F687-4f45-9708-019B960494DF}">
-                <a14:hiddenLine xmlns:a14="http://schemas.microsoft.com/office/drawing/2010/main" xmlns:p14="http://schemas.microsoft.com/office/powerpoint/2010/main" xmlns:a16="http://schemas.microsoft.com/office/drawing/2014/main" xmlns="" w="9525">
+                <a14:hiddenLine xmlns="" xmlns:a16="http://schemas.microsoft.com/office/drawing/2014/main" xmlns:p14="http://schemas.microsoft.com/office/powerpoint/2010/main" xmlns:a14="http://schemas.microsoft.com/office/drawing/2010/main" w="9525">
                   <a:solidFill>
                     <a:srgbClr val="000000"/>
                   </a:solidFill>
@@ -40499,7 +40513,7 @@
             </a:ln>
             <a:extLst>
               <a:ext uri="{91240B29-F687-4f45-9708-019B960494DF}">
-                <a14:hiddenLine xmlns:a14="http://schemas.microsoft.com/office/drawing/2010/main" xmlns:p14="http://schemas.microsoft.com/office/powerpoint/2010/main" xmlns:a16="http://schemas.microsoft.com/office/drawing/2014/main" xmlns="" w="9525">
+                <a14:hiddenLine xmlns="" xmlns:a16="http://schemas.microsoft.com/office/drawing/2014/main" xmlns:p14="http://schemas.microsoft.com/office/powerpoint/2010/main" xmlns:a14="http://schemas.microsoft.com/office/drawing/2010/main" w="9525">
                   <a:solidFill>
                     <a:srgbClr val="000000"/>
                   </a:solidFill>
@@ -40586,7 +40600,7 @@
             </a:ln>
             <a:extLst>
               <a:ext uri="{91240B29-F687-4f45-9708-019B960494DF}">
-                <a14:hiddenLine xmlns:a14="http://schemas.microsoft.com/office/drawing/2010/main" xmlns:p14="http://schemas.microsoft.com/office/powerpoint/2010/main" xmlns:a16="http://schemas.microsoft.com/office/drawing/2014/main" xmlns="" w="9525">
+                <a14:hiddenLine xmlns="" xmlns:a16="http://schemas.microsoft.com/office/drawing/2014/main" xmlns:p14="http://schemas.microsoft.com/office/powerpoint/2010/main" xmlns:a14="http://schemas.microsoft.com/office/drawing/2010/main" w="9525">
                   <a:solidFill>
                     <a:srgbClr val="000000"/>
                   </a:solidFill>
@@ -40670,7 +40684,7 @@
             </a:ln>
             <a:extLst>
               <a:ext uri="{91240B29-F687-4f45-9708-019B960494DF}">
-                <a14:hiddenLine xmlns:a14="http://schemas.microsoft.com/office/drawing/2010/main" xmlns:p14="http://schemas.microsoft.com/office/powerpoint/2010/main" xmlns:a16="http://schemas.microsoft.com/office/drawing/2014/main" xmlns="" w="9525">
+                <a14:hiddenLine xmlns="" xmlns:a16="http://schemas.microsoft.com/office/drawing/2014/main" xmlns:p14="http://schemas.microsoft.com/office/powerpoint/2010/main" xmlns:a14="http://schemas.microsoft.com/office/drawing/2010/main" w="9525">
                   <a:solidFill>
                     <a:srgbClr val="000000"/>
                   </a:solidFill>
@@ -40782,7 +40796,7 @@
             </a:ln>
             <a:extLst>
               <a:ext uri="{91240B29-F687-4f45-9708-019B960494DF}">
-                <a14:hiddenLine xmlns:a14="http://schemas.microsoft.com/office/drawing/2010/main" xmlns:p14="http://schemas.microsoft.com/office/powerpoint/2010/main" xmlns:a16="http://schemas.microsoft.com/office/drawing/2014/main" xmlns="" w="9525">
+                <a14:hiddenLine xmlns="" xmlns:a16="http://schemas.microsoft.com/office/drawing/2014/main" xmlns:p14="http://schemas.microsoft.com/office/powerpoint/2010/main" xmlns:a14="http://schemas.microsoft.com/office/drawing/2010/main" w="9525">
                   <a:solidFill>
                     <a:srgbClr val="000000"/>
                   </a:solidFill>
@@ -40894,7 +40908,7 @@
             </a:ln>
             <a:extLst>
               <a:ext uri="{91240B29-F687-4f45-9708-019B960494DF}">
-                <a14:hiddenLine xmlns:a14="http://schemas.microsoft.com/office/drawing/2010/main" xmlns:p14="http://schemas.microsoft.com/office/powerpoint/2010/main" xmlns:a16="http://schemas.microsoft.com/office/drawing/2014/main" xmlns="" w="9525">
+                <a14:hiddenLine xmlns="" xmlns:a16="http://schemas.microsoft.com/office/drawing/2014/main" xmlns:p14="http://schemas.microsoft.com/office/powerpoint/2010/main" xmlns:a14="http://schemas.microsoft.com/office/drawing/2010/main" w="9525">
                   <a:solidFill>
                     <a:srgbClr val="000000"/>
                   </a:solidFill>
@@ -40981,7 +40995,7 @@
             </a:ln>
             <a:extLst>
               <a:ext uri="{91240B29-F687-4f45-9708-019B960494DF}">
-                <a14:hiddenLine xmlns:a14="http://schemas.microsoft.com/office/drawing/2010/main" xmlns:p14="http://schemas.microsoft.com/office/powerpoint/2010/main" xmlns:a16="http://schemas.microsoft.com/office/drawing/2014/main" xmlns="" w="9525">
+                <a14:hiddenLine xmlns="" xmlns:a16="http://schemas.microsoft.com/office/drawing/2014/main" xmlns:p14="http://schemas.microsoft.com/office/powerpoint/2010/main" xmlns:a14="http://schemas.microsoft.com/office/drawing/2010/main" w="9525">
                   <a:solidFill>
                     <a:srgbClr val="000000"/>
                   </a:solidFill>
@@ -41123,7 +41137,7 @@
             </a:ln>
             <a:extLst>
               <a:ext uri="{91240B29-F687-4f45-9708-019B960494DF}">
-                <a14:hiddenLine xmlns:a14="http://schemas.microsoft.com/office/drawing/2010/main" xmlns:p14="http://schemas.microsoft.com/office/powerpoint/2010/main" xmlns:a16="http://schemas.microsoft.com/office/drawing/2014/main" xmlns="" w="9525">
+                <a14:hiddenLine xmlns="" xmlns:a16="http://schemas.microsoft.com/office/drawing/2014/main" xmlns:p14="http://schemas.microsoft.com/office/powerpoint/2010/main" xmlns:a14="http://schemas.microsoft.com/office/drawing/2010/main" w="9525">
                   <a:solidFill>
                     <a:srgbClr val="000000"/>
                   </a:solidFill>
@@ -41453,7 +41467,7 @@
             </a:ln>
             <a:extLst>
               <a:ext uri="{91240B29-F687-4f45-9708-019B960494DF}">
-                <a14:hiddenLine xmlns:a14="http://schemas.microsoft.com/office/drawing/2010/main" xmlns:p14="http://schemas.microsoft.com/office/powerpoint/2010/main" xmlns:a16="http://schemas.microsoft.com/office/drawing/2014/main" xmlns="" w="9525">
+                <a14:hiddenLine xmlns="" xmlns:a16="http://schemas.microsoft.com/office/drawing/2014/main" xmlns:p14="http://schemas.microsoft.com/office/powerpoint/2010/main" xmlns:a14="http://schemas.microsoft.com/office/drawing/2010/main" w="9525">
                   <a:solidFill>
                     <a:srgbClr val="000000"/>
                   </a:solidFill>
@@ -41565,7 +41579,7 @@
             </a:ln>
             <a:extLst>
               <a:ext uri="{91240B29-F687-4f45-9708-019B960494DF}">
-                <a14:hiddenLine xmlns:a14="http://schemas.microsoft.com/office/drawing/2010/main" xmlns:p14="http://schemas.microsoft.com/office/powerpoint/2010/main" xmlns:a16="http://schemas.microsoft.com/office/drawing/2014/main" xmlns="" w="9525">
+                <a14:hiddenLine xmlns="" xmlns:a16="http://schemas.microsoft.com/office/drawing/2014/main" xmlns:p14="http://schemas.microsoft.com/office/powerpoint/2010/main" xmlns:a14="http://schemas.microsoft.com/office/drawing/2010/main" w="9525">
                   <a:solidFill>
                     <a:srgbClr val="000000"/>
                   </a:solidFill>
@@ -41677,7 +41691,7 @@
             </a:ln>
             <a:extLst>
               <a:ext uri="{91240B29-F687-4f45-9708-019B960494DF}">
-                <a14:hiddenLine xmlns:a14="http://schemas.microsoft.com/office/drawing/2010/main" xmlns:p14="http://schemas.microsoft.com/office/powerpoint/2010/main" xmlns:a16="http://schemas.microsoft.com/office/drawing/2014/main" xmlns="" w="9525">
+                <a14:hiddenLine xmlns="" xmlns:a16="http://schemas.microsoft.com/office/drawing/2014/main" xmlns:p14="http://schemas.microsoft.com/office/powerpoint/2010/main" xmlns:a14="http://schemas.microsoft.com/office/drawing/2010/main" w="9525">
                   <a:solidFill>
                     <a:srgbClr val="000000"/>
                   </a:solidFill>
@@ -41761,7 +41775,7 @@
             </a:ln>
             <a:extLst>
               <a:ext uri="{91240B29-F687-4f45-9708-019B960494DF}">
-                <a14:hiddenLine xmlns:a14="http://schemas.microsoft.com/office/drawing/2010/main" xmlns:p14="http://schemas.microsoft.com/office/powerpoint/2010/main" xmlns:a16="http://schemas.microsoft.com/office/drawing/2014/main" xmlns="" w="9525">
+                <a14:hiddenLine xmlns="" xmlns:a16="http://schemas.microsoft.com/office/drawing/2014/main" xmlns:p14="http://schemas.microsoft.com/office/powerpoint/2010/main" xmlns:a14="http://schemas.microsoft.com/office/drawing/2010/main" w="9525">
                   <a:solidFill>
                     <a:srgbClr val="000000"/>
                   </a:solidFill>
@@ -41873,7 +41887,7 @@
             </a:ln>
             <a:extLst>
               <a:ext uri="{91240B29-F687-4f45-9708-019B960494DF}">
-                <a14:hiddenLine xmlns:a14="http://schemas.microsoft.com/office/drawing/2010/main" xmlns:p14="http://schemas.microsoft.com/office/powerpoint/2010/main" xmlns:a16="http://schemas.microsoft.com/office/drawing/2014/main" xmlns="" w="9525">
+                <a14:hiddenLine xmlns="" xmlns:a16="http://schemas.microsoft.com/office/drawing/2014/main" xmlns:p14="http://schemas.microsoft.com/office/powerpoint/2010/main" xmlns:a14="http://schemas.microsoft.com/office/drawing/2010/main" w="9525">
                   <a:solidFill>
                     <a:srgbClr val="000000"/>
                   </a:solidFill>
@@ -41957,7 +41971,7 @@
             </a:ln>
             <a:extLst>
               <a:ext uri="{91240B29-F687-4f45-9708-019B960494DF}">
-                <a14:hiddenLine xmlns:a14="http://schemas.microsoft.com/office/drawing/2010/main" xmlns:p14="http://schemas.microsoft.com/office/powerpoint/2010/main" xmlns:a16="http://schemas.microsoft.com/office/drawing/2014/main" xmlns="" w="9525">
+                <a14:hiddenLine xmlns="" xmlns:a16="http://schemas.microsoft.com/office/drawing/2014/main" xmlns:p14="http://schemas.microsoft.com/office/powerpoint/2010/main" xmlns:a14="http://schemas.microsoft.com/office/drawing/2010/main" w="9525">
                   <a:solidFill>
                     <a:srgbClr val="000000"/>
                   </a:solidFill>
@@ -42041,7 +42055,7 @@
             </a:ln>
             <a:extLst>
               <a:ext uri="{91240B29-F687-4f45-9708-019B960494DF}">
-                <a14:hiddenLine xmlns:a14="http://schemas.microsoft.com/office/drawing/2010/main" xmlns:p14="http://schemas.microsoft.com/office/powerpoint/2010/main" xmlns:a16="http://schemas.microsoft.com/office/drawing/2014/main" xmlns="" w="9525">
+                <a14:hiddenLine xmlns="" xmlns:a16="http://schemas.microsoft.com/office/drawing/2014/main" xmlns:p14="http://schemas.microsoft.com/office/powerpoint/2010/main" xmlns:a14="http://schemas.microsoft.com/office/drawing/2010/main" w="9525">
                   <a:solidFill>
                     <a:srgbClr val="000000"/>
                   </a:solidFill>
@@ -42153,7 +42167,7 @@
             </a:ln>
             <a:extLst>
               <a:ext uri="{91240B29-F687-4f45-9708-019B960494DF}">
-                <a14:hiddenLine xmlns:a14="http://schemas.microsoft.com/office/drawing/2010/main" xmlns:p14="http://schemas.microsoft.com/office/powerpoint/2010/main" xmlns:a16="http://schemas.microsoft.com/office/drawing/2014/main" xmlns="" w="9525">
+                <a14:hiddenLine xmlns="" xmlns:a16="http://schemas.microsoft.com/office/drawing/2014/main" xmlns:p14="http://schemas.microsoft.com/office/powerpoint/2010/main" xmlns:a14="http://schemas.microsoft.com/office/drawing/2010/main" w="9525">
                   <a:solidFill>
                     <a:srgbClr val="000000"/>
                   </a:solidFill>
@@ -42265,7 +42279,7 @@
             </a:ln>
             <a:extLst>
               <a:ext uri="{91240B29-F687-4f45-9708-019B960494DF}">
-                <a14:hiddenLine xmlns:a14="http://schemas.microsoft.com/office/drawing/2010/main" xmlns:p14="http://schemas.microsoft.com/office/powerpoint/2010/main" xmlns:a16="http://schemas.microsoft.com/office/drawing/2014/main" xmlns="" w="9525">
+                <a14:hiddenLine xmlns="" xmlns:a16="http://schemas.microsoft.com/office/drawing/2014/main" xmlns:p14="http://schemas.microsoft.com/office/powerpoint/2010/main" xmlns:a14="http://schemas.microsoft.com/office/drawing/2010/main" w="9525">
                   <a:solidFill>
                     <a:srgbClr val="000000"/>
                   </a:solidFill>
@@ -42349,7 +42363,7 @@
             </a:ln>
             <a:extLst>
               <a:ext uri="{91240B29-F687-4f45-9708-019B960494DF}">
-                <a14:hiddenLine xmlns:a14="http://schemas.microsoft.com/office/drawing/2010/main" xmlns:p14="http://schemas.microsoft.com/office/powerpoint/2010/main" xmlns:a16="http://schemas.microsoft.com/office/drawing/2014/main" xmlns="" w="9525">
+                <a14:hiddenLine xmlns="" xmlns:a16="http://schemas.microsoft.com/office/drawing/2014/main" xmlns:p14="http://schemas.microsoft.com/office/powerpoint/2010/main" xmlns:a14="http://schemas.microsoft.com/office/drawing/2010/main" w="9525">
                   <a:solidFill>
                     <a:srgbClr val="000000"/>
                   </a:solidFill>
@@ -42481,7 +42495,7 @@
             </a:ln>
             <a:extLst>
               <a:ext uri="{91240B29-F687-4f45-9708-019B960494DF}">
-                <a14:hiddenLine xmlns:a14="http://schemas.microsoft.com/office/drawing/2010/main" xmlns:p14="http://schemas.microsoft.com/office/powerpoint/2010/main" xmlns:a16="http://schemas.microsoft.com/office/drawing/2014/main" xmlns="" w="9525">
+                <a14:hiddenLine xmlns="" xmlns:a16="http://schemas.microsoft.com/office/drawing/2014/main" xmlns:p14="http://schemas.microsoft.com/office/powerpoint/2010/main" xmlns:a14="http://schemas.microsoft.com/office/drawing/2010/main" w="9525">
                   <a:solidFill>
                     <a:srgbClr val="000000"/>
                   </a:solidFill>
@@ -42609,7 +42623,7 @@
             </a:ln>
             <a:extLst>
               <a:ext uri="{91240B29-F687-4f45-9708-019B960494DF}">
-                <a14:hiddenLine xmlns:a14="http://schemas.microsoft.com/office/drawing/2010/main" xmlns:p14="http://schemas.microsoft.com/office/powerpoint/2010/main" xmlns:a16="http://schemas.microsoft.com/office/drawing/2014/main" xmlns="" w="9525">
+                <a14:hiddenLine xmlns="" xmlns:a16="http://schemas.microsoft.com/office/drawing/2014/main" xmlns:p14="http://schemas.microsoft.com/office/powerpoint/2010/main" xmlns:a14="http://schemas.microsoft.com/office/drawing/2010/main" w="9525">
                   <a:solidFill>
                     <a:srgbClr val="000000"/>
                   </a:solidFill>
@@ -42693,7 +42707,7 @@
             </a:ln>
             <a:extLst>
               <a:ext uri="{91240B29-F687-4f45-9708-019B960494DF}">
-                <a14:hiddenLine xmlns:a14="http://schemas.microsoft.com/office/drawing/2010/main" xmlns:p14="http://schemas.microsoft.com/office/powerpoint/2010/main" xmlns:a16="http://schemas.microsoft.com/office/drawing/2014/main" xmlns="" w="9525">
+                <a14:hiddenLine xmlns="" xmlns:a16="http://schemas.microsoft.com/office/drawing/2014/main" xmlns:p14="http://schemas.microsoft.com/office/powerpoint/2010/main" xmlns:a14="http://schemas.microsoft.com/office/drawing/2010/main" w="9525">
                   <a:solidFill>
                     <a:srgbClr val="000000"/>
                   </a:solidFill>
@@ -42777,7 +42791,7 @@
             </a:ln>
             <a:extLst>
               <a:ext uri="{91240B29-F687-4f45-9708-019B960494DF}">
-                <a14:hiddenLine xmlns:a14="http://schemas.microsoft.com/office/drawing/2010/main" xmlns:p14="http://schemas.microsoft.com/office/powerpoint/2010/main" xmlns:a16="http://schemas.microsoft.com/office/drawing/2014/main" xmlns="" w="9525">
+                <a14:hiddenLine xmlns="" xmlns:a16="http://schemas.microsoft.com/office/drawing/2014/main" xmlns:p14="http://schemas.microsoft.com/office/powerpoint/2010/main" xmlns:a14="http://schemas.microsoft.com/office/drawing/2010/main" w="9525">
                   <a:solidFill>
                     <a:srgbClr val="000000"/>
                   </a:solidFill>
@@ -42889,7 +42903,7 @@
             </a:ln>
             <a:extLst>
               <a:ext uri="{91240B29-F687-4f45-9708-019B960494DF}">
-                <a14:hiddenLine xmlns:a14="http://schemas.microsoft.com/office/drawing/2010/main" xmlns:p14="http://schemas.microsoft.com/office/powerpoint/2010/main" xmlns:a16="http://schemas.microsoft.com/office/drawing/2014/main" xmlns="" w="9525">
+                <a14:hiddenLine xmlns="" xmlns:a16="http://schemas.microsoft.com/office/drawing/2014/main" xmlns:p14="http://schemas.microsoft.com/office/powerpoint/2010/main" xmlns:a14="http://schemas.microsoft.com/office/drawing/2010/main" w="9525">
                   <a:solidFill>
                     <a:srgbClr val="000000"/>
                   </a:solidFill>
@@ -42945,7 +42959,7 @@
             </a:ln>
             <a:extLst>
               <a:ext uri="{91240B29-F687-4f45-9708-019B960494DF}">
-                <a14:hiddenLine xmlns:a14="http://schemas.microsoft.com/office/drawing/2010/main" xmlns:p14="http://schemas.microsoft.com/office/powerpoint/2010/main" xmlns:a16="http://schemas.microsoft.com/office/drawing/2014/main" xmlns="" w="9525">
+                <a14:hiddenLine xmlns="" xmlns:a16="http://schemas.microsoft.com/office/drawing/2014/main" xmlns:p14="http://schemas.microsoft.com/office/powerpoint/2010/main" xmlns:a14="http://schemas.microsoft.com/office/drawing/2010/main" w="9525">
                   <a:solidFill>
                     <a:srgbClr val="000000"/>
                   </a:solidFill>
@@ -43032,7 +43046,7 @@
             </a:ln>
             <a:extLst>
               <a:ext uri="{91240B29-F687-4f45-9708-019B960494DF}">
-                <a14:hiddenLine xmlns:a14="http://schemas.microsoft.com/office/drawing/2010/main" xmlns:p14="http://schemas.microsoft.com/office/powerpoint/2010/main" xmlns:a16="http://schemas.microsoft.com/office/drawing/2014/main" xmlns="" w="9525">
+                <a14:hiddenLine xmlns="" xmlns:a16="http://schemas.microsoft.com/office/drawing/2014/main" xmlns:p14="http://schemas.microsoft.com/office/powerpoint/2010/main" xmlns:a14="http://schemas.microsoft.com/office/drawing/2010/main" w="9525">
                   <a:solidFill>
                     <a:srgbClr val="000000"/>
                   </a:solidFill>
@@ -43144,7 +43158,7 @@
             </a:ln>
             <a:extLst>
               <a:ext uri="{91240B29-F687-4f45-9708-019B960494DF}">
-                <a14:hiddenLine xmlns:a14="http://schemas.microsoft.com/office/drawing/2010/main" xmlns:p14="http://schemas.microsoft.com/office/powerpoint/2010/main" xmlns:a16="http://schemas.microsoft.com/office/drawing/2014/main" xmlns="" w="9525">
+                <a14:hiddenLine xmlns="" xmlns:a16="http://schemas.microsoft.com/office/drawing/2014/main" xmlns:p14="http://schemas.microsoft.com/office/powerpoint/2010/main" xmlns:a14="http://schemas.microsoft.com/office/drawing/2010/main" w="9525">
                   <a:solidFill>
                     <a:srgbClr val="000000"/>
                   </a:solidFill>
@@ -43228,7 +43242,7 @@
             </a:ln>
             <a:extLst>
               <a:ext uri="{91240B29-F687-4f45-9708-019B960494DF}">
-                <a14:hiddenLine xmlns:a14="http://schemas.microsoft.com/office/drawing/2010/main" xmlns:p14="http://schemas.microsoft.com/office/powerpoint/2010/main" xmlns:a16="http://schemas.microsoft.com/office/drawing/2014/main" xmlns="" w="9525">
+                <a14:hiddenLine xmlns="" xmlns:a16="http://schemas.microsoft.com/office/drawing/2014/main" xmlns:p14="http://schemas.microsoft.com/office/powerpoint/2010/main" xmlns:a14="http://schemas.microsoft.com/office/drawing/2010/main" w="9525">
                   <a:solidFill>
                     <a:srgbClr val="000000"/>
                   </a:solidFill>
@@ -43340,7 +43354,7 @@
             </a:ln>
             <a:extLst>
               <a:ext uri="{91240B29-F687-4f45-9708-019B960494DF}">
-                <a14:hiddenLine xmlns:a14="http://schemas.microsoft.com/office/drawing/2010/main" xmlns:p14="http://schemas.microsoft.com/office/powerpoint/2010/main" xmlns:a16="http://schemas.microsoft.com/office/drawing/2014/main" xmlns="" w="9525">
+                <a14:hiddenLine xmlns="" xmlns:a16="http://schemas.microsoft.com/office/drawing/2014/main" xmlns:p14="http://schemas.microsoft.com/office/powerpoint/2010/main" xmlns:a14="http://schemas.microsoft.com/office/drawing/2010/main" w="9525">
                   <a:solidFill>
                     <a:srgbClr val="000000"/>
                   </a:solidFill>
@@ -43427,7 +43441,7 @@
             </a:ln>
             <a:extLst>
               <a:ext uri="{91240B29-F687-4f45-9708-019B960494DF}">
-                <a14:hiddenLine xmlns:a14="http://schemas.microsoft.com/office/drawing/2010/main" xmlns:p14="http://schemas.microsoft.com/office/powerpoint/2010/main" xmlns:a16="http://schemas.microsoft.com/office/drawing/2014/main" xmlns="" w="9525">
+                <a14:hiddenLine xmlns="" xmlns:a16="http://schemas.microsoft.com/office/drawing/2014/main" xmlns:p14="http://schemas.microsoft.com/office/powerpoint/2010/main" xmlns:a14="http://schemas.microsoft.com/office/drawing/2010/main" w="9525">
                   <a:solidFill>
                     <a:srgbClr val="000000"/>
                   </a:solidFill>
@@ -43511,7 +43525,7 @@
             </a:ln>
             <a:extLst>
               <a:ext uri="{91240B29-F687-4f45-9708-019B960494DF}">
-                <a14:hiddenLine xmlns:a14="http://schemas.microsoft.com/office/drawing/2010/main" xmlns:p14="http://schemas.microsoft.com/office/powerpoint/2010/main" xmlns:a16="http://schemas.microsoft.com/office/drawing/2014/main" xmlns="" w="9525">
+                <a14:hiddenLine xmlns="" xmlns:a16="http://schemas.microsoft.com/office/drawing/2014/main" xmlns:p14="http://schemas.microsoft.com/office/powerpoint/2010/main" xmlns:a14="http://schemas.microsoft.com/office/drawing/2010/main" w="9525">
                   <a:solidFill>
                     <a:srgbClr val="000000"/>
                   </a:solidFill>
@@ -43623,7 +43637,7 @@
             </a:ln>
             <a:extLst>
               <a:ext uri="{91240B29-F687-4f45-9708-019B960494DF}">
-                <a14:hiddenLine xmlns:a14="http://schemas.microsoft.com/office/drawing/2010/main" xmlns:p14="http://schemas.microsoft.com/office/powerpoint/2010/main" xmlns:a16="http://schemas.microsoft.com/office/drawing/2014/main" xmlns="" w="9525">
+                <a14:hiddenLine xmlns="" xmlns:a16="http://schemas.microsoft.com/office/drawing/2014/main" xmlns:p14="http://schemas.microsoft.com/office/powerpoint/2010/main" xmlns:a14="http://schemas.microsoft.com/office/drawing/2010/main" w="9525">
                   <a:solidFill>
                     <a:srgbClr val="000000"/>
                   </a:solidFill>
@@ -43735,7 +43749,7 @@
             </a:ln>
             <a:extLst>
               <a:ext uri="{91240B29-F687-4f45-9708-019B960494DF}">
-                <a14:hiddenLine xmlns:a14="http://schemas.microsoft.com/office/drawing/2010/main" xmlns:p14="http://schemas.microsoft.com/office/powerpoint/2010/main" xmlns:a16="http://schemas.microsoft.com/office/drawing/2014/main" xmlns="" w="9525">
+                <a14:hiddenLine xmlns="" xmlns:a16="http://schemas.microsoft.com/office/drawing/2014/main" xmlns:p14="http://schemas.microsoft.com/office/powerpoint/2010/main" xmlns:a14="http://schemas.microsoft.com/office/drawing/2010/main" w="9525">
                   <a:solidFill>
                     <a:srgbClr val="000000"/>
                   </a:solidFill>
@@ -43822,7 +43836,7 @@
             </a:ln>
             <a:extLst>
               <a:ext uri="{91240B29-F687-4f45-9708-019B960494DF}">
-                <a14:hiddenLine xmlns:a14="http://schemas.microsoft.com/office/drawing/2010/main" xmlns:p14="http://schemas.microsoft.com/office/powerpoint/2010/main" xmlns:a16="http://schemas.microsoft.com/office/drawing/2014/main" xmlns="" w="9525">
+                <a14:hiddenLine xmlns="" xmlns:a16="http://schemas.microsoft.com/office/drawing/2014/main" xmlns:p14="http://schemas.microsoft.com/office/powerpoint/2010/main" xmlns:a14="http://schemas.microsoft.com/office/drawing/2010/main" w="9525">
                   <a:solidFill>
                     <a:srgbClr val="000000"/>
                   </a:solidFill>
@@ -43964,7 +43978,7 @@
             </a:ln>
             <a:extLst>
               <a:ext uri="{91240B29-F687-4f45-9708-019B960494DF}">
-                <a14:hiddenLine xmlns:a14="http://schemas.microsoft.com/office/drawing/2010/main" xmlns:p14="http://schemas.microsoft.com/office/powerpoint/2010/main" xmlns:a16="http://schemas.microsoft.com/office/drawing/2014/main" xmlns="" w="9525">
+                <a14:hiddenLine xmlns="" xmlns:a16="http://schemas.microsoft.com/office/drawing/2014/main" xmlns:p14="http://schemas.microsoft.com/office/powerpoint/2010/main" xmlns:a14="http://schemas.microsoft.com/office/drawing/2010/main" w="9525">
                   <a:solidFill>
                     <a:srgbClr val="000000"/>
                   </a:solidFill>

--- a/projekt/Our website (1).pptx
+++ b/projekt/Our website (1).pptx
@@ -2756,7 +2756,7 @@
           <a:noFill/>
           <a:extLst>
             <a:ext uri="{909E8E84-426E-40dd-AFC4-6F175D3DCCD1}">
-              <a14:hiddenFill xmlns="" xmlns:a14="http://schemas.microsoft.com/office/drawing/2010/main">
+              <a14:hiddenFill xmlns:a14="http://schemas.microsoft.com/office/drawing/2010/main" xmlns="">
                 <a:solidFill>
                   <a:srgbClr val="FFFFFF"/>
                 </a:solidFill>
@@ -2816,7 +2816,7 @@
             </a:ln>
             <a:extLst>
               <a:ext uri="{91240B29-F687-4f45-9708-019B960494DF}">
-                <a14:hiddenLine xmlns="" xmlns:a14="http://schemas.microsoft.com/office/drawing/2010/main" w="9525">
+                <a14:hiddenLine xmlns:a14="http://schemas.microsoft.com/office/drawing/2010/main" xmlns="" w="9525">
                   <a:solidFill>
                     <a:srgbClr val="000000"/>
                   </a:solidFill>
@@ -2906,7 +2906,7 @@
             </a:ln>
             <a:extLst>
               <a:ext uri="{91240B29-F687-4f45-9708-019B960494DF}">
-                <a14:hiddenLine xmlns="" xmlns:a14="http://schemas.microsoft.com/office/drawing/2010/main" w="9525">
+                <a14:hiddenLine xmlns:a14="http://schemas.microsoft.com/office/drawing/2010/main" xmlns="" w="9525">
                   <a:solidFill>
                     <a:srgbClr val="000000"/>
                   </a:solidFill>
@@ -2996,7 +2996,7 @@
             </a:ln>
             <a:extLst>
               <a:ext uri="{91240B29-F687-4f45-9708-019B960494DF}">
-                <a14:hiddenLine xmlns="" xmlns:a14="http://schemas.microsoft.com/office/drawing/2010/main" w="9525">
+                <a14:hiddenLine xmlns:a14="http://schemas.microsoft.com/office/drawing/2010/main" xmlns="" w="9525">
                   <a:solidFill>
                     <a:srgbClr val="000000"/>
                   </a:solidFill>
@@ -3030,7 +3030,7 @@
             </a:ln>
             <a:extLst>
               <a:ext uri="{91240B29-F687-4f45-9708-019B960494DF}">
-                <a14:hiddenLine xmlns="" xmlns:a14="http://schemas.microsoft.com/office/drawing/2010/main" w="9525">
+                <a14:hiddenLine xmlns:a14="http://schemas.microsoft.com/office/drawing/2010/main" xmlns="" w="9525">
                   <a:solidFill>
                     <a:srgbClr val="000000"/>
                   </a:solidFill>
@@ -3120,7 +3120,7 @@
             </a:ln>
             <a:extLst>
               <a:ext uri="{91240B29-F687-4f45-9708-019B960494DF}">
-                <a14:hiddenLine xmlns="" xmlns:a14="http://schemas.microsoft.com/office/drawing/2010/main" w="9525">
+                <a14:hiddenLine xmlns:a14="http://schemas.microsoft.com/office/drawing/2010/main" xmlns="" w="9525">
                   <a:solidFill>
                     <a:srgbClr val="000000"/>
                   </a:solidFill>
@@ -3182,7 +3182,7 @@
             </a:ln>
             <a:extLst>
               <a:ext uri="{91240B29-F687-4f45-9708-019B960494DF}">
-                <a14:hiddenLine xmlns="" xmlns:a14="http://schemas.microsoft.com/office/drawing/2010/main" w="9525">
+                <a14:hiddenLine xmlns:a14="http://schemas.microsoft.com/office/drawing/2010/main" xmlns="" w="9525">
                   <a:solidFill>
                     <a:srgbClr val="000000"/>
                   </a:solidFill>
@@ -3244,7 +3244,7 @@
             </a:ln>
             <a:extLst>
               <a:ext uri="{91240B29-F687-4f45-9708-019B960494DF}">
-                <a14:hiddenLine xmlns="" xmlns:a14="http://schemas.microsoft.com/office/drawing/2010/main" w="9525">
+                <a14:hiddenLine xmlns:a14="http://schemas.microsoft.com/office/drawing/2010/main" xmlns="" w="9525">
                   <a:solidFill>
                     <a:srgbClr val="000000"/>
                   </a:solidFill>
@@ -3334,7 +3334,7 @@
             </a:ln>
             <a:extLst>
               <a:ext uri="{91240B29-F687-4f45-9708-019B960494DF}">
-                <a14:hiddenLine xmlns="" xmlns:a14="http://schemas.microsoft.com/office/drawing/2010/main" w="9525">
+                <a14:hiddenLine xmlns:a14="http://schemas.microsoft.com/office/drawing/2010/main" xmlns="" w="9525">
                   <a:solidFill>
                     <a:srgbClr val="000000"/>
                   </a:solidFill>
@@ -3396,7 +3396,7 @@
             </a:ln>
             <a:extLst>
               <a:ext uri="{91240B29-F687-4f45-9708-019B960494DF}">
-                <a14:hiddenLine xmlns="" xmlns:a14="http://schemas.microsoft.com/office/drawing/2010/main" w="9525">
+                <a14:hiddenLine xmlns:a14="http://schemas.microsoft.com/office/drawing/2010/main" xmlns="" w="9525">
                   <a:solidFill>
                     <a:srgbClr val="000000"/>
                   </a:solidFill>
@@ -3458,7 +3458,7 @@
             </a:ln>
             <a:extLst>
               <a:ext uri="{91240B29-F687-4f45-9708-019B960494DF}">
-                <a14:hiddenLine xmlns="" xmlns:a14="http://schemas.microsoft.com/office/drawing/2010/main" w="9525">
+                <a14:hiddenLine xmlns:a14="http://schemas.microsoft.com/office/drawing/2010/main" xmlns="" w="9525">
                   <a:solidFill>
                     <a:srgbClr val="000000"/>
                   </a:solidFill>
@@ -3548,7 +3548,7 @@
             </a:ln>
             <a:extLst>
               <a:ext uri="{91240B29-F687-4f45-9708-019B960494DF}">
-                <a14:hiddenLine xmlns="" xmlns:a14="http://schemas.microsoft.com/office/drawing/2010/main" w="9525">
+                <a14:hiddenLine xmlns:a14="http://schemas.microsoft.com/office/drawing/2010/main" xmlns="" w="9525">
                   <a:solidFill>
                     <a:srgbClr val="000000"/>
                   </a:solidFill>
@@ -3638,7 +3638,7 @@
             </a:ln>
             <a:extLst>
               <a:ext uri="{91240B29-F687-4f45-9708-019B960494DF}">
-                <a14:hiddenLine xmlns="" xmlns:a14="http://schemas.microsoft.com/office/drawing/2010/main" w="9525">
+                <a14:hiddenLine xmlns:a14="http://schemas.microsoft.com/office/drawing/2010/main" xmlns="" w="9525">
                   <a:solidFill>
                     <a:srgbClr val="000000"/>
                   </a:solidFill>
@@ -3700,7 +3700,7 @@
             </a:ln>
             <a:extLst>
               <a:ext uri="{91240B29-F687-4f45-9708-019B960494DF}">
-                <a14:hiddenLine xmlns="" xmlns:a14="http://schemas.microsoft.com/office/drawing/2010/main" w="9525">
+                <a14:hiddenLine xmlns:a14="http://schemas.microsoft.com/office/drawing/2010/main" xmlns="" w="9525">
                   <a:solidFill>
                     <a:srgbClr val="000000"/>
                   </a:solidFill>
@@ -3810,7 +3810,7 @@
             </a:ln>
             <a:extLst>
               <a:ext uri="{91240B29-F687-4f45-9708-019B960494DF}">
-                <a14:hiddenLine xmlns="" xmlns:a14="http://schemas.microsoft.com/office/drawing/2010/main" w="9525">
+                <a14:hiddenLine xmlns:a14="http://schemas.microsoft.com/office/drawing/2010/main" xmlns="" w="9525">
                   <a:solidFill>
                     <a:srgbClr val="000000"/>
                   </a:solidFill>
@@ -3872,7 +3872,7 @@
             </a:ln>
             <a:extLst>
               <a:ext uri="{91240B29-F687-4f45-9708-019B960494DF}">
-                <a14:hiddenLine xmlns="" xmlns:a14="http://schemas.microsoft.com/office/drawing/2010/main" w="9525">
+                <a14:hiddenLine xmlns:a14="http://schemas.microsoft.com/office/drawing/2010/main" xmlns="" w="9525">
                   <a:solidFill>
                     <a:srgbClr val="000000"/>
                   </a:solidFill>
@@ -3962,7 +3962,7 @@
             </a:ln>
             <a:extLst>
               <a:ext uri="{91240B29-F687-4f45-9708-019B960494DF}">
-                <a14:hiddenLine xmlns="" xmlns:a14="http://schemas.microsoft.com/office/drawing/2010/main" w="9525">
+                <a14:hiddenLine xmlns:a14="http://schemas.microsoft.com/office/drawing/2010/main" xmlns="" w="9525">
                   <a:solidFill>
                     <a:srgbClr val="000000"/>
                   </a:solidFill>
@@ -4052,7 +4052,7 @@
             </a:ln>
             <a:extLst>
               <a:ext uri="{91240B29-F687-4f45-9708-019B960494DF}">
-                <a14:hiddenLine xmlns="" xmlns:a14="http://schemas.microsoft.com/office/drawing/2010/main" w="9525">
+                <a14:hiddenLine xmlns:a14="http://schemas.microsoft.com/office/drawing/2010/main" xmlns="" w="9525">
                   <a:solidFill>
                     <a:srgbClr val="000000"/>
                   </a:solidFill>
@@ -4114,7 +4114,7 @@
             </a:ln>
             <a:extLst>
               <a:ext uri="{91240B29-F687-4f45-9708-019B960494DF}">
-                <a14:hiddenLine xmlns="" xmlns:a14="http://schemas.microsoft.com/office/drawing/2010/main" w="9525">
+                <a14:hiddenLine xmlns:a14="http://schemas.microsoft.com/office/drawing/2010/main" xmlns="" w="9525">
                   <a:solidFill>
                     <a:srgbClr val="000000"/>
                   </a:solidFill>
@@ -4204,7 +4204,7 @@
             </a:ln>
             <a:extLst>
               <a:ext uri="{91240B29-F687-4f45-9708-019B960494DF}">
-                <a14:hiddenLine xmlns="" xmlns:a14="http://schemas.microsoft.com/office/drawing/2010/main" w="9525">
+                <a14:hiddenLine xmlns:a14="http://schemas.microsoft.com/office/drawing/2010/main" xmlns="" w="9525">
                   <a:solidFill>
                     <a:srgbClr val="000000"/>
                   </a:solidFill>
@@ -4294,7 +4294,7 @@
             </a:ln>
             <a:extLst>
               <a:ext uri="{91240B29-F687-4f45-9708-019B960494DF}">
-                <a14:hiddenLine xmlns="" xmlns:a14="http://schemas.microsoft.com/office/drawing/2010/main" w="9525">
+                <a14:hiddenLine xmlns:a14="http://schemas.microsoft.com/office/drawing/2010/main" xmlns="" w="9525">
                   <a:solidFill>
                     <a:srgbClr val="000000"/>
                   </a:solidFill>
@@ -4350,7 +4350,7 @@
             </a:ln>
             <a:extLst>
               <a:ext uri="{91240B29-F687-4f45-9708-019B960494DF}">
-                <a14:hiddenLine xmlns="" xmlns:a14="http://schemas.microsoft.com/office/drawing/2010/main" w="9525">
+                <a14:hiddenLine xmlns:a14="http://schemas.microsoft.com/office/drawing/2010/main" xmlns="" w="9525">
                   <a:solidFill>
                     <a:srgbClr val="000000"/>
                   </a:solidFill>
@@ -4440,7 +4440,7 @@
             </a:ln>
             <a:extLst>
               <a:ext uri="{91240B29-F687-4f45-9708-019B960494DF}">
-                <a14:hiddenLine xmlns="" xmlns:a14="http://schemas.microsoft.com/office/drawing/2010/main" w="9525">
+                <a14:hiddenLine xmlns:a14="http://schemas.microsoft.com/office/drawing/2010/main" xmlns="" w="9525">
                   <a:solidFill>
                     <a:srgbClr val="000000"/>
                   </a:solidFill>
@@ -4496,7 +4496,7 @@
             </a:ln>
             <a:extLst>
               <a:ext uri="{91240B29-F687-4f45-9708-019B960494DF}">
-                <a14:hiddenLine xmlns="" xmlns:a14="http://schemas.microsoft.com/office/drawing/2010/main" w="9525">
+                <a14:hiddenLine xmlns:a14="http://schemas.microsoft.com/office/drawing/2010/main" xmlns="" w="9525">
                   <a:solidFill>
                     <a:srgbClr val="000000"/>
                   </a:solidFill>
@@ -4586,7 +4586,7 @@
             </a:ln>
             <a:extLst>
               <a:ext uri="{91240B29-F687-4f45-9708-019B960494DF}">
-                <a14:hiddenLine xmlns="" xmlns:a14="http://schemas.microsoft.com/office/drawing/2010/main" w="9525">
+                <a14:hiddenLine xmlns:a14="http://schemas.microsoft.com/office/drawing/2010/main" xmlns="" w="9525">
                   <a:solidFill>
                     <a:srgbClr val="000000"/>
                   </a:solidFill>
@@ -4654,7 +4654,7 @@
             </a:ln>
             <a:extLst>
               <a:ext uri="{91240B29-F687-4f45-9708-019B960494DF}">
-                <a14:hiddenLine xmlns="" xmlns:a14="http://schemas.microsoft.com/office/drawing/2010/main" w="9525">
+                <a14:hiddenLine xmlns:a14="http://schemas.microsoft.com/office/drawing/2010/main" xmlns="" w="9525">
                   <a:solidFill>
                     <a:srgbClr val="000000"/>
                   </a:solidFill>
@@ -4744,7 +4744,7 @@
             </a:ln>
             <a:extLst>
               <a:ext uri="{91240B29-F687-4f45-9708-019B960494DF}">
-                <a14:hiddenLine xmlns="" xmlns:a14="http://schemas.microsoft.com/office/drawing/2010/main" w="9525">
+                <a14:hiddenLine xmlns:a14="http://schemas.microsoft.com/office/drawing/2010/main" xmlns="" w="9525">
                   <a:solidFill>
                     <a:srgbClr val="000000"/>
                   </a:solidFill>
@@ -4812,7 +4812,7 @@
             </a:ln>
             <a:extLst>
               <a:ext uri="{91240B29-F687-4f45-9708-019B960494DF}">
-                <a14:hiddenLine xmlns="" xmlns:a14="http://schemas.microsoft.com/office/drawing/2010/main" w="9525">
+                <a14:hiddenLine xmlns:a14="http://schemas.microsoft.com/office/drawing/2010/main" xmlns="" w="9525">
                   <a:solidFill>
                     <a:srgbClr val="000000"/>
                   </a:solidFill>
@@ -4902,7 +4902,7 @@
             </a:ln>
             <a:extLst>
               <a:ext uri="{91240B29-F687-4f45-9708-019B960494DF}">
-                <a14:hiddenLine xmlns="" xmlns:a14="http://schemas.microsoft.com/office/drawing/2010/main" w="9525">
+                <a14:hiddenLine xmlns:a14="http://schemas.microsoft.com/office/drawing/2010/main" xmlns="" w="9525">
                   <a:solidFill>
                     <a:srgbClr val="000000"/>
                   </a:solidFill>
@@ -4936,7 +4936,7 @@
             </a:ln>
             <a:extLst>
               <a:ext uri="{91240B29-F687-4f45-9708-019B960494DF}">
-                <a14:hiddenLine xmlns="" xmlns:a14="http://schemas.microsoft.com/office/drawing/2010/main" w="9525">
+                <a14:hiddenLine xmlns:a14="http://schemas.microsoft.com/office/drawing/2010/main" xmlns="" w="9525">
                   <a:solidFill>
                     <a:srgbClr val="000000"/>
                   </a:solidFill>
@@ -5026,7 +5026,7 @@
             </a:ln>
             <a:extLst>
               <a:ext uri="{91240B29-F687-4f45-9708-019B960494DF}">
-                <a14:hiddenLine xmlns="" xmlns:a14="http://schemas.microsoft.com/office/drawing/2010/main" w="9525">
+                <a14:hiddenLine xmlns:a14="http://schemas.microsoft.com/office/drawing/2010/main" xmlns="" w="9525">
                   <a:solidFill>
                     <a:srgbClr val="000000"/>
                   </a:solidFill>
@@ -5088,7 +5088,7 @@
             </a:ln>
             <a:extLst>
               <a:ext uri="{91240B29-F687-4f45-9708-019B960494DF}">
-                <a14:hiddenLine xmlns="" xmlns:a14="http://schemas.microsoft.com/office/drawing/2010/main" w="9525">
+                <a14:hiddenLine xmlns:a14="http://schemas.microsoft.com/office/drawing/2010/main" xmlns="" w="9525">
                   <a:solidFill>
                     <a:srgbClr val="000000"/>
                   </a:solidFill>
@@ -5150,7 +5150,7 @@
             </a:ln>
             <a:extLst>
               <a:ext uri="{91240B29-F687-4f45-9708-019B960494DF}">
-                <a14:hiddenLine xmlns="" xmlns:a14="http://schemas.microsoft.com/office/drawing/2010/main" w="9525">
+                <a14:hiddenLine xmlns:a14="http://schemas.microsoft.com/office/drawing/2010/main" xmlns="" w="9525">
                   <a:solidFill>
                     <a:srgbClr val="000000"/>
                   </a:solidFill>
@@ -5240,7 +5240,7 @@
             </a:ln>
             <a:extLst>
               <a:ext uri="{91240B29-F687-4f45-9708-019B960494DF}">
-                <a14:hiddenLine xmlns="" xmlns:a14="http://schemas.microsoft.com/office/drawing/2010/main" w="9525">
+                <a14:hiddenLine xmlns:a14="http://schemas.microsoft.com/office/drawing/2010/main" xmlns="" w="9525">
                   <a:solidFill>
                     <a:srgbClr val="000000"/>
                   </a:solidFill>
@@ -5308,7 +5308,7 @@
             </a:ln>
             <a:extLst>
               <a:ext uri="{91240B29-F687-4f45-9708-019B960494DF}">
-                <a14:hiddenLine xmlns="" xmlns:a14="http://schemas.microsoft.com/office/drawing/2010/main" w="9525">
+                <a14:hiddenLine xmlns:a14="http://schemas.microsoft.com/office/drawing/2010/main" xmlns="" w="9525">
                   <a:solidFill>
                     <a:srgbClr val="000000"/>
                   </a:solidFill>
@@ -5370,7 +5370,7 @@
             </a:ln>
             <a:extLst>
               <a:ext uri="{91240B29-F687-4f45-9708-019B960494DF}">
-                <a14:hiddenLine xmlns="" xmlns:a14="http://schemas.microsoft.com/office/drawing/2010/main" w="9525">
+                <a14:hiddenLine xmlns:a14="http://schemas.microsoft.com/office/drawing/2010/main" xmlns="" w="9525">
                   <a:solidFill>
                     <a:srgbClr val="000000"/>
                   </a:solidFill>
@@ -5460,7 +5460,7 @@
             </a:ln>
             <a:extLst>
               <a:ext uri="{91240B29-F687-4f45-9708-019B960494DF}">
-                <a14:hiddenLine xmlns="" xmlns:a14="http://schemas.microsoft.com/office/drawing/2010/main" w="9525">
+                <a14:hiddenLine xmlns:a14="http://schemas.microsoft.com/office/drawing/2010/main" xmlns="" w="9525">
                   <a:solidFill>
                     <a:srgbClr val="000000"/>
                   </a:solidFill>
@@ -5522,7 +5522,7 @@
             </a:ln>
             <a:extLst>
               <a:ext uri="{91240B29-F687-4f45-9708-019B960494DF}">
-                <a14:hiddenLine xmlns="" xmlns:a14="http://schemas.microsoft.com/office/drawing/2010/main" w="9525">
+                <a14:hiddenLine xmlns:a14="http://schemas.microsoft.com/office/drawing/2010/main" xmlns="" w="9525">
                   <a:solidFill>
                     <a:srgbClr val="000000"/>
                   </a:solidFill>
@@ -5612,7 +5612,7 @@
             </a:ln>
             <a:extLst>
               <a:ext uri="{91240B29-F687-4f45-9708-019B960494DF}">
-                <a14:hiddenLine xmlns="" xmlns:a14="http://schemas.microsoft.com/office/drawing/2010/main" w="9525">
+                <a14:hiddenLine xmlns:a14="http://schemas.microsoft.com/office/drawing/2010/main" xmlns="" w="9525">
                   <a:solidFill>
                     <a:srgbClr val="000000"/>
                   </a:solidFill>
@@ -5674,7 +5674,7 @@
             </a:ln>
             <a:extLst>
               <a:ext uri="{91240B29-F687-4f45-9708-019B960494DF}">
-                <a14:hiddenLine xmlns="" xmlns:a14="http://schemas.microsoft.com/office/drawing/2010/main" w="9525">
+                <a14:hiddenLine xmlns:a14="http://schemas.microsoft.com/office/drawing/2010/main" xmlns="" w="9525">
                   <a:solidFill>
                     <a:srgbClr val="000000"/>
                   </a:solidFill>
@@ -5764,7 +5764,7 @@
             </a:ln>
             <a:extLst>
               <a:ext uri="{91240B29-F687-4f45-9708-019B960494DF}">
-                <a14:hiddenLine xmlns="" xmlns:a14="http://schemas.microsoft.com/office/drawing/2010/main" w="9525">
+                <a14:hiddenLine xmlns:a14="http://schemas.microsoft.com/office/drawing/2010/main" xmlns="" w="9525">
                   <a:solidFill>
                     <a:srgbClr val="000000"/>
                   </a:solidFill>
@@ -5798,7 +5798,7 @@
             </a:ln>
             <a:extLst>
               <a:ext uri="{91240B29-F687-4f45-9708-019B960494DF}">
-                <a14:hiddenLine xmlns="" xmlns:a14="http://schemas.microsoft.com/office/drawing/2010/main" w="9525">
+                <a14:hiddenLine xmlns:a14="http://schemas.microsoft.com/office/drawing/2010/main" xmlns="" w="9525">
                   <a:solidFill>
                     <a:srgbClr val="000000"/>
                   </a:solidFill>
@@ -5863,7 +5863,7 @@
             </a:ln>
             <a:extLst>
               <a:ext uri="{91240B29-F687-4f45-9708-019B960494DF}">
-                <a14:hiddenLine xmlns="" xmlns:a14="http://schemas.microsoft.com/office/drawing/2010/main" w="9525">
+                <a14:hiddenLine xmlns:a14="http://schemas.microsoft.com/office/drawing/2010/main" xmlns="" w="9525">
                   <a:solidFill>
                     <a:srgbClr val="000000"/>
                   </a:solidFill>
@@ -5953,7 +5953,7 @@
             </a:ln>
             <a:extLst>
               <a:ext uri="{91240B29-F687-4f45-9708-019B960494DF}">
-                <a14:hiddenLine xmlns="" xmlns:a14="http://schemas.microsoft.com/office/drawing/2010/main" w="9525">
+                <a14:hiddenLine xmlns:a14="http://schemas.microsoft.com/office/drawing/2010/main" xmlns="" w="9525">
                   <a:solidFill>
                     <a:srgbClr val="000000"/>
                   </a:solidFill>
@@ -6015,7 +6015,7 @@
             </a:ln>
             <a:extLst>
               <a:ext uri="{91240B29-F687-4f45-9708-019B960494DF}">
-                <a14:hiddenLine xmlns="" xmlns:a14="http://schemas.microsoft.com/office/drawing/2010/main" w="9525">
+                <a14:hiddenLine xmlns:a14="http://schemas.microsoft.com/office/drawing/2010/main" xmlns="" w="9525">
                   <a:solidFill>
                     <a:srgbClr val="000000"/>
                   </a:solidFill>
@@ -6105,7 +6105,7 @@
             </a:ln>
             <a:extLst>
               <a:ext uri="{91240B29-F687-4f45-9708-019B960494DF}">
-                <a14:hiddenLine xmlns="" xmlns:a14="http://schemas.microsoft.com/office/drawing/2010/main" w="9525">
+                <a14:hiddenLine xmlns:a14="http://schemas.microsoft.com/office/drawing/2010/main" xmlns="" w="9525">
                   <a:solidFill>
                     <a:srgbClr val="000000"/>
                   </a:solidFill>
@@ -6195,7 +6195,7 @@
             </a:ln>
             <a:extLst>
               <a:ext uri="{91240B29-F687-4f45-9708-019B960494DF}">
-                <a14:hiddenLine xmlns="" xmlns:a14="http://schemas.microsoft.com/office/drawing/2010/main" w="9525">
+                <a14:hiddenLine xmlns:a14="http://schemas.microsoft.com/office/drawing/2010/main" xmlns="" w="9525">
                   <a:solidFill>
                     <a:srgbClr val="000000"/>
                   </a:solidFill>
@@ -6260,7 +6260,7 @@
             </a:ln>
             <a:extLst>
               <a:ext uri="{91240B29-F687-4f45-9708-019B960494DF}">
-                <a14:hiddenLine xmlns="" xmlns:a14="http://schemas.microsoft.com/office/drawing/2010/main" w="9525">
+                <a14:hiddenLine xmlns:a14="http://schemas.microsoft.com/office/drawing/2010/main" xmlns="" w="9525">
                   <a:solidFill>
                     <a:srgbClr val="000000"/>
                   </a:solidFill>
@@ -6322,7 +6322,7 @@
             </a:ln>
             <a:extLst>
               <a:ext uri="{91240B29-F687-4f45-9708-019B960494DF}">
-                <a14:hiddenLine xmlns="" xmlns:a14="http://schemas.microsoft.com/office/drawing/2010/main" w="9525">
+                <a14:hiddenLine xmlns:a14="http://schemas.microsoft.com/office/drawing/2010/main" xmlns="" w="9525">
                   <a:solidFill>
                     <a:srgbClr val="000000"/>
                   </a:solidFill>
@@ -6412,7 +6412,7 @@
             </a:ln>
             <a:extLst>
               <a:ext uri="{91240B29-F687-4f45-9708-019B960494DF}">
-                <a14:hiddenLine xmlns="" xmlns:a14="http://schemas.microsoft.com/office/drawing/2010/main" w="9525">
+                <a14:hiddenLine xmlns:a14="http://schemas.microsoft.com/office/drawing/2010/main" xmlns="" w="9525">
                   <a:solidFill>
                     <a:srgbClr val="000000"/>
                   </a:solidFill>
@@ -6502,7 +6502,7 @@
             </a:ln>
             <a:extLst>
               <a:ext uri="{91240B29-F687-4f45-9708-019B960494DF}">
-                <a14:hiddenLine xmlns="" xmlns:a14="http://schemas.microsoft.com/office/drawing/2010/main" w="9525">
+                <a14:hiddenLine xmlns:a14="http://schemas.microsoft.com/office/drawing/2010/main" xmlns="" w="9525">
                   <a:solidFill>
                     <a:srgbClr val="000000"/>
                   </a:solidFill>
@@ -6564,7 +6564,7 @@
             </a:ln>
             <a:extLst>
               <a:ext uri="{91240B29-F687-4f45-9708-019B960494DF}">
-                <a14:hiddenLine xmlns="" xmlns:a14="http://schemas.microsoft.com/office/drawing/2010/main" w="9525">
+                <a14:hiddenLine xmlns:a14="http://schemas.microsoft.com/office/drawing/2010/main" xmlns="" w="9525">
                   <a:solidFill>
                     <a:srgbClr val="000000"/>
                   </a:solidFill>
@@ -6684,7 +6684,7 @@
             </a:ln>
             <a:extLst>
               <a:ext uri="{91240B29-F687-4f45-9708-019B960494DF}">
-                <a14:hiddenLine xmlns="" xmlns:a14="http://schemas.microsoft.com/office/drawing/2010/main" w="9525">
+                <a14:hiddenLine xmlns:a14="http://schemas.microsoft.com/office/drawing/2010/main" xmlns="" w="9525">
                   <a:solidFill>
                     <a:srgbClr val="000000"/>
                   </a:solidFill>
@@ -6752,7 +6752,7 @@
             </a:ln>
             <a:extLst>
               <a:ext uri="{91240B29-F687-4f45-9708-019B960494DF}">
-                <a14:hiddenLine xmlns="" xmlns:a14="http://schemas.microsoft.com/office/drawing/2010/main" w="9525">
+                <a14:hiddenLine xmlns:a14="http://schemas.microsoft.com/office/drawing/2010/main" xmlns="" w="9525">
                   <a:solidFill>
                     <a:srgbClr val="000000"/>
                   </a:solidFill>
@@ -6842,7 +6842,7 @@
             </a:ln>
             <a:extLst>
               <a:ext uri="{91240B29-F687-4f45-9708-019B960494DF}">
-                <a14:hiddenLine xmlns="" xmlns:a14="http://schemas.microsoft.com/office/drawing/2010/main" w="9525">
+                <a14:hiddenLine xmlns:a14="http://schemas.microsoft.com/office/drawing/2010/main" xmlns="" w="9525">
                   <a:solidFill>
                     <a:srgbClr val="000000"/>
                   </a:solidFill>
@@ -11649,7 +11649,7 @@
           <a:noFill/>
           <a:extLst>
             <a:ext uri="{909E8E84-426E-40dd-AFC4-6F175D3DCCD1}">
-              <a14:hiddenFill xmlns="" xmlns:a14="http://schemas.microsoft.com/office/drawing/2010/main">
+              <a14:hiddenFill xmlns:a14="http://schemas.microsoft.com/office/drawing/2010/main" xmlns="">
                 <a:solidFill>
                   <a:srgbClr val="FFFFFF"/>
                 </a:solidFill>
@@ -11723,7 +11723,7 @@
               </a:ln>
               <a:extLst>
                 <a:ext uri="{91240B29-F687-4f45-9708-019B960494DF}">
-                  <a14:hiddenLine xmlns="" xmlns:a14="http://schemas.microsoft.com/office/drawing/2010/main" w="9525">
+                  <a14:hiddenLine xmlns:a14="http://schemas.microsoft.com/office/drawing/2010/main" xmlns="" w="9525">
                     <a:solidFill>
                       <a:srgbClr val="000000"/>
                     </a:solidFill>
@@ -11813,7 +11813,7 @@
               </a:ln>
               <a:extLst>
                 <a:ext uri="{91240B29-F687-4f45-9708-019B960494DF}">
-                  <a14:hiddenLine xmlns="" xmlns:a14="http://schemas.microsoft.com/office/drawing/2010/main" w="9525">
+                  <a14:hiddenLine xmlns:a14="http://schemas.microsoft.com/office/drawing/2010/main" xmlns="" w="9525">
                     <a:solidFill>
                       <a:srgbClr val="000000"/>
                     </a:solidFill>
@@ -11903,7 +11903,7 @@
               </a:ln>
               <a:extLst>
                 <a:ext uri="{91240B29-F687-4f45-9708-019B960494DF}">
-                  <a14:hiddenLine xmlns="" xmlns:a14="http://schemas.microsoft.com/office/drawing/2010/main" w="9525">
+                  <a14:hiddenLine xmlns:a14="http://schemas.microsoft.com/office/drawing/2010/main" xmlns="" w="9525">
                     <a:solidFill>
                       <a:srgbClr val="000000"/>
                     </a:solidFill>
@@ -11965,7 +11965,7 @@
               </a:ln>
               <a:extLst>
                 <a:ext uri="{91240B29-F687-4f45-9708-019B960494DF}">
-                  <a14:hiddenLine xmlns="" xmlns:a14="http://schemas.microsoft.com/office/drawing/2010/main" w="9525">
+                  <a14:hiddenLine xmlns:a14="http://schemas.microsoft.com/office/drawing/2010/main" xmlns="" w="9525">
                     <a:solidFill>
                       <a:srgbClr val="000000"/>
                     </a:solidFill>
@@ -12055,7 +12055,7 @@
               </a:ln>
               <a:extLst>
                 <a:ext uri="{91240B29-F687-4f45-9708-019B960494DF}">
-                  <a14:hiddenLine xmlns="" xmlns:a14="http://schemas.microsoft.com/office/drawing/2010/main" w="9525">
+                  <a14:hiddenLine xmlns:a14="http://schemas.microsoft.com/office/drawing/2010/main" xmlns="" w="9525">
                     <a:solidFill>
                       <a:srgbClr val="000000"/>
                     </a:solidFill>
@@ -12117,7 +12117,7 @@
               </a:ln>
               <a:extLst>
                 <a:ext uri="{91240B29-F687-4f45-9708-019B960494DF}">
-                  <a14:hiddenLine xmlns="" xmlns:a14="http://schemas.microsoft.com/office/drawing/2010/main" w="9525">
+                  <a14:hiddenLine xmlns:a14="http://schemas.microsoft.com/office/drawing/2010/main" xmlns="" w="9525">
                     <a:solidFill>
                       <a:srgbClr val="000000"/>
                     </a:solidFill>
@@ -12179,7 +12179,7 @@
               </a:ln>
               <a:extLst>
                 <a:ext uri="{91240B29-F687-4f45-9708-019B960494DF}">
-                  <a14:hiddenLine xmlns="" xmlns:a14="http://schemas.microsoft.com/office/drawing/2010/main" w="9525">
+                  <a14:hiddenLine xmlns:a14="http://schemas.microsoft.com/office/drawing/2010/main" xmlns="" w="9525">
                     <a:solidFill>
                       <a:srgbClr val="000000"/>
                     </a:solidFill>
@@ -12269,7 +12269,7 @@
               </a:ln>
               <a:extLst>
                 <a:ext uri="{91240B29-F687-4f45-9708-019B960494DF}">
-                  <a14:hiddenLine xmlns="" xmlns:a14="http://schemas.microsoft.com/office/drawing/2010/main" w="9525">
+                  <a14:hiddenLine xmlns:a14="http://schemas.microsoft.com/office/drawing/2010/main" xmlns="" w="9525">
                     <a:solidFill>
                       <a:srgbClr val="000000"/>
                     </a:solidFill>
@@ -12359,7 +12359,7 @@
               </a:ln>
               <a:extLst>
                 <a:ext uri="{91240B29-F687-4f45-9708-019B960494DF}">
-                  <a14:hiddenLine xmlns="" xmlns:a14="http://schemas.microsoft.com/office/drawing/2010/main" w="9525">
+                  <a14:hiddenLine xmlns:a14="http://schemas.microsoft.com/office/drawing/2010/main" xmlns="" w="9525">
                     <a:solidFill>
                       <a:srgbClr val="000000"/>
                     </a:solidFill>
@@ -12421,7 +12421,7 @@
               </a:ln>
               <a:extLst>
                 <a:ext uri="{91240B29-F687-4f45-9708-019B960494DF}">
-                  <a14:hiddenLine xmlns="" xmlns:a14="http://schemas.microsoft.com/office/drawing/2010/main" w="9525">
+                  <a14:hiddenLine xmlns:a14="http://schemas.microsoft.com/office/drawing/2010/main" xmlns="" w="9525">
                     <a:solidFill>
                       <a:srgbClr val="000000"/>
                     </a:solidFill>
@@ -12531,7 +12531,7 @@
               </a:ln>
               <a:extLst>
                 <a:ext uri="{91240B29-F687-4f45-9708-019B960494DF}">
-                  <a14:hiddenLine xmlns="" xmlns:a14="http://schemas.microsoft.com/office/drawing/2010/main" w="9525">
+                  <a14:hiddenLine xmlns:a14="http://schemas.microsoft.com/office/drawing/2010/main" xmlns="" w="9525">
                     <a:solidFill>
                       <a:srgbClr val="000000"/>
                     </a:solidFill>
@@ -12615,7 +12615,7 @@
               </a:ln>
               <a:extLst>
                 <a:ext uri="{91240B29-F687-4f45-9708-019B960494DF}">
-                  <a14:hiddenLine xmlns="" xmlns:a14="http://schemas.microsoft.com/office/drawing/2010/main" w="9525">
+                  <a14:hiddenLine xmlns:a14="http://schemas.microsoft.com/office/drawing/2010/main" xmlns="" w="9525">
                     <a:solidFill>
                       <a:srgbClr val="000000"/>
                     </a:solidFill>
@@ -12677,7 +12677,7 @@
               </a:ln>
               <a:extLst>
                 <a:ext uri="{91240B29-F687-4f45-9708-019B960494DF}">
-                  <a14:hiddenLine xmlns="" xmlns:a14="http://schemas.microsoft.com/office/drawing/2010/main" w="9525">
+                  <a14:hiddenLine xmlns:a14="http://schemas.microsoft.com/office/drawing/2010/main" xmlns="" w="9525">
                     <a:solidFill>
                       <a:srgbClr val="000000"/>
                     </a:solidFill>
@@ -12739,7 +12739,7 @@
               </a:ln>
               <a:extLst>
                 <a:ext uri="{91240B29-F687-4f45-9708-019B960494DF}">
-                  <a14:hiddenLine xmlns="" xmlns:a14="http://schemas.microsoft.com/office/drawing/2010/main" w="9525">
+                  <a14:hiddenLine xmlns:a14="http://schemas.microsoft.com/office/drawing/2010/main" xmlns="" w="9525">
                     <a:solidFill>
                       <a:srgbClr val="000000"/>
                     </a:solidFill>
@@ -12829,7 +12829,7 @@
               </a:ln>
               <a:extLst>
                 <a:ext uri="{91240B29-F687-4f45-9708-019B960494DF}">
-                  <a14:hiddenLine xmlns="" xmlns:a14="http://schemas.microsoft.com/office/drawing/2010/main" w="9525">
+                  <a14:hiddenLine xmlns:a14="http://schemas.microsoft.com/office/drawing/2010/main" xmlns="" w="9525">
                     <a:solidFill>
                       <a:srgbClr val="000000"/>
                     </a:solidFill>
@@ -12863,7 +12863,7 @@
               </a:ln>
               <a:extLst>
                 <a:ext uri="{91240B29-F687-4f45-9708-019B960494DF}">
-                  <a14:hiddenLine xmlns="" xmlns:a14="http://schemas.microsoft.com/office/drawing/2010/main" w="9525">
+                  <a14:hiddenLine xmlns:a14="http://schemas.microsoft.com/office/drawing/2010/main" xmlns="" w="9525">
                     <a:solidFill>
                       <a:srgbClr val="000000"/>
                     </a:solidFill>
@@ -12928,7 +12928,7 @@
               </a:ln>
               <a:extLst>
                 <a:ext uri="{91240B29-F687-4f45-9708-019B960494DF}">
-                  <a14:hiddenLine xmlns="" xmlns:a14="http://schemas.microsoft.com/office/drawing/2010/main" w="9525">
+                  <a14:hiddenLine xmlns:a14="http://schemas.microsoft.com/office/drawing/2010/main" xmlns="" w="9525">
                     <a:solidFill>
                       <a:srgbClr val="000000"/>
                     </a:solidFill>
@@ -13018,7 +13018,7 @@
               </a:ln>
               <a:extLst>
                 <a:ext uri="{91240B29-F687-4f45-9708-019B960494DF}">
-                  <a14:hiddenLine xmlns="" xmlns:a14="http://schemas.microsoft.com/office/drawing/2010/main" w="9525">
+                  <a14:hiddenLine xmlns:a14="http://schemas.microsoft.com/office/drawing/2010/main" xmlns="" w="9525">
                     <a:solidFill>
                       <a:srgbClr val="000000"/>
                     </a:solidFill>
@@ -13080,7 +13080,7 @@
               </a:ln>
               <a:extLst>
                 <a:ext uri="{91240B29-F687-4f45-9708-019B960494DF}">
-                  <a14:hiddenLine xmlns="" xmlns:a14="http://schemas.microsoft.com/office/drawing/2010/main" w="9525">
+                  <a14:hiddenLine xmlns:a14="http://schemas.microsoft.com/office/drawing/2010/main" xmlns="" w="9525">
                     <a:solidFill>
                       <a:srgbClr val="000000"/>
                     </a:solidFill>
@@ -13170,7 +13170,7 @@
               </a:ln>
               <a:extLst>
                 <a:ext uri="{91240B29-F687-4f45-9708-019B960494DF}">
-                  <a14:hiddenLine xmlns="" xmlns:a14="http://schemas.microsoft.com/office/drawing/2010/main" w="9525">
+                  <a14:hiddenLine xmlns:a14="http://schemas.microsoft.com/office/drawing/2010/main" xmlns="" w="9525">
                     <a:solidFill>
                       <a:srgbClr val="000000"/>
                     </a:solidFill>
@@ -13235,7 +13235,7 @@
               </a:ln>
               <a:extLst>
                 <a:ext uri="{91240B29-F687-4f45-9708-019B960494DF}">
-                  <a14:hiddenLine xmlns="" xmlns:a14="http://schemas.microsoft.com/office/drawing/2010/main" w="9525">
+                  <a14:hiddenLine xmlns:a14="http://schemas.microsoft.com/office/drawing/2010/main" xmlns="" w="9525">
                     <a:solidFill>
                       <a:srgbClr val="000000"/>
                     </a:solidFill>
@@ -13297,7 +13297,7 @@
               </a:ln>
               <a:extLst>
                 <a:ext uri="{91240B29-F687-4f45-9708-019B960494DF}">
-                  <a14:hiddenLine xmlns="" xmlns:a14="http://schemas.microsoft.com/office/drawing/2010/main" w="9525">
+                  <a14:hiddenLine xmlns:a14="http://schemas.microsoft.com/office/drawing/2010/main" xmlns="" w="9525">
                     <a:solidFill>
                       <a:srgbClr val="000000"/>
                     </a:solidFill>
@@ -13387,7 +13387,7 @@
               </a:ln>
               <a:extLst>
                 <a:ext uri="{91240B29-F687-4f45-9708-019B960494DF}">
-                  <a14:hiddenLine xmlns="" xmlns:a14="http://schemas.microsoft.com/office/drawing/2010/main" w="9525">
+                  <a14:hiddenLine xmlns:a14="http://schemas.microsoft.com/office/drawing/2010/main" xmlns="" w="9525">
                     <a:solidFill>
                       <a:srgbClr val="000000"/>
                     </a:solidFill>
@@ -13477,7 +13477,7 @@
               </a:ln>
               <a:extLst>
                 <a:ext uri="{91240B29-F687-4f45-9708-019B960494DF}">
-                  <a14:hiddenLine xmlns="" xmlns:a14="http://schemas.microsoft.com/office/drawing/2010/main" w="9525">
+                  <a14:hiddenLine xmlns:a14="http://schemas.microsoft.com/office/drawing/2010/main" xmlns="" w="9525">
                     <a:solidFill>
                       <a:srgbClr val="000000"/>
                     </a:solidFill>
@@ -13542,7 +13542,7 @@
               </a:ln>
               <a:extLst>
                 <a:ext uri="{91240B29-F687-4f45-9708-019B960494DF}">
-                  <a14:hiddenLine xmlns="" xmlns:a14="http://schemas.microsoft.com/office/drawing/2010/main" w="9525">
+                  <a14:hiddenLine xmlns:a14="http://schemas.microsoft.com/office/drawing/2010/main" xmlns="" w="9525">
                     <a:solidFill>
                       <a:srgbClr val="000000"/>
                     </a:solidFill>
@@ -13662,7 +13662,7 @@
               </a:ln>
               <a:extLst>
                 <a:ext uri="{91240B29-F687-4f45-9708-019B960494DF}">
-                  <a14:hiddenLine xmlns="" xmlns:a14="http://schemas.microsoft.com/office/drawing/2010/main" w="9525">
+                  <a14:hiddenLine xmlns:a14="http://schemas.microsoft.com/office/drawing/2010/main" xmlns="" w="9525">
                     <a:solidFill>
                       <a:srgbClr val="000000"/>
                     </a:solidFill>
@@ -13760,7 +13760,7 @@
               </a:ln>
               <a:extLst>
                 <a:ext uri="{91240B29-F687-4f45-9708-019B960494DF}">
-                  <a14:hiddenLine xmlns="" xmlns:a14="http://schemas.microsoft.com/office/drawing/2010/main" w="9525">
+                  <a14:hiddenLine xmlns:a14="http://schemas.microsoft.com/office/drawing/2010/main" xmlns="" w="9525">
                     <a:solidFill>
                       <a:srgbClr val="000000"/>
                     </a:solidFill>
@@ -13875,7 +13875,7 @@
               </a:ln>
               <a:extLst>
                 <a:ext uri="{91240B29-F687-4f45-9708-019B960494DF}">
-                  <a14:hiddenLine xmlns="" xmlns:a14="http://schemas.microsoft.com/office/drawing/2010/main" w="9525">
+                  <a14:hiddenLine xmlns:a14="http://schemas.microsoft.com/office/drawing/2010/main" xmlns="" w="9525">
                     <a:solidFill>
                       <a:srgbClr val="000000"/>
                     </a:solidFill>
@@ -13965,7 +13965,7 @@
               </a:ln>
               <a:extLst>
                 <a:ext uri="{91240B29-F687-4f45-9708-019B960494DF}">
-                  <a14:hiddenLine xmlns="" xmlns:a14="http://schemas.microsoft.com/office/drawing/2010/main" w="9525">
+                  <a14:hiddenLine xmlns:a14="http://schemas.microsoft.com/office/drawing/2010/main" xmlns="" w="9525">
                     <a:solidFill>
                       <a:srgbClr val="000000"/>
                     </a:solidFill>
@@ -14030,7 +14030,7 @@
               </a:ln>
               <a:extLst>
                 <a:ext uri="{91240B29-F687-4f45-9708-019B960494DF}">
-                  <a14:hiddenLine xmlns="" xmlns:a14="http://schemas.microsoft.com/office/drawing/2010/main" w="9525">
+                  <a14:hiddenLine xmlns:a14="http://schemas.microsoft.com/office/drawing/2010/main" xmlns="" w="9525">
                     <a:solidFill>
                       <a:srgbClr val="000000"/>
                     </a:solidFill>
@@ -14120,7 +14120,7 @@
               </a:ln>
               <a:extLst>
                 <a:ext uri="{91240B29-F687-4f45-9708-019B960494DF}">
-                  <a14:hiddenLine xmlns="" xmlns:a14="http://schemas.microsoft.com/office/drawing/2010/main" w="9525">
+                  <a14:hiddenLine xmlns:a14="http://schemas.microsoft.com/office/drawing/2010/main" xmlns="" w="9525">
                     <a:solidFill>
                       <a:srgbClr val="000000"/>
                     </a:solidFill>
@@ -14188,7 +14188,7 @@
               </a:ln>
               <a:extLst>
                 <a:ext uri="{91240B29-F687-4f45-9708-019B960494DF}">
-                  <a14:hiddenLine xmlns="" xmlns:a14="http://schemas.microsoft.com/office/drawing/2010/main" w="9525">
+                  <a14:hiddenLine xmlns:a14="http://schemas.microsoft.com/office/drawing/2010/main" xmlns="" w="9525">
                     <a:solidFill>
                       <a:srgbClr val="000000"/>
                     </a:solidFill>
@@ -14278,7 +14278,7 @@
               </a:ln>
               <a:extLst>
                 <a:ext uri="{91240B29-F687-4f45-9708-019B960494DF}">
-                  <a14:hiddenLine xmlns="" xmlns:a14="http://schemas.microsoft.com/office/drawing/2010/main" w="9525">
+                  <a14:hiddenLine xmlns:a14="http://schemas.microsoft.com/office/drawing/2010/main" xmlns="" w="9525">
                     <a:solidFill>
                       <a:srgbClr val="000000"/>
                     </a:solidFill>
@@ -14346,7 +14346,7 @@
               </a:ln>
               <a:extLst>
                 <a:ext uri="{91240B29-F687-4f45-9708-019B960494DF}">
-                  <a14:hiddenLine xmlns="" xmlns:a14="http://schemas.microsoft.com/office/drawing/2010/main" w="9525">
+                  <a14:hiddenLine xmlns:a14="http://schemas.microsoft.com/office/drawing/2010/main" xmlns="" w="9525">
                     <a:solidFill>
                       <a:srgbClr val="000000"/>
                     </a:solidFill>
@@ -14436,7 +14436,7 @@
               </a:ln>
               <a:extLst>
                 <a:ext uri="{91240B29-F687-4f45-9708-019B960494DF}">
-                  <a14:hiddenLine xmlns="" xmlns:a14="http://schemas.microsoft.com/office/drawing/2010/main" w="9525">
+                  <a14:hiddenLine xmlns:a14="http://schemas.microsoft.com/office/drawing/2010/main" xmlns="" w="9525">
                     <a:solidFill>
                       <a:srgbClr val="000000"/>
                     </a:solidFill>
@@ -14470,7 +14470,7 @@
               </a:ln>
               <a:extLst>
                 <a:ext uri="{91240B29-F687-4f45-9708-019B960494DF}">
-                  <a14:hiddenLine xmlns="" xmlns:a14="http://schemas.microsoft.com/office/drawing/2010/main" w="9525">
+                  <a14:hiddenLine xmlns:a14="http://schemas.microsoft.com/office/drawing/2010/main" xmlns="" w="9525">
                     <a:solidFill>
                       <a:srgbClr val="000000"/>
                     </a:solidFill>
@@ -15198,7 +15198,7 @@
             <a:noFill/>
             <a:extLst>
               <a:ext uri="{909E8E84-426E-40dd-AFC4-6F175D3DCCD1}">
-                <a14:hiddenFill xmlns:p14="http://schemas.microsoft.com/office/powerpoint/2010/main" xmlns:a14="http://schemas.microsoft.com/office/drawing/2010/main" xmlns:a16="http://schemas.microsoft.com/office/drawing/2014/main" xmlns="">
+                <a14:hiddenFill xmlns="" xmlns:a16="http://schemas.microsoft.com/office/drawing/2014/main" xmlns:a14="http://schemas.microsoft.com/office/drawing/2010/main" xmlns:p14="http://schemas.microsoft.com/office/powerpoint/2010/main">
                   <a:solidFill>
                     <a:srgbClr val="FFFFFF"/>
                   </a:solidFill>
@@ -17664,7 +17664,7 @@
           <a:noFill/>
           <a:extLst>
             <a:ext uri="{909E8E84-426E-40dd-AFC4-6F175D3DCCD1}">
-              <a14:hiddenFill xmlns:p14="http://schemas.microsoft.com/office/powerpoint/2010/main" xmlns:a14="http://schemas.microsoft.com/office/drawing/2010/main" xmlns:a16="http://schemas.microsoft.com/office/drawing/2014/main" xmlns="">
+              <a14:hiddenFill xmlns="" xmlns:a16="http://schemas.microsoft.com/office/drawing/2014/main" xmlns:a14="http://schemas.microsoft.com/office/drawing/2010/main" xmlns:p14="http://schemas.microsoft.com/office/powerpoint/2010/main">
                 <a:solidFill>
                   <a:srgbClr val="FFFFFF"/>
                 </a:solidFill>
@@ -17756,7 +17756,7 @@
             </a:ln>
             <a:extLst>
               <a:ext uri="{91240B29-F687-4f45-9708-019B960494DF}">
-                <a14:hiddenLine xmlns:p14="http://schemas.microsoft.com/office/powerpoint/2010/main" xmlns:a14="http://schemas.microsoft.com/office/drawing/2010/main" xmlns:a16="http://schemas.microsoft.com/office/drawing/2014/main" xmlns="" w="9525">
+                <a14:hiddenLine xmlns="" xmlns:a16="http://schemas.microsoft.com/office/drawing/2014/main" xmlns:a14="http://schemas.microsoft.com/office/drawing/2010/main" xmlns:p14="http://schemas.microsoft.com/office/powerpoint/2010/main" w="9525">
                   <a:solidFill>
                     <a:srgbClr val="000000"/>
                   </a:solidFill>
@@ -17868,7 +17868,7 @@
             </a:ln>
             <a:extLst>
               <a:ext uri="{91240B29-F687-4f45-9708-019B960494DF}">
-                <a14:hiddenLine xmlns:p14="http://schemas.microsoft.com/office/powerpoint/2010/main" xmlns:a14="http://schemas.microsoft.com/office/drawing/2010/main" xmlns:a16="http://schemas.microsoft.com/office/drawing/2014/main" xmlns="" w="9525">
+                <a14:hiddenLine xmlns="" xmlns:a16="http://schemas.microsoft.com/office/drawing/2014/main" xmlns:a14="http://schemas.microsoft.com/office/drawing/2010/main" xmlns:p14="http://schemas.microsoft.com/office/powerpoint/2010/main" w="9525">
                   <a:solidFill>
                     <a:srgbClr val="000000"/>
                   </a:solidFill>
@@ -17980,7 +17980,7 @@
             </a:ln>
             <a:extLst>
               <a:ext uri="{91240B29-F687-4f45-9708-019B960494DF}">
-                <a14:hiddenLine xmlns:p14="http://schemas.microsoft.com/office/powerpoint/2010/main" xmlns:a14="http://schemas.microsoft.com/office/drawing/2010/main" xmlns:a16="http://schemas.microsoft.com/office/drawing/2014/main" xmlns="" w="9525">
+                <a14:hiddenLine xmlns="" xmlns:a16="http://schemas.microsoft.com/office/drawing/2014/main" xmlns:a14="http://schemas.microsoft.com/office/drawing/2010/main" xmlns:p14="http://schemas.microsoft.com/office/powerpoint/2010/main" w="9525">
                   <a:solidFill>
                     <a:srgbClr val="000000"/>
                   </a:solidFill>
@@ -18036,7 +18036,7 @@
             </a:ln>
             <a:extLst>
               <a:ext uri="{91240B29-F687-4f45-9708-019B960494DF}">
-                <a14:hiddenLine xmlns:p14="http://schemas.microsoft.com/office/powerpoint/2010/main" xmlns:a14="http://schemas.microsoft.com/office/drawing/2010/main" xmlns:a16="http://schemas.microsoft.com/office/drawing/2014/main" xmlns="" w="9525">
+                <a14:hiddenLine xmlns="" xmlns:a16="http://schemas.microsoft.com/office/drawing/2014/main" xmlns:a14="http://schemas.microsoft.com/office/drawing/2010/main" xmlns:p14="http://schemas.microsoft.com/office/powerpoint/2010/main" w="9525">
                   <a:solidFill>
                     <a:srgbClr val="000000"/>
                   </a:solidFill>
@@ -18148,7 +18148,7 @@
             </a:ln>
             <a:extLst>
               <a:ext uri="{91240B29-F687-4f45-9708-019B960494DF}">
-                <a14:hiddenLine xmlns:p14="http://schemas.microsoft.com/office/powerpoint/2010/main" xmlns:a14="http://schemas.microsoft.com/office/drawing/2010/main" xmlns:a16="http://schemas.microsoft.com/office/drawing/2014/main" xmlns="" w="9525">
+                <a14:hiddenLine xmlns="" xmlns:a16="http://schemas.microsoft.com/office/drawing/2014/main" xmlns:a14="http://schemas.microsoft.com/office/drawing/2010/main" xmlns:p14="http://schemas.microsoft.com/office/powerpoint/2010/main" w="9525">
                   <a:solidFill>
                     <a:srgbClr val="000000"/>
                   </a:solidFill>
@@ -18232,7 +18232,7 @@
             </a:ln>
             <a:extLst>
               <a:ext uri="{91240B29-F687-4f45-9708-019B960494DF}">
-                <a14:hiddenLine xmlns:p14="http://schemas.microsoft.com/office/powerpoint/2010/main" xmlns:a14="http://schemas.microsoft.com/office/drawing/2010/main" xmlns:a16="http://schemas.microsoft.com/office/drawing/2014/main" xmlns="" w="9525">
+                <a14:hiddenLine xmlns="" xmlns:a16="http://schemas.microsoft.com/office/drawing/2014/main" xmlns:a14="http://schemas.microsoft.com/office/drawing/2010/main" xmlns:p14="http://schemas.microsoft.com/office/powerpoint/2010/main" w="9525">
                   <a:solidFill>
                     <a:srgbClr val="000000"/>
                   </a:solidFill>
@@ -18316,7 +18316,7 @@
             </a:ln>
             <a:extLst>
               <a:ext uri="{91240B29-F687-4f45-9708-019B960494DF}">
-                <a14:hiddenLine xmlns:p14="http://schemas.microsoft.com/office/powerpoint/2010/main" xmlns:a14="http://schemas.microsoft.com/office/drawing/2010/main" xmlns:a16="http://schemas.microsoft.com/office/drawing/2014/main" xmlns="" w="9525">
+                <a14:hiddenLine xmlns="" xmlns:a16="http://schemas.microsoft.com/office/drawing/2014/main" xmlns:a14="http://schemas.microsoft.com/office/drawing/2010/main" xmlns:p14="http://schemas.microsoft.com/office/powerpoint/2010/main" w="9525">
                   <a:solidFill>
                     <a:srgbClr val="000000"/>
                   </a:solidFill>
@@ -18428,7 +18428,7 @@
             </a:ln>
             <a:extLst>
               <a:ext uri="{91240B29-F687-4f45-9708-019B960494DF}">
-                <a14:hiddenLine xmlns:p14="http://schemas.microsoft.com/office/powerpoint/2010/main" xmlns:a14="http://schemas.microsoft.com/office/drawing/2010/main" xmlns:a16="http://schemas.microsoft.com/office/drawing/2014/main" xmlns="" w="9525">
+                <a14:hiddenLine xmlns="" xmlns:a16="http://schemas.microsoft.com/office/drawing/2014/main" xmlns:a14="http://schemas.microsoft.com/office/drawing/2010/main" xmlns:p14="http://schemas.microsoft.com/office/powerpoint/2010/main" w="9525">
                   <a:solidFill>
                     <a:srgbClr val="000000"/>
                   </a:solidFill>
@@ -18512,7 +18512,7 @@
             </a:ln>
             <a:extLst>
               <a:ext uri="{91240B29-F687-4f45-9708-019B960494DF}">
-                <a14:hiddenLine xmlns:p14="http://schemas.microsoft.com/office/powerpoint/2010/main" xmlns:a14="http://schemas.microsoft.com/office/drawing/2010/main" xmlns:a16="http://schemas.microsoft.com/office/drawing/2014/main" xmlns="" w="9525">
+                <a14:hiddenLine xmlns="" xmlns:a16="http://schemas.microsoft.com/office/drawing/2014/main" xmlns:a14="http://schemas.microsoft.com/office/drawing/2010/main" xmlns:p14="http://schemas.microsoft.com/office/powerpoint/2010/main" w="9525">
                   <a:solidFill>
                     <a:srgbClr val="000000"/>
                   </a:solidFill>
@@ -18596,7 +18596,7 @@
             </a:ln>
             <a:extLst>
               <a:ext uri="{91240B29-F687-4f45-9708-019B960494DF}">
-                <a14:hiddenLine xmlns:p14="http://schemas.microsoft.com/office/powerpoint/2010/main" xmlns:a14="http://schemas.microsoft.com/office/drawing/2010/main" xmlns:a16="http://schemas.microsoft.com/office/drawing/2014/main" xmlns="" w="9525">
+                <a14:hiddenLine xmlns="" xmlns:a16="http://schemas.microsoft.com/office/drawing/2014/main" xmlns:a14="http://schemas.microsoft.com/office/drawing/2010/main" xmlns:p14="http://schemas.microsoft.com/office/powerpoint/2010/main" w="9525">
                   <a:solidFill>
                     <a:srgbClr val="000000"/>
                   </a:solidFill>
@@ -18708,7 +18708,7 @@
             </a:ln>
             <a:extLst>
               <a:ext uri="{91240B29-F687-4f45-9708-019B960494DF}">
-                <a14:hiddenLine xmlns:p14="http://schemas.microsoft.com/office/powerpoint/2010/main" xmlns:a14="http://schemas.microsoft.com/office/drawing/2010/main" xmlns:a16="http://schemas.microsoft.com/office/drawing/2014/main" xmlns="" w="9525">
+                <a14:hiddenLine xmlns="" xmlns:a16="http://schemas.microsoft.com/office/drawing/2014/main" xmlns:a14="http://schemas.microsoft.com/office/drawing/2010/main" xmlns:p14="http://schemas.microsoft.com/office/powerpoint/2010/main" w="9525">
                   <a:solidFill>
                     <a:srgbClr val="000000"/>
                   </a:solidFill>
@@ -18820,7 +18820,7 @@
             </a:ln>
             <a:extLst>
               <a:ext uri="{91240B29-F687-4f45-9708-019B960494DF}">
-                <a14:hiddenLine xmlns:p14="http://schemas.microsoft.com/office/powerpoint/2010/main" xmlns:a14="http://schemas.microsoft.com/office/drawing/2010/main" xmlns:a16="http://schemas.microsoft.com/office/drawing/2014/main" xmlns="" w="9525">
+                <a14:hiddenLine xmlns="" xmlns:a16="http://schemas.microsoft.com/office/drawing/2014/main" xmlns:a14="http://schemas.microsoft.com/office/drawing/2010/main" xmlns:p14="http://schemas.microsoft.com/office/powerpoint/2010/main" w="9525">
                   <a:solidFill>
                     <a:srgbClr val="000000"/>
                   </a:solidFill>
@@ -18904,7 +18904,7 @@
             </a:ln>
             <a:extLst>
               <a:ext uri="{91240B29-F687-4f45-9708-019B960494DF}">
-                <a14:hiddenLine xmlns:p14="http://schemas.microsoft.com/office/powerpoint/2010/main" xmlns:a14="http://schemas.microsoft.com/office/drawing/2010/main" xmlns:a16="http://schemas.microsoft.com/office/drawing/2014/main" xmlns="" w="9525">
+                <a14:hiddenLine xmlns="" xmlns:a16="http://schemas.microsoft.com/office/drawing/2014/main" xmlns:a14="http://schemas.microsoft.com/office/drawing/2010/main" xmlns:p14="http://schemas.microsoft.com/office/powerpoint/2010/main" w="9525">
                   <a:solidFill>
                     <a:srgbClr val="000000"/>
                   </a:solidFill>
@@ -19036,7 +19036,7 @@
             </a:ln>
             <a:extLst>
               <a:ext uri="{91240B29-F687-4f45-9708-019B960494DF}">
-                <a14:hiddenLine xmlns:p14="http://schemas.microsoft.com/office/powerpoint/2010/main" xmlns:a14="http://schemas.microsoft.com/office/drawing/2010/main" xmlns:a16="http://schemas.microsoft.com/office/drawing/2014/main" xmlns="" w="9525">
+                <a14:hiddenLine xmlns="" xmlns:a16="http://schemas.microsoft.com/office/drawing/2014/main" xmlns:a14="http://schemas.microsoft.com/office/drawing/2010/main" xmlns:p14="http://schemas.microsoft.com/office/powerpoint/2010/main" w="9525">
                   <a:solidFill>
                     <a:srgbClr val="000000"/>
                   </a:solidFill>
@@ -19120,7 +19120,7 @@
             </a:ln>
             <a:extLst>
               <a:ext uri="{91240B29-F687-4f45-9708-019B960494DF}">
-                <a14:hiddenLine xmlns:p14="http://schemas.microsoft.com/office/powerpoint/2010/main" xmlns:a14="http://schemas.microsoft.com/office/drawing/2010/main" xmlns:a16="http://schemas.microsoft.com/office/drawing/2014/main" xmlns="" w="9525">
+                <a14:hiddenLine xmlns="" xmlns:a16="http://schemas.microsoft.com/office/drawing/2014/main" xmlns:a14="http://schemas.microsoft.com/office/drawing/2010/main" xmlns:p14="http://schemas.microsoft.com/office/powerpoint/2010/main" w="9525">
                   <a:solidFill>
                     <a:srgbClr val="000000"/>
                   </a:solidFill>
@@ -19232,7 +19232,7 @@
             </a:ln>
             <a:extLst>
               <a:ext uri="{91240B29-F687-4f45-9708-019B960494DF}">
-                <a14:hiddenLine xmlns:p14="http://schemas.microsoft.com/office/powerpoint/2010/main" xmlns:a14="http://schemas.microsoft.com/office/drawing/2010/main" xmlns:a16="http://schemas.microsoft.com/office/drawing/2014/main" xmlns="" w="9525">
+                <a14:hiddenLine xmlns="" xmlns:a16="http://schemas.microsoft.com/office/drawing/2014/main" xmlns:a14="http://schemas.microsoft.com/office/drawing/2010/main" xmlns:p14="http://schemas.microsoft.com/office/powerpoint/2010/main" w="9525">
                   <a:solidFill>
                     <a:srgbClr val="000000"/>
                   </a:solidFill>
@@ -19344,7 +19344,7 @@
             </a:ln>
             <a:extLst>
               <a:ext uri="{91240B29-F687-4f45-9708-019B960494DF}">
-                <a14:hiddenLine xmlns:p14="http://schemas.microsoft.com/office/powerpoint/2010/main" xmlns:a14="http://schemas.microsoft.com/office/drawing/2010/main" xmlns:a16="http://schemas.microsoft.com/office/drawing/2014/main" xmlns="" w="9525">
+                <a14:hiddenLine xmlns="" xmlns:a16="http://schemas.microsoft.com/office/drawing/2014/main" xmlns:a14="http://schemas.microsoft.com/office/drawing/2010/main" xmlns:p14="http://schemas.microsoft.com/office/powerpoint/2010/main" w="9525">
                   <a:solidFill>
                     <a:srgbClr val="000000"/>
                   </a:solidFill>
@@ -19428,7 +19428,7 @@
             </a:ln>
             <a:extLst>
               <a:ext uri="{91240B29-F687-4f45-9708-019B960494DF}">
-                <a14:hiddenLine xmlns:p14="http://schemas.microsoft.com/office/powerpoint/2010/main" xmlns:a14="http://schemas.microsoft.com/office/drawing/2010/main" xmlns:a16="http://schemas.microsoft.com/office/drawing/2014/main" xmlns="" w="9525">
+                <a14:hiddenLine xmlns="" xmlns:a16="http://schemas.microsoft.com/office/drawing/2014/main" xmlns:a14="http://schemas.microsoft.com/office/drawing/2010/main" xmlns:p14="http://schemas.microsoft.com/office/powerpoint/2010/main" w="9525">
                   <a:solidFill>
                     <a:srgbClr val="000000"/>
                   </a:solidFill>
@@ -19540,7 +19540,7 @@
             </a:ln>
             <a:extLst>
               <a:ext uri="{91240B29-F687-4f45-9708-019B960494DF}">
-                <a14:hiddenLine xmlns:p14="http://schemas.microsoft.com/office/powerpoint/2010/main" xmlns:a14="http://schemas.microsoft.com/office/drawing/2010/main" xmlns:a16="http://schemas.microsoft.com/office/drawing/2014/main" xmlns="" w="9525">
+                <a14:hiddenLine xmlns="" xmlns:a16="http://schemas.microsoft.com/office/drawing/2014/main" xmlns:a14="http://schemas.microsoft.com/office/drawing/2010/main" xmlns:p14="http://schemas.microsoft.com/office/powerpoint/2010/main" w="9525">
                   <a:solidFill>
                     <a:srgbClr val="000000"/>
                   </a:solidFill>
@@ -19652,7 +19652,7 @@
             </a:ln>
             <a:extLst>
               <a:ext uri="{91240B29-F687-4f45-9708-019B960494DF}">
-                <a14:hiddenLine xmlns:p14="http://schemas.microsoft.com/office/powerpoint/2010/main" xmlns:a14="http://schemas.microsoft.com/office/drawing/2010/main" xmlns:a16="http://schemas.microsoft.com/office/drawing/2014/main" xmlns="" w="9525">
+                <a14:hiddenLine xmlns="" xmlns:a16="http://schemas.microsoft.com/office/drawing/2014/main" xmlns:a14="http://schemas.microsoft.com/office/drawing/2010/main" xmlns:p14="http://schemas.microsoft.com/office/powerpoint/2010/main" w="9525">
                   <a:solidFill>
                     <a:srgbClr val="000000"/>
                   </a:solidFill>
@@ -19730,7 +19730,7 @@
             </a:ln>
             <a:extLst>
               <a:ext uri="{91240B29-F687-4f45-9708-019B960494DF}">
-                <a14:hiddenLine xmlns:p14="http://schemas.microsoft.com/office/powerpoint/2010/main" xmlns:a14="http://schemas.microsoft.com/office/drawing/2010/main" xmlns:a16="http://schemas.microsoft.com/office/drawing/2014/main" xmlns="" w="9525">
+                <a14:hiddenLine xmlns="" xmlns:a16="http://schemas.microsoft.com/office/drawing/2014/main" xmlns:a14="http://schemas.microsoft.com/office/drawing/2010/main" xmlns:p14="http://schemas.microsoft.com/office/powerpoint/2010/main" w="9525">
                   <a:solidFill>
                     <a:srgbClr val="000000"/>
                   </a:solidFill>
@@ -19842,7 +19842,7 @@
             </a:ln>
             <a:extLst>
               <a:ext uri="{91240B29-F687-4f45-9708-019B960494DF}">
-                <a14:hiddenLine xmlns:p14="http://schemas.microsoft.com/office/powerpoint/2010/main" xmlns:a14="http://schemas.microsoft.com/office/drawing/2010/main" xmlns:a16="http://schemas.microsoft.com/office/drawing/2014/main" xmlns="" w="9525">
+                <a14:hiddenLine xmlns="" xmlns:a16="http://schemas.microsoft.com/office/drawing/2014/main" xmlns:a14="http://schemas.microsoft.com/office/drawing/2010/main" xmlns:p14="http://schemas.microsoft.com/office/powerpoint/2010/main" w="9525">
                   <a:solidFill>
                     <a:srgbClr val="000000"/>
                   </a:solidFill>
@@ -19920,7 +19920,7 @@
             </a:ln>
             <a:extLst>
               <a:ext uri="{91240B29-F687-4f45-9708-019B960494DF}">
-                <a14:hiddenLine xmlns:p14="http://schemas.microsoft.com/office/powerpoint/2010/main" xmlns:a14="http://schemas.microsoft.com/office/drawing/2010/main" xmlns:a16="http://schemas.microsoft.com/office/drawing/2014/main" xmlns="" w="9525">
+                <a14:hiddenLine xmlns="" xmlns:a16="http://schemas.microsoft.com/office/drawing/2014/main" xmlns:a14="http://schemas.microsoft.com/office/drawing/2010/main" xmlns:p14="http://schemas.microsoft.com/office/powerpoint/2010/main" w="9525">
                   <a:solidFill>
                     <a:srgbClr val="000000"/>
                   </a:solidFill>
@@ -20032,7 +20032,7 @@
             </a:ln>
             <a:extLst>
               <a:ext uri="{91240B29-F687-4f45-9708-019B960494DF}">
-                <a14:hiddenLine xmlns:p14="http://schemas.microsoft.com/office/powerpoint/2010/main" xmlns:a14="http://schemas.microsoft.com/office/drawing/2010/main" xmlns:a16="http://schemas.microsoft.com/office/drawing/2014/main" xmlns="" w="9525">
+                <a14:hiddenLine xmlns="" xmlns:a16="http://schemas.microsoft.com/office/drawing/2014/main" xmlns:a14="http://schemas.microsoft.com/office/drawing/2010/main" xmlns:p14="http://schemas.microsoft.com/office/powerpoint/2010/main" w="9525">
                   <a:solidFill>
                     <a:srgbClr val="000000"/>
                   </a:solidFill>
@@ -20122,7 +20122,7 @@
             </a:ln>
             <a:extLst>
               <a:ext uri="{91240B29-F687-4f45-9708-019B960494DF}">
-                <a14:hiddenLine xmlns:p14="http://schemas.microsoft.com/office/powerpoint/2010/main" xmlns:a14="http://schemas.microsoft.com/office/drawing/2010/main" xmlns:a16="http://schemas.microsoft.com/office/drawing/2014/main" xmlns="" w="9525">
+                <a14:hiddenLine xmlns="" xmlns:a16="http://schemas.microsoft.com/office/drawing/2014/main" xmlns:a14="http://schemas.microsoft.com/office/drawing/2010/main" xmlns:p14="http://schemas.microsoft.com/office/powerpoint/2010/main" w="9525">
                   <a:solidFill>
                     <a:srgbClr val="000000"/>
                   </a:solidFill>
@@ -20234,7 +20234,7 @@
             </a:ln>
             <a:extLst>
               <a:ext uri="{91240B29-F687-4f45-9708-019B960494DF}">
-                <a14:hiddenLine xmlns:p14="http://schemas.microsoft.com/office/powerpoint/2010/main" xmlns:a14="http://schemas.microsoft.com/office/drawing/2010/main" xmlns:a16="http://schemas.microsoft.com/office/drawing/2014/main" xmlns="" w="9525">
+                <a14:hiddenLine xmlns="" xmlns:a16="http://schemas.microsoft.com/office/drawing/2014/main" xmlns:a14="http://schemas.microsoft.com/office/drawing/2010/main" xmlns:p14="http://schemas.microsoft.com/office/powerpoint/2010/main" w="9525">
                   <a:solidFill>
                     <a:srgbClr val="000000"/>
                   </a:solidFill>
@@ -20324,7 +20324,7 @@
             </a:ln>
             <a:extLst>
               <a:ext uri="{91240B29-F687-4f45-9708-019B960494DF}">
-                <a14:hiddenLine xmlns:p14="http://schemas.microsoft.com/office/powerpoint/2010/main" xmlns:a14="http://schemas.microsoft.com/office/drawing/2010/main" xmlns:a16="http://schemas.microsoft.com/office/drawing/2014/main" xmlns="" w="9525">
+                <a14:hiddenLine xmlns="" xmlns:a16="http://schemas.microsoft.com/office/drawing/2014/main" xmlns:a14="http://schemas.microsoft.com/office/drawing/2010/main" xmlns:p14="http://schemas.microsoft.com/office/powerpoint/2010/main" w="9525">
                   <a:solidFill>
                     <a:srgbClr val="000000"/>
                   </a:solidFill>
@@ -20436,7 +20436,7 @@
             </a:ln>
             <a:extLst>
               <a:ext uri="{91240B29-F687-4f45-9708-019B960494DF}">
-                <a14:hiddenLine xmlns:p14="http://schemas.microsoft.com/office/powerpoint/2010/main" xmlns:a14="http://schemas.microsoft.com/office/drawing/2010/main" xmlns:a16="http://schemas.microsoft.com/office/drawing/2014/main" xmlns="" w="9525">
+                <a14:hiddenLine xmlns="" xmlns:a16="http://schemas.microsoft.com/office/drawing/2014/main" xmlns:a14="http://schemas.microsoft.com/office/drawing/2010/main" xmlns:p14="http://schemas.microsoft.com/office/powerpoint/2010/main" w="9525">
                   <a:solidFill>
                     <a:srgbClr val="000000"/>
                   </a:solidFill>
@@ -20492,7 +20492,7 @@
             </a:ln>
             <a:extLst>
               <a:ext uri="{91240B29-F687-4f45-9708-019B960494DF}">
-                <a14:hiddenLine xmlns:p14="http://schemas.microsoft.com/office/powerpoint/2010/main" xmlns:a14="http://schemas.microsoft.com/office/drawing/2010/main" xmlns:a16="http://schemas.microsoft.com/office/drawing/2014/main" xmlns="" w="9525">
+                <a14:hiddenLine xmlns="" xmlns:a16="http://schemas.microsoft.com/office/drawing/2014/main" xmlns:a14="http://schemas.microsoft.com/office/drawing/2010/main" xmlns:p14="http://schemas.microsoft.com/office/powerpoint/2010/main" w="9525">
                   <a:solidFill>
                     <a:srgbClr val="000000"/>
                   </a:solidFill>
@@ -20604,7 +20604,7 @@
             </a:ln>
             <a:extLst>
               <a:ext uri="{91240B29-F687-4f45-9708-019B960494DF}">
-                <a14:hiddenLine xmlns:p14="http://schemas.microsoft.com/office/powerpoint/2010/main" xmlns:a14="http://schemas.microsoft.com/office/drawing/2010/main" xmlns:a16="http://schemas.microsoft.com/office/drawing/2014/main" xmlns="" w="9525">
+                <a14:hiddenLine xmlns="" xmlns:a16="http://schemas.microsoft.com/office/drawing/2014/main" xmlns:a14="http://schemas.microsoft.com/office/drawing/2010/main" xmlns:p14="http://schemas.microsoft.com/office/powerpoint/2010/main" w="9525">
                   <a:solidFill>
                     <a:srgbClr val="000000"/>
                   </a:solidFill>
@@ -20688,7 +20688,7 @@
             </a:ln>
             <a:extLst>
               <a:ext uri="{91240B29-F687-4f45-9708-019B960494DF}">
-                <a14:hiddenLine xmlns:p14="http://schemas.microsoft.com/office/powerpoint/2010/main" xmlns:a14="http://schemas.microsoft.com/office/drawing/2010/main" xmlns:a16="http://schemas.microsoft.com/office/drawing/2014/main" xmlns="" w="9525">
+                <a14:hiddenLine xmlns="" xmlns:a16="http://schemas.microsoft.com/office/drawing/2014/main" xmlns:a14="http://schemas.microsoft.com/office/drawing/2010/main" xmlns:p14="http://schemas.microsoft.com/office/powerpoint/2010/main" w="9525">
                   <a:solidFill>
                     <a:srgbClr val="000000"/>
                   </a:solidFill>
@@ -20772,7 +20772,7 @@
             </a:ln>
             <a:extLst>
               <a:ext uri="{91240B29-F687-4f45-9708-019B960494DF}">
-                <a14:hiddenLine xmlns:p14="http://schemas.microsoft.com/office/powerpoint/2010/main" xmlns:a14="http://schemas.microsoft.com/office/drawing/2010/main" xmlns:a16="http://schemas.microsoft.com/office/drawing/2014/main" xmlns="" w="9525">
+                <a14:hiddenLine xmlns="" xmlns:a16="http://schemas.microsoft.com/office/drawing/2014/main" xmlns:a14="http://schemas.microsoft.com/office/drawing/2010/main" xmlns:p14="http://schemas.microsoft.com/office/powerpoint/2010/main" w="9525">
                   <a:solidFill>
                     <a:srgbClr val="000000"/>
                   </a:solidFill>
@@ -20884,7 +20884,7 @@
             </a:ln>
             <a:extLst>
               <a:ext uri="{91240B29-F687-4f45-9708-019B960494DF}">
-                <a14:hiddenLine xmlns:p14="http://schemas.microsoft.com/office/powerpoint/2010/main" xmlns:a14="http://schemas.microsoft.com/office/drawing/2010/main" xmlns:a16="http://schemas.microsoft.com/office/drawing/2014/main" xmlns="" w="9525">
+                <a14:hiddenLine xmlns="" xmlns:a16="http://schemas.microsoft.com/office/drawing/2014/main" xmlns:a14="http://schemas.microsoft.com/office/drawing/2010/main" xmlns:p14="http://schemas.microsoft.com/office/powerpoint/2010/main" w="9525">
                   <a:solidFill>
                     <a:srgbClr val="000000"/>
                   </a:solidFill>
@@ -20974,7 +20974,7 @@
             </a:ln>
             <a:extLst>
               <a:ext uri="{91240B29-F687-4f45-9708-019B960494DF}">
-                <a14:hiddenLine xmlns:p14="http://schemas.microsoft.com/office/powerpoint/2010/main" xmlns:a14="http://schemas.microsoft.com/office/drawing/2010/main" xmlns:a16="http://schemas.microsoft.com/office/drawing/2014/main" xmlns="" w="9525">
+                <a14:hiddenLine xmlns="" xmlns:a16="http://schemas.microsoft.com/office/drawing/2014/main" xmlns:a14="http://schemas.microsoft.com/office/drawing/2010/main" xmlns:p14="http://schemas.microsoft.com/office/powerpoint/2010/main" w="9525">
                   <a:solidFill>
                     <a:srgbClr val="000000"/>
                   </a:solidFill>
@@ -21058,7 +21058,7 @@
             </a:ln>
             <a:extLst>
               <a:ext uri="{91240B29-F687-4f45-9708-019B960494DF}">
-                <a14:hiddenLine xmlns:p14="http://schemas.microsoft.com/office/powerpoint/2010/main" xmlns:a14="http://schemas.microsoft.com/office/drawing/2010/main" xmlns:a16="http://schemas.microsoft.com/office/drawing/2014/main" xmlns="" w="9525">
+                <a14:hiddenLine xmlns="" xmlns:a16="http://schemas.microsoft.com/office/drawing/2014/main" xmlns:a14="http://schemas.microsoft.com/office/drawing/2010/main" xmlns:p14="http://schemas.microsoft.com/office/powerpoint/2010/main" w="9525">
                   <a:solidFill>
                     <a:srgbClr val="000000"/>
                   </a:solidFill>
@@ -21170,7 +21170,7 @@
             </a:ln>
             <a:extLst>
               <a:ext uri="{91240B29-F687-4f45-9708-019B960494DF}">
-                <a14:hiddenLine xmlns:p14="http://schemas.microsoft.com/office/powerpoint/2010/main" xmlns:a14="http://schemas.microsoft.com/office/drawing/2010/main" xmlns:a16="http://schemas.microsoft.com/office/drawing/2014/main" xmlns="" w="9525">
+                <a14:hiddenLine xmlns="" xmlns:a16="http://schemas.microsoft.com/office/drawing/2014/main" xmlns:a14="http://schemas.microsoft.com/office/drawing/2010/main" xmlns:p14="http://schemas.microsoft.com/office/powerpoint/2010/main" w="9525">
                   <a:solidFill>
                     <a:srgbClr val="000000"/>
                   </a:solidFill>
@@ -21254,7 +21254,7 @@
             </a:ln>
             <a:extLst>
               <a:ext uri="{91240B29-F687-4f45-9708-019B960494DF}">
-                <a14:hiddenLine xmlns:p14="http://schemas.microsoft.com/office/powerpoint/2010/main" xmlns:a14="http://schemas.microsoft.com/office/drawing/2010/main" xmlns:a16="http://schemas.microsoft.com/office/drawing/2014/main" xmlns="" w="9525">
+                <a14:hiddenLine xmlns="" xmlns:a16="http://schemas.microsoft.com/office/drawing/2014/main" xmlns:a14="http://schemas.microsoft.com/office/drawing/2010/main" xmlns:p14="http://schemas.microsoft.com/office/powerpoint/2010/main" w="9525">
                   <a:solidFill>
                     <a:srgbClr val="000000"/>
                   </a:solidFill>
@@ -21366,7 +21366,7 @@
             </a:ln>
             <a:extLst>
               <a:ext uri="{91240B29-F687-4f45-9708-019B960494DF}">
-                <a14:hiddenLine xmlns:p14="http://schemas.microsoft.com/office/powerpoint/2010/main" xmlns:a14="http://schemas.microsoft.com/office/drawing/2010/main" xmlns:a16="http://schemas.microsoft.com/office/drawing/2014/main" xmlns="" w="9525">
+                <a14:hiddenLine xmlns="" xmlns:a16="http://schemas.microsoft.com/office/drawing/2014/main" xmlns:a14="http://schemas.microsoft.com/office/drawing/2010/main" xmlns:p14="http://schemas.microsoft.com/office/powerpoint/2010/main" w="9525">
                   <a:solidFill>
                     <a:srgbClr val="000000"/>
                   </a:solidFill>
@@ -21450,7 +21450,7 @@
             </a:ln>
             <a:extLst>
               <a:ext uri="{91240B29-F687-4f45-9708-019B960494DF}">
-                <a14:hiddenLine xmlns:p14="http://schemas.microsoft.com/office/powerpoint/2010/main" xmlns:a14="http://schemas.microsoft.com/office/drawing/2010/main" xmlns:a16="http://schemas.microsoft.com/office/drawing/2014/main" xmlns="" w="9525">
+                <a14:hiddenLine xmlns="" xmlns:a16="http://schemas.microsoft.com/office/drawing/2014/main" xmlns:a14="http://schemas.microsoft.com/office/drawing/2010/main" xmlns:p14="http://schemas.microsoft.com/office/powerpoint/2010/main" w="9525">
                   <a:solidFill>
                     <a:srgbClr val="000000"/>
                   </a:solidFill>
@@ -21562,7 +21562,7 @@
             </a:ln>
             <a:extLst>
               <a:ext uri="{91240B29-F687-4f45-9708-019B960494DF}">
-                <a14:hiddenLine xmlns:p14="http://schemas.microsoft.com/office/powerpoint/2010/main" xmlns:a14="http://schemas.microsoft.com/office/drawing/2010/main" xmlns:a16="http://schemas.microsoft.com/office/drawing/2014/main" xmlns="" w="9525">
+                <a14:hiddenLine xmlns="" xmlns:a16="http://schemas.microsoft.com/office/drawing/2014/main" xmlns:a14="http://schemas.microsoft.com/office/drawing/2010/main" xmlns:p14="http://schemas.microsoft.com/office/powerpoint/2010/main" w="9525">
                   <a:solidFill>
                     <a:srgbClr val="000000"/>
                   </a:solidFill>
@@ -21618,7 +21618,7 @@
             </a:ln>
             <a:extLst>
               <a:ext uri="{91240B29-F687-4f45-9708-019B960494DF}">
-                <a14:hiddenLine xmlns:p14="http://schemas.microsoft.com/office/powerpoint/2010/main" xmlns:a14="http://schemas.microsoft.com/office/drawing/2010/main" xmlns:a16="http://schemas.microsoft.com/office/drawing/2014/main" xmlns="" w="9525">
+                <a14:hiddenLine xmlns="" xmlns:a16="http://schemas.microsoft.com/office/drawing/2014/main" xmlns:a14="http://schemas.microsoft.com/office/drawing/2010/main" xmlns:p14="http://schemas.microsoft.com/office/powerpoint/2010/main" w="9525">
                   <a:solidFill>
                     <a:srgbClr val="000000"/>
                   </a:solidFill>
@@ -21705,7 +21705,7 @@
             </a:ln>
             <a:extLst>
               <a:ext uri="{91240B29-F687-4f45-9708-019B960494DF}">
-                <a14:hiddenLine xmlns:p14="http://schemas.microsoft.com/office/powerpoint/2010/main" xmlns:a14="http://schemas.microsoft.com/office/drawing/2010/main" xmlns:a16="http://schemas.microsoft.com/office/drawing/2014/main" xmlns="" w="9525">
+                <a14:hiddenLine xmlns="" xmlns:a16="http://schemas.microsoft.com/office/drawing/2014/main" xmlns:a14="http://schemas.microsoft.com/office/drawing/2010/main" xmlns:p14="http://schemas.microsoft.com/office/powerpoint/2010/main" w="9525">
                   <a:solidFill>
                     <a:srgbClr val="000000"/>
                   </a:solidFill>
@@ -21817,7 +21817,7 @@
             </a:ln>
             <a:extLst>
               <a:ext uri="{91240B29-F687-4f45-9708-019B960494DF}">
-                <a14:hiddenLine xmlns:p14="http://schemas.microsoft.com/office/powerpoint/2010/main" xmlns:a14="http://schemas.microsoft.com/office/drawing/2010/main" xmlns:a16="http://schemas.microsoft.com/office/drawing/2014/main" xmlns="" w="9525">
+                <a14:hiddenLine xmlns="" xmlns:a16="http://schemas.microsoft.com/office/drawing/2014/main" xmlns:a14="http://schemas.microsoft.com/office/drawing/2010/main" xmlns:p14="http://schemas.microsoft.com/office/powerpoint/2010/main" w="9525">
                   <a:solidFill>
                     <a:srgbClr val="000000"/>
                   </a:solidFill>
@@ -21901,7 +21901,7 @@
             </a:ln>
             <a:extLst>
               <a:ext uri="{91240B29-F687-4f45-9708-019B960494DF}">
-                <a14:hiddenLine xmlns:p14="http://schemas.microsoft.com/office/powerpoint/2010/main" xmlns:a14="http://schemas.microsoft.com/office/drawing/2010/main" xmlns:a16="http://schemas.microsoft.com/office/drawing/2014/main" xmlns="" w="9525">
+                <a14:hiddenLine xmlns="" xmlns:a16="http://schemas.microsoft.com/office/drawing/2014/main" xmlns:a14="http://schemas.microsoft.com/office/drawing/2010/main" xmlns:p14="http://schemas.microsoft.com/office/powerpoint/2010/main" w="9525">
                   <a:solidFill>
                     <a:srgbClr val="000000"/>
                   </a:solidFill>
@@ -22013,7 +22013,7 @@
             </a:ln>
             <a:extLst>
               <a:ext uri="{91240B29-F687-4f45-9708-019B960494DF}">
-                <a14:hiddenLine xmlns:p14="http://schemas.microsoft.com/office/powerpoint/2010/main" xmlns:a14="http://schemas.microsoft.com/office/drawing/2010/main" xmlns:a16="http://schemas.microsoft.com/office/drawing/2014/main" xmlns="" w="9525">
+                <a14:hiddenLine xmlns="" xmlns:a16="http://schemas.microsoft.com/office/drawing/2014/main" xmlns:a14="http://schemas.microsoft.com/office/drawing/2010/main" xmlns:p14="http://schemas.microsoft.com/office/powerpoint/2010/main" w="9525">
                   <a:solidFill>
                     <a:srgbClr val="000000"/>
                   </a:solidFill>
@@ -22125,7 +22125,7 @@
             </a:ln>
             <a:extLst>
               <a:ext uri="{91240B29-F687-4f45-9708-019B960494DF}">
-                <a14:hiddenLine xmlns:p14="http://schemas.microsoft.com/office/powerpoint/2010/main" xmlns:a14="http://schemas.microsoft.com/office/drawing/2010/main" xmlns:a16="http://schemas.microsoft.com/office/drawing/2014/main" xmlns="" w="9525">
+                <a14:hiddenLine xmlns="" xmlns:a16="http://schemas.microsoft.com/office/drawing/2014/main" xmlns:a14="http://schemas.microsoft.com/office/drawing/2010/main" xmlns:p14="http://schemas.microsoft.com/office/powerpoint/2010/main" w="9525">
                   <a:solidFill>
                     <a:srgbClr val="000000"/>
                   </a:solidFill>
@@ -22212,7 +22212,7 @@
             </a:ln>
             <a:extLst>
               <a:ext uri="{91240B29-F687-4f45-9708-019B960494DF}">
-                <a14:hiddenLine xmlns:p14="http://schemas.microsoft.com/office/powerpoint/2010/main" xmlns:a14="http://schemas.microsoft.com/office/drawing/2010/main" xmlns:a16="http://schemas.microsoft.com/office/drawing/2014/main" xmlns="" w="9525">
+                <a14:hiddenLine xmlns="" xmlns:a16="http://schemas.microsoft.com/office/drawing/2014/main" xmlns:a14="http://schemas.microsoft.com/office/drawing/2010/main" xmlns:p14="http://schemas.microsoft.com/office/powerpoint/2010/main" w="9525">
                   <a:solidFill>
                     <a:srgbClr val="000000"/>
                   </a:solidFill>
@@ -22296,7 +22296,7 @@
             </a:ln>
             <a:extLst>
               <a:ext uri="{91240B29-F687-4f45-9708-019B960494DF}">
-                <a14:hiddenLine xmlns:p14="http://schemas.microsoft.com/office/powerpoint/2010/main" xmlns:a14="http://schemas.microsoft.com/office/drawing/2010/main" xmlns:a16="http://schemas.microsoft.com/office/drawing/2014/main" xmlns="" w="9525">
+                <a14:hiddenLine xmlns="" xmlns:a16="http://schemas.microsoft.com/office/drawing/2014/main" xmlns:a14="http://schemas.microsoft.com/office/drawing/2010/main" xmlns:p14="http://schemas.microsoft.com/office/powerpoint/2010/main" w="9525">
                   <a:solidFill>
                     <a:srgbClr val="000000"/>
                   </a:solidFill>
@@ -22408,7 +22408,7 @@
             </a:ln>
             <a:extLst>
               <a:ext uri="{91240B29-F687-4f45-9708-019B960494DF}">
-                <a14:hiddenLine xmlns:p14="http://schemas.microsoft.com/office/powerpoint/2010/main" xmlns:a14="http://schemas.microsoft.com/office/drawing/2010/main" xmlns:a16="http://schemas.microsoft.com/office/drawing/2014/main" xmlns="" w="9525">
+                <a14:hiddenLine xmlns="" xmlns:a16="http://schemas.microsoft.com/office/drawing/2014/main" xmlns:a14="http://schemas.microsoft.com/office/drawing/2010/main" xmlns:p14="http://schemas.microsoft.com/office/powerpoint/2010/main" w="9525">
                   <a:solidFill>
                     <a:srgbClr val="000000"/>
                   </a:solidFill>
@@ -22520,7 +22520,7 @@
             </a:ln>
             <a:extLst>
               <a:ext uri="{91240B29-F687-4f45-9708-019B960494DF}">
-                <a14:hiddenLine xmlns:p14="http://schemas.microsoft.com/office/powerpoint/2010/main" xmlns:a14="http://schemas.microsoft.com/office/drawing/2010/main" xmlns:a16="http://schemas.microsoft.com/office/drawing/2014/main" xmlns="" w="9525">
+                <a14:hiddenLine xmlns="" xmlns:a16="http://schemas.microsoft.com/office/drawing/2014/main" xmlns:a14="http://schemas.microsoft.com/office/drawing/2010/main" xmlns:p14="http://schemas.microsoft.com/office/powerpoint/2010/main" w="9525">
                   <a:solidFill>
                     <a:srgbClr val="000000"/>
                   </a:solidFill>
@@ -22604,7 +22604,7 @@
             </a:ln>
             <a:extLst>
               <a:ext uri="{91240B29-F687-4f45-9708-019B960494DF}">
-                <a14:hiddenLine xmlns:p14="http://schemas.microsoft.com/office/powerpoint/2010/main" xmlns:a14="http://schemas.microsoft.com/office/drawing/2010/main" xmlns:a16="http://schemas.microsoft.com/office/drawing/2014/main" xmlns="" w="9525">
+                <a14:hiddenLine xmlns="" xmlns:a16="http://schemas.microsoft.com/office/drawing/2014/main" xmlns:a14="http://schemas.microsoft.com/office/drawing/2010/main" xmlns:p14="http://schemas.microsoft.com/office/powerpoint/2010/main" w="9525">
                   <a:solidFill>
                     <a:srgbClr val="000000"/>
                   </a:solidFill>
@@ -22746,7 +22746,7 @@
             </a:ln>
             <a:extLst>
               <a:ext uri="{91240B29-F687-4f45-9708-019B960494DF}">
-                <a14:hiddenLine xmlns:p14="http://schemas.microsoft.com/office/powerpoint/2010/main" xmlns:a14="http://schemas.microsoft.com/office/drawing/2010/main" xmlns:a16="http://schemas.microsoft.com/office/drawing/2014/main" xmlns="" w="9525">
+                <a14:hiddenLine xmlns="" xmlns:a16="http://schemas.microsoft.com/office/drawing/2014/main" xmlns:a14="http://schemas.microsoft.com/office/drawing/2010/main" xmlns:p14="http://schemas.microsoft.com/office/powerpoint/2010/main" w="9525">
                   <a:solidFill>
                     <a:srgbClr val="000000"/>
                   </a:solidFill>
@@ -22836,7 +22836,7 @@
             </a:ln>
             <a:extLst>
               <a:ext uri="{91240B29-F687-4f45-9708-019B960494DF}">
-                <a14:hiddenLine xmlns:p14="http://schemas.microsoft.com/office/powerpoint/2010/main" xmlns:a14="http://schemas.microsoft.com/office/drawing/2010/main" xmlns:a16="http://schemas.microsoft.com/office/drawing/2014/main" xmlns="" w="9525">
+                <a14:hiddenLine xmlns="" xmlns:a16="http://schemas.microsoft.com/office/drawing/2014/main" xmlns:a14="http://schemas.microsoft.com/office/drawing/2010/main" xmlns:p14="http://schemas.microsoft.com/office/powerpoint/2010/main" w="9525">
                   <a:solidFill>
                     <a:srgbClr val="000000"/>
                   </a:solidFill>
@@ -22948,7 +22948,7 @@
             </a:ln>
             <a:extLst>
               <a:ext uri="{91240B29-F687-4f45-9708-019B960494DF}">
-                <a14:hiddenLine xmlns:p14="http://schemas.microsoft.com/office/powerpoint/2010/main" xmlns:a14="http://schemas.microsoft.com/office/drawing/2010/main" xmlns:a16="http://schemas.microsoft.com/office/drawing/2014/main" xmlns="" w="9525">
+                <a14:hiddenLine xmlns="" xmlns:a16="http://schemas.microsoft.com/office/drawing/2014/main" xmlns:a14="http://schemas.microsoft.com/office/drawing/2010/main" xmlns:p14="http://schemas.microsoft.com/office/powerpoint/2010/main" w="9525">
                   <a:solidFill>
                     <a:srgbClr val="000000"/>
                   </a:solidFill>
@@ -23112,7 +23112,7 @@
             <a:noFill/>
             <a:extLst>
               <a:ext uri="{909E8E84-426E-40dd-AFC4-6F175D3DCCD1}">
-                <a14:hiddenFill xmlns:p14="http://schemas.microsoft.com/office/powerpoint/2010/main" xmlns:a14="http://schemas.microsoft.com/office/drawing/2010/main" xmlns:a16="http://schemas.microsoft.com/office/drawing/2014/main" xmlns="">
+                <a14:hiddenFill xmlns="" xmlns:a16="http://schemas.microsoft.com/office/drawing/2014/main" xmlns:a14="http://schemas.microsoft.com/office/drawing/2010/main" xmlns:p14="http://schemas.microsoft.com/office/powerpoint/2010/main">
                   <a:solidFill>
                     <a:srgbClr val="FFFFFF"/>
                   </a:solidFill>
@@ -23262,7 +23262,7 @@
             </a:ln>
             <a:extLst>
               <a:ext uri="{91240B29-F687-4f45-9708-019B960494DF}">
-                <a14:hiddenLine xmlns:p14="http://schemas.microsoft.com/office/powerpoint/2010/main" xmlns:a14="http://schemas.microsoft.com/office/drawing/2010/main" xmlns:a16="http://schemas.microsoft.com/office/drawing/2014/main" xmlns="" w="9525">
+                <a14:hiddenLine xmlns="" xmlns:a16="http://schemas.microsoft.com/office/drawing/2014/main" xmlns:a14="http://schemas.microsoft.com/office/drawing/2010/main" xmlns:p14="http://schemas.microsoft.com/office/powerpoint/2010/main" w="9525">
                   <a:solidFill>
                     <a:srgbClr val="000000"/>
                   </a:solidFill>
@@ -23374,7 +23374,7 @@
             </a:ln>
             <a:extLst>
               <a:ext uri="{91240B29-F687-4f45-9708-019B960494DF}">
-                <a14:hiddenLine xmlns:p14="http://schemas.microsoft.com/office/powerpoint/2010/main" xmlns:a14="http://schemas.microsoft.com/office/drawing/2010/main" xmlns:a16="http://schemas.microsoft.com/office/drawing/2014/main" xmlns="" w="9525">
+                <a14:hiddenLine xmlns="" xmlns:a16="http://schemas.microsoft.com/office/drawing/2014/main" xmlns:a14="http://schemas.microsoft.com/office/drawing/2010/main" xmlns:p14="http://schemas.microsoft.com/office/powerpoint/2010/main" w="9525">
                   <a:solidFill>
                     <a:srgbClr val="000000"/>
                   </a:solidFill>
@@ -23486,7 +23486,7 @@
             </a:ln>
             <a:extLst>
               <a:ext uri="{91240B29-F687-4f45-9708-019B960494DF}">
-                <a14:hiddenLine xmlns:p14="http://schemas.microsoft.com/office/powerpoint/2010/main" xmlns:a14="http://schemas.microsoft.com/office/drawing/2010/main" xmlns:a16="http://schemas.microsoft.com/office/drawing/2014/main" xmlns="" w="9525">
+                <a14:hiddenLine xmlns="" xmlns:a16="http://schemas.microsoft.com/office/drawing/2014/main" xmlns:a14="http://schemas.microsoft.com/office/drawing/2010/main" xmlns:p14="http://schemas.microsoft.com/office/powerpoint/2010/main" w="9525">
                   <a:solidFill>
                     <a:srgbClr val="000000"/>
                   </a:solidFill>
@@ -23542,7 +23542,7 @@
             </a:ln>
             <a:extLst>
               <a:ext uri="{91240B29-F687-4f45-9708-019B960494DF}">
-                <a14:hiddenLine xmlns:p14="http://schemas.microsoft.com/office/powerpoint/2010/main" xmlns:a14="http://schemas.microsoft.com/office/drawing/2010/main" xmlns:a16="http://schemas.microsoft.com/office/drawing/2014/main" xmlns="" w="9525">
+                <a14:hiddenLine xmlns="" xmlns:a16="http://schemas.microsoft.com/office/drawing/2014/main" xmlns:a14="http://schemas.microsoft.com/office/drawing/2010/main" xmlns:p14="http://schemas.microsoft.com/office/powerpoint/2010/main" w="9525">
                   <a:solidFill>
                     <a:srgbClr val="000000"/>
                   </a:solidFill>
@@ -23654,7 +23654,7 @@
             </a:ln>
             <a:extLst>
               <a:ext uri="{91240B29-F687-4f45-9708-019B960494DF}">
-                <a14:hiddenLine xmlns:p14="http://schemas.microsoft.com/office/powerpoint/2010/main" xmlns:a14="http://schemas.microsoft.com/office/drawing/2010/main" xmlns:a16="http://schemas.microsoft.com/office/drawing/2014/main" xmlns="" w="9525">
+                <a14:hiddenLine xmlns="" xmlns:a16="http://schemas.microsoft.com/office/drawing/2014/main" xmlns:a14="http://schemas.microsoft.com/office/drawing/2010/main" xmlns:p14="http://schemas.microsoft.com/office/powerpoint/2010/main" w="9525">
                   <a:solidFill>
                     <a:srgbClr val="000000"/>
                   </a:solidFill>
@@ -23738,7 +23738,7 @@
             </a:ln>
             <a:extLst>
               <a:ext uri="{91240B29-F687-4f45-9708-019B960494DF}">
-                <a14:hiddenLine xmlns:p14="http://schemas.microsoft.com/office/powerpoint/2010/main" xmlns:a14="http://schemas.microsoft.com/office/drawing/2010/main" xmlns:a16="http://schemas.microsoft.com/office/drawing/2014/main" xmlns="" w="9525">
+                <a14:hiddenLine xmlns="" xmlns:a16="http://schemas.microsoft.com/office/drawing/2014/main" xmlns:a14="http://schemas.microsoft.com/office/drawing/2010/main" xmlns:p14="http://schemas.microsoft.com/office/powerpoint/2010/main" w="9525">
                   <a:solidFill>
                     <a:srgbClr val="000000"/>
                   </a:solidFill>
@@ -23822,7 +23822,7 @@
             </a:ln>
             <a:extLst>
               <a:ext uri="{91240B29-F687-4f45-9708-019B960494DF}">
-                <a14:hiddenLine xmlns:p14="http://schemas.microsoft.com/office/powerpoint/2010/main" xmlns:a14="http://schemas.microsoft.com/office/drawing/2010/main" xmlns:a16="http://schemas.microsoft.com/office/drawing/2014/main" xmlns="" w="9525">
+                <a14:hiddenLine xmlns="" xmlns:a16="http://schemas.microsoft.com/office/drawing/2014/main" xmlns:a14="http://schemas.microsoft.com/office/drawing/2010/main" xmlns:p14="http://schemas.microsoft.com/office/powerpoint/2010/main" w="9525">
                   <a:solidFill>
                     <a:srgbClr val="000000"/>
                   </a:solidFill>
@@ -23934,7 +23934,7 @@
             </a:ln>
             <a:extLst>
               <a:ext uri="{91240B29-F687-4f45-9708-019B960494DF}">
-                <a14:hiddenLine xmlns:p14="http://schemas.microsoft.com/office/powerpoint/2010/main" xmlns:a14="http://schemas.microsoft.com/office/drawing/2010/main" xmlns:a16="http://schemas.microsoft.com/office/drawing/2014/main" xmlns="" w="9525">
+                <a14:hiddenLine xmlns="" xmlns:a16="http://schemas.microsoft.com/office/drawing/2014/main" xmlns:a14="http://schemas.microsoft.com/office/drawing/2010/main" xmlns:p14="http://schemas.microsoft.com/office/powerpoint/2010/main" w="9525">
                   <a:solidFill>
                     <a:srgbClr val="000000"/>
                   </a:solidFill>
@@ -24018,7 +24018,7 @@
             </a:ln>
             <a:extLst>
               <a:ext uri="{91240B29-F687-4f45-9708-019B960494DF}">
-                <a14:hiddenLine xmlns:p14="http://schemas.microsoft.com/office/powerpoint/2010/main" xmlns:a14="http://schemas.microsoft.com/office/drawing/2010/main" xmlns:a16="http://schemas.microsoft.com/office/drawing/2014/main" xmlns="" w="9525">
+                <a14:hiddenLine xmlns="" xmlns:a16="http://schemas.microsoft.com/office/drawing/2014/main" xmlns:a14="http://schemas.microsoft.com/office/drawing/2010/main" xmlns:p14="http://schemas.microsoft.com/office/powerpoint/2010/main" w="9525">
                   <a:solidFill>
                     <a:srgbClr val="000000"/>
                   </a:solidFill>
@@ -24102,7 +24102,7 @@
             </a:ln>
             <a:extLst>
               <a:ext uri="{91240B29-F687-4f45-9708-019B960494DF}">
-                <a14:hiddenLine xmlns:p14="http://schemas.microsoft.com/office/powerpoint/2010/main" xmlns:a14="http://schemas.microsoft.com/office/drawing/2010/main" xmlns:a16="http://schemas.microsoft.com/office/drawing/2014/main" xmlns="" w="9525">
+                <a14:hiddenLine xmlns="" xmlns:a16="http://schemas.microsoft.com/office/drawing/2014/main" xmlns:a14="http://schemas.microsoft.com/office/drawing/2010/main" xmlns:p14="http://schemas.microsoft.com/office/powerpoint/2010/main" w="9525">
                   <a:solidFill>
                     <a:srgbClr val="000000"/>
                   </a:solidFill>
@@ -24214,7 +24214,7 @@
             </a:ln>
             <a:extLst>
               <a:ext uri="{91240B29-F687-4f45-9708-019B960494DF}">
-                <a14:hiddenLine xmlns:p14="http://schemas.microsoft.com/office/powerpoint/2010/main" xmlns:a14="http://schemas.microsoft.com/office/drawing/2010/main" xmlns:a16="http://schemas.microsoft.com/office/drawing/2014/main" xmlns="" w="9525">
+                <a14:hiddenLine xmlns="" xmlns:a16="http://schemas.microsoft.com/office/drawing/2014/main" xmlns:a14="http://schemas.microsoft.com/office/drawing/2010/main" xmlns:p14="http://schemas.microsoft.com/office/powerpoint/2010/main" w="9525">
                   <a:solidFill>
                     <a:srgbClr val="000000"/>
                   </a:solidFill>
@@ -24326,7 +24326,7 @@
             </a:ln>
             <a:extLst>
               <a:ext uri="{91240B29-F687-4f45-9708-019B960494DF}">
-                <a14:hiddenLine xmlns:p14="http://schemas.microsoft.com/office/powerpoint/2010/main" xmlns:a14="http://schemas.microsoft.com/office/drawing/2010/main" xmlns:a16="http://schemas.microsoft.com/office/drawing/2014/main" xmlns="" w="9525">
+                <a14:hiddenLine xmlns="" xmlns:a16="http://schemas.microsoft.com/office/drawing/2014/main" xmlns:a14="http://schemas.microsoft.com/office/drawing/2010/main" xmlns:p14="http://schemas.microsoft.com/office/powerpoint/2010/main" w="9525">
                   <a:solidFill>
                     <a:srgbClr val="000000"/>
                   </a:solidFill>
@@ -24410,7 +24410,7 @@
             </a:ln>
             <a:extLst>
               <a:ext uri="{91240B29-F687-4f45-9708-019B960494DF}">
-                <a14:hiddenLine xmlns:p14="http://schemas.microsoft.com/office/powerpoint/2010/main" xmlns:a14="http://schemas.microsoft.com/office/drawing/2010/main" xmlns:a16="http://schemas.microsoft.com/office/drawing/2014/main" xmlns="" w="9525">
+                <a14:hiddenLine xmlns="" xmlns:a16="http://schemas.microsoft.com/office/drawing/2014/main" xmlns:a14="http://schemas.microsoft.com/office/drawing/2010/main" xmlns:p14="http://schemas.microsoft.com/office/powerpoint/2010/main" w="9525">
                   <a:solidFill>
                     <a:srgbClr val="000000"/>
                   </a:solidFill>
@@ -24542,7 +24542,7 @@
             </a:ln>
             <a:extLst>
               <a:ext uri="{91240B29-F687-4f45-9708-019B960494DF}">
-                <a14:hiddenLine xmlns:p14="http://schemas.microsoft.com/office/powerpoint/2010/main" xmlns:a14="http://schemas.microsoft.com/office/drawing/2010/main" xmlns:a16="http://schemas.microsoft.com/office/drawing/2014/main" xmlns="" w="9525">
+                <a14:hiddenLine xmlns="" xmlns:a16="http://schemas.microsoft.com/office/drawing/2014/main" xmlns:a14="http://schemas.microsoft.com/office/drawing/2010/main" xmlns:p14="http://schemas.microsoft.com/office/powerpoint/2010/main" w="9525">
                   <a:solidFill>
                     <a:srgbClr val="000000"/>
                   </a:solidFill>
@@ -24626,7 +24626,7 @@
             </a:ln>
             <a:extLst>
               <a:ext uri="{91240B29-F687-4f45-9708-019B960494DF}">
-                <a14:hiddenLine xmlns:p14="http://schemas.microsoft.com/office/powerpoint/2010/main" xmlns:a14="http://schemas.microsoft.com/office/drawing/2010/main" xmlns:a16="http://schemas.microsoft.com/office/drawing/2014/main" xmlns="" w="9525">
+                <a14:hiddenLine xmlns="" xmlns:a16="http://schemas.microsoft.com/office/drawing/2014/main" xmlns:a14="http://schemas.microsoft.com/office/drawing/2010/main" xmlns:p14="http://schemas.microsoft.com/office/powerpoint/2010/main" w="9525">
                   <a:solidFill>
                     <a:srgbClr val="000000"/>
                   </a:solidFill>
@@ -24738,7 +24738,7 @@
             </a:ln>
             <a:extLst>
               <a:ext uri="{91240B29-F687-4f45-9708-019B960494DF}">
-                <a14:hiddenLine xmlns:p14="http://schemas.microsoft.com/office/powerpoint/2010/main" xmlns:a14="http://schemas.microsoft.com/office/drawing/2010/main" xmlns:a16="http://schemas.microsoft.com/office/drawing/2014/main" xmlns="" w="9525">
+                <a14:hiddenLine xmlns="" xmlns:a16="http://schemas.microsoft.com/office/drawing/2014/main" xmlns:a14="http://schemas.microsoft.com/office/drawing/2010/main" xmlns:p14="http://schemas.microsoft.com/office/powerpoint/2010/main" w="9525">
                   <a:solidFill>
                     <a:srgbClr val="000000"/>
                   </a:solidFill>
@@ -24850,7 +24850,7 @@
             </a:ln>
             <a:extLst>
               <a:ext uri="{91240B29-F687-4f45-9708-019B960494DF}">
-                <a14:hiddenLine xmlns:p14="http://schemas.microsoft.com/office/powerpoint/2010/main" xmlns:a14="http://schemas.microsoft.com/office/drawing/2010/main" xmlns:a16="http://schemas.microsoft.com/office/drawing/2014/main" xmlns="" w="9525">
+                <a14:hiddenLine xmlns="" xmlns:a16="http://schemas.microsoft.com/office/drawing/2014/main" xmlns:a14="http://schemas.microsoft.com/office/drawing/2010/main" xmlns:p14="http://schemas.microsoft.com/office/powerpoint/2010/main" w="9525">
                   <a:solidFill>
                     <a:srgbClr val="000000"/>
                   </a:solidFill>
@@ -24934,7 +24934,7 @@
             </a:ln>
             <a:extLst>
               <a:ext uri="{91240B29-F687-4f45-9708-019B960494DF}">
-                <a14:hiddenLine xmlns:p14="http://schemas.microsoft.com/office/powerpoint/2010/main" xmlns:a14="http://schemas.microsoft.com/office/drawing/2010/main" xmlns:a16="http://schemas.microsoft.com/office/drawing/2014/main" xmlns="" w="9525">
+                <a14:hiddenLine xmlns="" xmlns:a16="http://schemas.microsoft.com/office/drawing/2014/main" xmlns:a14="http://schemas.microsoft.com/office/drawing/2010/main" xmlns:p14="http://schemas.microsoft.com/office/powerpoint/2010/main" w="9525">
                   <a:solidFill>
                     <a:srgbClr val="000000"/>
                   </a:solidFill>
@@ -25046,7 +25046,7 @@
             </a:ln>
             <a:extLst>
               <a:ext uri="{91240B29-F687-4f45-9708-019B960494DF}">
-                <a14:hiddenLine xmlns:p14="http://schemas.microsoft.com/office/powerpoint/2010/main" xmlns:a14="http://schemas.microsoft.com/office/drawing/2010/main" xmlns:a16="http://schemas.microsoft.com/office/drawing/2014/main" xmlns="" w="9525">
+                <a14:hiddenLine xmlns="" xmlns:a16="http://schemas.microsoft.com/office/drawing/2014/main" xmlns:a14="http://schemas.microsoft.com/office/drawing/2010/main" xmlns:p14="http://schemas.microsoft.com/office/powerpoint/2010/main" w="9525">
                   <a:solidFill>
                     <a:srgbClr val="000000"/>
                   </a:solidFill>
@@ -25158,7 +25158,7 @@
             </a:ln>
             <a:extLst>
               <a:ext uri="{91240B29-F687-4f45-9708-019B960494DF}">
-                <a14:hiddenLine xmlns:p14="http://schemas.microsoft.com/office/powerpoint/2010/main" xmlns:a14="http://schemas.microsoft.com/office/drawing/2010/main" xmlns:a16="http://schemas.microsoft.com/office/drawing/2014/main" xmlns="" w="9525">
+                <a14:hiddenLine xmlns="" xmlns:a16="http://schemas.microsoft.com/office/drawing/2014/main" xmlns:a14="http://schemas.microsoft.com/office/drawing/2010/main" xmlns:p14="http://schemas.microsoft.com/office/powerpoint/2010/main" w="9525">
                   <a:solidFill>
                     <a:srgbClr val="000000"/>
                   </a:solidFill>
@@ -25236,7 +25236,7 @@
             </a:ln>
             <a:extLst>
               <a:ext uri="{91240B29-F687-4f45-9708-019B960494DF}">
-                <a14:hiddenLine xmlns:p14="http://schemas.microsoft.com/office/powerpoint/2010/main" xmlns:a14="http://schemas.microsoft.com/office/drawing/2010/main" xmlns:a16="http://schemas.microsoft.com/office/drawing/2014/main" xmlns="" w="9525">
+                <a14:hiddenLine xmlns="" xmlns:a16="http://schemas.microsoft.com/office/drawing/2014/main" xmlns:a14="http://schemas.microsoft.com/office/drawing/2010/main" xmlns:p14="http://schemas.microsoft.com/office/powerpoint/2010/main" w="9525">
                   <a:solidFill>
                     <a:srgbClr val="000000"/>
                   </a:solidFill>
@@ -25348,7 +25348,7 @@
             </a:ln>
             <a:extLst>
               <a:ext uri="{91240B29-F687-4f45-9708-019B960494DF}">
-                <a14:hiddenLine xmlns:p14="http://schemas.microsoft.com/office/powerpoint/2010/main" xmlns:a14="http://schemas.microsoft.com/office/drawing/2010/main" xmlns:a16="http://schemas.microsoft.com/office/drawing/2014/main" xmlns="" w="9525">
+                <a14:hiddenLine xmlns="" xmlns:a16="http://schemas.microsoft.com/office/drawing/2014/main" xmlns:a14="http://schemas.microsoft.com/office/drawing/2010/main" xmlns:p14="http://schemas.microsoft.com/office/powerpoint/2010/main" w="9525">
                   <a:solidFill>
                     <a:srgbClr val="000000"/>
                   </a:solidFill>
@@ -25426,7 +25426,7 @@
             </a:ln>
             <a:extLst>
               <a:ext uri="{91240B29-F687-4f45-9708-019B960494DF}">
-                <a14:hiddenLine xmlns:p14="http://schemas.microsoft.com/office/powerpoint/2010/main" xmlns:a14="http://schemas.microsoft.com/office/drawing/2010/main" xmlns:a16="http://schemas.microsoft.com/office/drawing/2014/main" xmlns="" w="9525">
+                <a14:hiddenLine xmlns="" xmlns:a16="http://schemas.microsoft.com/office/drawing/2014/main" xmlns:a14="http://schemas.microsoft.com/office/drawing/2010/main" xmlns:p14="http://schemas.microsoft.com/office/powerpoint/2010/main" w="9525">
                   <a:solidFill>
                     <a:srgbClr val="000000"/>
                   </a:solidFill>
@@ -25538,7 +25538,7 @@
             </a:ln>
             <a:extLst>
               <a:ext uri="{91240B29-F687-4f45-9708-019B960494DF}">
-                <a14:hiddenLine xmlns:p14="http://schemas.microsoft.com/office/powerpoint/2010/main" xmlns:a14="http://schemas.microsoft.com/office/drawing/2010/main" xmlns:a16="http://schemas.microsoft.com/office/drawing/2014/main" xmlns="" w="9525">
+                <a14:hiddenLine xmlns="" xmlns:a16="http://schemas.microsoft.com/office/drawing/2014/main" xmlns:a14="http://schemas.microsoft.com/office/drawing/2010/main" xmlns:p14="http://schemas.microsoft.com/office/powerpoint/2010/main" w="9525">
                   <a:solidFill>
                     <a:srgbClr val="000000"/>
                   </a:solidFill>
@@ -25628,7 +25628,7 @@
             </a:ln>
             <a:extLst>
               <a:ext uri="{91240B29-F687-4f45-9708-019B960494DF}">
-                <a14:hiddenLine xmlns:p14="http://schemas.microsoft.com/office/powerpoint/2010/main" xmlns:a14="http://schemas.microsoft.com/office/drawing/2010/main" xmlns:a16="http://schemas.microsoft.com/office/drawing/2014/main" xmlns="" w="9525">
+                <a14:hiddenLine xmlns="" xmlns:a16="http://schemas.microsoft.com/office/drawing/2014/main" xmlns:a14="http://schemas.microsoft.com/office/drawing/2010/main" xmlns:p14="http://schemas.microsoft.com/office/powerpoint/2010/main" w="9525">
                   <a:solidFill>
                     <a:srgbClr val="000000"/>
                   </a:solidFill>
@@ -25740,7 +25740,7 @@
             </a:ln>
             <a:extLst>
               <a:ext uri="{91240B29-F687-4f45-9708-019B960494DF}">
-                <a14:hiddenLine xmlns:p14="http://schemas.microsoft.com/office/powerpoint/2010/main" xmlns:a14="http://schemas.microsoft.com/office/drawing/2010/main" xmlns:a16="http://schemas.microsoft.com/office/drawing/2014/main" xmlns="" w="9525">
+                <a14:hiddenLine xmlns="" xmlns:a16="http://schemas.microsoft.com/office/drawing/2014/main" xmlns:a14="http://schemas.microsoft.com/office/drawing/2010/main" xmlns:p14="http://schemas.microsoft.com/office/powerpoint/2010/main" w="9525">
                   <a:solidFill>
                     <a:srgbClr val="000000"/>
                   </a:solidFill>
@@ -25830,7 +25830,7 @@
             </a:ln>
             <a:extLst>
               <a:ext uri="{91240B29-F687-4f45-9708-019B960494DF}">
-                <a14:hiddenLine xmlns:p14="http://schemas.microsoft.com/office/powerpoint/2010/main" xmlns:a14="http://schemas.microsoft.com/office/drawing/2010/main" xmlns:a16="http://schemas.microsoft.com/office/drawing/2014/main" xmlns="" w="9525">
+                <a14:hiddenLine xmlns="" xmlns:a16="http://schemas.microsoft.com/office/drawing/2014/main" xmlns:a14="http://schemas.microsoft.com/office/drawing/2010/main" xmlns:p14="http://schemas.microsoft.com/office/powerpoint/2010/main" w="9525">
                   <a:solidFill>
                     <a:srgbClr val="000000"/>
                   </a:solidFill>
@@ -25942,7 +25942,7 @@
             </a:ln>
             <a:extLst>
               <a:ext uri="{91240B29-F687-4f45-9708-019B960494DF}">
-                <a14:hiddenLine xmlns:p14="http://schemas.microsoft.com/office/powerpoint/2010/main" xmlns:a14="http://schemas.microsoft.com/office/drawing/2010/main" xmlns:a16="http://schemas.microsoft.com/office/drawing/2014/main" xmlns="" w="9525">
+                <a14:hiddenLine xmlns="" xmlns:a16="http://schemas.microsoft.com/office/drawing/2014/main" xmlns:a14="http://schemas.microsoft.com/office/drawing/2010/main" xmlns:p14="http://schemas.microsoft.com/office/powerpoint/2010/main" w="9525">
                   <a:solidFill>
                     <a:srgbClr val="000000"/>
                   </a:solidFill>
@@ -25998,7 +25998,7 @@
             </a:ln>
             <a:extLst>
               <a:ext uri="{91240B29-F687-4f45-9708-019B960494DF}">
-                <a14:hiddenLine xmlns:p14="http://schemas.microsoft.com/office/powerpoint/2010/main" xmlns:a14="http://schemas.microsoft.com/office/drawing/2010/main" xmlns:a16="http://schemas.microsoft.com/office/drawing/2014/main" xmlns="" w="9525">
+                <a14:hiddenLine xmlns="" xmlns:a16="http://schemas.microsoft.com/office/drawing/2014/main" xmlns:a14="http://schemas.microsoft.com/office/drawing/2010/main" xmlns:p14="http://schemas.microsoft.com/office/powerpoint/2010/main" w="9525">
                   <a:solidFill>
                     <a:srgbClr val="000000"/>
                   </a:solidFill>
@@ -26110,7 +26110,7 @@
             </a:ln>
             <a:extLst>
               <a:ext uri="{91240B29-F687-4f45-9708-019B960494DF}">
-                <a14:hiddenLine xmlns:p14="http://schemas.microsoft.com/office/powerpoint/2010/main" xmlns:a14="http://schemas.microsoft.com/office/drawing/2010/main" xmlns:a16="http://schemas.microsoft.com/office/drawing/2014/main" xmlns="" w="9525">
+                <a14:hiddenLine xmlns="" xmlns:a16="http://schemas.microsoft.com/office/drawing/2014/main" xmlns:a14="http://schemas.microsoft.com/office/drawing/2010/main" xmlns:p14="http://schemas.microsoft.com/office/powerpoint/2010/main" w="9525">
                   <a:solidFill>
                     <a:srgbClr val="000000"/>
                   </a:solidFill>
@@ -26194,7 +26194,7 @@
             </a:ln>
             <a:extLst>
               <a:ext uri="{91240B29-F687-4f45-9708-019B960494DF}">
-                <a14:hiddenLine xmlns:p14="http://schemas.microsoft.com/office/powerpoint/2010/main" xmlns:a14="http://schemas.microsoft.com/office/drawing/2010/main" xmlns:a16="http://schemas.microsoft.com/office/drawing/2014/main" xmlns="" w="9525">
+                <a14:hiddenLine xmlns="" xmlns:a16="http://schemas.microsoft.com/office/drawing/2014/main" xmlns:a14="http://schemas.microsoft.com/office/drawing/2010/main" xmlns:p14="http://schemas.microsoft.com/office/powerpoint/2010/main" w="9525">
                   <a:solidFill>
                     <a:srgbClr val="000000"/>
                   </a:solidFill>
@@ -26278,7 +26278,7 @@
             </a:ln>
             <a:extLst>
               <a:ext uri="{91240B29-F687-4f45-9708-019B960494DF}">
-                <a14:hiddenLine xmlns:p14="http://schemas.microsoft.com/office/powerpoint/2010/main" xmlns:a14="http://schemas.microsoft.com/office/drawing/2010/main" xmlns:a16="http://schemas.microsoft.com/office/drawing/2014/main" xmlns="" w="9525">
+                <a14:hiddenLine xmlns="" xmlns:a16="http://schemas.microsoft.com/office/drawing/2014/main" xmlns:a14="http://schemas.microsoft.com/office/drawing/2010/main" xmlns:p14="http://schemas.microsoft.com/office/powerpoint/2010/main" w="9525">
                   <a:solidFill>
                     <a:srgbClr val="000000"/>
                   </a:solidFill>
@@ -26390,7 +26390,7 @@
             </a:ln>
             <a:extLst>
               <a:ext uri="{91240B29-F687-4f45-9708-019B960494DF}">
-                <a14:hiddenLine xmlns:p14="http://schemas.microsoft.com/office/powerpoint/2010/main" xmlns:a14="http://schemas.microsoft.com/office/drawing/2010/main" xmlns:a16="http://schemas.microsoft.com/office/drawing/2014/main" xmlns="" w="9525">
+                <a14:hiddenLine xmlns="" xmlns:a16="http://schemas.microsoft.com/office/drawing/2014/main" xmlns:a14="http://schemas.microsoft.com/office/drawing/2010/main" xmlns:p14="http://schemas.microsoft.com/office/powerpoint/2010/main" w="9525">
                   <a:solidFill>
                     <a:srgbClr val="000000"/>
                   </a:solidFill>
@@ -26480,7 +26480,7 @@
             </a:ln>
             <a:extLst>
               <a:ext uri="{91240B29-F687-4f45-9708-019B960494DF}">
-                <a14:hiddenLine xmlns:p14="http://schemas.microsoft.com/office/powerpoint/2010/main" xmlns:a14="http://schemas.microsoft.com/office/drawing/2010/main" xmlns:a16="http://schemas.microsoft.com/office/drawing/2014/main" xmlns="" w="9525">
+                <a14:hiddenLine xmlns="" xmlns:a16="http://schemas.microsoft.com/office/drawing/2014/main" xmlns:a14="http://schemas.microsoft.com/office/drawing/2010/main" xmlns:p14="http://schemas.microsoft.com/office/powerpoint/2010/main" w="9525">
                   <a:solidFill>
                     <a:srgbClr val="000000"/>
                   </a:solidFill>
@@ -26564,7 +26564,7 @@
             </a:ln>
             <a:extLst>
               <a:ext uri="{91240B29-F687-4f45-9708-019B960494DF}">
-                <a14:hiddenLine xmlns:p14="http://schemas.microsoft.com/office/powerpoint/2010/main" xmlns:a14="http://schemas.microsoft.com/office/drawing/2010/main" xmlns:a16="http://schemas.microsoft.com/office/drawing/2014/main" xmlns="" w="9525">
+                <a14:hiddenLine xmlns="" xmlns:a16="http://schemas.microsoft.com/office/drawing/2014/main" xmlns:a14="http://schemas.microsoft.com/office/drawing/2010/main" xmlns:p14="http://schemas.microsoft.com/office/powerpoint/2010/main" w="9525">
                   <a:solidFill>
                     <a:srgbClr val="000000"/>
                   </a:solidFill>
@@ -26676,7 +26676,7 @@
             </a:ln>
             <a:extLst>
               <a:ext uri="{91240B29-F687-4f45-9708-019B960494DF}">
-                <a14:hiddenLine xmlns:p14="http://schemas.microsoft.com/office/powerpoint/2010/main" xmlns:a14="http://schemas.microsoft.com/office/drawing/2010/main" xmlns:a16="http://schemas.microsoft.com/office/drawing/2014/main" xmlns="" w="9525">
+                <a14:hiddenLine xmlns="" xmlns:a16="http://schemas.microsoft.com/office/drawing/2014/main" xmlns:a14="http://schemas.microsoft.com/office/drawing/2010/main" xmlns:p14="http://schemas.microsoft.com/office/powerpoint/2010/main" w="9525">
                   <a:solidFill>
                     <a:srgbClr val="000000"/>
                   </a:solidFill>
@@ -26760,7 +26760,7 @@
             </a:ln>
             <a:extLst>
               <a:ext uri="{91240B29-F687-4f45-9708-019B960494DF}">
-                <a14:hiddenLine xmlns:p14="http://schemas.microsoft.com/office/powerpoint/2010/main" xmlns:a14="http://schemas.microsoft.com/office/drawing/2010/main" xmlns:a16="http://schemas.microsoft.com/office/drawing/2014/main" xmlns="" w="9525">
+                <a14:hiddenLine xmlns="" xmlns:a16="http://schemas.microsoft.com/office/drawing/2014/main" xmlns:a14="http://schemas.microsoft.com/office/drawing/2010/main" xmlns:p14="http://schemas.microsoft.com/office/powerpoint/2010/main" w="9525">
                   <a:solidFill>
                     <a:srgbClr val="000000"/>
                   </a:solidFill>
@@ -26872,7 +26872,7 @@
             </a:ln>
             <a:extLst>
               <a:ext uri="{91240B29-F687-4f45-9708-019B960494DF}">
-                <a14:hiddenLine xmlns:p14="http://schemas.microsoft.com/office/powerpoint/2010/main" xmlns:a14="http://schemas.microsoft.com/office/drawing/2010/main" xmlns:a16="http://schemas.microsoft.com/office/drawing/2014/main" xmlns="" w="9525">
+                <a14:hiddenLine xmlns="" xmlns:a16="http://schemas.microsoft.com/office/drawing/2014/main" xmlns:a14="http://schemas.microsoft.com/office/drawing/2010/main" xmlns:p14="http://schemas.microsoft.com/office/powerpoint/2010/main" w="9525">
                   <a:solidFill>
                     <a:srgbClr val="000000"/>
                   </a:solidFill>
@@ -26956,7 +26956,7 @@
             </a:ln>
             <a:extLst>
               <a:ext uri="{91240B29-F687-4f45-9708-019B960494DF}">
-                <a14:hiddenLine xmlns:p14="http://schemas.microsoft.com/office/powerpoint/2010/main" xmlns:a14="http://schemas.microsoft.com/office/drawing/2010/main" xmlns:a16="http://schemas.microsoft.com/office/drawing/2014/main" xmlns="" w="9525">
+                <a14:hiddenLine xmlns="" xmlns:a16="http://schemas.microsoft.com/office/drawing/2014/main" xmlns:a14="http://schemas.microsoft.com/office/drawing/2010/main" xmlns:p14="http://schemas.microsoft.com/office/powerpoint/2010/main" w="9525">
                   <a:solidFill>
                     <a:srgbClr val="000000"/>
                   </a:solidFill>
@@ -27068,7 +27068,7 @@
             </a:ln>
             <a:extLst>
               <a:ext uri="{91240B29-F687-4f45-9708-019B960494DF}">
-                <a14:hiddenLine xmlns:p14="http://schemas.microsoft.com/office/powerpoint/2010/main" xmlns:a14="http://schemas.microsoft.com/office/drawing/2010/main" xmlns:a16="http://schemas.microsoft.com/office/drawing/2014/main" xmlns="" w="9525">
+                <a14:hiddenLine xmlns="" xmlns:a16="http://schemas.microsoft.com/office/drawing/2014/main" xmlns:a14="http://schemas.microsoft.com/office/drawing/2010/main" xmlns:p14="http://schemas.microsoft.com/office/powerpoint/2010/main" w="9525">
                   <a:solidFill>
                     <a:srgbClr val="000000"/>
                   </a:solidFill>
@@ -27124,7 +27124,7 @@
             </a:ln>
             <a:extLst>
               <a:ext uri="{91240B29-F687-4f45-9708-019B960494DF}">
-                <a14:hiddenLine xmlns:p14="http://schemas.microsoft.com/office/powerpoint/2010/main" xmlns:a14="http://schemas.microsoft.com/office/drawing/2010/main" xmlns:a16="http://schemas.microsoft.com/office/drawing/2014/main" xmlns="" w="9525">
+                <a14:hiddenLine xmlns="" xmlns:a16="http://schemas.microsoft.com/office/drawing/2014/main" xmlns:a14="http://schemas.microsoft.com/office/drawing/2010/main" xmlns:p14="http://schemas.microsoft.com/office/powerpoint/2010/main" w="9525">
                   <a:solidFill>
                     <a:srgbClr val="000000"/>
                   </a:solidFill>
@@ -27211,7 +27211,7 @@
             </a:ln>
             <a:extLst>
               <a:ext uri="{91240B29-F687-4f45-9708-019B960494DF}">
-                <a14:hiddenLine xmlns:p14="http://schemas.microsoft.com/office/powerpoint/2010/main" xmlns:a14="http://schemas.microsoft.com/office/drawing/2010/main" xmlns:a16="http://schemas.microsoft.com/office/drawing/2014/main" xmlns="" w="9525">
+                <a14:hiddenLine xmlns="" xmlns:a16="http://schemas.microsoft.com/office/drawing/2014/main" xmlns:a14="http://schemas.microsoft.com/office/drawing/2010/main" xmlns:p14="http://schemas.microsoft.com/office/powerpoint/2010/main" w="9525">
                   <a:solidFill>
                     <a:srgbClr val="000000"/>
                   </a:solidFill>
@@ -27323,7 +27323,7 @@
             </a:ln>
             <a:extLst>
               <a:ext uri="{91240B29-F687-4f45-9708-019B960494DF}">
-                <a14:hiddenLine xmlns:p14="http://schemas.microsoft.com/office/powerpoint/2010/main" xmlns:a14="http://schemas.microsoft.com/office/drawing/2010/main" xmlns:a16="http://schemas.microsoft.com/office/drawing/2014/main" xmlns="" w="9525">
+                <a14:hiddenLine xmlns="" xmlns:a16="http://schemas.microsoft.com/office/drawing/2014/main" xmlns:a14="http://schemas.microsoft.com/office/drawing/2010/main" xmlns:p14="http://schemas.microsoft.com/office/powerpoint/2010/main" w="9525">
                   <a:solidFill>
                     <a:srgbClr val="000000"/>
                   </a:solidFill>
@@ -27407,7 +27407,7 @@
             </a:ln>
             <a:extLst>
               <a:ext uri="{91240B29-F687-4f45-9708-019B960494DF}">
-                <a14:hiddenLine xmlns:p14="http://schemas.microsoft.com/office/powerpoint/2010/main" xmlns:a14="http://schemas.microsoft.com/office/drawing/2010/main" xmlns:a16="http://schemas.microsoft.com/office/drawing/2014/main" xmlns="" w="9525">
+                <a14:hiddenLine xmlns="" xmlns:a16="http://schemas.microsoft.com/office/drawing/2014/main" xmlns:a14="http://schemas.microsoft.com/office/drawing/2010/main" xmlns:p14="http://schemas.microsoft.com/office/powerpoint/2010/main" w="9525">
                   <a:solidFill>
                     <a:srgbClr val="000000"/>
                   </a:solidFill>
@@ -27519,7 +27519,7 @@
             </a:ln>
             <a:extLst>
               <a:ext uri="{91240B29-F687-4f45-9708-019B960494DF}">
-                <a14:hiddenLine xmlns:p14="http://schemas.microsoft.com/office/powerpoint/2010/main" xmlns:a14="http://schemas.microsoft.com/office/drawing/2010/main" xmlns:a16="http://schemas.microsoft.com/office/drawing/2014/main" xmlns="" w="9525">
+                <a14:hiddenLine xmlns="" xmlns:a16="http://schemas.microsoft.com/office/drawing/2014/main" xmlns:a14="http://schemas.microsoft.com/office/drawing/2010/main" xmlns:p14="http://schemas.microsoft.com/office/powerpoint/2010/main" w="9525">
                   <a:solidFill>
                     <a:srgbClr val="000000"/>
                   </a:solidFill>
@@ -27631,7 +27631,7 @@
             </a:ln>
             <a:extLst>
               <a:ext uri="{91240B29-F687-4f45-9708-019B960494DF}">
-                <a14:hiddenLine xmlns:p14="http://schemas.microsoft.com/office/powerpoint/2010/main" xmlns:a14="http://schemas.microsoft.com/office/drawing/2010/main" xmlns:a16="http://schemas.microsoft.com/office/drawing/2014/main" xmlns="" w="9525">
+                <a14:hiddenLine xmlns="" xmlns:a16="http://schemas.microsoft.com/office/drawing/2014/main" xmlns:a14="http://schemas.microsoft.com/office/drawing/2010/main" xmlns:p14="http://schemas.microsoft.com/office/powerpoint/2010/main" w="9525">
                   <a:solidFill>
                     <a:srgbClr val="000000"/>
                   </a:solidFill>
@@ -27718,7 +27718,7 @@
             </a:ln>
             <a:extLst>
               <a:ext uri="{91240B29-F687-4f45-9708-019B960494DF}">
-                <a14:hiddenLine xmlns:p14="http://schemas.microsoft.com/office/powerpoint/2010/main" xmlns:a14="http://schemas.microsoft.com/office/drawing/2010/main" xmlns:a16="http://schemas.microsoft.com/office/drawing/2014/main" xmlns="" w="9525">
+                <a14:hiddenLine xmlns="" xmlns:a16="http://schemas.microsoft.com/office/drawing/2014/main" xmlns:a14="http://schemas.microsoft.com/office/drawing/2010/main" xmlns:p14="http://schemas.microsoft.com/office/powerpoint/2010/main" w="9525">
                   <a:solidFill>
                     <a:srgbClr val="000000"/>
                   </a:solidFill>
@@ -27802,7 +27802,7 @@
             </a:ln>
             <a:extLst>
               <a:ext uri="{91240B29-F687-4f45-9708-019B960494DF}">
-                <a14:hiddenLine xmlns:p14="http://schemas.microsoft.com/office/powerpoint/2010/main" xmlns:a14="http://schemas.microsoft.com/office/drawing/2010/main" xmlns:a16="http://schemas.microsoft.com/office/drawing/2014/main" xmlns="" w="9525">
+                <a14:hiddenLine xmlns="" xmlns:a16="http://schemas.microsoft.com/office/drawing/2014/main" xmlns:a14="http://schemas.microsoft.com/office/drawing/2010/main" xmlns:p14="http://schemas.microsoft.com/office/powerpoint/2010/main" w="9525">
                   <a:solidFill>
                     <a:srgbClr val="000000"/>
                   </a:solidFill>
@@ -27914,7 +27914,7 @@
             </a:ln>
             <a:extLst>
               <a:ext uri="{91240B29-F687-4f45-9708-019B960494DF}">
-                <a14:hiddenLine xmlns:p14="http://schemas.microsoft.com/office/powerpoint/2010/main" xmlns:a14="http://schemas.microsoft.com/office/drawing/2010/main" xmlns:a16="http://schemas.microsoft.com/office/drawing/2014/main" xmlns="" w="9525">
+                <a14:hiddenLine xmlns="" xmlns:a16="http://schemas.microsoft.com/office/drawing/2014/main" xmlns:a14="http://schemas.microsoft.com/office/drawing/2010/main" xmlns:p14="http://schemas.microsoft.com/office/powerpoint/2010/main" w="9525">
                   <a:solidFill>
                     <a:srgbClr val="000000"/>
                   </a:solidFill>
@@ -28026,7 +28026,7 @@
             </a:ln>
             <a:extLst>
               <a:ext uri="{91240B29-F687-4f45-9708-019B960494DF}">
-                <a14:hiddenLine xmlns:p14="http://schemas.microsoft.com/office/powerpoint/2010/main" xmlns:a14="http://schemas.microsoft.com/office/drawing/2010/main" xmlns:a16="http://schemas.microsoft.com/office/drawing/2014/main" xmlns="" w="9525">
+                <a14:hiddenLine xmlns="" xmlns:a16="http://schemas.microsoft.com/office/drawing/2014/main" xmlns:a14="http://schemas.microsoft.com/office/drawing/2010/main" xmlns:p14="http://schemas.microsoft.com/office/powerpoint/2010/main" w="9525">
                   <a:solidFill>
                     <a:srgbClr val="000000"/>
                   </a:solidFill>
@@ -28110,7 +28110,7 @@
             </a:ln>
             <a:extLst>
               <a:ext uri="{91240B29-F687-4f45-9708-019B960494DF}">
-                <a14:hiddenLine xmlns:p14="http://schemas.microsoft.com/office/powerpoint/2010/main" xmlns:a14="http://schemas.microsoft.com/office/drawing/2010/main" xmlns:a16="http://schemas.microsoft.com/office/drawing/2014/main" xmlns="" w="9525">
+                <a14:hiddenLine xmlns="" xmlns:a16="http://schemas.microsoft.com/office/drawing/2014/main" xmlns:a14="http://schemas.microsoft.com/office/drawing/2010/main" xmlns:p14="http://schemas.microsoft.com/office/powerpoint/2010/main" w="9525">
                   <a:solidFill>
                     <a:srgbClr val="000000"/>
                   </a:solidFill>
@@ -28252,7 +28252,7 @@
             </a:ln>
             <a:extLst>
               <a:ext uri="{91240B29-F687-4f45-9708-019B960494DF}">
-                <a14:hiddenLine xmlns:p14="http://schemas.microsoft.com/office/powerpoint/2010/main" xmlns:a14="http://schemas.microsoft.com/office/drawing/2010/main" xmlns:a16="http://schemas.microsoft.com/office/drawing/2014/main" xmlns="" w="9525">
+                <a14:hiddenLine xmlns="" xmlns:a16="http://schemas.microsoft.com/office/drawing/2014/main" xmlns:a14="http://schemas.microsoft.com/office/drawing/2010/main" xmlns:p14="http://schemas.microsoft.com/office/powerpoint/2010/main" w="9525">
                   <a:solidFill>
                     <a:srgbClr val="000000"/>
                   </a:solidFill>
@@ -28342,7 +28342,7 @@
             </a:ln>
             <a:extLst>
               <a:ext uri="{91240B29-F687-4f45-9708-019B960494DF}">
-                <a14:hiddenLine xmlns:p14="http://schemas.microsoft.com/office/powerpoint/2010/main" xmlns:a14="http://schemas.microsoft.com/office/drawing/2010/main" xmlns:a16="http://schemas.microsoft.com/office/drawing/2014/main" xmlns="" w="9525">
+                <a14:hiddenLine xmlns="" xmlns:a16="http://schemas.microsoft.com/office/drawing/2014/main" xmlns:a14="http://schemas.microsoft.com/office/drawing/2010/main" xmlns:p14="http://schemas.microsoft.com/office/powerpoint/2010/main" w="9525">
                   <a:solidFill>
                     <a:srgbClr val="000000"/>
                   </a:solidFill>
@@ -28454,7 +28454,7 @@
             </a:ln>
             <a:extLst>
               <a:ext uri="{91240B29-F687-4f45-9708-019B960494DF}">
-                <a14:hiddenLine xmlns:p14="http://schemas.microsoft.com/office/powerpoint/2010/main" xmlns:a14="http://schemas.microsoft.com/office/drawing/2010/main" xmlns:a16="http://schemas.microsoft.com/office/drawing/2014/main" xmlns="" w="9525">
+                <a14:hiddenLine xmlns="" xmlns:a16="http://schemas.microsoft.com/office/drawing/2014/main" xmlns:a14="http://schemas.microsoft.com/office/drawing/2010/main" xmlns:p14="http://schemas.microsoft.com/office/powerpoint/2010/main" w="9525">
                   <a:solidFill>
                     <a:srgbClr val="000000"/>
                   </a:solidFill>
@@ -28591,7 +28591,7 @@
             </a:ln>
             <a:extLst>
               <a:ext uri="{91240B29-F687-4f45-9708-019B960494DF}">
-                <a14:hiddenLine xmlns:p14="http://schemas.microsoft.com/office/powerpoint/2010/main" xmlns:a14="http://schemas.microsoft.com/office/drawing/2010/main" xmlns:a16="http://schemas.microsoft.com/office/drawing/2014/main" xmlns="" w="9525">
+                <a14:hiddenLine xmlns="" xmlns:a16="http://schemas.microsoft.com/office/drawing/2014/main" xmlns:a14="http://schemas.microsoft.com/office/drawing/2010/main" xmlns:p14="http://schemas.microsoft.com/office/powerpoint/2010/main" w="9525">
                   <a:solidFill>
                     <a:srgbClr val="000000"/>
                   </a:solidFill>
@@ -28728,7 +28728,7 @@
             </a:ln>
             <a:extLst>
               <a:ext uri="{91240B29-F687-4f45-9708-019B960494DF}">
-                <a14:hiddenLine xmlns:p14="http://schemas.microsoft.com/office/powerpoint/2010/main" xmlns:a14="http://schemas.microsoft.com/office/drawing/2010/main" xmlns:a16="http://schemas.microsoft.com/office/drawing/2014/main" xmlns="" w="9525">
+                <a14:hiddenLine xmlns="" xmlns:a16="http://schemas.microsoft.com/office/drawing/2014/main" xmlns:a14="http://schemas.microsoft.com/office/drawing/2010/main" xmlns:p14="http://schemas.microsoft.com/office/powerpoint/2010/main" w="9525">
                   <a:solidFill>
                     <a:srgbClr val="000000"/>
                   </a:solidFill>
@@ -28840,7 +28840,7 @@
             </a:ln>
             <a:extLst>
               <a:ext uri="{91240B29-F687-4f45-9708-019B960494DF}">
-                <a14:hiddenLine xmlns:p14="http://schemas.microsoft.com/office/powerpoint/2010/main" xmlns:a14="http://schemas.microsoft.com/office/drawing/2010/main" xmlns:a16="http://schemas.microsoft.com/office/drawing/2014/main" xmlns="" w="9525">
+                <a14:hiddenLine xmlns="" xmlns:a16="http://schemas.microsoft.com/office/drawing/2014/main" xmlns:a14="http://schemas.microsoft.com/office/drawing/2010/main" xmlns:p14="http://schemas.microsoft.com/office/powerpoint/2010/main" w="9525">
                   <a:solidFill>
                     <a:srgbClr val="000000"/>
                   </a:solidFill>
@@ -28927,7 +28927,7 @@
             </a:ln>
             <a:extLst>
               <a:ext uri="{91240B29-F687-4f45-9708-019B960494DF}">
-                <a14:hiddenLine xmlns:p14="http://schemas.microsoft.com/office/powerpoint/2010/main" xmlns:a14="http://schemas.microsoft.com/office/drawing/2010/main" xmlns:a16="http://schemas.microsoft.com/office/drawing/2014/main" xmlns="" w="9525">
+                <a14:hiddenLine xmlns="" xmlns:a16="http://schemas.microsoft.com/office/drawing/2014/main" xmlns:a14="http://schemas.microsoft.com/office/drawing/2010/main" xmlns:p14="http://schemas.microsoft.com/office/powerpoint/2010/main" w="9525">
                   <a:solidFill>
                     <a:srgbClr val="000000"/>
                   </a:solidFill>
@@ -29039,7 +29039,7 @@
             </a:ln>
             <a:extLst>
               <a:ext uri="{91240B29-F687-4f45-9708-019B960494DF}">
-                <a14:hiddenLine xmlns:p14="http://schemas.microsoft.com/office/powerpoint/2010/main" xmlns:a14="http://schemas.microsoft.com/office/drawing/2010/main" xmlns:a16="http://schemas.microsoft.com/office/drawing/2014/main" xmlns="" w="9525">
+                <a14:hiddenLine xmlns="" xmlns:a16="http://schemas.microsoft.com/office/drawing/2014/main" xmlns:a14="http://schemas.microsoft.com/office/drawing/2010/main" xmlns:p14="http://schemas.microsoft.com/office/powerpoint/2010/main" w="9525">
                   <a:solidFill>
                     <a:srgbClr val="000000"/>
                   </a:solidFill>
@@ -29129,7 +29129,7 @@
             </a:ln>
             <a:extLst>
               <a:ext uri="{91240B29-F687-4f45-9708-019B960494DF}">
-                <a14:hiddenLine xmlns:p14="http://schemas.microsoft.com/office/powerpoint/2010/main" xmlns:a14="http://schemas.microsoft.com/office/drawing/2010/main" xmlns:a16="http://schemas.microsoft.com/office/drawing/2014/main" xmlns="" w="9525">
+                <a14:hiddenLine xmlns="" xmlns:a16="http://schemas.microsoft.com/office/drawing/2014/main" xmlns:a14="http://schemas.microsoft.com/office/drawing/2010/main" xmlns:p14="http://schemas.microsoft.com/office/powerpoint/2010/main" w="9525">
                   <a:solidFill>
                     <a:srgbClr val="000000"/>
                   </a:solidFill>
@@ -29241,7 +29241,7 @@
             </a:ln>
             <a:extLst>
               <a:ext uri="{91240B29-F687-4f45-9708-019B960494DF}">
-                <a14:hiddenLine xmlns:p14="http://schemas.microsoft.com/office/powerpoint/2010/main" xmlns:a14="http://schemas.microsoft.com/office/drawing/2010/main" xmlns:a16="http://schemas.microsoft.com/office/drawing/2014/main" xmlns="" w="9525">
+                <a14:hiddenLine xmlns="" xmlns:a16="http://schemas.microsoft.com/office/drawing/2014/main" xmlns:a14="http://schemas.microsoft.com/office/drawing/2010/main" xmlns:p14="http://schemas.microsoft.com/office/powerpoint/2010/main" w="9525">
                   <a:solidFill>
                     <a:srgbClr val="000000"/>
                   </a:solidFill>
@@ -29331,7 +29331,7 @@
             </a:ln>
             <a:extLst>
               <a:ext uri="{91240B29-F687-4f45-9708-019B960494DF}">
-                <a14:hiddenLine xmlns:p14="http://schemas.microsoft.com/office/powerpoint/2010/main" xmlns:a14="http://schemas.microsoft.com/office/drawing/2010/main" xmlns:a16="http://schemas.microsoft.com/office/drawing/2014/main" xmlns="" w="9525">
+                <a14:hiddenLine xmlns="" xmlns:a16="http://schemas.microsoft.com/office/drawing/2014/main" xmlns:a14="http://schemas.microsoft.com/office/drawing/2010/main" xmlns:p14="http://schemas.microsoft.com/office/powerpoint/2010/main" w="9525">
                   <a:solidFill>
                     <a:srgbClr val="000000"/>
                   </a:solidFill>
@@ -29443,7 +29443,7 @@
             </a:ln>
             <a:extLst>
               <a:ext uri="{91240B29-F687-4f45-9708-019B960494DF}">
-                <a14:hiddenLine xmlns:p14="http://schemas.microsoft.com/office/powerpoint/2010/main" xmlns:a14="http://schemas.microsoft.com/office/drawing/2010/main" xmlns:a16="http://schemas.microsoft.com/office/drawing/2014/main" xmlns="" w="9525">
+                <a14:hiddenLine xmlns="" xmlns:a16="http://schemas.microsoft.com/office/drawing/2014/main" xmlns:a14="http://schemas.microsoft.com/office/drawing/2010/main" xmlns:p14="http://schemas.microsoft.com/office/powerpoint/2010/main" w="9525">
                   <a:solidFill>
                     <a:srgbClr val="000000"/>
                   </a:solidFill>
@@ -29499,7 +29499,7 @@
             </a:ln>
             <a:extLst>
               <a:ext uri="{91240B29-F687-4f45-9708-019B960494DF}">
-                <a14:hiddenLine xmlns:p14="http://schemas.microsoft.com/office/powerpoint/2010/main" xmlns:a14="http://schemas.microsoft.com/office/drawing/2010/main" xmlns:a16="http://schemas.microsoft.com/office/drawing/2014/main" xmlns="" w="9525">
+                <a14:hiddenLine xmlns="" xmlns:a16="http://schemas.microsoft.com/office/drawing/2014/main" xmlns:a14="http://schemas.microsoft.com/office/drawing/2010/main" xmlns:p14="http://schemas.microsoft.com/office/powerpoint/2010/main" w="9525">
                   <a:solidFill>
                     <a:srgbClr val="000000"/>
                   </a:solidFill>
@@ -29599,6 +29599,74 @@
           </a:p>
         </p:txBody>
       </p:sp>
+      <p:pic>
+        <p:nvPicPr>
+          <p:cNvPr id="139" name="Kép 138">
+            <a:extLst>
+              <a:ext uri="{FF2B5EF4-FFF2-40B4-BE49-F238E27FC236}">
+                <a16:creationId xmlns:a16="http://schemas.microsoft.com/office/drawing/2014/main" id="{B45485FC-9C2F-4372-B1E8-060015E912AB}"/>
+              </a:ext>
+            </a:extLst>
+          </p:cNvPr>
+          <p:cNvPicPr/>
+          <p:nvPr/>
+        </p:nvPicPr>
+        <p:blipFill>
+          <a:blip r:embed="rId5">
+            <a:extLst>
+              <a:ext uri="{28A0092B-C50C-407E-A947-70E740481C1C}">
+                <a14:useLocalDpi xmlns:a14="http://schemas.microsoft.com/office/drawing/2010/main" val="0"/>
+              </a:ext>
+            </a:extLst>
+          </a:blip>
+          <a:stretch>
+            <a:fillRect/>
+          </a:stretch>
+        </p:blipFill>
+        <p:spPr>
+          <a:xfrm>
+            <a:off x="4901444" y="2166938"/>
+            <a:ext cx="2997458" cy="1774227"/>
+          </a:xfrm>
+          <a:prstGeom prst="rect">
+            <a:avLst/>
+          </a:prstGeom>
+        </p:spPr>
+      </p:pic>
+      <p:pic>
+        <p:nvPicPr>
+          <p:cNvPr id="140" name="Kép 139">
+            <a:extLst>
+              <a:ext uri="{FF2B5EF4-FFF2-40B4-BE49-F238E27FC236}">
+                <a16:creationId xmlns:a16="http://schemas.microsoft.com/office/drawing/2014/main" id="{B477CFCA-89DA-45B8-8CF3-67450BB7235A}"/>
+              </a:ext>
+            </a:extLst>
+          </p:cNvPr>
+          <p:cNvPicPr/>
+          <p:nvPr/>
+        </p:nvPicPr>
+        <p:blipFill>
+          <a:blip r:embed="rId6">
+            <a:extLst>
+              <a:ext uri="{28A0092B-C50C-407E-A947-70E740481C1C}">
+                <a14:useLocalDpi xmlns:a14="http://schemas.microsoft.com/office/drawing/2010/main" val="0"/>
+              </a:ext>
+            </a:extLst>
+          </a:blip>
+          <a:stretch>
+            <a:fillRect/>
+          </a:stretch>
+        </p:blipFill>
+        <p:spPr>
+          <a:xfrm>
+            <a:off x="6882117" y="3181315"/>
+            <a:ext cx="3705023" cy="1702117"/>
+          </a:xfrm>
+          <a:prstGeom prst="rect">
+            <a:avLst/>
+          </a:prstGeom>
+        </p:spPr>
+      </p:pic>
     </p:spTree>
     <p:extLst>
       <p:ext uri="{BB962C8B-B14F-4D97-AF65-F5344CB8AC3E}">
@@ -29870,7 +29938,7 @@
             </a:ln>
             <a:extLst>
               <a:ext uri="{91240B29-F687-4f45-9708-019B960494DF}">
-                <a14:hiddenLine xmlns:a14="http://schemas.microsoft.com/office/drawing/2010/main" xmlns:p14="http://schemas.microsoft.com/office/powerpoint/2010/main" xmlns:a16="http://schemas.microsoft.com/office/drawing/2014/main" xmlns="" w="9525">
+                <a14:hiddenLine xmlns="" xmlns:a16="http://schemas.microsoft.com/office/drawing/2014/main" xmlns:p14="http://schemas.microsoft.com/office/powerpoint/2010/main" xmlns:a14="http://schemas.microsoft.com/office/drawing/2010/main" w="9525">
                   <a:solidFill>
                     <a:srgbClr val="000000"/>
                   </a:solidFill>
@@ -29982,7 +30050,7 @@
             </a:ln>
             <a:extLst>
               <a:ext uri="{91240B29-F687-4f45-9708-019B960494DF}">
-                <a14:hiddenLine xmlns:a14="http://schemas.microsoft.com/office/drawing/2010/main" xmlns:p14="http://schemas.microsoft.com/office/powerpoint/2010/main" xmlns:a16="http://schemas.microsoft.com/office/drawing/2014/main" xmlns="" w="9525">
+                <a14:hiddenLine xmlns="" xmlns:a16="http://schemas.microsoft.com/office/drawing/2014/main" xmlns:p14="http://schemas.microsoft.com/office/powerpoint/2010/main" xmlns:a14="http://schemas.microsoft.com/office/drawing/2010/main" w="9525">
                   <a:solidFill>
                     <a:srgbClr val="000000"/>
                   </a:solidFill>
@@ -30094,7 +30162,7 @@
             </a:ln>
             <a:extLst>
               <a:ext uri="{91240B29-F687-4f45-9708-019B960494DF}">
-                <a14:hiddenLine xmlns:a14="http://schemas.microsoft.com/office/drawing/2010/main" xmlns:p14="http://schemas.microsoft.com/office/powerpoint/2010/main" xmlns:a16="http://schemas.microsoft.com/office/drawing/2014/main" xmlns="" w="9525">
+                <a14:hiddenLine xmlns="" xmlns:a16="http://schemas.microsoft.com/office/drawing/2014/main" xmlns:p14="http://schemas.microsoft.com/office/powerpoint/2010/main" xmlns:a14="http://schemas.microsoft.com/office/drawing/2010/main" w="9525">
                   <a:solidFill>
                     <a:srgbClr val="000000"/>
                   </a:solidFill>
@@ -30178,7 +30246,7 @@
             </a:ln>
             <a:extLst>
               <a:ext uri="{91240B29-F687-4f45-9708-019B960494DF}">
-                <a14:hiddenLine xmlns:a14="http://schemas.microsoft.com/office/drawing/2010/main" xmlns:p14="http://schemas.microsoft.com/office/powerpoint/2010/main" xmlns:a16="http://schemas.microsoft.com/office/drawing/2014/main" xmlns="" w="9525">
+                <a14:hiddenLine xmlns="" xmlns:a16="http://schemas.microsoft.com/office/drawing/2014/main" xmlns:p14="http://schemas.microsoft.com/office/powerpoint/2010/main" xmlns:a14="http://schemas.microsoft.com/office/drawing/2010/main" w="9525">
                   <a:solidFill>
                     <a:srgbClr val="000000"/>
                   </a:solidFill>
@@ -30290,7 +30358,7 @@
             </a:ln>
             <a:extLst>
               <a:ext uri="{91240B29-F687-4f45-9708-019B960494DF}">
-                <a14:hiddenLine xmlns:a14="http://schemas.microsoft.com/office/drawing/2010/main" xmlns:p14="http://schemas.microsoft.com/office/powerpoint/2010/main" xmlns:a16="http://schemas.microsoft.com/office/drawing/2014/main" xmlns="" w="9525">
+                <a14:hiddenLine xmlns="" xmlns:a16="http://schemas.microsoft.com/office/drawing/2014/main" xmlns:p14="http://schemas.microsoft.com/office/powerpoint/2010/main" xmlns:a14="http://schemas.microsoft.com/office/drawing/2010/main" w="9525">
                   <a:solidFill>
                     <a:srgbClr val="000000"/>
                   </a:solidFill>
@@ -30374,7 +30442,7 @@
             </a:ln>
             <a:extLst>
               <a:ext uri="{91240B29-F687-4f45-9708-019B960494DF}">
-                <a14:hiddenLine xmlns:a14="http://schemas.microsoft.com/office/drawing/2010/main" xmlns:p14="http://schemas.microsoft.com/office/powerpoint/2010/main" xmlns:a16="http://schemas.microsoft.com/office/drawing/2014/main" xmlns="" w="9525">
+                <a14:hiddenLine xmlns="" xmlns:a16="http://schemas.microsoft.com/office/drawing/2014/main" xmlns:p14="http://schemas.microsoft.com/office/powerpoint/2010/main" xmlns:a14="http://schemas.microsoft.com/office/drawing/2010/main" w="9525">
                   <a:solidFill>
                     <a:srgbClr val="000000"/>
                   </a:solidFill>
@@ -30458,7 +30526,7 @@
             </a:ln>
             <a:extLst>
               <a:ext uri="{91240B29-F687-4f45-9708-019B960494DF}">
-                <a14:hiddenLine xmlns:a14="http://schemas.microsoft.com/office/drawing/2010/main" xmlns:p14="http://schemas.microsoft.com/office/powerpoint/2010/main" xmlns:a16="http://schemas.microsoft.com/office/drawing/2014/main" xmlns="" w="9525">
+                <a14:hiddenLine xmlns="" xmlns:a16="http://schemas.microsoft.com/office/drawing/2014/main" xmlns:p14="http://schemas.microsoft.com/office/powerpoint/2010/main" xmlns:a14="http://schemas.microsoft.com/office/drawing/2010/main" w="9525">
                   <a:solidFill>
                     <a:srgbClr val="000000"/>
                   </a:solidFill>
@@ -30570,7 +30638,7 @@
             </a:ln>
             <a:extLst>
               <a:ext uri="{91240B29-F687-4f45-9708-019B960494DF}">
-                <a14:hiddenLine xmlns:a14="http://schemas.microsoft.com/office/drawing/2010/main" xmlns:p14="http://schemas.microsoft.com/office/powerpoint/2010/main" xmlns:a16="http://schemas.microsoft.com/office/drawing/2014/main" xmlns="" w="9525">
+                <a14:hiddenLine xmlns="" xmlns:a16="http://schemas.microsoft.com/office/drawing/2014/main" xmlns:p14="http://schemas.microsoft.com/office/powerpoint/2010/main" xmlns:a14="http://schemas.microsoft.com/office/drawing/2010/main" w="9525">
                   <a:solidFill>
                     <a:srgbClr val="000000"/>
                   </a:solidFill>
@@ -30682,7 +30750,7 @@
             </a:ln>
             <a:extLst>
               <a:ext uri="{91240B29-F687-4f45-9708-019B960494DF}">
-                <a14:hiddenLine xmlns:a14="http://schemas.microsoft.com/office/drawing/2010/main" xmlns:p14="http://schemas.microsoft.com/office/powerpoint/2010/main" xmlns:a16="http://schemas.microsoft.com/office/drawing/2014/main" xmlns="" w="9525">
+                <a14:hiddenLine xmlns="" xmlns:a16="http://schemas.microsoft.com/office/drawing/2014/main" xmlns:p14="http://schemas.microsoft.com/office/powerpoint/2010/main" xmlns:a14="http://schemas.microsoft.com/office/drawing/2010/main" w="9525">
                   <a:solidFill>
                     <a:srgbClr val="000000"/>
                   </a:solidFill>
@@ -30766,7 +30834,7 @@
             </a:ln>
             <a:extLst>
               <a:ext uri="{91240B29-F687-4f45-9708-019B960494DF}">
-                <a14:hiddenLine xmlns:a14="http://schemas.microsoft.com/office/drawing/2010/main" xmlns:p14="http://schemas.microsoft.com/office/powerpoint/2010/main" xmlns:a16="http://schemas.microsoft.com/office/drawing/2014/main" xmlns="" w="9525">
+                <a14:hiddenLine xmlns="" xmlns:a16="http://schemas.microsoft.com/office/drawing/2014/main" xmlns:p14="http://schemas.microsoft.com/office/powerpoint/2010/main" xmlns:a14="http://schemas.microsoft.com/office/drawing/2010/main" w="9525">
                   <a:solidFill>
                     <a:srgbClr val="000000"/>
                   </a:solidFill>
@@ -30898,7 +30966,7 @@
             </a:ln>
             <a:extLst>
               <a:ext uri="{91240B29-F687-4f45-9708-019B960494DF}">
-                <a14:hiddenLine xmlns:a14="http://schemas.microsoft.com/office/drawing/2010/main" xmlns:p14="http://schemas.microsoft.com/office/powerpoint/2010/main" xmlns:a16="http://schemas.microsoft.com/office/drawing/2014/main" xmlns="" w="9525">
+                <a14:hiddenLine xmlns="" xmlns:a16="http://schemas.microsoft.com/office/drawing/2014/main" xmlns:p14="http://schemas.microsoft.com/office/powerpoint/2010/main" xmlns:a14="http://schemas.microsoft.com/office/drawing/2010/main" w="9525">
                   <a:solidFill>
                     <a:srgbClr val="000000"/>
                   </a:solidFill>
@@ -31026,7 +31094,7 @@
             </a:ln>
             <a:extLst>
               <a:ext uri="{91240B29-F687-4f45-9708-019B960494DF}">
-                <a14:hiddenLine xmlns:a14="http://schemas.microsoft.com/office/drawing/2010/main" xmlns:p14="http://schemas.microsoft.com/office/powerpoint/2010/main" xmlns:a16="http://schemas.microsoft.com/office/drawing/2014/main" xmlns="" w="9525">
+                <a14:hiddenLine xmlns="" xmlns:a16="http://schemas.microsoft.com/office/drawing/2014/main" xmlns:p14="http://schemas.microsoft.com/office/powerpoint/2010/main" xmlns:a14="http://schemas.microsoft.com/office/drawing/2010/main" w="9525">
                   <a:solidFill>
                     <a:srgbClr val="000000"/>
                   </a:solidFill>
@@ -31110,7 +31178,7 @@
             </a:ln>
             <a:extLst>
               <a:ext uri="{91240B29-F687-4f45-9708-019B960494DF}">
-                <a14:hiddenLine xmlns:a14="http://schemas.microsoft.com/office/drawing/2010/main" xmlns:p14="http://schemas.microsoft.com/office/powerpoint/2010/main" xmlns:a16="http://schemas.microsoft.com/office/drawing/2014/main" xmlns="" w="9525">
+                <a14:hiddenLine xmlns="" xmlns:a16="http://schemas.microsoft.com/office/drawing/2014/main" xmlns:p14="http://schemas.microsoft.com/office/powerpoint/2010/main" xmlns:a14="http://schemas.microsoft.com/office/drawing/2010/main" w="9525">
                   <a:solidFill>
                     <a:srgbClr val="000000"/>
                   </a:solidFill>
@@ -31194,7 +31262,7 @@
             </a:ln>
             <a:extLst>
               <a:ext uri="{91240B29-F687-4f45-9708-019B960494DF}">
-                <a14:hiddenLine xmlns:a14="http://schemas.microsoft.com/office/drawing/2010/main" xmlns:p14="http://schemas.microsoft.com/office/powerpoint/2010/main" xmlns:a16="http://schemas.microsoft.com/office/drawing/2014/main" xmlns="" w="9525">
+                <a14:hiddenLine xmlns="" xmlns:a16="http://schemas.microsoft.com/office/drawing/2014/main" xmlns:p14="http://schemas.microsoft.com/office/powerpoint/2010/main" xmlns:a14="http://schemas.microsoft.com/office/drawing/2010/main" w="9525">
                   <a:solidFill>
                     <a:srgbClr val="000000"/>
                   </a:solidFill>
@@ -31306,7 +31374,7 @@
             </a:ln>
             <a:extLst>
               <a:ext uri="{91240B29-F687-4f45-9708-019B960494DF}">
-                <a14:hiddenLine xmlns:a14="http://schemas.microsoft.com/office/drawing/2010/main" xmlns:p14="http://schemas.microsoft.com/office/powerpoint/2010/main" xmlns:a16="http://schemas.microsoft.com/office/drawing/2014/main" xmlns="" w="9525">
+                <a14:hiddenLine xmlns="" xmlns:a16="http://schemas.microsoft.com/office/drawing/2014/main" xmlns:p14="http://schemas.microsoft.com/office/powerpoint/2010/main" xmlns:a14="http://schemas.microsoft.com/office/drawing/2010/main" w="9525">
                   <a:solidFill>
                     <a:srgbClr val="000000"/>
                   </a:solidFill>
@@ -31362,7 +31430,7 @@
             </a:ln>
             <a:extLst>
               <a:ext uri="{91240B29-F687-4f45-9708-019B960494DF}">
-                <a14:hiddenLine xmlns:a14="http://schemas.microsoft.com/office/drawing/2010/main" xmlns:p14="http://schemas.microsoft.com/office/powerpoint/2010/main" xmlns:a16="http://schemas.microsoft.com/office/drawing/2014/main" xmlns="" w="9525">
+                <a14:hiddenLine xmlns="" xmlns:a16="http://schemas.microsoft.com/office/drawing/2014/main" xmlns:p14="http://schemas.microsoft.com/office/powerpoint/2010/main" xmlns:a14="http://schemas.microsoft.com/office/drawing/2010/main" w="9525">
                   <a:solidFill>
                     <a:srgbClr val="000000"/>
                   </a:solidFill>
@@ -31449,7 +31517,7 @@
             </a:ln>
             <a:extLst>
               <a:ext uri="{91240B29-F687-4f45-9708-019B960494DF}">
-                <a14:hiddenLine xmlns:a14="http://schemas.microsoft.com/office/drawing/2010/main" xmlns:p14="http://schemas.microsoft.com/office/powerpoint/2010/main" xmlns:a16="http://schemas.microsoft.com/office/drawing/2014/main" xmlns="" w="9525">
+                <a14:hiddenLine xmlns="" xmlns:a16="http://schemas.microsoft.com/office/drawing/2014/main" xmlns:p14="http://schemas.microsoft.com/office/powerpoint/2010/main" xmlns:a14="http://schemas.microsoft.com/office/drawing/2010/main" w="9525">
                   <a:solidFill>
                     <a:srgbClr val="000000"/>
                   </a:solidFill>
@@ -31561,7 +31629,7 @@
             </a:ln>
             <a:extLst>
               <a:ext uri="{91240B29-F687-4f45-9708-019B960494DF}">
-                <a14:hiddenLine xmlns:a14="http://schemas.microsoft.com/office/drawing/2010/main" xmlns:p14="http://schemas.microsoft.com/office/powerpoint/2010/main" xmlns:a16="http://schemas.microsoft.com/office/drawing/2014/main" xmlns="" w="9525">
+                <a14:hiddenLine xmlns="" xmlns:a16="http://schemas.microsoft.com/office/drawing/2014/main" xmlns:p14="http://schemas.microsoft.com/office/powerpoint/2010/main" xmlns:a14="http://schemas.microsoft.com/office/drawing/2010/main" w="9525">
                   <a:solidFill>
                     <a:srgbClr val="000000"/>
                   </a:solidFill>
@@ -31645,7 +31713,7 @@
             </a:ln>
             <a:extLst>
               <a:ext uri="{91240B29-F687-4f45-9708-019B960494DF}">
-                <a14:hiddenLine xmlns:a14="http://schemas.microsoft.com/office/drawing/2010/main" xmlns:p14="http://schemas.microsoft.com/office/powerpoint/2010/main" xmlns:a16="http://schemas.microsoft.com/office/drawing/2014/main" xmlns="" w="9525">
+                <a14:hiddenLine xmlns="" xmlns:a16="http://schemas.microsoft.com/office/drawing/2014/main" xmlns:p14="http://schemas.microsoft.com/office/powerpoint/2010/main" xmlns:a14="http://schemas.microsoft.com/office/drawing/2010/main" w="9525">
                   <a:solidFill>
                     <a:srgbClr val="000000"/>
                   </a:solidFill>
@@ -31757,7 +31825,7 @@
             </a:ln>
             <a:extLst>
               <a:ext uri="{91240B29-F687-4f45-9708-019B960494DF}">
-                <a14:hiddenLine xmlns:a14="http://schemas.microsoft.com/office/drawing/2010/main" xmlns:p14="http://schemas.microsoft.com/office/powerpoint/2010/main" xmlns:a16="http://schemas.microsoft.com/office/drawing/2014/main" xmlns="" w="9525">
+                <a14:hiddenLine xmlns="" xmlns:a16="http://schemas.microsoft.com/office/drawing/2014/main" xmlns:p14="http://schemas.microsoft.com/office/powerpoint/2010/main" xmlns:a14="http://schemas.microsoft.com/office/drawing/2010/main" w="9525">
                   <a:solidFill>
                     <a:srgbClr val="000000"/>
                   </a:solidFill>
@@ -31844,7 +31912,7 @@
             </a:ln>
             <a:extLst>
               <a:ext uri="{91240B29-F687-4f45-9708-019B960494DF}">
-                <a14:hiddenLine xmlns:a14="http://schemas.microsoft.com/office/drawing/2010/main" xmlns:p14="http://schemas.microsoft.com/office/powerpoint/2010/main" xmlns:a16="http://schemas.microsoft.com/office/drawing/2014/main" xmlns="" w="9525">
+                <a14:hiddenLine xmlns="" xmlns:a16="http://schemas.microsoft.com/office/drawing/2014/main" xmlns:p14="http://schemas.microsoft.com/office/powerpoint/2010/main" xmlns:a14="http://schemas.microsoft.com/office/drawing/2010/main" w="9525">
                   <a:solidFill>
                     <a:srgbClr val="000000"/>
                   </a:solidFill>
@@ -31928,7 +31996,7 @@
             </a:ln>
             <a:extLst>
               <a:ext uri="{91240B29-F687-4f45-9708-019B960494DF}">
-                <a14:hiddenLine xmlns:a14="http://schemas.microsoft.com/office/drawing/2010/main" xmlns:p14="http://schemas.microsoft.com/office/powerpoint/2010/main" xmlns:a16="http://schemas.microsoft.com/office/drawing/2014/main" xmlns="" w="9525">
+                <a14:hiddenLine xmlns="" xmlns:a16="http://schemas.microsoft.com/office/drawing/2014/main" xmlns:p14="http://schemas.microsoft.com/office/powerpoint/2010/main" xmlns:a14="http://schemas.microsoft.com/office/drawing/2010/main" w="9525">
                   <a:solidFill>
                     <a:srgbClr val="000000"/>
                   </a:solidFill>
@@ -32040,7 +32108,7 @@
             </a:ln>
             <a:extLst>
               <a:ext uri="{91240B29-F687-4f45-9708-019B960494DF}">
-                <a14:hiddenLine xmlns:a14="http://schemas.microsoft.com/office/drawing/2010/main" xmlns:p14="http://schemas.microsoft.com/office/powerpoint/2010/main" xmlns:a16="http://schemas.microsoft.com/office/drawing/2014/main" xmlns="" w="9525">
+                <a14:hiddenLine xmlns="" xmlns:a16="http://schemas.microsoft.com/office/drawing/2014/main" xmlns:p14="http://schemas.microsoft.com/office/powerpoint/2010/main" xmlns:a14="http://schemas.microsoft.com/office/drawing/2010/main" w="9525">
                   <a:solidFill>
                     <a:srgbClr val="000000"/>
                   </a:solidFill>
@@ -32152,7 +32220,7 @@
             </a:ln>
             <a:extLst>
               <a:ext uri="{91240B29-F687-4f45-9708-019B960494DF}">
-                <a14:hiddenLine xmlns:a14="http://schemas.microsoft.com/office/drawing/2010/main" xmlns:p14="http://schemas.microsoft.com/office/powerpoint/2010/main" xmlns:a16="http://schemas.microsoft.com/office/drawing/2014/main" xmlns="" w="9525">
+                <a14:hiddenLine xmlns="" xmlns:a16="http://schemas.microsoft.com/office/drawing/2014/main" xmlns:p14="http://schemas.microsoft.com/office/powerpoint/2010/main" xmlns:a14="http://schemas.microsoft.com/office/drawing/2010/main" w="9525">
                   <a:solidFill>
                     <a:srgbClr val="000000"/>
                   </a:solidFill>
@@ -32239,7 +32307,7 @@
             </a:ln>
             <a:extLst>
               <a:ext uri="{91240B29-F687-4f45-9708-019B960494DF}">
-                <a14:hiddenLine xmlns:a14="http://schemas.microsoft.com/office/drawing/2010/main" xmlns:p14="http://schemas.microsoft.com/office/powerpoint/2010/main" xmlns:a16="http://schemas.microsoft.com/office/drawing/2014/main" xmlns="" w="9525">
+                <a14:hiddenLine xmlns="" xmlns:a16="http://schemas.microsoft.com/office/drawing/2014/main" xmlns:p14="http://schemas.microsoft.com/office/powerpoint/2010/main" xmlns:a14="http://schemas.microsoft.com/office/drawing/2010/main" w="9525">
                   <a:solidFill>
                     <a:srgbClr val="000000"/>
                   </a:solidFill>
@@ -32381,7 +32449,7 @@
             </a:ln>
             <a:extLst>
               <a:ext uri="{91240B29-F687-4f45-9708-019B960494DF}">
-                <a14:hiddenLine xmlns:a14="http://schemas.microsoft.com/office/drawing/2010/main" xmlns:p14="http://schemas.microsoft.com/office/powerpoint/2010/main" xmlns:a16="http://schemas.microsoft.com/office/drawing/2014/main" xmlns="" w="9525">
+                <a14:hiddenLine xmlns="" xmlns:a16="http://schemas.microsoft.com/office/drawing/2014/main" xmlns:p14="http://schemas.microsoft.com/office/powerpoint/2010/main" xmlns:a14="http://schemas.microsoft.com/office/drawing/2010/main" w="9525">
                   <a:solidFill>
                     <a:srgbClr val="000000"/>
                   </a:solidFill>
@@ -32735,7 +32803,7 @@
             </a:ln>
             <a:extLst>
               <a:ext uri="{91240B29-F687-4f45-9708-019B960494DF}">
-                <a14:hiddenLine xmlns:a14="http://schemas.microsoft.com/office/drawing/2010/main" xmlns:p14="http://schemas.microsoft.com/office/powerpoint/2010/main" xmlns:a16="http://schemas.microsoft.com/office/drawing/2014/main" xmlns="" w="9525">
+                <a14:hiddenLine xmlns="" xmlns:a16="http://schemas.microsoft.com/office/drawing/2014/main" xmlns:p14="http://schemas.microsoft.com/office/powerpoint/2010/main" xmlns:a14="http://schemas.microsoft.com/office/drawing/2010/main" w="9525">
                   <a:solidFill>
                     <a:srgbClr val="000000"/>
                   </a:solidFill>
@@ -32847,7 +32915,7 @@
             </a:ln>
             <a:extLst>
               <a:ext uri="{91240B29-F687-4f45-9708-019B960494DF}">
-                <a14:hiddenLine xmlns:a14="http://schemas.microsoft.com/office/drawing/2010/main" xmlns:p14="http://schemas.microsoft.com/office/powerpoint/2010/main" xmlns:a16="http://schemas.microsoft.com/office/drawing/2014/main" xmlns="" w="9525">
+                <a14:hiddenLine xmlns="" xmlns:a16="http://schemas.microsoft.com/office/drawing/2014/main" xmlns:p14="http://schemas.microsoft.com/office/powerpoint/2010/main" xmlns:a14="http://schemas.microsoft.com/office/drawing/2010/main" w="9525">
                   <a:solidFill>
                     <a:srgbClr val="000000"/>
                   </a:solidFill>
@@ -32959,7 +33027,7 @@
             </a:ln>
             <a:extLst>
               <a:ext uri="{91240B29-F687-4f45-9708-019B960494DF}">
-                <a14:hiddenLine xmlns:a14="http://schemas.microsoft.com/office/drawing/2010/main" xmlns:p14="http://schemas.microsoft.com/office/powerpoint/2010/main" xmlns:a16="http://schemas.microsoft.com/office/drawing/2014/main" xmlns="" w="9525">
+                <a14:hiddenLine xmlns="" xmlns:a16="http://schemas.microsoft.com/office/drawing/2014/main" xmlns:p14="http://schemas.microsoft.com/office/powerpoint/2010/main" xmlns:a14="http://schemas.microsoft.com/office/drawing/2010/main" w="9525">
                   <a:solidFill>
                     <a:srgbClr val="000000"/>
                   </a:solidFill>
@@ -33043,7 +33111,7 @@
             </a:ln>
             <a:extLst>
               <a:ext uri="{91240B29-F687-4f45-9708-019B960494DF}">
-                <a14:hiddenLine xmlns:a14="http://schemas.microsoft.com/office/drawing/2010/main" xmlns:p14="http://schemas.microsoft.com/office/powerpoint/2010/main" xmlns:a16="http://schemas.microsoft.com/office/drawing/2014/main" xmlns="" w="9525">
+                <a14:hiddenLine xmlns="" xmlns:a16="http://schemas.microsoft.com/office/drawing/2014/main" xmlns:p14="http://schemas.microsoft.com/office/powerpoint/2010/main" xmlns:a14="http://schemas.microsoft.com/office/drawing/2010/main" w="9525">
                   <a:solidFill>
                     <a:srgbClr val="000000"/>
                   </a:solidFill>
@@ -33155,7 +33223,7 @@
             </a:ln>
             <a:extLst>
               <a:ext uri="{91240B29-F687-4f45-9708-019B960494DF}">
-                <a14:hiddenLine xmlns:a14="http://schemas.microsoft.com/office/drawing/2010/main" xmlns:p14="http://schemas.microsoft.com/office/powerpoint/2010/main" xmlns:a16="http://schemas.microsoft.com/office/drawing/2014/main" xmlns="" w="9525">
+                <a14:hiddenLine xmlns="" xmlns:a16="http://schemas.microsoft.com/office/drawing/2014/main" xmlns:p14="http://schemas.microsoft.com/office/powerpoint/2010/main" xmlns:a14="http://schemas.microsoft.com/office/drawing/2010/main" w="9525">
                   <a:solidFill>
                     <a:srgbClr val="000000"/>
                   </a:solidFill>
@@ -33239,7 +33307,7 @@
             </a:ln>
             <a:extLst>
               <a:ext uri="{91240B29-F687-4f45-9708-019B960494DF}">
-                <a14:hiddenLine xmlns:a14="http://schemas.microsoft.com/office/drawing/2010/main" xmlns:p14="http://schemas.microsoft.com/office/powerpoint/2010/main" xmlns:a16="http://schemas.microsoft.com/office/drawing/2014/main" xmlns="" w="9525">
+                <a14:hiddenLine xmlns="" xmlns:a16="http://schemas.microsoft.com/office/drawing/2014/main" xmlns:p14="http://schemas.microsoft.com/office/powerpoint/2010/main" xmlns:a14="http://schemas.microsoft.com/office/drawing/2010/main" w="9525">
                   <a:solidFill>
                     <a:srgbClr val="000000"/>
                   </a:solidFill>
@@ -33323,7 +33391,7 @@
             </a:ln>
             <a:extLst>
               <a:ext uri="{91240B29-F687-4f45-9708-019B960494DF}">
-                <a14:hiddenLine xmlns:a14="http://schemas.microsoft.com/office/drawing/2010/main" xmlns:p14="http://schemas.microsoft.com/office/powerpoint/2010/main" xmlns:a16="http://schemas.microsoft.com/office/drawing/2014/main" xmlns="" w="9525">
+                <a14:hiddenLine xmlns="" xmlns:a16="http://schemas.microsoft.com/office/drawing/2014/main" xmlns:p14="http://schemas.microsoft.com/office/powerpoint/2010/main" xmlns:a14="http://schemas.microsoft.com/office/drawing/2010/main" w="9525">
                   <a:solidFill>
                     <a:srgbClr val="000000"/>
                   </a:solidFill>
@@ -33435,7 +33503,7 @@
             </a:ln>
             <a:extLst>
               <a:ext uri="{91240B29-F687-4f45-9708-019B960494DF}">
-                <a14:hiddenLine xmlns:a14="http://schemas.microsoft.com/office/drawing/2010/main" xmlns:p14="http://schemas.microsoft.com/office/powerpoint/2010/main" xmlns:a16="http://schemas.microsoft.com/office/drawing/2014/main" xmlns="" w="9525">
+                <a14:hiddenLine xmlns="" xmlns:a16="http://schemas.microsoft.com/office/drawing/2014/main" xmlns:p14="http://schemas.microsoft.com/office/powerpoint/2010/main" xmlns:a14="http://schemas.microsoft.com/office/drawing/2010/main" w="9525">
                   <a:solidFill>
                     <a:srgbClr val="000000"/>
                   </a:solidFill>
@@ -33547,7 +33615,7 @@
             </a:ln>
             <a:extLst>
               <a:ext uri="{91240B29-F687-4f45-9708-019B960494DF}">
-                <a14:hiddenLine xmlns:a14="http://schemas.microsoft.com/office/drawing/2010/main" xmlns:p14="http://schemas.microsoft.com/office/powerpoint/2010/main" xmlns:a16="http://schemas.microsoft.com/office/drawing/2014/main" xmlns="" w="9525">
+                <a14:hiddenLine xmlns="" xmlns:a16="http://schemas.microsoft.com/office/drawing/2014/main" xmlns:p14="http://schemas.microsoft.com/office/powerpoint/2010/main" xmlns:a14="http://schemas.microsoft.com/office/drawing/2010/main" w="9525">
                   <a:solidFill>
                     <a:srgbClr val="000000"/>
                   </a:solidFill>
@@ -33631,7 +33699,7 @@
             </a:ln>
             <a:extLst>
               <a:ext uri="{91240B29-F687-4f45-9708-019B960494DF}">
-                <a14:hiddenLine xmlns:a14="http://schemas.microsoft.com/office/drawing/2010/main" xmlns:p14="http://schemas.microsoft.com/office/powerpoint/2010/main" xmlns:a16="http://schemas.microsoft.com/office/drawing/2014/main" xmlns="" w="9525">
+                <a14:hiddenLine xmlns="" xmlns:a16="http://schemas.microsoft.com/office/drawing/2014/main" xmlns:p14="http://schemas.microsoft.com/office/powerpoint/2010/main" xmlns:a14="http://schemas.microsoft.com/office/drawing/2010/main" w="9525">
                   <a:solidFill>
                     <a:srgbClr val="000000"/>
                   </a:solidFill>
@@ -33763,7 +33831,7 @@
             </a:ln>
             <a:extLst>
               <a:ext uri="{91240B29-F687-4f45-9708-019B960494DF}">
-                <a14:hiddenLine xmlns:a14="http://schemas.microsoft.com/office/drawing/2010/main" xmlns:p14="http://schemas.microsoft.com/office/powerpoint/2010/main" xmlns:a16="http://schemas.microsoft.com/office/drawing/2014/main" xmlns="" w="9525">
+                <a14:hiddenLine xmlns="" xmlns:a16="http://schemas.microsoft.com/office/drawing/2014/main" xmlns:p14="http://schemas.microsoft.com/office/powerpoint/2010/main" xmlns:a14="http://schemas.microsoft.com/office/drawing/2010/main" w="9525">
                   <a:solidFill>
                     <a:srgbClr val="000000"/>
                   </a:solidFill>
@@ -33891,7 +33959,7 @@
             </a:ln>
             <a:extLst>
               <a:ext uri="{91240B29-F687-4f45-9708-019B960494DF}">
-                <a14:hiddenLine xmlns:a14="http://schemas.microsoft.com/office/drawing/2010/main" xmlns:p14="http://schemas.microsoft.com/office/powerpoint/2010/main" xmlns:a16="http://schemas.microsoft.com/office/drawing/2014/main" xmlns="" w="9525">
+                <a14:hiddenLine xmlns="" xmlns:a16="http://schemas.microsoft.com/office/drawing/2014/main" xmlns:p14="http://schemas.microsoft.com/office/powerpoint/2010/main" xmlns:a14="http://schemas.microsoft.com/office/drawing/2010/main" w="9525">
                   <a:solidFill>
                     <a:srgbClr val="000000"/>
                   </a:solidFill>
@@ -33975,7 +34043,7 @@
             </a:ln>
             <a:extLst>
               <a:ext uri="{91240B29-F687-4f45-9708-019B960494DF}">
-                <a14:hiddenLine xmlns:a14="http://schemas.microsoft.com/office/drawing/2010/main" xmlns:p14="http://schemas.microsoft.com/office/powerpoint/2010/main" xmlns:a16="http://schemas.microsoft.com/office/drawing/2014/main" xmlns="" w="9525">
+                <a14:hiddenLine xmlns="" xmlns:a16="http://schemas.microsoft.com/office/drawing/2014/main" xmlns:p14="http://schemas.microsoft.com/office/powerpoint/2010/main" xmlns:a14="http://schemas.microsoft.com/office/drawing/2010/main" w="9525">
                   <a:solidFill>
                     <a:srgbClr val="000000"/>
                   </a:solidFill>
@@ -34059,7 +34127,7 @@
             </a:ln>
             <a:extLst>
               <a:ext uri="{91240B29-F687-4f45-9708-019B960494DF}">
-                <a14:hiddenLine xmlns:a14="http://schemas.microsoft.com/office/drawing/2010/main" xmlns:p14="http://schemas.microsoft.com/office/powerpoint/2010/main" xmlns:a16="http://schemas.microsoft.com/office/drawing/2014/main" xmlns="" w="9525">
+                <a14:hiddenLine xmlns="" xmlns:a16="http://schemas.microsoft.com/office/drawing/2014/main" xmlns:p14="http://schemas.microsoft.com/office/powerpoint/2010/main" xmlns:a14="http://schemas.microsoft.com/office/drawing/2010/main" w="9525">
                   <a:solidFill>
                     <a:srgbClr val="000000"/>
                   </a:solidFill>
@@ -34171,7 +34239,7 @@
             </a:ln>
             <a:extLst>
               <a:ext uri="{91240B29-F687-4f45-9708-019B960494DF}">
-                <a14:hiddenLine xmlns:a14="http://schemas.microsoft.com/office/drawing/2010/main" xmlns:p14="http://schemas.microsoft.com/office/powerpoint/2010/main" xmlns:a16="http://schemas.microsoft.com/office/drawing/2014/main" xmlns="" w="9525">
+                <a14:hiddenLine xmlns="" xmlns:a16="http://schemas.microsoft.com/office/drawing/2014/main" xmlns:p14="http://schemas.microsoft.com/office/powerpoint/2010/main" xmlns:a14="http://schemas.microsoft.com/office/drawing/2010/main" w="9525">
                   <a:solidFill>
                     <a:srgbClr val="000000"/>
                   </a:solidFill>
@@ -34227,7 +34295,7 @@
             </a:ln>
             <a:extLst>
               <a:ext uri="{91240B29-F687-4f45-9708-019B960494DF}">
-                <a14:hiddenLine xmlns:a14="http://schemas.microsoft.com/office/drawing/2010/main" xmlns:p14="http://schemas.microsoft.com/office/powerpoint/2010/main" xmlns:a16="http://schemas.microsoft.com/office/drawing/2014/main" xmlns="" w="9525">
+                <a14:hiddenLine xmlns="" xmlns:a16="http://schemas.microsoft.com/office/drawing/2014/main" xmlns:p14="http://schemas.microsoft.com/office/powerpoint/2010/main" xmlns:a14="http://schemas.microsoft.com/office/drawing/2010/main" w="9525">
                   <a:solidFill>
                     <a:srgbClr val="000000"/>
                   </a:solidFill>
@@ -34314,7 +34382,7 @@
             </a:ln>
             <a:extLst>
               <a:ext uri="{91240B29-F687-4f45-9708-019B960494DF}">
-                <a14:hiddenLine xmlns:a14="http://schemas.microsoft.com/office/drawing/2010/main" xmlns:p14="http://schemas.microsoft.com/office/powerpoint/2010/main" xmlns:a16="http://schemas.microsoft.com/office/drawing/2014/main" xmlns="" w="9525">
+                <a14:hiddenLine xmlns="" xmlns:a16="http://schemas.microsoft.com/office/drawing/2014/main" xmlns:p14="http://schemas.microsoft.com/office/powerpoint/2010/main" xmlns:a14="http://schemas.microsoft.com/office/drawing/2010/main" w="9525">
                   <a:solidFill>
                     <a:srgbClr val="000000"/>
                   </a:solidFill>
@@ -34426,7 +34494,7 @@
             </a:ln>
             <a:extLst>
               <a:ext uri="{91240B29-F687-4f45-9708-019B960494DF}">
-                <a14:hiddenLine xmlns:a14="http://schemas.microsoft.com/office/drawing/2010/main" xmlns:p14="http://schemas.microsoft.com/office/powerpoint/2010/main" xmlns:a16="http://schemas.microsoft.com/office/drawing/2014/main" xmlns="" w="9525">
+                <a14:hiddenLine xmlns="" xmlns:a16="http://schemas.microsoft.com/office/drawing/2014/main" xmlns:p14="http://schemas.microsoft.com/office/powerpoint/2010/main" xmlns:a14="http://schemas.microsoft.com/office/drawing/2010/main" w="9525">
                   <a:solidFill>
                     <a:srgbClr val="000000"/>
                   </a:solidFill>
@@ -34510,7 +34578,7 @@
             </a:ln>
             <a:extLst>
               <a:ext uri="{91240B29-F687-4f45-9708-019B960494DF}">
-                <a14:hiddenLine xmlns:a14="http://schemas.microsoft.com/office/drawing/2010/main" xmlns:p14="http://schemas.microsoft.com/office/powerpoint/2010/main" xmlns:a16="http://schemas.microsoft.com/office/drawing/2014/main" xmlns="" w="9525">
+                <a14:hiddenLine xmlns="" xmlns:a16="http://schemas.microsoft.com/office/drawing/2014/main" xmlns:p14="http://schemas.microsoft.com/office/powerpoint/2010/main" xmlns:a14="http://schemas.microsoft.com/office/drawing/2010/main" w="9525">
                   <a:solidFill>
                     <a:srgbClr val="000000"/>
                   </a:solidFill>
@@ -34622,7 +34690,7 @@
             </a:ln>
             <a:extLst>
               <a:ext uri="{91240B29-F687-4f45-9708-019B960494DF}">
-                <a14:hiddenLine xmlns:a14="http://schemas.microsoft.com/office/drawing/2010/main" xmlns:p14="http://schemas.microsoft.com/office/powerpoint/2010/main" xmlns:a16="http://schemas.microsoft.com/office/drawing/2014/main" xmlns="" w="9525">
+                <a14:hiddenLine xmlns="" xmlns:a16="http://schemas.microsoft.com/office/drawing/2014/main" xmlns:p14="http://schemas.microsoft.com/office/powerpoint/2010/main" xmlns:a14="http://schemas.microsoft.com/office/drawing/2010/main" w="9525">
                   <a:solidFill>
                     <a:srgbClr val="000000"/>
                   </a:solidFill>
@@ -34709,7 +34777,7 @@
             </a:ln>
             <a:extLst>
               <a:ext uri="{91240B29-F687-4f45-9708-019B960494DF}">
-                <a14:hiddenLine xmlns:a14="http://schemas.microsoft.com/office/drawing/2010/main" xmlns:p14="http://schemas.microsoft.com/office/powerpoint/2010/main" xmlns:a16="http://schemas.microsoft.com/office/drawing/2014/main" xmlns="" w="9525">
+                <a14:hiddenLine xmlns="" xmlns:a16="http://schemas.microsoft.com/office/drawing/2014/main" xmlns:p14="http://schemas.microsoft.com/office/powerpoint/2010/main" xmlns:a14="http://schemas.microsoft.com/office/drawing/2010/main" w="9525">
                   <a:solidFill>
                     <a:srgbClr val="000000"/>
                   </a:solidFill>
@@ -34793,7 +34861,7 @@
             </a:ln>
             <a:extLst>
               <a:ext uri="{91240B29-F687-4f45-9708-019B960494DF}">
-                <a14:hiddenLine xmlns:a14="http://schemas.microsoft.com/office/drawing/2010/main" xmlns:p14="http://schemas.microsoft.com/office/powerpoint/2010/main" xmlns:a16="http://schemas.microsoft.com/office/drawing/2014/main" xmlns="" w="9525">
+                <a14:hiddenLine xmlns="" xmlns:a16="http://schemas.microsoft.com/office/drawing/2014/main" xmlns:p14="http://schemas.microsoft.com/office/powerpoint/2010/main" xmlns:a14="http://schemas.microsoft.com/office/drawing/2010/main" w="9525">
                   <a:solidFill>
                     <a:srgbClr val="000000"/>
                   </a:solidFill>
@@ -34905,7 +34973,7 @@
             </a:ln>
             <a:extLst>
               <a:ext uri="{91240B29-F687-4f45-9708-019B960494DF}">
-                <a14:hiddenLine xmlns:a14="http://schemas.microsoft.com/office/drawing/2010/main" xmlns:p14="http://schemas.microsoft.com/office/powerpoint/2010/main" xmlns:a16="http://schemas.microsoft.com/office/drawing/2014/main" xmlns="" w="9525">
+                <a14:hiddenLine xmlns="" xmlns:a16="http://schemas.microsoft.com/office/drawing/2014/main" xmlns:p14="http://schemas.microsoft.com/office/powerpoint/2010/main" xmlns:a14="http://schemas.microsoft.com/office/drawing/2010/main" w="9525">
                   <a:solidFill>
                     <a:srgbClr val="000000"/>
                   </a:solidFill>
@@ -35017,7 +35085,7 @@
             </a:ln>
             <a:extLst>
               <a:ext uri="{91240B29-F687-4f45-9708-019B960494DF}">
-                <a14:hiddenLine xmlns:a14="http://schemas.microsoft.com/office/drawing/2010/main" xmlns:p14="http://schemas.microsoft.com/office/powerpoint/2010/main" xmlns:a16="http://schemas.microsoft.com/office/drawing/2014/main" xmlns="" w="9525">
+                <a14:hiddenLine xmlns="" xmlns:a16="http://schemas.microsoft.com/office/drawing/2014/main" xmlns:p14="http://schemas.microsoft.com/office/powerpoint/2010/main" xmlns:a14="http://schemas.microsoft.com/office/drawing/2010/main" w="9525">
                   <a:solidFill>
                     <a:srgbClr val="000000"/>
                   </a:solidFill>
@@ -35104,7 +35172,7 @@
             </a:ln>
             <a:extLst>
               <a:ext uri="{91240B29-F687-4f45-9708-019B960494DF}">
-                <a14:hiddenLine xmlns:a14="http://schemas.microsoft.com/office/drawing/2010/main" xmlns:p14="http://schemas.microsoft.com/office/powerpoint/2010/main" xmlns:a16="http://schemas.microsoft.com/office/drawing/2014/main" xmlns="" w="9525">
+                <a14:hiddenLine xmlns="" xmlns:a16="http://schemas.microsoft.com/office/drawing/2014/main" xmlns:p14="http://schemas.microsoft.com/office/powerpoint/2010/main" xmlns:a14="http://schemas.microsoft.com/office/drawing/2010/main" w="9525">
                   <a:solidFill>
                     <a:srgbClr val="000000"/>
                   </a:solidFill>
@@ -35246,7 +35314,7 @@
             </a:ln>
             <a:extLst>
               <a:ext uri="{91240B29-F687-4f45-9708-019B960494DF}">
-                <a14:hiddenLine xmlns:a14="http://schemas.microsoft.com/office/drawing/2010/main" xmlns:p14="http://schemas.microsoft.com/office/powerpoint/2010/main" xmlns:a16="http://schemas.microsoft.com/office/drawing/2014/main" xmlns="" w="9525">
+                <a14:hiddenLine xmlns="" xmlns:a16="http://schemas.microsoft.com/office/drawing/2014/main" xmlns:p14="http://schemas.microsoft.com/office/powerpoint/2010/main" xmlns:a14="http://schemas.microsoft.com/office/drawing/2010/main" w="9525">
                   <a:solidFill>
                     <a:srgbClr val="000000"/>
                   </a:solidFill>
@@ -35757,7 +35825,7 @@
             </a:ln>
             <a:extLst>
               <a:ext uri="{91240B29-F687-4f45-9708-019B960494DF}">
-                <a14:hiddenLine xmlns:a14="http://schemas.microsoft.com/office/drawing/2010/main" xmlns:p14="http://schemas.microsoft.com/office/powerpoint/2010/main" xmlns:a16="http://schemas.microsoft.com/office/drawing/2014/main" xmlns="" w="9525">
+                <a14:hiddenLine xmlns="" xmlns:a16="http://schemas.microsoft.com/office/drawing/2014/main" xmlns:p14="http://schemas.microsoft.com/office/powerpoint/2010/main" xmlns:a14="http://schemas.microsoft.com/office/drawing/2010/main" w="9525">
                   <a:solidFill>
                     <a:srgbClr val="000000"/>
                   </a:solidFill>
@@ -35869,7 +35937,7 @@
             </a:ln>
             <a:extLst>
               <a:ext uri="{91240B29-F687-4f45-9708-019B960494DF}">
-                <a14:hiddenLine xmlns:a14="http://schemas.microsoft.com/office/drawing/2010/main" xmlns:p14="http://schemas.microsoft.com/office/powerpoint/2010/main" xmlns:a16="http://schemas.microsoft.com/office/drawing/2014/main" xmlns="" w="9525">
+                <a14:hiddenLine xmlns="" xmlns:a16="http://schemas.microsoft.com/office/drawing/2014/main" xmlns:p14="http://schemas.microsoft.com/office/powerpoint/2010/main" xmlns:a14="http://schemas.microsoft.com/office/drawing/2010/main" w="9525">
                   <a:solidFill>
                     <a:srgbClr val="000000"/>
                   </a:solidFill>
@@ -35981,7 +36049,7 @@
             </a:ln>
             <a:extLst>
               <a:ext uri="{91240B29-F687-4f45-9708-019B960494DF}">
-                <a14:hiddenLine xmlns:a14="http://schemas.microsoft.com/office/drawing/2010/main" xmlns:p14="http://schemas.microsoft.com/office/powerpoint/2010/main" xmlns:a16="http://schemas.microsoft.com/office/drawing/2014/main" xmlns="" w="9525">
+                <a14:hiddenLine xmlns="" xmlns:a16="http://schemas.microsoft.com/office/drawing/2014/main" xmlns:p14="http://schemas.microsoft.com/office/powerpoint/2010/main" xmlns:a14="http://schemas.microsoft.com/office/drawing/2010/main" w="9525">
                   <a:solidFill>
                     <a:srgbClr val="000000"/>
                   </a:solidFill>
@@ -36065,7 +36133,7 @@
             </a:ln>
             <a:extLst>
               <a:ext uri="{91240B29-F687-4f45-9708-019B960494DF}">
-                <a14:hiddenLine xmlns:a14="http://schemas.microsoft.com/office/drawing/2010/main" xmlns:p14="http://schemas.microsoft.com/office/powerpoint/2010/main" xmlns:a16="http://schemas.microsoft.com/office/drawing/2014/main" xmlns="" w="9525">
+                <a14:hiddenLine xmlns="" xmlns:a16="http://schemas.microsoft.com/office/drawing/2014/main" xmlns:p14="http://schemas.microsoft.com/office/powerpoint/2010/main" xmlns:a14="http://schemas.microsoft.com/office/drawing/2010/main" w="9525">
                   <a:solidFill>
                     <a:srgbClr val="000000"/>
                   </a:solidFill>
@@ -36177,7 +36245,7 @@
             </a:ln>
             <a:extLst>
               <a:ext uri="{91240B29-F687-4f45-9708-019B960494DF}">
-                <a14:hiddenLine xmlns:a14="http://schemas.microsoft.com/office/drawing/2010/main" xmlns:p14="http://schemas.microsoft.com/office/powerpoint/2010/main" xmlns:a16="http://schemas.microsoft.com/office/drawing/2014/main" xmlns="" w="9525">
+                <a14:hiddenLine xmlns="" xmlns:a16="http://schemas.microsoft.com/office/drawing/2014/main" xmlns:p14="http://schemas.microsoft.com/office/powerpoint/2010/main" xmlns:a14="http://schemas.microsoft.com/office/drawing/2010/main" w="9525">
                   <a:solidFill>
                     <a:srgbClr val="000000"/>
                   </a:solidFill>
@@ -36261,7 +36329,7 @@
             </a:ln>
             <a:extLst>
               <a:ext uri="{91240B29-F687-4f45-9708-019B960494DF}">
-                <a14:hiddenLine xmlns:a14="http://schemas.microsoft.com/office/drawing/2010/main" xmlns:p14="http://schemas.microsoft.com/office/powerpoint/2010/main" xmlns:a16="http://schemas.microsoft.com/office/drawing/2014/main" xmlns="" w="9525">
+                <a14:hiddenLine xmlns="" xmlns:a16="http://schemas.microsoft.com/office/drawing/2014/main" xmlns:p14="http://schemas.microsoft.com/office/powerpoint/2010/main" xmlns:a14="http://schemas.microsoft.com/office/drawing/2010/main" w="9525">
                   <a:solidFill>
                     <a:srgbClr val="000000"/>
                   </a:solidFill>
@@ -36345,7 +36413,7 @@
             </a:ln>
             <a:extLst>
               <a:ext uri="{91240B29-F687-4f45-9708-019B960494DF}">
-                <a14:hiddenLine xmlns:a14="http://schemas.microsoft.com/office/drawing/2010/main" xmlns:p14="http://schemas.microsoft.com/office/powerpoint/2010/main" xmlns:a16="http://schemas.microsoft.com/office/drawing/2014/main" xmlns="" w="9525">
+                <a14:hiddenLine xmlns="" xmlns:a16="http://schemas.microsoft.com/office/drawing/2014/main" xmlns:p14="http://schemas.microsoft.com/office/powerpoint/2010/main" xmlns:a14="http://schemas.microsoft.com/office/drawing/2010/main" w="9525">
                   <a:solidFill>
                     <a:srgbClr val="000000"/>
                   </a:solidFill>
@@ -36457,7 +36525,7 @@
             </a:ln>
             <a:extLst>
               <a:ext uri="{91240B29-F687-4f45-9708-019B960494DF}">
-                <a14:hiddenLine xmlns:a14="http://schemas.microsoft.com/office/drawing/2010/main" xmlns:p14="http://schemas.microsoft.com/office/powerpoint/2010/main" xmlns:a16="http://schemas.microsoft.com/office/drawing/2014/main" xmlns="" w="9525">
+                <a14:hiddenLine xmlns="" xmlns:a16="http://schemas.microsoft.com/office/drawing/2014/main" xmlns:p14="http://schemas.microsoft.com/office/powerpoint/2010/main" xmlns:a14="http://schemas.microsoft.com/office/drawing/2010/main" w="9525">
                   <a:solidFill>
                     <a:srgbClr val="000000"/>
                   </a:solidFill>
@@ -36569,7 +36637,7 @@
             </a:ln>
             <a:extLst>
               <a:ext uri="{91240B29-F687-4f45-9708-019B960494DF}">
-                <a14:hiddenLine xmlns:a14="http://schemas.microsoft.com/office/drawing/2010/main" xmlns:p14="http://schemas.microsoft.com/office/powerpoint/2010/main" xmlns:a16="http://schemas.microsoft.com/office/drawing/2014/main" xmlns="" w="9525">
+                <a14:hiddenLine xmlns="" xmlns:a16="http://schemas.microsoft.com/office/drawing/2014/main" xmlns:p14="http://schemas.microsoft.com/office/powerpoint/2010/main" xmlns:a14="http://schemas.microsoft.com/office/drawing/2010/main" w="9525">
                   <a:solidFill>
                     <a:srgbClr val="000000"/>
                   </a:solidFill>
@@ -36653,7 +36721,7 @@
             </a:ln>
             <a:extLst>
               <a:ext uri="{91240B29-F687-4f45-9708-019B960494DF}">
-                <a14:hiddenLine xmlns:a14="http://schemas.microsoft.com/office/drawing/2010/main" xmlns:p14="http://schemas.microsoft.com/office/powerpoint/2010/main" xmlns:a16="http://schemas.microsoft.com/office/drawing/2014/main" xmlns="" w="9525">
+                <a14:hiddenLine xmlns="" xmlns:a16="http://schemas.microsoft.com/office/drawing/2014/main" xmlns:p14="http://schemas.microsoft.com/office/powerpoint/2010/main" xmlns:a14="http://schemas.microsoft.com/office/drawing/2010/main" w="9525">
                   <a:solidFill>
                     <a:srgbClr val="000000"/>
                   </a:solidFill>
@@ -36785,7 +36853,7 @@
             </a:ln>
             <a:extLst>
               <a:ext uri="{91240B29-F687-4f45-9708-019B960494DF}">
-                <a14:hiddenLine xmlns:a14="http://schemas.microsoft.com/office/drawing/2010/main" xmlns:p14="http://schemas.microsoft.com/office/powerpoint/2010/main" xmlns:a16="http://schemas.microsoft.com/office/drawing/2014/main" xmlns="" w="9525">
+                <a14:hiddenLine xmlns="" xmlns:a16="http://schemas.microsoft.com/office/drawing/2014/main" xmlns:p14="http://schemas.microsoft.com/office/powerpoint/2010/main" xmlns:a14="http://schemas.microsoft.com/office/drawing/2010/main" w="9525">
                   <a:solidFill>
                     <a:srgbClr val="000000"/>
                   </a:solidFill>
@@ -36913,7 +36981,7 @@
             </a:ln>
             <a:extLst>
               <a:ext uri="{91240B29-F687-4f45-9708-019B960494DF}">
-                <a14:hiddenLine xmlns:a14="http://schemas.microsoft.com/office/drawing/2010/main" xmlns:p14="http://schemas.microsoft.com/office/powerpoint/2010/main" xmlns:a16="http://schemas.microsoft.com/office/drawing/2014/main" xmlns="" w="9525">
+                <a14:hiddenLine xmlns="" xmlns:a16="http://schemas.microsoft.com/office/drawing/2014/main" xmlns:p14="http://schemas.microsoft.com/office/powerpoint/2010/main" xmlns:a14="http://schemas.microsoft.com/office/drawing/2010/main" w="9525">
                   <a:solidFill>
                     <a:srgbClr val="000000"/>
                   </a:solidFill>
@@ -36997,7 +37065,7 @@
             </a:ln>
             <a:extLst>
               <a:ext uri="{91240B29-F687-4f45-9708-019B960494DF}">
-                <a14:hiddenLine xmlns:a14="http://schemas.microsoft.com/office/drawing/2010/main" xmlns:p14="http://schemas.microsoft.com/office/powerpoint/2010/main" xmlns:a16="http://schemas.microsoft.com/office/drawing/2014/main" xmlns="" w="9525">
+                <a14:hiddenLine xmlns="" xmlns:a16="http://schemas.microsoft.com/office/drawing/2014/main" xmlns:p14="http://schemas.microsoft.com/office/powerpoint/2010/main" xmlns:a14="http://schemas.microsoft.com/office/drawing/2010/main" w="9525">
                   <a:solidFill>
                     <a:srgbClr val="000000"/>
                   </a:solidFill>
@@ -37081,7 +37149,7 @@
             </a:ln>
             <a:extLst>
               <a:ext uri="{91240B29-F687-4f45-9708-019B960494DF}">
-                <a14:hiddenLine xmlns:a14="http://schemas.microsoft.com/office/drawing/2010/main" xmlns:p14="http://schemas.microsoft.com/office/powerpoint/2010/main" xmlns:a16="http://schemas.microsoft.com/office/drawing/2014/main" xmlns="" w="9525">
+                <a14:hiddenLine xmlns="" xmlns:a16="http://schemas.microsoft.com/office/drawing/2014/main" xmlns:p14="http://schemas.microsoft.com/office/powerpoint/2010/main" xmlns:a14="http://schemas.microsoft.com/office/drawing/2010/main" w="9525">
                   <a:solidFill>
                     <a:srgbClr val="000000"/>
                   </a:solidFill>
@@ -37193,7 +37261,7 @@
             </a:ln>
             <a:extLst>
               <a:ext uri="{91240B29-F687-4f45-9708-019B960494DF}">
-                <a14:hiddenLine xmlns:a14="http://schemas.microsoft.com/office/drawing/2010/main" xmlns:p14="http://schemas.microsoft.com/office/powerpoint/2010/main" xmlns:a16="http://schemas.microsoft.com/office/drawing/2014/main" xmlns="" w="9525">
+                <a14:hiddenLine xmlns="" xmlns:a16="http://schemas.microsoft.com/office/drawing/2014/main" xmlns:p14="http://schemas.microsoft.com/office/powerpoint/2010/main" xmlns:a14="http://schemas.microsoft.com/office/drawing/2010/main" w="9525">
                   <a:solidFill>
                     <a:srgbClr val="000000"/>
                   </a:solidFill>
@@ -37249,7 +37317,7 @@
             </a:ln>
             <a:extLst>
               <a:ext uri="{91240B29-F687-4f45-9708-019B960494DF}">
-                <a14:hiddenLine xmlns:a14="http://schemas.microsoft.com/office/drawing/2010/main" xmlns:p14="http://schemas.microsoft.com/office/powerpoint/2010/main" xmlns:a16="http://schemas.microsoft.com/office/drawing/2014/main" xmlns="" w="9525">
+                <a14:hiddenLine xmlns="" xmlns:a16="http://schemas.microsoft.com/office/drawing/2014/main" xmlns:p14="http://schemas.microsoft.com/office/powerpoint/2010/main" xmlns:a14="http://schemas.microsoft.com/office/drawing/2010/main" w="9525">
                   <a:solidFill>
                     <a:srgbClr val="000000"/>
                   </a:solidFill>
@@ -37336,7 +37404,7 @@
             </a:ln>
             <a:extLst>
               <a:ext uri="{91240B29-F687-4f45-9708-019B960494DF}">
-                <a14:hiddenLine xmlns:a14="http://schemas.microsoft.com/office/drawing/2010/main" xmlns:p14="http://schemas.microsoft.com/office/powerpoint/2010/main" xmlns:a16="http://schemas.microsoft.com/office/drawing/2014/main" xmlns="" w="9525">
+                <a14:hiddenLine xmlns="" xmlns:a16="http://schemas.microsoft.com/office/drawing/2014/main" xmlns:p14="http://schemas.microsoft.com/office/powerpoint/2010/main" xmlns:a14="http://schemas.microsoft.com/office/drawing/2010/main" w="9525">
                   <a:solidFill>
                     <a:srgbClr val="000000"/>
                   </a:solidFill>
@@ -37448,7 +37516,7 @@
             </a:ln>
             <a:extLst>
               <a:ext uri="{91240B29-F687-4f45-9708-019B960494DF}">
-                <a14:hiddenLine xmlns:a14="http://schemas.microsoft.com/office/drawing/2010/main" xmlns:p14="http://schemas.microsoft.com/office/powerpoint/2010/main" xmlns:a16="http://schemas.microsoft.com/office/drawing/2014/main" xmlns="" w="9525">
+                <a14:hiddenLine xmlns="" xmlns:a16="http://schemas.microsoft.com/office/drawing/2014/main" xmlns:p14="http://schemas.microsoft.com/office/powerpoint/2010/main" xmlns:a14="http://schemas.microsoft.com/office/drawing/2010/main" w="9525">
                   <a:solidFill>
                     <a:srgbClr val="000000"/>
                   </a:solidFill>
@@ -37532,7 +37600,7 @@
             </a:ln>
             <a:extLst>
               <a:ext uri="{91240B29-F687-4f45-9708-019B960494DF}">
-                <a14:hiddenLine xmlns:a14="http://schemas.microsoft.com/office/drawing/2010/main" xmlns:p14="http://schemas.microsoft.com/office/powerpoint/2010/main" xmlns:a16="http://schemas.microsoft.com/office/drawing/2014/main" xmlns="" w="9525">
+                <a14:hiddenLine xmlns="" xmlns:a16="http://schemas.microsoft.com/office/drawing/2014/main" xmlns:p14="http://schemas.microsoft.com/office/powerpoint/2010/main" xmlns:a14="http://schemas.microsoft.com/office/drawing/2010/main" w="9525">
                   <a:solidFill>
                     <a:srgbClr val="000000"/>
                   </a:solidFill>
@@ -37644,7 +37712,7 @@
             </a:ln>
             <a:extLst>
               <a:ext uri="{91240B29-F687-4f45-9708-019B960494DF}">
-                <a14:hiddenLine xmlns:a14="http://schemas.microsoft.com/office/drawing/2010/main" xmlns:p14="http://schemas.microsoft.com/office/powerpoint/2010/main" xmlns:a16="http://schemas.microsoft.com/office/drawing/2014/main" xmlns="" w="9525">
+                <a14:hiddenLine xmlns="" xmlns:a16="http://schemas.microsoft.com/office/drawing/2014/main" xmlns:p14="http://schemas.microsoft.com/office/powerpoint/2010/main" xmlns:a14="http://schemas.microsoft.com/office/drawing/2010/main" w="9525">
                   <a:solidFill>
                     <a:srgbClr val="000000"/>
                   </a:solidFill>
@@ -37731,7 +37799,7 @@
             </a:ln>
             <a:extLst>
               <a:ext uri="{91240B29-F687-4f45-9708-019B960494DF}">
-                <a14:hiddenLine xmlns:a14="http://schemas.microsoft.com/office/drawing/2010/main" xmlns:p14="http://schemas.microsoft.com/office/powerpoint/2010/main" xmlns:a16="http://schemas.microsoft.com/office/drawing/2014/main" xmlns="" w="9525">
+                <a14:hiddenLine xmlns="" xmlns:a16="http://schemas.microsoft.com/office/drawing/2014/main" xmlns:p14="http://schemas.microsoft.com/office/powerpoint/2010/main" xmlns:a14="http://schemas.microsoft.com/office/drawing/2010/main" w="9525">
                   <a:solidFill>
                     <a:srgbClr val="000000"/>
                   </a:solidFill>
@@ -37815,7 +37883,7 @@
             </a:ln>
             <a:extLst>
               <a:ext uri="{91240B29-F687-4f45-9708-019B960494DF}">
-                <a14:hiddenLine xmlns:a14="http://schemas.microsoft.com/office/drawing/2010/main" xmlns:p14="http://schemas.microsoft.com/office/powerpoint/2010/main" xmlns:a16="http://schemas.microsoft.com/office/drawing/2014/main" xmlns="" w="9525">
+                <a14:hiddenLine xmlns="" xmlns:a16="http://schemas.microsoft.com/office/drawing/2014/main" xmlns:p14="http://schemas.microsoft.com/office/powerpoint/2010/main" xmlns:a14="http://schemas.microsoft.com/office/drawing/2010/main" w="9525">
                   <a:solidFill>
                     <a:srgbClr val="000000"/>
                   </a:solidFill>
@@ -37927,7 +37995,7 @@
             </a:ln>
             <a:extLst>
               <a:ext uri="{91240B29-F687-4f45-9708-019B960494DF}">
-                <a14:hiddenLine xmlns:a14="http://schemas.microsoft.com/office/drawing/2010/main" xmlns:p14="http://schemas.microsoft.com/office/powerpoint/2010/main" xmlns:a16="http://schemas.microsoft.com/office/drawing/2014/main" xmlns="" w="9525">
+                <a14:hiddenLine xmlns="" xmlns:a16="http://schemas.microsoft.com/office/drawing/2014/main" xmlns:p14="http://schemas.microsoft.com/office/powerpoint/2010/main" xmlns:a14="http://schemas.microsoft.com/office/drawing/2010/main" w="9525">
                   <a:solidFill>
                     <a:srgbClr val="000000"/>
                   </a:solidFill>
@@ -38039,7 +38107,7 @@
             </a:ln>
             <a:extLst>
               <a:ext uri="{91240B29-F687-4f45-9708-019B960494DF}">
-                <a14:hiddenLine xmlns:a14="http://schemas.microsoft.com/office/drawing/2010/main" xmlns:p14="http://schemas.microsoft.com/office/powerpoint/2010/main" xmlns:a16="http://schemas.microsoft.com/office/drawing/2014/main" xmlns="" w="9525">
+                <a14:hiddenLine xmlns="" xmlns:a16="http://schemas.microsoft.com/office/drawing/2014/main" xmlns:p14="http://schemas.microsoft.com/office/powerpoint/2010/main" xmlns:a14="http://schemas.microsoft.com/office/drawing/2010/main" w="9525">
                   <a:solidFill>
                     <a:srgbClr val="000000"/>
                   </a:solidFill>
@@ -38126,7 +38194,7 @@
             </a:ln>
             <a:extLst>
               <a:ext uri="{91240B29-F687-4f45-9708-019B960494DF}">
-                <a14:hiddenLine xmlns:a14="http://schemas.microsoft.com/office/drawing/2010/main" xmlns:p14="http://schemas.microsoft.com/office/powerpoint/2010/main" xmlns:a16="http://schemas.microsoft.com/office/drawing/2014/main" xmlns="" w="9525">
+                <a14:hiddenLine xmlns="" xmlns:a16="http://schemas.microsoft.com/office/drawing/2014/main" xmlns:p14="http://schemas.microsoft.com/office/powerpoint/2010/main" xmlns:a14="http://schemas.microsoft.com/office/drawing/2010/main" w="9525">
                   <a:solidFill>
                     <a:srgbClr val="000000"/>
                   </a:solidFill>
@@ -38268,7 +38336,7 @@
             </a:ln>
             <a:extLst>
               <a:ext uri="{91240B29-F687-4f45-9708-019B960494DF}">
-                <a14:hiddenLine xmlns:a14="http://schemas.microsoft.com/office/drawing/2010/main" xmlns:p14="http://schemas.microsoft.com/office/powerpoint/2010/main" xmlns:a16="http://schemas.microsoft.com/office/drawing/2014/main" xmlns="" w="9525">
+                <a14:hiddenLine xmlns="" xmlns:a16="http://schemas.microsoft.com/office/drawing/2014/main" xmlns:p14="http://schemas.microsoft.com/office/powerpoint/2010/main" xmlns:a14="http://schemas.microsoft.com/office/drawing/2010/main" w="9525">
                   <a:solidFill>
                     <a:srgbClr val="000000"/>
                   </a:solidFill>
@@ -38626,7 +38694,7 @@
             </a:ln>
             <a:extLst>
               <a:ext uri="{91240B29-F687-4f45-9708-019B960494DF}">
-                <a14:hiddenLine xmlns:a14="http://schemas.microsoft.com/office/drawing/2010/main" xmlns:p14="http://schemas.microsoft.com/office/powerpoint/2010/main" xmlns:a16="http://schemas.microsoft.com/office/drawing/2014/main" xmlns="" w="9525">
+                <a14:hiddenLine xmlns="" xmlns:a16="http://schemas.microsoft.com/office/drawing/2014/main" xmlns:p14="http://schemas.microsoft.com/office/powerpoint/2010/main" xmlns:a14="http://schemas.microsoft.com/office/drawing/2010/main" w="9525">
                   <a:solidFill>
                     <a:srgbClr val="000000"/>
                   </a:solidFill>
@@ -38738,7 +38806,7 @@
             </a:ln>
             <a:extLst>
               <a:ext uri="{91240B29-F687-4f45-9708-019B960494DF}">
-                <a14:hiddenLine xmlns:a14="http://schemas.microsoft.com/office/drawing/2010/main" xmlns:p14="http://schemas.microsoft.com/office/powerpoint/2010/main" xmlns:a16="http://schemas.microsoft.com/office/drawing/2014/main" xmlns="" w="9525">
+                <a14:hiddenLine xmlns="" xmlns:a16="http://schemas.microsoft.com/office/drawing/2014/main" xmlns:p14="http://schemas.microsoft.com/office/powerpoint/2010/main" xmlns:a14="http://schemas.microsoft.com/office/drawing/2010/main" w="9525">
                   <a:solidFill>
                     <a:srgbClr val="000000"/>
                   </a:solidFill>
@@ -38850,7 +38918,7 @@
             </a:ln>
             <a:extLst>
               <a:ext uri="{91240B29-F687-4f45-9708-019B960494DF}">
-                <a14:hiddenLine xmlns:a14="http://schemas.microsoft.com/office/drawing/2010/main" xmlns:p14="http://schemas.microsoft.com/office/powerpoint/2010/main" xmlns:a16="http://schemas.microsoft.com/office/drawing/2014/main" xmlns="" w="9525">
+                <a14:hiddenLine xmlns="" xmlns:a16="http://schemas.microsoft.com/office/drawing/2014/main" xmlns:p14="http://schemas.microsoft.com/office/powerpoint/2010/main" xmlns:a14="http://schemas.microsoft.com/office/drawing/2010/main" w="9525">
                   <a:solidFill>
                     <a:srgbClr val="000000"/>
                   </a:solidFill>
@@ -38934,7 +39002,7 @@
             </a:ln>
             <a:extLst>
               <a:ext uri="{91240B29-F687-4f45-9708-019B960494DF}">
-                <a14:hiddenLine xmlns:a14="http://schemas.microsoft.com/office/drawing/2010/main" xmlns:p14="http://schemas.microsoft.com/office/powerpoint/2010/main" xmlns:a16="http://schemas.microsoft.com/office/drawing/2014/main" xmlns="" w="9525">
+                <a14:hiddenLine xmlns="" xmlns:a16="http://schemas.microsoft.com/office/drawing/2014/main" xmlns:p14="http://schemas.microsoft.com/office/powerpoint/2010/main" xmlns:a14="http://schemas.microsoft.com/office/drawing/2010/main" w="9525">
                   <a:solidFill>
                     <a:srgbClr val="000000"/>
                   </a:solidFill>
@@ -39046,7 +39114,7 @@
             </a:ln>
             <a:extLst>
               <a:ext uri="{91240B29-F687-4f45-9708-019B960494DF}">
-                <a14:hiddenLine xmlns:a14="http://schemas.microsoft.com/office/drawing/2010/main" xmlns:p14="http://schemas.microsoft.com/office/powerpoint/2010/main" xmlns:a16="http://schemas.microsoft.com/office/drawing/2014/main" xmlns="" w="9525">
+                <a14:hiddenLine xmlns="" xmlns:a16="http://schemas.microsoft.com/office/drawing/2014/main" xmlns:p14="http://schemas.microsoft.com/office/powerpoint/2010/main" xmlns:a14="http://schemas.microsoft.com/office/drawing/2010/main" w="9525">
                   <a:solidFill>
                     <a:srgbClr val="000000"/>
                   </a:solidFill>
@@ -39130,7 +39198,7 @@
             </a:ln>
             <a:extLst>
               <a:ext uri="{91240B29-F687-4f45-9708-019B960494DF}">
-                <a14:hiddenLine xmlns:a14="http://schemas.microsoft.com/office/drawing/2010/main" xmlns:p14="http://schemas.microsoft.com/office/powerpoint/2010/main" xmlns:a16="http://schemas.microsoft.com/office/drawing/2014/main" xmlns="" w="9525">
+                <a14:hiddenLine xmlns="" xmlns:a16="http://schemas.microsoft.com/office/drawing/2014/main" xmlns:p14="http://schemas.microsoft.com/office/powerpoint/2010/main" xmlns:a14="http://schemas.microsoft.com/office/drawing/2010/main" w="9525">
                   <a:solidFill>
                     <a:srgbClr val="000000"/>
                   </a:solidFill>
@@ -39214,7 +39282,7 @@
             </a:ln>
             <a:extLst>
               <a:ext uri="{91240B29-F687-4f45-9708-019B960494DF}">
-                <a14:hiddenLine xmlns:a14="http://schemas.microsoft.com/office/drawing/2010/main" xmlns:p14="http://schemas.microsoft.com/office/powerpoint/2010/main" xmlns:a16="http://schemas.microsoft.com/office/drawing/2014/main" xmlns="" w="9525">
+                <a14:hiddenLine xmlns="" xmlns:a16="http://schemas.microsoft.com/office/drawing/2014/main" xmlns:p14="http://schemas.microsoft.com/office/powerpoint/2010/main" xmlns:a14="http://schemas.microsoft.com/office/drawing/2010/main" w="9525">
                   <a:solidFill>
                     <a:srgbClr val="000000"/>
                   </a:solidFill>
@@ -39326,7 +39394,7 @@
             </a:ln>
             <a:extLst>
               <a:ext uri="{91240B29-F687-4f45-9708-019B960494DF}">
-                <a14:hiddenLine xmlns:a14="http://schemas.microsoft.com/office/drawing/2010/main" xmlns:p14="http://schemas.microsoft.com/office/powerpoint/2010/main" xmlns:a16="http://schemas.microsoft.com/office/drawing/2014/main" xmlns="" w="9525">
+                <a14:hiddenLine xmlns="" xmlns:a16="http://schemas.microsoft.com/office/drawing/2014/main" xmlns:p14="http://schemas.microsoft.com/office/powerpoint/2010/main" xmlns:a14="http://schemas.microsoft.com/office/drawing/2010/main" w="9525">
                   <a:solidFill>
                     <a:srgbClr val="000000"/>
                   </a:solidFill>
@@ -39438,7 +39506,7 @@
             </a:ln>
             <a:extLst>
               <a:ext uri="{91240B29-F687-4f45-9708-019B960494DF}">
-                <a14:hiddenLine xmlns:a14="http://schemas.microsoft.com/office/drawing/2010/main" xmlns:p14="http://schemas.microsoft.com/office/powerpoint/2010/main" xmlns:a16="http://schemas.microsoft.com/office/drawing/2014/main" xmlns="" w="9525">
+                <a14:hiddenLine xmlns="" xmlns:a16="http://schemas.microsoft.com/office/drawing/2014/main" xmlns:p14="http://schemas.microsoft.com/office/powerpoint/2010/main" xmlns:a14="http://schemas.microsoft.com/office/drawing/2010/main" w="9525">
                   <a:solidFill>
                     <a:srgbClr val="000000"/>
                   </a:solidFill>
@@ -39522,7 +39590,7 @@
             </a:ln>
             <a:extLst>
               <a:ext uri="{91240B29-F687-4f45-9708-019B960494DF}">
-                <a14:hiddenLine xmlns:a14="http://schemas.microsoft.com/office/drawing/2010/main" xmlns:p14="http://schemas.microsoft.com/office/powerpoint/2010/main" xmlns:a16="http://schemas.microsoft.com/office/drawing/2014/main" xmlns="" w="9525">
+                <a14:hiddenLine xmlns="" xmlns:a16="http://schemas.microsoft.com/office/drawing/2014/main" xmlns:p14="http://schemas.microsoft.com/office/powerpoint/2010/main" xmlns:a14="http://schemas.microsoft.com/office/drawing/2010/main" w="9525">
                   <a:solidFill>
                     <a:srgbClr val="000000"/>
                   </a:solidFill>
@@ -39654,7 +39722,7 @@
             </a:ln>
             <a:extLst>
               <a:ext uri="{91240B29-F687-4f45-9708-019B960494DF}">
-                <a14:hiddenLine xmlns:a14="http://schemas.microsoft.com/office/drawing/2010/main" xmlns:p14="http://schemas.microsoft.com/office/powerpoint/2010/main" xmlns:a16="http://schemas.microsoft.com/office/drawing/2014/main" xmlns="" w="9525">
+                <a14:hiddenLine xmlns="" xmlns:a16="http://schemas.microsoft.com/office/drawing/2014/main" xmlns:p14="http://schemas.microsoft.com/office/powerpoint/2010/main" xmlns:a14="http://schemas.microsoft.com/office/drawing/2010/main" w="9525">
                   <a:solidFill>
                     <a:srgbClr val="000000"/>
                   </a:solidFill>
@@ -39782,7 +39850,7 @@
             </a:ln>
             <a:extLst>
               <a:ext uri="{91240B29-F687-4f45-9708-019B960494DF}">
-                <a14:hiddenLine xmlns:a14="http://schemas.microsoft.com/office/drawing/2010/main" xmlns:p14="http://schemas.microsoft.com/office/powerpoint/2010/main" xmlns:a16="http://schemas.microsoft.com/office/drawing/2014/main" xmlns="" w="9525">
+                <a14:hiddenLine xmlns="" xmlns:a16="http://schemas.microsoft.com/office/drawing/2014/main" xmlns:p14="http://schemas.microsoft.com/office/powerpoint/2010/main" xmlns:a14="http://schemas.microsoft.com/office/drawing/2010/main" w="9525">
                   <a:solidFill>
                     <a:srgbClr val="000000"/>
                   </a:solidFill>
@@ -39866,7 +39934,7 @@
             </a:ln>
             <a:extLst>
               <a:ext uri="{91240B29-F687-4f45-9708-019B960494DF}">
-                <a14:hiddenLine xmlns:a14="http://schemas.microsoft.com/office/drawing/2010/main" xmlns:p14="http://schemas.microsoft.com/office/powerpoint/2010/main" xmlns:a16="http://schemas.microsoft.com/office/drawing/2014/main" xmlns="" w="9525">
+                <a14:hiddenLine xmlns="" xmlns:a16="http://schemas.microsoft.com/office/drawing/2014/main" xmlns:p14="http://schemas.microsoft.com/office/powerpoint/2010/main" xmlns:a14="http://schemas.microsoft.com/office/drawing/2010/main" w="9525">
                   <a:solidFill>
                     <a:srgbClr val="000000"/>
                   </a:solidFill>
@@ -39950,7 +40018,7 @@
             </a:ln>
             <a:extLst>
               <a:ext uri="{91240B29-F687-4f45-9708-019B960494DF}">
-                <a14:hiddenLine xmlns:a14="http://schemas.microsoft.com/office/drawing/2010/main" xmlns:p14="http://schemas.microsoft.com/office/powerpoint/2010/main" xmlns:a16="http://schemas.microsoft.com/office/drawing/2014/main" xmlns="" w="9525">
+                <a14:hiddenLine xmlns="" xmlns:a16="http://schemas.microsoft.com/office/drawing/2014/main" xmlns:p14="http://schemas.microsoft.com/office/powerpoint/2010/main" xmlns:a14="http://schemas.microsoft.com/office/drawing/2010/main" w="9525">
                   <a:solidFill>
                     <a:srgbClr val="000000"/>
                   </a:solidFill>
@@ -40062,7 +40130,7 @@
             </a:ln>
             <a:extLst>
               <a:ext uri="{91240B29-F687-4f45-9708-019B960494DF}">
-                <a14:hiddenLine xmlns:a14="http://schemas.microsoft.com/office/drawing/2010/main" xmlns:p14="http://schemas.microsoft.com/office/powerpoint/2010/main" xmlns:a16="http://schemas.microsoft.com/office/drawing/2014/main" xmlns="" w="9525">
+                <a14:hiddenLine xmlns="" xmlns:a16="http://schemas.microsoft.com/office/drawing/2014/main" xmlns:p14="http://schemas.microsoft.com/office/powerpoint/2010/main" xmlns:a14="http://schemas.microsoft.com/office/drawing/2010/main" w="9525">
                   <a:solidFill>
                     <a:srgbClr val="000000"/>
                   </a:solidFill>
@@ -40118,7 +40186,7 @@
             </a:ln>
             <a:extLst>
               <a:ext uri="{91240B29-F687-4f45-9708-019B960494DF}">
-                <a14:hiddenLine xmlns:a14="http://schemas.microsoft.com/office/drawing/2010/main" xmlns:p14="http://schemas.microsoft.com/office/powerpoint/2010/main" xmlns:a16="http://schemas.microsoft.com/office/drawing/2014/main" xmlns="" w="9525">
+                <a14:hiddenLine xmlns="" xmlns:a16="http://schemas.microsoft.com/office/drawing/2014/main" xmlns:p14="http://schemas.microsoft.com/office/powerpoint/2010/main" xmlns:a14="http://schemas.microsoft.com/office/drawing/2010/main" w="9525">
                   <a:solidFill>
                     <a:srgbClr val="000000"/>
                   </a:solidFill>
@@ -40205,7 +40273,7 @@
             </a:ln>
             <a:extLst>
               <a:ext uri="{91240B29-F687-4f45-9708-019B960494DF}">
-                <a14:hiddenLine xmlns:a14="http://schemas.microsoft.com/office/drawing/2010/main" xmlns:p14="http://schemas.microsoft.com/office/powerpoint/2010/main" xmlns:a16="http://schemas.microsoft.com/office/drawing/2014/main" xmlns="" w="9525">
+                <a14:hiddenLine xmlns="" xmlns:a16="http://schemas.microsoft.com/office/drawing/2014/main" xmlns:p14="http://schemas.microsoft.com/office/powerpoint/2010/main" xmlns:a14="http://schemas.microsoft.com/office/drawing/2010/main" w="9525">
                   <a:solidFill>
                     <a:srgbClr val="000000"/>
                   </a:solidFill>
@@ -40317,7 +40385,7 @@
             </a:ln>
             <a:extLst>
               <a:ext uri="{91240B29-F687-4f45-9708-019B960494DF}">
-                <a14:hiddenLine xmlns:a14="http://schemas.microsoft.com/office/drawing/2010/main" xmlns:p14="http://schemas.microsoft.com/office/powerpoint/2010/main" xmlns:a16="http://schemas.microsoft.com/office/drawing/2014/main" xmlns="" w="9525">
+                <a14:hiddenLine xmlns="" xmlns:a16="http://schemas.microsoft.com/office/drawing/2014/main" xmlns:p14="http://schemas.microsoft.com/office/powerpoint/2010/main" xmlns:a14="http://schemas.microsoft.com/office/drawing/2010/main" w="9525">
                   <a:solidFill>
                     <a:srgbClr val="000000"/>
                   </a:solidFill>
@@ -40401,7 +40469,7 @@
             </a:ln>
             <a:extLst>
               <a:ext uri="{91240B29-F687-4f45-9708-019B960494DF}">
-                <a14:hiddenLine xmlns:a14="http://schemas.microsoft.com/office/drawing/2010/main" xmlns:p14="http://schemas.microsoft.com/office/powerpoint/2010/main" xmlns:a16="http://schemas.microsoft.com/office/drawing/2014/main" xmlns="" w="9525">
+                <a14:hiddenLine xmlns="" xmlns:a16="http://schemas.microsoft.com/office/drawing/2014/main" xmlns:p14="http://schemas.microsoft.com/office/powerpoint/2010/main" xmlns:a14="http://schemas.microsoft.com/office/drawing/2010/main" w="9525">
                   <a:solidFill>
                     <a:srgbClr val="000000"/>
                   </a:solidFill>
@@ -40513,7 +40581,7 @@
             </a:ln>
             <a:extLst>
               <a:ext uri="{91240B29-F687-4f45-9708-019B960494DF}">
-                <a14:hiddenLine xmlns:a14="http://schemas.microsoft.com/office/drawing/2010/main" xmlns:p14="http://schemas.microsoft.com/office/powerpoint/2010/main" xmlns:a16="http://schemas.microsoft.com/office/drawing/2014/main" xmlns="" w="9525">
+                <a14:hiddenLine xmlns="" xmlns:a16="http://schemas.microsoft.com/office/drawing/2014/main" xmlns:p14="http://schemas.microsoft.com/office/powerpoint/2010/main" xmlns:a14="http://schemas.microsoft.com/office/drawing/2010/main" w="9525">
                   <a:solidFill>
                     <a:srgbClr val="000000"/>
                   </a:solidFill>
@@ -40600,7 +40668,7 @@
             </a:ln>
             <a:extLst>
               <a:ext uri="{91240B29-F687-4f45-9708-019B960494DF}">
-                <a14:hiddenLine xmlns:a14="http://schemas.microsoft.com/office/drawing/2010/main" xmlns:p14="http://schemas.microsoft.com/office/powerpoint/2010/main" xmlns:a16="http://schemas.microsoft.com/office/drawing/2014/main" xmlns="" w="9525">
+                <a14:hiddenLine xmlns="" xmlns:a16="http://schemas.microsoft.com/office/drawing/2014/main" xmlns:p14="http://schemas.microsoft.com/office/powerpoint/2010/main" xmlns:a14="http://schemas.microsoft.com/office/drawing/2010/main" w="9525">
                   <a:solidFill>
                     <a:srgbClr val="000000"/>
                   </a:solidFill>
@@ -40684,7 +40752,7 @@
             </a:ln>
             <a:extLst>
               <a:ext uri="{91240B29-F687-4f45-9708-019B960494DF}">
-                <a14:hiddenLine xmlns:a14="http://schemas.microsoft.com/office/drawing/2010/main" xmlns:p14="http://schemas.microsoft.com/office/powerpoint/2010/main" xmlns:a16="http://schemas.microsoft.com/office/drawing/2014/main" xmlns="" w="9525">
+                <a14:hiddenLine xmlns="" xmlns:a16="http://schemas.microsoft.com/office/drawing/2014/main" xmlns:p14="http://schemas.microsoft.com/office/powerpoint/2010/main" xmlns:a14="http://schemas.microsoft.com/office/drawing/2010/main" w="9525">
                   <a:solidFill>
                     <a:srgbClr val="000000"/>
                   </a:solidFill>
@@ -40796,7 +40864,7 @@
             </a:ln>
             <a:extLst>
               <a:ext uri="{91240B29-F687-4f45-9708-019B960494DF}">
-                <a14:hiddenLine xmlns:a14="http://schemas.microsoft.com/office/drawing/2010/main" xmlns:p14="http://schemas.microsoft.com/office/powerpoint/2010/main" xmlns:a16="http://schemas.microsoft.com/office/drawing/2014/main" xmlns="" w="9525">
+                <a14:hiddenLine xmlns="" xmlns:a16="http://schemas.microsoft.com/office/drawing/2014/main" xmlns:p14="http://schemas.microsoft.com/office/powerpoint/2010/main" xmlns:a14="http://schemas.microsoft.com/office/drawing/2010/main" w="9525">
                   <a:solidFill>
                     <a:srgbClr val="000000"/>
                   </a:solidFill>
@@ -40908,7 +40976,7 @@
             </a:ln>
             <a:extLst>
               <a:ext uri="{91240B29-F687-4f45-9708-019B960494DF}">
-                <a14:hiddenLine xmlns:a14="http://schemas.microsoft.com/office/drawing/2010/main" xmlns:p14="http://schemas.microsoft.com/office/powerpoint/2010/main" xmlns:a16="http://schemas.microsoft.com/office/drawing/2014/main" xmlns="" w="9525">
+                <a14:hiddenLine xmlns="" xmlns:a16="http://schemas.microsoft.com/office/drawing/2014/main" xmlns:p14="http://schemas.microsoft.com/office/powerpoint/2010/main" xmlns:a14="http://schemas.microsoft.com/office/drawing/2010/main" w="9525">
                   <a:solidFill>
                     <a:srgbClr val="000000"/>
                   </a:solidFill>
@@ -40995,7 +41063,7 @@
             </a:ln>
             <a:extLst>
               <a:ext uri="{91240B29-F687-4f45-9708-019B960494DF}">
-                <a14:hiddenLine xmlns:a14="http://schemas.microsoft.com/office/drawing/2010/main" xmlns:p14="http://schemas.microsoft.com/office/powerpoint/2010/main" xmlns:a16="http://schemas.microsoft.com/office/drawing/2014/main" xmlns="" w="9525">
+                <a14:hiddenLine xmlns="" xmlns:a16="http://schemas.microsoft.com/office/drawing/2014/main" xmlns:p14="http://schemas.microsoft.com/office/powerpoint/2010/main" xmlns:a14="http://schemas.microsoft.com/office/drawing/2010/main" w="9525">
                   <a:solidFill>
                     <a:srgbClr val="000000"/>
                   </a:solidFill>
@@ -41137,7 +41205,7 @@
             </a:ln>
             <a:extLst>
               <a:ext uri="{91240B29-F687-4f45-9708-019B960494DF}">
-                <a14:hiddenLine xmlns:a14="http://schemas.microsoft.com/office/drawing/2010/main" xmlns:p14="http://schemas.microsoft.com/office/powerpoint/2010/main" xmlns:a16="http://schemas.microsoft.com/office/drawing/2014/main" xmlns="" w="9525">
+                <a14:hiddenLine xmlns="" xmlns:a16="http://schemas.microsoft.com/office/drawing/2014/main" xmlns:p14="http://schemas.microsoft.com/office/powerpoint/2010/main" xmlns:a14="http://schemas.microsoft.com/office/drawing/2010/main" w="9525">
                   <a:solidFill>
                     <a:srgbClr val="000000"/>
                   </a:solidFill>
@@ -41464,7 +41532,7 @@
             </a:ln>
             <a:extLst>
               <a:ext uri="{91240B29-F687-4f45-9708-019B960494DF}">
-                <a14:hiddenLine xmlns:a14="http://schemas.microsoft.com/office/drawing/2010/main" xmlns:p14="http://schemas.microsoft.com/office/powerpoint/2010/main" xmlns:a16="http://schemas.microsoft.com/office/drawing/2014/main" xmlns="" w="9525">
+                <a14:hiddenLine xmlns="" xmlns:a16="http://schemas.microsoft.com/office/drawing/2014/main" xmlns:p14="http://schemas.microsoft.com/office/powerpoint/2010/main" xmlns:a14="http://schemas.microsoft.com/office/drawing/2010/main" w="9525">
                   <a:solidFill>
                     <a:srgbClr val="000000"/>
                   </a:solidFill>
@@ -41576,7 +41644,7 @@
             </a:ln>
             <a:extLst>
               <a:ext uri="{91240B29-F687-4f45-9708-019B960494DF}">
-                <a14:hiddenLine xmlns:a14="http://schemas.microsoft.com/office/drawing/2010/main" xmlns:p14="http://schemas.microsoft.com/office/powerpoint/2010/main" xmlns:a16="http://schemas.microsoft.com/office/drawing/2014/main" xmlns="" w="9525">
+                <a14:hiddenLine xmlns="" xmlns:a16="http://schemas.microsoft.com/office/drawing/2014/main" xmlns:p14="http://schemas.microsoft.com/office/powerpoint/2010/main" xmlns:a14="http://schemas.microsoft.com/office/drawing/2010/main" w="9525">
                   <a:solidFill>
                     <a:srgbClr val="000000"/>
                   </a:solidFill>
@@ -41688,7 +41756,7 @@
             </a:ln>
             <a:extLst>
               <a:ext uri="{91240B29-F687-4f45-9708-019B960494DF}">
-                <a14:hiddenLine xmlns:a14="http://schemas.microsoft.com/office/drawing/2010/main" xmlns:p14="http://schemas.microsoft.com/office/powerpoint/2010/main" xmlns:a16="http://schemas.microsoft.com/office/drawing/2014/main" xmlns="" w="9525">
+                <a14:hiddenLine xmlns="" xmlns:a16="http://schemas.microsoft.com/office/drawing/2014/main" xmlns:p14="http://schemas.microsoft.com/office/powerpoint/2010/main" xmlns:a14="http://schemas.microsoft.com/office/drawing/2010/main" w="9525">
                   <a:solidFill>
                     <a:srgbClr val="000000"/>
                   </a:solidFill>
@@ -41772,7 +41840,7 @@
             </a:ln>
             <a:extLst>
               <a:ext uri="{91240B29-F687-4f45-9708-019B960494DF}">
-                <a14:hiddenLine xmlns:a14="http://schemas.microsoft.com/office/drawing/2010/main" xmlns:p14="http://schemas.microsoft.com/office/powerpoint/2010/main" xmlns:a16="http://schemas.microsoft.com/office/drawing/2014/main" xmlns="" w="9525">
+                <a14:hiddenLine xmlns="" xmlns:a16="http://schemas.microsoft.com/office/drawing/2014/main" xmlns:p14="http://schemas.microsoft.com/office/powerpoint/2010/main" xmlns:a14="http://schemas.microsoft.com/office/drawing/2010/main" w="9525">
                   <a:solidFill>
                     <a:srgbClr val="000000"/>
                   </a:solidFill>
@@ -41884,7 +41952,7 @@
             </a:ln>
             <a:extLst>
               <a:ext uri="{91240B29-F687-4f45-9708-019B960494DF}">
-                <a14:hiddenLine xmlns:a14="http://schemas.microsoft.com/office/drawing/2010/main" xmlns:p14="http://schemas.microsoft.com/office/powerpoint/2010/main" xmlns:a16="http://schemas.microsoft.com/office/drawing/2014/main" xmlns="" w="9525">
+                <a14:hiddenLine xmlns="" xmlns:a16="http://schemas.microsoft.com/office/drawing/2014/main" xmlns:p14="http://schemas.microsoft.com/office/powerpoint/2010/main" xmlns:a14="http://schemas.microsoft.com/office/drawing/2010/main" w="9525">
                   <a:solidFill>
                     <a:srgbClr val="000000"/>
                   </a:solidFill>
@@ -41968,7 +42036,7 @@
             </a:ln>
             <a:extLst>
               <a:ext uri="{91240B29-F687-4f45-9708-019B960494DF}">
-                <a14:hiddenLine xmlns:a14="http://schemas.microsoft.com/office/drawing/2010/main" xmlns:p14="http://schemas.microsoft.com/office/powerpoint/2010/main" xmlns:a16="http://schemas.microsoft.com/office/drawing/2014/main" xmlns="" w="9525">
+                <a14:hiddenLine xmlns="" xmlns:a16="http://schemas.microsoft.com/office/drawing/2014/main" xmlns:p14="http://schemas.microsoft.com/office/powerpoint/2010/main" xmlns:a14="http://schemas.microsoft.com/office/drawing/2010/main" w="9525">
                   <a:solidFill>
                     <a:srgbClr val="000000"/>
                   </a:solidFill>
@@ -42052,7 +42120,7 @@
             </a:ln>
             <a:extLst>
               <a:ext uri="{91240B29-F687-4f45-9708-019B960494DF}">
-                <a14:hiddenLine xmlns:a14="http://schemas.microsoft.com/office/drawing/2010/main" xmlns:p14="http://schemas.microsoft.com/office/powerpoint/2010/main" xmlns:a16="http://schemas.microsoft.com/office/drawing/2014/main" xmlns="" w="9525">
+                <a14:hiddenLine xmlns="" xmlns:a16="http://schemas.microsoft.com/office/drawing/2014/main" xmlns:p14="http://schemas.microsoft.com/office/powerpoint/2010/main" xmlns:a14="http://schemas.microsoft.com/office/drawing/2010/main" w="9525">
                   <a:solidFill>
                     <a:srgbClr val="000000"/>
                   </a:solidFill>
@@ -42164,7 +42232,7 @@
             </a:ln>
             <a:extLst>
               <a:ext uri="{91240B29-F687-4f45-9708-019B960494DF}">
-                <a14:hiddenLine xmlns:a14="http://schemas.microsoft.com/office/drawing/2010/main" xmlns:p14="http://schemas.microsoft.com/office/powerpoint/2010/main" xmlns:a16="http://schemas.microsoft.com/office/drawing/2014/main" xmlns="" w="9525">
+                <a14:hiddenLine xmlns="" xmlns:a16="http://schemas.microsoft.com/office/drawing/2014/main" xmlns:p14="http://schemas.microsoft.com/office/powerpoint/2010/main" xmlns:a14="http://schemas.microsoft.com/office/drawing/2010/main" w="9525">
                   <a:solidFill>
                     <a:srgbClr val="000000"/>
                   </a:solidFill>
@@ -42276,7 +42344,7 @@
             </a:ln>
             <a:extLst>
               <a:ext uri="{91240B29-F687-4f45-9708-019B960494DF}">
-                <a14:hiddenLine xmlns:a14="http://schemas.microsoft.com/office/drawing/2010/main" xmlns:p14="http://schemas.microsoft.com/office/powerpoint/2010/main" xmlns:a16="http://schemas.microsoft.com/office/drawing/2014/main" xmlns="" w="9525">
+                <a14:hiddenLine xmlns="" xmlns:a16="http://schemas.microsoft.com/office/drawing/2014/main" xmlns:p14="http://schemas.microsoft.com/office/powerpoint/2010/main" xmlns:a14="http://schemas.microsoft.com/office/drawing/2010/main" w="9525">
                   <a:solidFill>
                     <a:srgbClr val="000000"/>
                   </a:solidFill>
@@ -42360,7 +42428,7 @@
             </a:ln>
             <a:extLst>
               <a:ext uri="{91240B29-F687-4f45-9708-019B960494DF}">
-                <a14:hiddenLine xmlns:a14="http://schemas.microsoft.com/office/drawing/2010/main" xmlns:p14="http://schemas.microsoft.com/office/powerpoint/2010/main" xmlns:a16="http://schemas.microsoft.com/office/drawing/2014/main" xmlns="" w="9525">
+                <a14:hiddenLine xmlns="" xmlns:a16="http://schemas.microsoft.com/office/drawing/2014/main" xmlns:p14="http://schemas.microsoft.com/office/powerpoint/2010/main" xmlns:a14="http://schemas.microsoft.com/office/drawing/2010/main" w="9525">
                   <a:solidFill>
                     <a:srgbClr val="000000"/>
                   </a:solidFill>
@@ -42492,7 +42560,7 @@
             </a:ln>
             <a:extLst>
               <a:ext uri="{91240B29-F687-4f45-9708-019B960494DF}">
-                <a14:hiddenLine xmlns:a14="http://schemas.microsoft.com/office/drawing/2010/main" xmlns:p14="http://schemas.microsoft.com/office/powerpoint/2010/main" xmlns:a16="http://schemas.microsoft.com/office/drawing/2014/main" xmlns="" w="9525">
+                <a14:hiddenLine xmlns="" xmlns:a16="http://schemas.microsoft.com/office/drawing/2014/main" xmlns:p14="http://schemas.microsoft.com/office/powerpoint/2010/main" xmlns:a14="http://schemas.microsoft.com/office/drawing/2010/main" w="9525">
                   <a:solidFill>
                     <a:srgbClr val="000000"/>
                   </a:solidFill>
@@ -42620,7 +42688,7 @@
             </a:ln>
             <a:extLst>
               <a:ext uri="{91240B29-F687-4f45-9708-019B960494DF}">
-                <a14:hiddenLine xmlns:a14="http://schemas.microsoft.com/office/drawing/2010/main" xmlns:p14="http://schemas.microsoft.com/office/powerpoint/2010/main" xmlns:a16="http://schemas.microsoft.com/office/drawing/2014/main" xmlns="" w="9525">
+                <a14:hiddenLine xmlns="" xmlns:a16="http://schemas.microsoft.com/office/drawing/2014/main" xmlns:p14="http://schemas.microsoft.com/office/powerpoint/2010/main" xmlns:a14="http://schemas.microsoft.com/office/drawing/2010/main" w="9525">
                   <a:solidFill>
                     <a:srgbClr val="000000"/>
                   </a:solidFill>
@@ -42704,7 +42772,7 @@
             </a:ln>
             <a:extLst>
               <a:ext uri="{91240B29-F687-4f45-9708-019B960494DF}">
-                <a14:hiddenLine xmlns:a14="http://schemas.microsoft.com/office/drawing/2010/main" xmlns:p14="http://schemas.microsoft.com/office/powerpoint/2010/main" xmlns:a16="http://schemas.microsoft.com/office/drawing/2014/main" xmlns="" w="9525">
+                <a14:hiddenLine xmlns="" xmlns:a16="http://schemas.microsoft.com/office/drawing/2014/main" xmlns:p14="http://schemas.microsoft.com/office/powerpoint/2010/main" xmlns:a14="http://schemas.microsoft.com/office/drawing/2010/main" w="9525">
                   <a:solidFill>
                     <a:srgbClr val="000000"/>
                   </a:solidFill>
@@ -42788,7 +42856,7 @@
             </a:ln>
             <a:extLst>
               <a:ext uri="{91240B29-F687-4f45-9708-019B960494DF}">
-                <a14:hiddenLine xmlns:a14="http://schemas.microsoft.com/office/drawing/2010/main" xmlns:p14="http://schemas.microsoft.com/office/powerpoint/2010/main" xmlns:a16="http://schemas.microsoft.com/office/drawing/2014/main" xmlns="" w="9525">
+                <a14:hiddenLine xmlns="" xmlns:a16="http://schemas.microsoft.com/office/drawing/2014/main" xmlns:p14="http://schemas.microsoft.com/office/powerpoint/2010/main" xmlns:a14="http://schemas.microsoft.com/office/drawing/2010/main" w="9525">
                   <a:solidFill>
                     <a:srgbClr val="000000"/>
                   </a:solidFill>
@@ -42900,7 +42968,7 @@
             </a:ln>
             <a:extLst>
               <a:ext uri="{91240B29-F687-4f45-9708-019B960494DF}">
-                <a14:hiddenLine xmlns:a14="http://schemas.microsoft.com/office/drawing/2010/main" xmlns:p14="http://schemas.microsoft.com/office/powerpoint/2010/main" xmlns:a16="http://schemas.microsoft.com/office/drawing/2014/main" xmlns="" w="9525">
+                <a14:hiddenLine xmlns="" xmlns:a16="http://schemas.microsoft.com/office/drawing/2014/main" xmlns:p14="http://schemas.microsoft.com/office/powerpoint/2010/main" xmlns:a14="http://schemas.microsoft.com/office/drawing/2010/main" w="9525">
                   <a:solidFill>
                     <a:srgbClr val="000000"/>
                   </a:solidFill>
@@ -42956,7 +43024,7 @@
             </a:ln>
             <a:extLst>
               <a:ext uri="{91240B29-F687-4f45-9708-019B960494DF}">
-                <a14:hiddenLine xmlns:a14="http://schemas.microsoft.com/office/drawing/2010/main" xmlns:p14="http://schemas.microsoft.com/office/powerpoint/2010/main" xmlns:a16="http://schemas.microsoft.com/office/drawing/2014/main" xmlns="" w="9525">
+                <a14:hiddenLine xmlns="" xmlns:a16="http://schemas.microsoft.com/office/drawing/2014/main" xmlns:p14="http://schemas.microsoft.com/office/powerpoint/2010/main" xmlns:a14="http://schemas.microsoft.com/office/drawing/2010/main" w="9525">
                   <a:solidFill>
                     <a:srgbClr val="000000"/>
                   </a:solidFill>
@@ -43043,7 +43111,7 @@
             </a:ln>
             <a:extLst>
               <a:ext uri="{91240B29-F687-4f45-9708-019B960494DF}">
-                <a14:hiddenLine xmlns:a14="http://schemas.microsoft.com/office/drawing/2010/main" xmlns:p14="http://schemas.microsoft.com/office/powerpoint/2010/main" xmlns:a16="http://schemas.microsoft.com/office/drawing/2014/main" xmlns="" w="9525">
+                <a14:hiddenLine xmlns="" xmlns:a16="http://schemas.microsoft.com/office/drawing/2014/main" xmlns:p14="http://schemas.microsoft.com/office/powerpoint/2010/main" xmlns:a14="http://schemas.microsoft.com/office/drawing/2010/main" w="9525">
                   <a:solidFill>
                     <a:srgbClr val="000000"/>
                   </a:solidFill>
@@ -43155,7 +43223,7 @@
             </a:ln>
             <a:extLst>
               <a:ext uri="{91240B29-F687-4f45-9708-019B960494DF}">
-                <a14:hiddenLine xmlns:a14="http://schemas.microsoft.com/office/drawing/2010/main" xmlns:p14="http://schemas.microsoft.com/office/powerpoint/2010/main" xmlns:a16="http://schemas.microsoft.com/office/drawing/2014/main" xmlns="" w="9525">
+                <a14:hiddenLine xmlns="" xmlns:a16="http://schemas.microsoft.com/office/drawing/2014/main" xmlns:p14="http://schemas.microsoft.com/office/powerpoint/2010/main" xmlns:a14="http://schemas.microsoft.com/office/drawing/2010/main" w="9525">
                   <a:solidFill>
                     <a:srgbClr val="000000"/>
                   </a:solidFill>
@@ -43239,7 +43307,7 @@
             </a:ln>
             <a:extLst>
               <a:ext uri="{91240B29-F687-4f45-9708-019B960494DF}">
-                <a14:hiddenLine xmlns:a14="http://schemas.microsoft.com/office/drawing/2010/main" xmlns:p14="http://schemas.microsoft.com/office/powerpoint/2010/main" xmlns:a16="http://schemas.microsoft.com/office/drawing/2014/main" xmlns="" w="9525">
+                <a14:hiddenLine xmlns="" xmlns:a16="http://schemas.microsoft.com/office/drawing/2014/main" xmlns:p14="http://schemas.microsoft.com/office/powerpoint/2010/main" xmlns:a14="http://schemas.microsoft.com/office/drawing/2010/main" w="9525">
                   <a:solidFill>
                     <a:srgbClr val="000000"/>
                   </a:solidFill>
@@ -43351,7 +43419,7 @@
             </a:ln>
             <a:extLst>
               <a:ext uri="{91240B29-F687-4f45-9708-019B960494DF}">
-                <a14:hiddenLine xmlns:a14="http://schemas.microsoft.com/office/drawing/2010/main" xmlns:p14="http://schemas.microsoft.com/office/powerpoint/2010/main" xmlns:a16="http://schemas.microsoft.com/office/drawing/2014/main" xmlns="" w="9525">
+                <a14:hiddenLine xmlns="" xmlns:a16="http://schemas.microsoft.com/office/drawing/2014/main" xmlns:p14="http://schemas.microsoft.com/office/powerpoint/2010/main" xmlns:a14="http://schemas.microsoft.com/office/drawing/2010/main" w="9525">
                   <a:solidFill>
                     <a:srgbClr val="000000"/>
                   </a:solidFill>
@@ -43438,7 +43506,7 @@
             </a:ln>
             <a:extLst>
               <a:ext uri="{91240B29-F687-4f45-9708-019B960494DF}">
-                <a14:hiddenLine xmlns:a14="http://schemas.microsoft.com/office/drawing/2010/main" xmlns:p14="http://schemas.microsoft.com/office/powerpoint/2010/main" xmlns:a16="http://schemas.microsoft.com/office/drawing/2014/main" xmlns="" w="9525">
+                <a14:hiddenLine xmlns="" xmlns:a16="http://schemas.microsoft.com/office/drawing/2014/main" xmlns:p14="http://schemas.microsoft.com/office/powerpoint/2010/main" xmlns:a14="http://schemas.microsoft.com/office/drawing/2010/main" w="9525">
                   <a:solidFill>
                     <a:srgbClr val="000000"/>
                   </a:solidFill>
@@ -43522,7 +43590,7 @@
             </a:ln>
             <a:extLst>
               <a:ext uri="{91240B29-F687-4f45-9708-019B960494DF}">
-                <a14:hiddenLine xmlns:a14="http://schemas.microsoft.com/office/drawing/2010/main" xmlns:p14="http://schemas.microsoft.com/office/powerpoint/2010/main" xmlns:a16="http://schemas.microsoft.com/office/drawing/2014/main" xmlns="" w="9525">
+                <a14:hiddenLine xmlns="" xmlns:a16="http://schemas.microsoft.com/office/drawing/2014/main" xmlns:p14="http://schemas.microsoft.com/office/powerpoint/2010/main" xmlns:a14="http://schemas.microsoft.com/office/drawing/2010/main" w="9525">
                   <a:solidFill>
                     <a:srgbClr val="000000"/>
                   </a:solidFill>
@@ -43634,7 +43702,7 @@
             </a:ln>
             <a:extLst>
               <a:ext uri="{91240B29-F687-4f45-9708-019B960494DF}">
-                <a14:hiddenLine xmlns:a14="http://schemas.microsoft.com/office/drawing/2010/main" xmlns:p14="http://schemas.microsoft.com/office/powerpoint/2010/main" xmlns:a16="http://schemas.microsoft.com/office/drawing/2014/main" xmlns="" w="9525">
+                <a14:hiddenLine xmlns="" xmlns:a16="http://schemas.microsoft.com/office/drawing/2014/main" xmlns:p14="http://schemas.microsoft.com/office/powerpoint/2010/main" xmlns:a14="http://schemas.microsoft.com/office/drawing/2010/main" w="9525">
                   <a:solidFill>
                     <a:srgbClr val="000000"/>
                   </a:solidFill>
@@ -43746,7 +43814,7 @@
             </a:ln>
             <a:extLst>
               <a:ext uri="{91240B29-F687-4f45-9708-019B960494DF}">
-                <a14:hiddenLine xmlns:a14="http://schemas.microsoft.com/office/drawing/2010/main" xmlns:p14="http://schemas.microsoft.com/office/powerpoint/2010/main" xmlns:a16="http://schemas.microsoft.com/office/drawing/2014/main" xmlns="" w="9525">
+                <a14:hiddenLine xmlns="" xmlns:a16="http://schemas.microsoft.com/office/drawing/2014/main" xmlns:p14="http://schemas.microsoft.com/office/powerpoint/2010/main" xmlns:a14="http://schemas.microsoft.com/office/drawing/2010/main" w="9525">
                   <a:solidFill>
                     <a:srgbClr val="000000"/>
                   </a:solidFill>
@@ -43833,7 +43901,7 @@
             </a:ln>
             <a:extLst>
               <a:ext uri="{91240B29-F687-4f45-9708-019B960494DF}">
-                <a14:hiddenLine xmlns:a14="http://schemas.microsoft.com/office/drawing/2010/main" xmlns:p14="http://schemas.microsoft.com/office/powerpoint/2010/main" xmlns:a16="http://schemas.microsoft.com/office/drawing/2014/main" xmlns="" w="9525">
+                <a14:hiddenLine xmlns="" xmlns:a16="http://schemas.microsoft.com/office/drawing/2014/main" xmlns:p14="http://schemas.microsoft.com/office/powerpoint/2010/main" xmlns:a14="http://schemas.microsoft.com/office/drawing/2010/main" w="9525">
                   <a:solidFill>
                     <a:srgbClr val="000000"/>
                   </a:solidFill>
@@ -43975,7 +44043,7 @@
             </a:ln>
             <a:extLst>
               <a:ext uri="{91240B29-F687-4f45-9708-019B960494DF}">
-                <a14:hiddenLine xmlns:a14="http://schemas.microsoft.com/office/drawing/2010/main" xmlns:p14="http://schemas.microsoft.com/office/powerpoint/2010/main" xmlns:a16="http://schemas.microsoft.com/office/drawing/2014/main" xmlns="" w="9525">
+                <a14:hiddenLine xmlns="" xmlns:a16="http://schemas.microsoft.com/office/drawing/2014/main" xmlns:p14="http://schemas.microsoft.com/office/powerpoint/2010/main" xmlns:a14="http://schemas.microsoft.com/office/drawing/2010/main" w="9525">
                   <a:solidFill>
                     <a:srgbClr val="000000"/>
                   </a:solidFill>
